--- a/C-Group v2.pptx
+++ b/C-Group v2.pptx
@@ -18,7 +18,8 @@
     <p:sldId id="308" r:id="rId15"/>
     <p:sldId id="311" r:id="rId16"/>
     <p:sldId id="312" r:id="rId17"/>
-    <p:sldId id="304" r:id="rId18"/>
+    <p:sldId id="313" r:id="rId18"/>
+    <p:sldId id="304" r:id="rId19"/>
   </p:sldIdLst>
   <p:sldSz cx="12192000" cy="6858000"/>
   <p:notesSz cx="6858000" cy="9144000"/>
@@ -128,7 +129,7 @@
 <file path=ppt/revisionInfo.xml><?xml version="1.0" encoding="utf-8"?>
 <p1510:revInfo xmlns:a="http://schemas.openxmlformats.org/drawingml/2006/main" xmlns:r="http://schemas.openxmlformats.org/officeDocument/2006/relationships" xmlns:p1510="http://schemas.microsoft.com/office/powerpoint/2015/10/main">
   <p1510:revLst>
-    <p1510:client id="{822C966B-C667-4003-8373-37D4D19E0693}" v="1" dt="2023-04-11T22:10:21.128"/>
+    <p1510:client id="{822C966B-C667-4003-8373-37D4D19E0693}" v="2" dt="2023-04-11T22:32:13.209"/>
   </p1510:revLst>
 </p1510:revInfo>
 </file>
@@ -137,8 +138,8 @@
 <pc:chgInfo xmlns:a="http://schemas.openxmlformats.org/drawingml/2006/main" xmlns:r="http://schemas.openxmlformats.org/officeDocument/2006/relationships" xmlns:ac="http://schemas.microsoft.com/office/drawing/2013/main/command" xmlns:pc="http://schemas.microsoft.com/office/powerpoint/2013/main/command">
   <pc:docChgLst>
     <pc:chgData name="lou foster" userId="6aa2d2fb6fd751e9" providerId="LiveId" clId="{822C966B-C667-4003-8373-37D4D19E0693}"/>
-    <pc:docChg chg="undo custSel modSld sldOrd">
-      <pc:chgData name="lou foster" userId="6aa2d2fb6fd751e9" providerId="LiveId" clId="{822C966B-C667-4003-8373-37D4D19E0693}" dt="2023-04-11T22:23:48.296" v="219" actId="14100"/>
+    <pc:docChg chg="undo custSel addSld modSld sldOrd">
+      <pc:chgData name="lou foster" userId="6aa2d2fb6fd751e9" providerId="LiveId" clId="{822C966B-C667-4003-8373-37D4D19E0693}" dt="2023-04-11T22:32:24.517" v="240" actId="20577"/>
       <pc:docMkLst>
         <pc:docMk/>
       </pc:docMkLst>
@@ -157,8 +158,8 @@
           </ac:spMkLst>
         </pc:spChg>
       </pc:sldChg>
-      <pc:sldChg chg="modSp mod">
-        <pc:chgData name="lou foster" userId="6aa2d2fb6fd751e9" providerId="LiveId" clId="{822C966B-C667-4003-8373-37D4D19E0693}" dt="2023-04-11T22:23:48.296" v="219" actId="14100"/>
+      <pc:sldChg chg="addSp delSp modSp mod">
+        <pc:chgData name="lou foster" userId="6aa2d2fb6fd751e9" providerId="LiveId" clId="{822C966B-C667-4003-8373-37D4D19E0693}" dt="2023-04-11T22:32:04.310" v="221" actId="22"/>
         <pc:sldMkLst>
           <pc:docMk/>
           <pc:sldMk cId="3107224356" sldId="304"/>
@@ -169,6 +170,14 @@
             <pc:docMk/>
             <pc:sldMk cId="3107224356" sldId="304"/>
             <ac:spMk id="2" creationId="{75AC86D3-8FD1-4F47-A319-7D0542E48B2F}"/>
+          </ac:spMkLst>
+        </pc:spChg>
+        <pc:spChg chg="add del">
+          <ac:chgData name="lou foster" userId="6aa2d2fb6fd751e9" providerId="LiveId" clId="{822C966B-C667-4003-8373-37D4D19E0693}" dt="2023-04-11T22:32:04.310" v="221" actId="22"/>
+          <ac:spMkLst>
+            <pc:docMk/>
+            <pc:sldMk cId="3107224356" sldId="304"/>
+            <ac:spMk id="4" creationId="{A08CD67B-44F7-1A42-B173-3D73C29C8F96}"/>
           </ac:spMkLst>
         </pc:spChg>
       </pc:sldChg>
@@ -269,6 +278,21 @@
             <pc:docMk/>
             <pc:sldMk cId="2126395444" sldId="312"/>
             <ac:spMk id="5" creationId="{73A7EBCF-5494-2CF5-208B-5F6B01D509BF}"/>
+          </ac:spMkLst>
+        </pc:spChg>
+      </pc:sldChg>
+      <pc:sldChg chg="modSp add mod ord">
+        <pc:chgData name="lou foster" userId="6aa2d2fb6fd751e9" providerId="LiveId" clId="{822C966B-C667-4003-8373-37D4D19E0693}" dt="2023-04-11T22:32:24.517" v="240" actId="20577"/>
+        <pc:sldMkLst>
+          <pc:docMk/>
+          <pc:sldMk cId="447438589" sldId="313"/>
+        </pc:sldMkLst>
+        <pc:spChg chg="mod">
+          <ac:chgData name="lou foster" userId="6aa2d2fb6fd751e9" providerId="LiveId" clId="{822C966B-C667-4003-8373-37D4D19E0693}" dt="2023-04-11T22:32:24.517" v="240" actId="20577"/>
+          <ac:spMkLst>
+            <pc:docMk/>
+            <pc:sldMk cId="447438589" sldId="313"/>
+            <ac:spMk id="2" creationId="{75AC86D3-8FD1-4F47-A319-7D0542E48B2F}"/>
           </ac:spMkLst>
         </pc:spChg>
       </pc:sldChg>
@@ -4610,6 +4634,142 @@
         <p:spPr>
           <a:xfrm>
             <a:off x="1097280" y="286603"/>
+            <a:ext cx="10058400" cy="1450757"/>
+          </a:xfrm>
+        </p:spPr>
+        <p:txBody>
+          <a:bodyPr vert="horz" lIns="91440" tIns="45720" rIns="91440" bIns="45720" rtlCol="0">
+            <a:normAutofit/>
+          </a:bodyPr>
+          <a:lstStyle/>
+          <a:p>
+            <a:r>
+              <a:rPr lang="en-US" sz="4800" b="1">
+                <a:solidFill>
+                  <a:srgbClr val="2B2B2B"/>
+                </a:solidFill>
+                <a:effectLst/>
+                <a:latin typeface="Calibri" panose="020F0502020204030204" pitchFamily="34" charset="0"/>
+                <a:ea typeface="Times New Roman" panose="02020603050405020304" pitchFamily="18" charset="0"/>
+                <a:cs typeface="Calibri" panose="020F0502020204030204" pitchFamily="34" charset="0"/>
+              </a:rPr>
+              <a:t>Machine Learning</a:t>
+            </a:r>
+            <a:endParaRPr lang="en-US" dirty="0"/>
+          </a:p>
+        </p:txBody>
+      </p:sp>
+      <p:sp>
+        <p:nvSpPr>
+          <p:cNvPr id="5" name="Content Placeholder 4">
+            <a:extLst>
+              <a:ext uri="{FF2B5EF4-FFF2-40B4-BE49-F238E27FC236}">
+                <a16:creationId xmlns:a16="http://schemas.microsoft.com/office/drawing/2014/main" id="{73A7EBCF-5494-2CF5-208B-5F6B01D509BF}"/>
+              </a:ext>
+            </a:extLst>
+          </p:cNvPr>
+          <p:cNvSpPr>
+            <a:spLocks noGrp="1"/>
+          </p:cNvSpPr>
+          <p:nvPr>
+            <p:ph idx="1"/>
+          </p:nvPr>
+        </p:nvSpPr>
+        <p:spPr/>
+        <p:txBody>
+          <a:bodyPr/>
+          <a:lstStyle/>
+          <a:p>
+            <a:pPr marL="742950" marR="0" lvl="1" indent="-285750">
+              <a:lnSpc>
+                <a:spcPct val="115000"/>
+              </a:lnSpc>
+              <a:spcBef>
+                <a:spcPts val="0"/>
+              </a:spcBef>
+              <a:spcAft>
+                <a:spcPts val="0"/>
+              </a:spcAft>
+              <a:buSzPts val="1000"/>
+              <a:buFont typeface="Courier New" panose="02070309020205020404" pitchFamily="49" charset="0"/>
+              <a:buChar char="o"/>
+              <a:tabLst>
+                <a:tab pos="685800" algn="l"/>
+              </a:tabLst>
+            </a:pPr>
+            <a:r>
+              <a:rPr lang="en-US" sz="1100" dirty="0">
+                <a:solidFill>
+                  <a:srgbClr val="2B2B2B"/>
+                </a:solidFill>
+                <a:effectLst/>
+                <a:latin typeface="Calibri" panose="020F0502020204030204" pitchFamily="34" charset="0"/>
+                <a:ea typeface="Times New Roman" panose="02020603050405020304" pitchFamily="18" charset="0"/>
+                <a:cs typeface="Calibri" panose="020F0502020204030204" pitchFamily="34" charset="0"/>
+              </a:rPr>
+              <a:t>Travel agents and customers can utilize the weather data to choose the best cities for vacation based on certain weather criteria,</a:t>
+            </a:r>
+            <a:endParaRPr lang="en-US" sz="1100" dirty="0">
+              <a:effectLst/>
+              <a:latin typeface="Calibri" panose="020F0502020204030204" pitchFamily="34" charset="0"/>
+              <a:ea typeface="Calibri" panose="020F0502020204030204" pitchFamily="34" charset="0"/>
+              <a:cs typeface="Times New Roman" panose="02020603050405020304" pitchFamily="18" charset="0"/>
+            </a:endParaRPr>
+          </a:p>
+          <a:p>
+            <a:endParaRPr lang="en-US" dirty="0"/>
+          </a:p>
+        </p:txBody>
+      </p:sp>
+    </p:spTree>
+    <p:extLst>
+      <p:ext uri="{BB962C8B-B14F-4D97-AF65-F5344CB8AC3E}">
+        <p14:creationId xmlns:p14="http://schemas.microsoft.com/office/powerpoint/2010/main" val="447438589"/>
+      </p:ext>
+    </p:extLst>
+  </p:cSld>
+  <p:clrMapOvr>
+    <a:masterClrMapping/>
+  </p:clrMapOvr>
+</p:sld>
+</file>
+
+<file path=ppt/slides/slide15.xml><?xml version="1.0" encoding="utf-8"?>
+<p:sld xmlns:a="http://schemas.openxmlformats.org/drawingml/2006/main" xmlns:r="http://schemas.openxmlformats.org/officeDocument/2006/relationships" xmlns:p="http://schemas.openxmlformats.org/presentationml/2006/main">
+  <p:cSld>
+    <p:spTree>
+      <p:nvGrpSpPr>
+        <p:cNvPr id="1" name=""/>
+        <p:cNvGrpSpPr/>
+        <p:nvPr/>
+      </p:nvGrpSpPr>
+      <p:grpSpPr>
+        <a:xfrm>
+          <a:off x="0" y="0"/>
+          <a:ext cx="0" cy="0"/>
+          <a:chOff x="0" y="0"/>
+          <a:chExt cx="0" cy="0"/>
+        </a:xfrm>
+      </p:grpSpPr>
+      <p:sp>
+        <p:nvSpPr>
+          <p:cNvPr id="2" name="Title 1">
+            <a:extLst>
+              <a:ext uri="{FF2B5EF4-FFF2-40B4-BE49-F238E27FC236}">
+                <a16:creationId xmlns:a16="http://schemas.microsoft.com/office/drawing/2014/main" id="{75AC86D3-8FD1-4F47-A319-7D0542E48B2F}"/>
+              </a:ext>
+            </a:extLst>
+          </p:cNvPr>
+          <p:cNvSpPr>
+            <a:spLocks noGrp="1"/>
+          </p:cNvSpPr>
+          <p:nvPr>
+            <p:ph type="title"/>
+          </p:nvPr>
+        </p:nvSpPr>
+        <p:spPr>
+          <a:xfrm>
+            <a:off x="1097280" y="286603"/>
             <a:ext cx="10221078" cy="1450757"/>
           </a:xfrm>
         </p:spPr>
@@ -7809,6 +7969,24 @@
 </file>
 
 <file path=customXml/item1.xml><?xml version="1.0" encoding="utf-8"?>
+<p:properties xmlns:p="http://schemas.microsoft.com/office/2006/metadata/properties" xmlns:xsi="http://www.w3.org/2001/XMLSchema-instance" xmlns:pc="http://schemas.microsoft.com/office/infopath/2007/PartnerControls">
+  <documentManagement>
+    <Status xmlns="71af3243-3dd4-4a8d-8c0d-dd76da1f02a5">Not started</Status>
+    <MediaServiceKeyPoints xmlns="71af3243-3dd4-4a8d-8c0d-dd76da1f02a5" xsi:nil="true"/>
+  </documentManagement>
+</p:properties>
+</file>
+
+<file path=customXml/item2.xml><?xml version="1.0" encoding="utf-8"?>
+<?mso-contentType ?>
+<FormTemplates xmlns="http://schemas.microsoft.com/sharepoint/v3/contenttype/forms">
+  <Display>DocumentLibraryForm</Display>
+  <Edit>DocumentLibraryForm</Edit>
+  <New>DocumentLibraryForm</New>
+</FormTemplates>
+</file>
+
+<file path=customXml/item3.xml><?xml version="1.0" encoding="utf-8"?>
 <ct:contentTypeSchema xmlns:ct="http://schemas.microsoft.com/office/2006/metadata/contentType" xmlns:ma="http://schemas.microsoft.com/office/2006/metadata/properties/metaAttributes" ct:_="" ma:_="" ma:contentTypeName="Document" ma:contentTypeID="0x01010079F111ED35F8CC479449609E8A0923A6" ma:contentTypeVersion="12" ma:contentTypeDescription="Create a new document." ma:contentTypeScope="" ma:versionID="a410dd7f93c95333ffa1b60ed6adedd1">
   <xsd:schema xmlns:xsd="http://www.w3.org/2001/XMLSchema" xmlns:xs="http://www.w3.org/2001/XMLSchema" xmlns:p="http://schemas.microsoft.com/office/2006/metadata/properties" xmlns:ns2="71af3243-3dd4-4a8d-8c0d-dd76da1f02a5" xmlns:ns3="16c05727-aa75-4e4a-9b5f-8a80a1165891" targetNamespace="http://schemas.microsoft.com/office/2006/metadata/properties" ma:root="true" ma:fieldsID="a936d9baba76aa3866493feff160faab" ns2:_="" ns3:_="">
     <xsd:import namespace="71af3243-3dd4-4a8d-8c0d-dd76da1f02a5"/>
@@ -8029,25 +8207,25 @@
 </ct:contentTypeSchema>
 </file>
 
-<file path=customXml/item2.xml><?xml version="1.0" encoding="utf-8"?>
-<?mso-contentType ?>
-<FormTemplates xmlns="http://schemas.microsoft.com/sharepoint/v3/contenttype/forms">
-  <Display>DocumentLibraryForm</Display>
-  <Edit>DocumentLibraryForm</Edit>
-  <New>DocumentLibraryForm</New>
-</FormTemplates>
+<file path=customXml/itemProps1.xml><?xml version="1.0" encoding="utf-8"?>
+<ds:datastoreItem xmlns:ds="http://schemas.openxmlformats.org/officeDocument/2006/customXml" ds:itemID="{A03EEFF0-FB57-4CB4-8BFC-DF397689E2ED}">
+  <ds:schemaRefs>
+    <ds:schemaRef ds:uri="http://schemas.microsoft.com/office/2006/metadata/properties"/>
+    <ds:schemaRef ds:uri="http://schemas.microsoft.com/office/infopath/2007/PartnerControls"/>
+    <ds:schemaRef ds:uri="71af3243-3dd4-4a8d-8c0d-dd76da1f02a5"/>
+  </ds:schemaRefs>
+</ds:datastoreItem>
 </file>
 
-<file path=customXml/item3.xml><?xml version="1.0" encoding="utf-8"?>
-<p:properties xmlns:p="http://schemas.microsoft.com/office/2006/metadata/properties" xmlns:xsi="http://www.w3.org/2001/XMLSchema-instance" xmlns:pc="http://schemas.microsoft.com/office/infopath/2007/PartnerControls">
-  <documentManagement>
-    <Status xmlns="71af3243-3dd4-4a8d-8c0d-dd76da1f02a5">Not started</Status>
-    <MediaServiceKeyPoints xmlns="71af3243-3dd4-4a8d-8c0d-dd76da1f02a5" xsi:nil="true"/>
-  </documentManagement>
-</p:properties>
+<file path=customXml/itemProps2.xml><?xml version="1.0" encoding="utf-8"?>
+<ds:datastoreItem xmlns:ds="http://schemas.openxmlformats.org/officeDocument/2006/customXml" ds:itemID="{AA3F7EDC-E5B4-4BBC-9D2A-CBE6D46C37AD}">
+  <ds:schemaRefs>
+    <ds:schemaRef ds:uri="http://schemas.microsoft.com/sharepoint/v3/contenttype/forms"/>
+  </ds:schemaRefs>
+</ds:datastoreItem>
 </file>
 
-<file path=customXml/itemProps1.xml><?xml version="1.0" encoding="utf-8"?>
+<file path=customXml/itemProps3.xml><?xml version="1.0" encoding="utf-8"?>
 <ds:datastoreItem xmlns:ds="http://schemas.openxmlformats.org/officeDocument/2006/customXml" ds:itemID="{93932EF5-314F-409E-8020-FEE5FA0795B9}">
   <ds:schemaRefs>
     <ds:schemaRef ds:uri="http://schemas.microsoft.com/office/2006/metadata/contentType"/>
@@ -8064,22 +8242,4 @@
     <ds:schemaRef ds:uri="http://schemas.microsoft.com/internal/obd"/>
   </ds:schemaRefs>
 </ds:datastoreItem>
-</file>
-
-<file path=customXml/itemProps2.xml><?xml version="1.0" encoding="utf-8"?>
-<ds:datastoreItem xmlns:ds="http://schemas.openxmlformats.org/officeDocument/2006/customXml" ds:itemID="{AA3F7EDC-E5B4-4BBC-9D2A-CBE6D46C37AD}">
-  <ds:schemaRefs>
-    <ds:schemaRef ds:uri="http://schemas.microsoft.com/sharepoint/v3/contenttype/forms"/>
-  </ds:schemaRefs>
-</ds:datastoreItem>
-</file>
-
-<file path=customXml/itemProps3.xml><?xml version="1.0" encoding="utf-8"?>
-<ds:datastoreItem xmlns:ds="http://schemas.openxmlformats.org/officeDocument/2006/customXml" ds:itemID="{A03EEFF0-FB57-4CB4-8BFC-DF397689E2ED}">
-  <ds:schemaRefs>
-    <ds:schemaRef ds:uri="http://schemas.microsoft.com/office/2006/metadata/properties"/>
-    <ds:schemaRef ds:uri="http://schemas.microsoft.com/office/infopath/2007/PartnerControls"/>
-    <ds:schemaRef ds:uri="71af3243-3dd4-4a8d-8c0d-dd76da1f02a5"/>
-  </ds:schemaRefs>
-</ds:datastoreItem>
 </file>
--- a/C-Group v2.pptx
+++ b/C-Group v2.pptx
@@ -12,14 +12,15 @@
     <p:sldId id="302" r:id="rId9"/>
     <p:sldId id="307" r:id="rId10"/>
     <p:sldId id="305" r:id="rId11"/>
-    <p:sldId id="309" r:id="rId12"/>
-    <p:sldId id="306" r:id="rId13"/>
-    <p:sldId id="303" r:id="rId14"/>
-    <p:sldId id="308" r:id="rId15"/>
-    <p:sldId id="311" r:id="rId16"/>
-    <p:sldId id="312" r:id="rId17"/>
-    <p:sldId id="313" r:id="rId18"/>
-    <p:sldId id="304" r:id="rId19"/>
+    <p:sldId id="314" r:id="rId12"/>
+    <p:sldId id="309" r:id="rId13"/>
+    <p:sldId id="306" r:id="rId14"/>
+    <p:sldId id="303" r:id="rId15"/>
+    <p:sldId id="308" r:id="rId16"/>
+    <p:sldId id="311" r:id="rId17"/>
+    <p:sldId id="312" r:id="rId18"/>
+    <p:sldId id="313" r:id="rId19"/>
+    <p:sldId id="304" r:id="rId20"/>
   </p:sldIdLst>
   <p:sldSz cx="12192000" cy="6858000"/>
   <p:notesSz cx="6858000" cy="9144000"/>
@@ -129,7 +130,7 @@
 <file path=ppt/revisionInfo.xml><?xml version="1.0" encoding="utf-8"?>
 <p1510:revInfo xmlns:a="http://schemas.openxmlformats.org/drawingml/2006/main" xmlns:r="http://schemas.openxmlformats.org/officeDocument/2006/relationships" xmlns:p1510="http://schemas.microsoft.com/office/powerpoint/2015/10/main">
   <p1510:revLst>
-    <p1510:client id="{822C966B-C667-4003-8373-37D4D19E0693}" v="2" dt="2023-04-11T22:32:13.209"/>
+    <p1510:client id="{822C966B-C667-4003-8373-37D4D19E0693}" v="3" dt="2023-04-11T22:37:22.566"/>
   </p1510:revLst>
 </p1510:revInfo>
 </file>
@@ -139,7 +140,7 @@
   <pc:docChgLst>
     <pc:chgData name="lou foster" userId="6aa2d2fb6fd751e9" providerId="LiveId" clId="{822C966B-C667-4003-8373-37D4D19E0693}"/>
     <pc:docChg chg="undo custSel addSld modSld sldOrd">
-      <pc:chgData name="lou foster" userId="6aa2d2fb6fd751e9" providerId="LiveId" clId="{822C966B-C667-4003-8373-37D4D19E0693}" dt="2023-04-11T22:32:24.517" v="240" actId="20577"/>
+      <pc:chgData name="lou foster" userId="6aa2d2fb6fd751e9" providerId="LiveId" clId="{822C966B-C667-4003-8373-37D4D19E0693}" dt="2023-04-11T22:41:44.454" v="340" actId="948"/>
       <pc:docMkLst>
         <pc:docMk/>
       </pc:docMkLst>
@@ -178,6 +179,21 @@
             <pc:docMk/>
             <pc:sldMk cId="3107224356" sldId="304"/>
             <ac:spMk id="4" creationId="{A08CD67B-44F7-1A42-B173-3D73C29C8F96}"/>
+          </ac:spMkLst>
+        </pc:spChg>
+      </pc:sldChg>
+      <pc:sldChg chg="modSp mod">
+        <pc:chgData name="lou foster" userId="6aa2d2fb6fd751e9" providerId="LiveId" clId="{822C966B-C667-4003-8373-37D4D19E0693}" dt="2023-04-11T22:41:44.454" v="340" actId="948"/>
+        <pc:sldMkLst>
+          <pc:docMk/>
+          <pc:sldMk cId="2588026706" sldId="305"/>
+        </pc:sldMkLst>
+        <pc:spChg chg="mod">
+          <ac:chgData name="lou foster" userId="6aa2d2fb6fd751e9" providerId="LiveId" clId="{822C966B-C667-4003-8373-37D4D19E0693}" dt="2023-04-11T22:41:44.454" v="340" actId="948"/>
+          <ac:spMkLst>
+            <pc:docMk/>
+            <pc:sldMk cId="2588026706" sldId="305"/>
+            <ac:spMk id="5" creationId="{73A7EBCF-5494-2CF5-208B-5F6B01D509BF}"/>
           </ac:spMkLst>
         </pc:spChg>
       </pc:sldChg>
@@ -295,6 +311,13 @@
             <ac:spMk id="2" creationId="{75AC86D3-8FD1-4F47-A319-7D0542E48B2F}"/>
           </ac:spMkLst>
         </pc:spChg>
+      </pc:sldChg>
+      <pc:sldChg chg="add ord">
+        <pc:chgData name="lou foster" userId="6aa2d2fb6fd751e9" providerId="LiveId" clId="{822C966B-C667-4003-8373-37D4D19E0693}" dt="2023-04-11T22:37:25.553" v="243"/>
+        <pc:sldMkLst>
+          <pc:docMk/>
+          <pc:sldMk cId="1374906752" sldId="314"/>
+        </pc:sldMkLst>
       </pc:sldChg>
     </pc:docChg>
   </pc:docChgLst>
@@ -3990,6 +4013,132 @@
           <a:p>
             <a:r>
               <a:rPr lang="en-US" dirty="0"/>
+              <a:t>Draft – Air Quality Database</a:t>
+            </a:r>
+          </a:p>
+        </p:txBody>
+      </p:sp>
+      <p:pic>
+        <p:nvPicPr>
+          <p:cNvPr id="3" name="Picture 2" descr="A screenshot of a computer&#10;&#10;Description automatically generated">
+            <a:extLst>
+              <a:ext uri="{FF2B5EF4-FFF2-40B4-BE49-F238E27FC236}">
+                <a16:creationId xmlns:a16="http://schemas.microsoft.com/office/drawing/2014/main" id="{825C7CDC-B109-6CF1-01EA-32CA986C2B79}"/>
+              </a:ext>
+            </a:extLst>
+          </p:cNvPr>
+          <p:cNvPicPr>
+            <a:picLocks noChangeAspect="1"/>
+          </p:cNvPicPr>
+          <p:nvPr/>
+        </p:nvPicPr>
+        <p:blipFill>
+          <a:blip r:embed="rId2"/>
+          <a:stretch>
+            <a:fillRect/>
+          </a:stretch>
+        </p:blipFill>
+        <p:spPr>
+          <a:xfrm>
+            <a:off x="1302224" y="2489299"/>
+            <a:ext cx="4293359" cy="2850380"/>
+          </a:xfrm>
+          <a:prstGeom prst="rect">
+            <a:avLst/>
+          </a:prstGeom>
+        </p:spPr>
+      </p:pic>
+      <p:pic>
+        <p:nvPicPr>
+          <p:cNvPr id="6" name="Content Placeholder 5" descr="Graphical user interface, application, table&#10;&#10;Description automatically generated">
+            <a:extLst>
+              <a:ext uri="{FF2B5EF4-FFF2-40B4-BE49-F238E27FC236}">
+                <a16:creationId xmlns:a16="http://schemas.microsoft.com/office/drawing/2014/main" id="{54D95C40-D334-C323-1CD0-1551082C2981}"/>
+              </a:ext>
+            </a:extLst>
+          </p:cNvPr>
+          <p:cNvPicPr>
+            <a:picLocks noGrp="1" noChangeAspect="1"/>
+          </p:cNvPicPr>
+          <p:nvPr>
+            <p:ph idx="1"/>
+          </p:nvPr>
+        </p:nvPicPr>
+        <p:blipFill rotWithShape="1">
+          <a:blip r:embed="rId3"/>
+          <a:srcRect l="3892" t="-29011" r="20410" b="1160"/>
+          <a:stretch/>
+        </p:blipFill>
+        <p:spPr>
+          <a:xfrm>
+            <a:off x="5534167" y="2258325"/>
+            <a:ext cx="4606119" cy="3760788"/>
+          </a:xfrm>
+          <a:prstGeom prst="rect">
+            <a:avLst/>
+          </a:prstGeom>
+        </p:spPr>
+      </p:pic>
+    </p:spTree>
+    <p:extLst>
+      <p:ext uri="{BB962C8B-B14F-4D97-AF65-F5344CB8AC3E}">
+        <p14:creationId xmlns:p14="http://schemas.microsoft.com/office/powerpoint/2010/main" val="2652039864"/>
+      </p:ext>
+    </p:extLst>
+  </p:cSld>
+  <p:clrMapOvr>
+    <a:masterClrMapping/>
+  </p:clrMapOvr>
+</p:sld>
+</file>
+
+<file path=ppt/slides/slide11.xml><?xml version="1.0" encoding="utf-8"?>
+<p:sld xmlns:a="http://schemas.openxmlformats.org/drawingml/2006/main" xmlns:r="http://schemas.openxmlformats.org/officeDocument/2006/relationships" xmlns:p="http://schemas.openxmlformats.org/presentationml/2006/main">
+  <p:cSld>
+    <p:spTree>
+      <p:nvGrpSpPr>
+        <p:cNvPr id="1" name=""/>
+        <p:cNvGrpSpPr/>
+        <p:nvPr/>
+      </p:nvGrpSpPr>
+      <p:grpSpPr>
+        <a:xfrm>
+          <a:off x="0" y="0"/>
+          <a:ext cx="0" cy="0"/>
+          <a:chOff x="0" y="0"/>
+          <a:chExt cx="0" cy="0"/>
+        </a:xfrm>
+      </p:grpSpPr>
+      <p:sp>
+        <p:nvSpPr>
+          <p:cNvPr id="2" name="Title 1">
+            <a:extLst>
+              <a:ext uri="{FF2B5EF4-FFF2-40B4-BE49-F238E27FC236}">
+                <a16:creationId xmlns:a16="http://schemas.microsoft.com/office/drawing/2014/main" id="{75AC86D3-8FD1-4F47-A319-7D0542E48B2F}"/>
+              </a:ext>
+            </a:extLst>
+          </p:cNvPr>
+          <p:cNvSpPr>
+            <a:spLocks noGrp="1"/>
+          </p:cNvSpPr>
+          <p:nvPr>
+            <p:ph type="title"/>
+          </p:nvPr>
+        </p:nvSpPr>
+        <p:spPr>
+          <a:xfrm>
+            <a:off x="1097280" y="286603"/>
+            <a:ext cx="10058400" cy="1450757"/>
+          </a:xfrm>
+        </p:spPr>
+        <p:txBody>
+          <a:bodyPr vert="horz" lIns="91440" tIns="45720" rIns="91440" bIns="45720" rtlCol="0">
+            <a:normAutofit/>
+          </a:bodyPr>
+          <a:lstStyle/>
+          <a:p>
+            <a:r>
+              <a:rPr lang="en-US" dirty="0"/>
               <a:t>Draft – 100 Top Cities</a:t>
             </a:r>
           </a:p>
@@ -4062,7 +4211,7 @@
 </p:sld>
 </file>
 
-<file path=ppt/slides/slide11.xml><?xml version="1.0" encoding="utf-8"?>
+<file path=ppt/slides/slide12.xml><?xml version="1.0" encoding="utf-8"?>
 <p:sld xmlns:a="http://schemas.openxmlformats.org/drawingml/2006/main" xmlns:r="http://schemas.openxmlformats.org/officeDocument/2006/relationships" xmlns:p="http://schemas.openxmlformats.org/presentationml/2006/main">
   <p:cSld>
     <p:spTree>
@@ -4166,302 +4315,6 @@
 </p:sld>
 </file>
 
-<file path=ppt/slides/slide12.xml><?xml version="1.0" encoding="utf-8"?>
-<p:sld xmlns:a="http://schemas.openxmlformats.org/drawingml/2006/main" xmlns:r="http://schemas.openxmlformats.org/officeDocument/2006/relationships" xmlns:p="http://schemas.openxmlformats.org/presentationml/2006/main">
-  <p:cSld>
-    <p:spTree>
-      <p:nvGrpSpPr>
-        <p:cNvPr id="1" name=""/>
-        <p:cNvGrpSpPr/>
-        <p:nvPr/>
-      </p:nvGrpSpPr>
-      <p:grpSpPr>
-        <a:xfrm>
-          <a:off x="0" y="0"/>
-          <a:ext cx="0" cy="0"/>
-          <a:chOff x="0" y="0"/>
-          <a:chExt cx="0" cy="0"/>
-        </a:xfrm>
-      </p:grpSpPr>
-      <p:sp>
-        <p:nvSpPr>
-          <p:cNvPr id="2" name="Title 1">
-            <a:extLst>
-              <a:ext uri="{FF2B5EF4-FFF2-40B4-BE49-F238E27FC236}">
-                <a16:creationId xmlns:a16="http://schemas.microsoft.com/office/drawing/2014/main" id="{75AC86D3-8FD1-4F47-A319-7D0542E48B2F}"/>
-              </a:ext>
-            </a:extLst>
-          </p:cNvPr>
-          <p:cNvSpPr>
-            <a:spLocks noGrp="1"/>
-          </p:cNvSpPr>
-          <p:nvPr>
-            <p:ph type="title"/>
-          </p:nvPr>
-        </p:nvSpPr>
-        <p:spPr>
-          <a:xfrm>
-            <a:off x="1097280" y="286603"/>
-            <a:ext cx="10058400" cy="1450757"/>
-          </a:xfrm>
-        </p:spPr>
-        <p:txBody>
-          <a:bodyPr vert="horz" lIns="91440" tIns="45720" rIns="91440" bIns="45720" rtlCol="0">
-            <a:normAutofit/>
-          </a:bodyPr>
-          <a:lstStyle/>
-          <a:p>
-            <a:pPr marR="0" lvl="0">
-              <a:lnSpc>
-                <a:spcPct val="115000"/>
-              </a:lnSpc>
-              <a:spcBef>
-                <a:spcPts val="0"/>
-              </a:spcBef>
-              <a:spcAft>
-                <a:spcPts val="0"/>
-              </a:spcAft>
-              <a:tabLst>
-                <a:tab pos="228600" algn="l"/>
-              </a:tabLst>
-            </a:pPr>
-            <a:r>
-              <a:rPr lang="en-US" sz="4800" b="1" dirty="0">
-                <a:solidFill>
-                  <a:srgbClr val="2B2B2B"/>
-                </a:solidFill>
-                <a:effectLst/>
-                <a:latin typeface="Calibri" panose="020F0502020204030204" pitchFamily="34" charset="0"/>
-                <a:ea typeface="Times New Roman" panose="02020603050405020304" pitchFamily="18" charset="0"/>
-                <a:cs typeface="Calibri" panose="020F0502020204030204" pitchFamily="34" charset="0"/>
-              </a:rPr>
-              <a:t>Exploratory Analysis with Visualization</a:t>
-            </a:r>
-            <a:endParaRPr lang="en-US" sz="4800" dirty="0">
-              <a:effectLst/>
-              <a:latin typeface="Calibri" panose="020F0502020204030204" pitchFamily="34" charset="0"/>
-              <a:ea typeface="Calibri" panose="020F0502020204030204" pitchFamily="34" charset="0"/>
-              <a:cs typeface="Times New Roman" panose="02020603050405020304" pitchFamily="18" charset="0"/>
-            </a:endParaRPr>
-          </a:p>
-        </p:txBody>
-      </p:sp>
-      <p:sp>
-        <p:nvSpPr>
-          <p:cNvPr id="5" name="Content Placeholder 4">
-            <a:extLst>
-              <a:ext uri="{FF2B5EF4-FFF2-40B4-BE49-F238E27FC236}">
-                <a16:creationId xmlns:a16="http://schemas.microsoft.com/office/drawing/2014/main" id="{73A7EBCF-5494-2CF5-208B-5F6B01D509BF}"/>
-              </a:ext>
-            </a:extLst>
-          </p:cNvPr>
-          <p:cNvSpPr>
-            <a:spLocks noGrp="1"/>
-          </p:cNvSpPr>
-          <p:nvPr>
-            <p:ph idx="1"/>
-          </p:nvPr>
-        </p:nvSpPr>
-        <p:spPr/>
-        <p:txBody>
-          <a:bodyPr/>
-          <a:lstStyle/>
-          <a:p>
-            <a:pPr marL="457200" marR="0">
-              <a:lnSpc>
-                <a:spcPct val="115000"/>
-              </a:lnSpc>
-              <a:spcBef>
-                <a:spcPts val="0"/>
-              </a:spcBef>
-              <a:spcAft>
-                <a:spcPts val="0"/>
-              </a:spcAft>
-            </a:pPr>
-            <a:r>
-              <a:rPr lang="en-US" sz="1100" dirty="0">
-                <a:solidFill>
-                  <a:srgbClr val="2B2B2B"/>
-                </a:solidFill>
-                <a:effectLst/>
-                <a:latin typeface="Calibri" panose="020F0502020204030204" pitchFamily="34" charset="0"/>
-                <a:ea typeface="Times New Roman" panose="02020603050405020304" pitchFamily="18" charset="0"/>
-                <a:cs typeface="Calibri" panose="020F0502020204030204" pitchFamily="34" charset="0"/>
-              </a:rPr>
-              <a:t>Tableau</a:t>
-            </a:r>
-            <a:endParaRPr lang="en-US" sz="1100" dirty="0">
-              <a:effectLst/>
-              <a:latin typeface="Calibri" panose="020F0502020204030204" pitchFamily="34" charset="0"/>
-              <a:ea typeface="Calibri" panose="020F0502020204030204" pitchFamily="34" charset="0"/>
-              <a:cs typeface="Times New Roman" panose="02020603050405020304" pitchFamily="18" charset="0"/>
-            </a:endParaRPr>
-          </a:p>
-          <a:p>
-            <a:pPr marL="457200" marR="0">
-              <a:lnSpc>
-                <a:spcPct val="115000"/>
-              </a:lnSpc>
-              <a:spcBef>
-                <a:spcPts val="0"/>
-              </a:spcBef>
-              <a:spcAft>
-                <a:spcPts val="1000"/>
-              </a:spcAft>
-            </a:pPr>
-            <a:r>
-              <a:rPr lang="en-US" sz="1100" dirty="0">
-                <a:solidFill>
-                  <a:srgbClr val="2B2B2B"/>
-                </a:solidFill>
-                <a:effectLst/>
-                <a:latin typeface="Calibri" panose="020F0502020204030204" pitchFamily="34" charset="0"/>
-                <a:ea typeface="Times New Roman" panose="02020603050405020304" pitchFamily="18" charset="0"/>
-                <a:cs typeface="Calibri" panose="020F0502020204030204" pitchFamily="34" charset="0"/>
-              </a:rPr>
-              <a:t> </a:t>
-            </a:r>
-            <a:endParaRPr lang="en-US" sz="1100" dirty="0">
-              <a:effectLst/>
-              <a:latin typeface="Calibri" panose="020F0502020204030204" pitchFamily="34" charset="0"/>
-              <a:ea typeface="Calibri" panose="020F0502020204030204" pitchFamily="34" charset="0"/>
-              <a:cs typeface="Times New Roman" panose="02020603050405020304" pitchFamily="18" charset="0"/>
-            </a:endParaRPr>
-          </a:p>
-          <a:p>
-            <a:pPr marL="457200" marR="0">
-              <a:lnSpc>
-                <a:spcPct val="115000"/>
-              </a:lnSpc>
-              <a:spcBef>
-                <a:spcPts val="0"/>
-              </a:spcBef>
-              <a:spcAft>
-                <a:spcPts val="0"/>
-              </a:spcAft>
-            </a:pPr>
-            <a:r>
-              <a:rPr lang="en-US" sz="1100" dirty="0">
-                <a:solidFill>
-                  <a:srgbClr val="2B2B2B"/>
-                </a:solidFill>
-                <a:effectLst/>
-                <a:latin typeface="Calibri" panose="020F0502020204030204" pitchFamily="34" charset="0"/>
-                <a:ea typeface="Times New Roman" panose="02020603050405020304" pitchFamily="18" charset="0"/>
-                <a:cs typeface="Calibri" panose="020F0502020204030204" pitchFamily="34" charset="0"/>
-              </a:rPr>
-              <a:t> </a:t>
-            </a:r>
-            <a:endParaRPr lang="en-US" sz="1100" dirty="0">
-              <a:effectLst/>
-              <a:latin typeface="Calibri" panose="020F0502020204030204" pitchFamily="34" charset="0"/>
-              <a:ea typeface="Calibri" panose="020F0502020204030204" pitchFamily="34" charset="0"/>
-              <a:cs typeface="Times New Roman" panose="02020603050405020304" pitchFamily="18" charset="0"/>
-            </a:endParaRPr>
-          </a:p>
-          <a:p>
-            <a:pPr marL="342900" marR="0" lvl="0" indent="-342900">
-              <a:lnSpc>
-                <a:spcPct val="115000"/>
-              </a:lnSpc>
-              <a:spcBef>
-                <a:spcPts val="0"/>
-              </a:spcBef>
-              <a:spcAft>
-                <a:spcPts val="0"/>
-              </a:spcAft>
-              <a:buFont typeface="+mj-lt"/>
-              <a:buAutoNum type="arabicPeriod"/>
-              <a:tabLst>
-                <a:tab pos="228600" algn="l"/>
-              </a:tabLst>
-            </a:pPr>
-            <a:r>
-              <a:rPr lang="en-US" sz="1100" b="1" dirty="0">
-                <a:solidFill>
-                  <a:srgbClr val="2B2B2B"/>
-                </a:solidFill>
-                <a:effectLst/>
-                <a:latin typeface="Calibri" panose="020F0502020204030204" pitchFamily="34" charset="0"/>
-                <a:ea typeface="Times New Roman" panose="02020603050405020304" pitchFamily="18" charset="0"/>
-                <a:cs typeface="Calibri" panose="020F0502020204030204" pitchFamily="34" charset="0"/>
-              </a:rPr>
-              <a:t>Visualize Travel Data</a:t>
-            </a:r>
-            <a:r>
-              <a:rPr lang="en-US" sz="1100" dirty="0">
-                <a:solidFill>
-                  <a:srgbClr val="2B2B2B"/>
-                </a:solidFill>
-                <a:effectLst/>
-                <a:latin typeface="Calibri" panose="020F0502020204030204" pitchFamily="34" charset="0"/>
-                <a:ea typeface="Times New Roman" panose="02020603050405020304" pitchFamily="18" charset="0"/>
-                <a:cs typeface="Calibri" panose="020F0502020204030204" pitchFamily="34" charset="0"/>
-              </a:rPr>
-              <a:t>.</a:t>
-            </a:r>
-            <a:endParaRPr lang="en-US" sz="1100" dirty="0">
-              <a:effectLst/>
-              <a:latin typeface="Calibri" panose="020F0502020204030204" pitchFamily="34" charset="0"/>
-              <a:ea typeface="Calibri" panose="020F0502020204030204" pitchFamily="34" charset="0"/>
-              <a:cs typeface="Times New Roman" panose="02020603050405020304" pitchFamily="18" charset="0"/>
-            </a:endParaRPr>
-          </a:p>
-          <a:p>
-            <a:pPr marL="742950" marR="0" lvl="1" indent="-285750">
-              <a:lnSpc>
-                <a:spcPct val="115000"/>
-              </a:lnSpc>
-              <a:spcBef>
-                <a:spcPts val="0"/>
-              </a:spcBef>
-              <a:spcAft>
-                <a:spcPts val="0"/>
-              </a:spcAft>
-              <a:buSzPts val="1000"/>
-              <a:buFont typeface="Courier New" panose="02070309020205020404" pitchFamily="49" charset="0"/>
-              <a:buChar char="o"/>
-              <a:tabLst>
-                <a:tab pos="685800" algn="l"/>
-              </a:tabLst>
-            </a:pPr>
-            <a:r>
-              <a:rPr lang="en-US" sz="1100" dirty="0">
-                <a:solidFill>
-                  <a:srgbClr val="2B2B2B"/>
-                </a:solidFill>
-                <a:effectLst/>
-                <a:latin typeface="Calibri" panose="020F0502020204030204" pitchFamily="34" charset="0"/>
-                <a:ea typeface="Times New Roman" panose="02020603050405020304" pitchFamily="18" charset="0"/>
-                <a:cs typeface="Calibri" panose="020F0502020204030204" pitchFamily="34" charset="0"/>
-              </a:rPr>
-              <a:t>Travel agents and customers can utilize the weather data to choose the best cities for vacation based on certain weather criteria,</a:t>
-            </a:r>
-            <a:endParaRPr lang="en-US" sz="1100" dirty="0">
-              <a:effectLst/>
-              <a:latin typeface="Calibri" panose="020F0502020204030204" pitchFamily="34" charset="0"/>
-              <a:ea typeface="Calibri" panose="020F0502020204030204" pitchFamily="34" charset="0"/>
-              <a:cs typeface="Times New Roman" panose="02020603050405020304" pitchFamily="18" charset="0"/>
-            </a:endParaRPr>
-          </a:p>
-          <a:p>
-            <a:endParaRPr lang="en-US" dirty="0"/>
-          </a:p>
-        </p:txBody>
-      </p:sp>
-    </p:spTree>
-    <p:extLst>
-      <p:ext uri="{BB962C8B-B14F-4D97-AF65-F5344CB8AC3E}">
-        <p14:creationId xmlns:p14="http://schemas.microsoft.com/office/powerpoint/2010/main" val="2140282332"/>
-      </p:ext>
-    </p:extLst>
-  </p:cSld>
-  <p:clrMapOvr>
-    <a:masterClrMapping/>
-  </p:clrMapOvr>
-</p:sld>
-</file>
-
 <file path=ppt/slides/slide13.xml><?xml version="1.0" encoding="utf-8"?>
 <p:sld xmlns:a="http://schemas.openxmlformats.org/drawingml/2006/main" xmlns:r="http://schemas.openxmlformats.org/officeDocument/2006/relationships" xmlns:p="http://schemas.openxmlformats.org/presentationml/2006/main">
   <p:cSld>
@@ -4507,6 +4360,20 @@
           </a:bodyPr>
           <a:lstStyle/>
           <a:p>
+            <a:pPr marR="0" lvl="0">
+              <a:lnSpc>
+                <a:spcPct val="115000"/>
+              </a:lnSpc>
+              <a:spcBef>
+                <a:spcPts val="0"/>
+              </a:spcBef>
+              <a:spcAft>
+                <a:spcPts val="0"/>
+              </a:spcAft>
+              <a:tabLst>
+                <a:tab pos="228600" algn="l"/>
+              </a:tabLst>
+            </a:pPr>
             <a:r>
               <a:rPr lang="en-US" sz="4800" b="1" dirty="0">
                 <a:solidFill>
@@ -4517,9 +4384,14 @@
                 <a:ea typeface="Times New Roman" panose="02020603050405020304" pitchFamily="18" charset="0"/>
                 <a:cs typeface="Calibri" panose="020F0502020204030204" pitchFamily="34" charset="0"/>
               </a:rPr>
-              <a:t>Visualize Travel Data</a:t>
-            </a:r>
-            <a:endParaRPr lang="en-US" dirty="0"/>
+              <a:t>Exploratory Analysis with Visualization</a:t>
+            </a:r>
+            <a:endParaRPr lang="en-US" sz="4800" dirty="0">
+              <a:effectLst/>
+              <a:latin typeface="Calibri" panose="020F0502020204030204" pitchFamily="34" charset="0"/>
+              <a:ea typeface="Calibri" panose="020F0502020204030204" pitchFamily="34" charset="0"/>
+              <a:cs typeface="Times New Roman" panose="02020603050405020304" pitchFamily="18" charset="0"/>
+            </a:endParaRPr>
           </a:p>
         </p:txBody>
       </p:sp>
@@ -4543,6 +4415,147 @@
         <p:txBody>
           <a:bodyPr/>
           <a:lstStyle/>
+          <a:p>
+            <a:pPr marL="457200" marR="0">
+              <a:lnSpc>
+                <a:spcPct val="115000"/>
+              </a:lnSpc>
+              <a:spcBef>
+                <a:spcPts val="0"/>
+              </a:spcBef>
+              <a:spcAft>
+                <a:spcPts val="0"/>
+              </a:spcAft>
+            </a:pPr>
+            <a:r>
+              <a:rPr lang="en-US" sz="1100" dirty="0">
+                <a:solidFill>
+                  <a:srgbClr val="2B2B2B"/>
+                </a:solidFill>
+                <a:effectLst/>
+                <a:latin typeface="Calibri" panose="020F0502020204030204" pitchFamily="34" charset="0"/>
+                <a:ea typeface="Times New Roman" panose="02020603050405020304" pitchFamily="18" charset="0"/>
+                <a:cs typeface="Calibri" panose="020F0502020204030204" pitchFamily="34" charset="0"/>
+              </a:rPr>
+              <a:t>Tableau</a:t>
+            </a:r>
+            <a:endParaRPr lang="en-US" sz="1100" dirty="0">
+              <a:effectLst/>
+              <a:latin typeface="Calibri" panose="020F0502020204030204" pitchFamily="34" charset="0"/>
+              <a:ea typeface="Calibri" panose="020F0502020204030204" pitchFamily="34" charset="0"/>
+              <a:cs typeface="Times New Roman" panose="02020603050405020304" pitchFamily="18" charset="0"/>
+            </a:endParaRPr>
+          </a:p>
+          <a:p>
+            <a:pPr marL="457200" marR="0">
+              <a:lnSpc>
+                <a:spcPct val="115000"/>
+              </a:lnSpc>
+              <a:spcBef>
+                <a:spcPts val="0"/>
+              </a:spcBef>
+              <a:spcAft>
+                <a:spcPts val="1000"/>
+              </a:spcAft>
+            </a:pPr>
+            <a:r>
+              <a:rPr lang="en-US" sz="1100" dirty="0">
+                <a:solidFill>
+                  <a:srgbClr val="2B2B2B"/>
+                </a:solidFill>
+                <a:effectLst/>
+                <a:latin typeface="Calibri" panose="020F0502020204030204" pitchFamily="34" charset="0"/>
+                <a:ea typeface="Times New Roman" panose="02020603050405020304" pitchFamily="18" charset="0"/>
+                <a:cs typeface="Calibri" panose="020F0502020204030204" pitchFamily="34" charset="0"/>
+              </a:rPr>
+              <a:t> </a:t>
+            </a:r>
+            <a:endParaRPr lang="en-US" sz="1100" dirty="0">
+              <a:effectLst/>
+              <a:latin typeface="Calibri" panose="020F0502020204030204" pitchFamily="34" charset="0"/>
+              <a:ea typeface="Calibri" panose="020F0502020204030204" pitchFamily="34" charset="0"/>
+              <a:cs typeface="Times New Roman" panose="02020603050405020304" pitchFamily="18" charset="0"/>
+            </a:endParaRPr>
+          </a:p>
+          <a:p>
+            <a:pPr marL="457200" marR="0">
+              <a:lnSpc>
+                <a:spcPct val="115000"/>
+              </a:lnSpc>
+              <a:spcBef>
+                <a:spcPts val="0"/>
+              </a:spcBef>
+              <a:spcAft>
+                <a:spcPts val="0"/>
+              </a:spcAft>
+            </a:pPr>
+            <a:r>
+              <a:rPr lang="en-US" sz="1100" dirty="0">
+                <a:solidFill>
+                  <a:srgbClr val="2B2B2B"/>
+                </a:solidFill>
+                <a:effectLst/>
+                <a:latin typeface="Calibri" panose="020F0502020204030204" pitchFamily="34" charset="0"/>
+                <a:ea typeface="Times New Roman" panose="02020603050405020304" pitchFamily="18" charset="0"/>
+                <a:cs typeface="Calibri" panose="020F0502020204030204" pitchFamily="34" charset="0"/>
+              </a:rPr>
+              <a:t> </a:t>
+            </a:r>
+            <a:endParaRPr lang="en-US" sz="1100" dirty="0">
+              <a:effectLst/>
+              <a:latin typeface="Calibri" panose="020F0502020204030204" pitchFamily="34" charset="0"/>
+              <a:ea typeface="Calibri" panose="020F0502020204030204" pitchFamily="34" charset="0"/>
+              <a:cs typeface="Times New Roman" panose="02020603050405020304" pitchFamily="18" charset="0"/>
+            </a:endParaRPr>
+          </a:p>
+          <a:p>
+            <a:pPr marL="342900" marR="0" lvl="0" indent="-342900">
+              <a:lnSpc>
+                <a:spcPct val="115000"/>
+              </a:lnSpc>
+              <a:spcBef>
+                <a:spcPts val="0"/>
+              </a:spcBef>
+              <a:spcAft>
+                <a:spcPts val="0"/>
+              </a:spcAft>
+              <a:buFont typeface="+mj-lt"/>
+              <a:buAutoNum type="arabicPeriod"/>
+              <a:tabLst>
+                <a:tab pos="228600" algn="l"/>
+              </a:tabLst>
+            </a:pPr>
+            <a:r>
+              <a:rPr lang="en-US" sz="1100" b="1" dirty="0">
+                <a:solidFill>
+                  <a:srgbClr val="2B2B2B"/>
+                </a:solidFill>
+                <a:effectLst/>
+                <a:latin typeface="Calibri" panose="020F0502020204030204" pitchFamily="34" charset="0"/>
+                <a:ea typeface="Times New Roman" panose="02020603050405020304" pitchFamily="18" charset="0"/>
+                <a:cs typeface="Calibri" panose="020F0502020204030204" pitchFamily="34" charset="0"/>
+              </a:rPr>
+              <a:t>Visualize Travel Data</a:t>
+            </a:r>
+            <a:r>
+              <a:rPr lang="en-US" sz="1100" dirty="0">
+                <a:solidFill>
+                  <a:srgbClr val="2B2B2B"/>
+                </a:solidFill>
+                <a:effectLst/>
+                <a:latin typeface="Calibri" panose="020F0502020204030204" pitchFamily="34" charset="0"/>
+                <a:ea typeface="Times New Roman" panose="02020603050405020304" pitchFamily="18" charset="0"/>
+                <a:cs typeface="Calibri" panose="020F0502020204030204" pitchFamily="34" charset="0"/>
+              </a:rPr>
+              <a:t>.</a:t>
+            </a:r>
+            <a:endParaRPr lang="en-US" sz="1100" dirty="0">
+              <a:effectLst/>
+              <a:latin typeface="Calibri" panose="020F0502020204030204" pitchFamily="34" charset="0"/>
+              <a:ea typeface="Calibri" panose="020F0502020204030204" pitchFamily="34" charset="0"/>
+              <a:cs typeface="Times New Roman" panose="02020603050405020304" pitchFamily="18" charset="0"/>
+            </a:endParaRPr>
+          </a:p>
           <a:p>
             <a:pPr marL="742950" marR="0" lvl="1" indent="-285750">
               <a:lnSpc>
@@ -4588,7 +4601,7 @@
     </p:spTree>
     <p:extLst>
       <p:ext uri="{BB962C8B-B14F-4D97-AF65-F5344CB8AC3E}">
-        <p14:creationId xmlns:p14="http://schemas.microsoft.com/office/powerpoint/2010/main" val="2126395444"/>
+        <p14:creationId xmlns:p14="http://schemas.microsoft.com/office/powerpoint/2010/main" val="2140282332"/>
       </p:ext>
     </p:extLst>
   </p:cSld>
@@ -4644,6 +4657,142 @@
           <a:lstStyle/>
           <a:p>
             <a:r>
+              <a:rPr lang="en-US" sz="4800" b="1" dirty="0">
+                <a:solidFill>
+                  <a:srgbClr val="2B2B2B"/>
+                </a:solidFill>
+                <a:effectLst/>
+                <a:latin typeface="Calibri" panose="020F0502020204030204" pitchFamily="34" charset="0"/>
+                <a:ea typeface="Times New Roman" panose="02020603050405020304" pitchFamily="18" charset="0"/>
+                <a:cs typeface="Calibri" panose="020F0502020204030204" pitchFamily="34" charset="0"/>
+              </a:rPr>
+              <a:t>Visualize Travel Data</a:t>
+            </a:r>
+            <a:endParaRPr lang="en-US" dirty="0"/>
+          </a:p>
+        </p:txBody>
+      </p:sp>
+      <p:sp>
+        <p:nvSpPr>
+          <p:cNvPr id="5" name="Content Placeholder 4">
+            <a:extLst>
+              <a:ext uri="{FF2B5EF4-FFF2-40B4-BE49-F238E27FC236}">
+                <a16:creationId xmlns:a16="http://schemas.microsoft.com/office/drawing/2014/main" id="{73A7EBCF-5494-2CF5-208B-5F6B01D509BF}"/>
+              </a:ext>
+            </a:extLst>
+          </p:cNvPr>
+          <p:cNvSpPr>
+            <a:spLocks noGrp="1"/>
+          </p:cNvSpPr>
+          <p:nvPr>
+            <p:ph idx="1"/>
+          </p:nvPr>
+        </p:nvSpPr>
+        <p:spPr/>
+        <p:txBody>
+          <a:bodyPr/>
+          <a:lstStyle/>
+          <a:p>
+            <a:pPr marL="742950" marR="0" lvl="1" indent="-285750">
+              <a:lnSpc>
+                <a:spcPct val="115000"/>
+              </a:lnSpc>
+              <a:spcBef>
+                <a:spcPts val="0"/>
+              </a:spcBef>
+              <a:spcAft>
+                <a:spcPts val="0"/>
+              </a:spcAft>
+              <a:buSzPts val="1000"/>
+              <a:buFont typeface="Courier New" panose="02070309020205020404" pitchFamily="49" charset="0"/>
+              <a:buChar char="o"/>
+              <a:tabLst>
+                <a:tab pos="685800" algn="l"/>
+              </a:tabLst>
+            </a:pPr>
+            <a:r>
+              <a:rPr lang="en-US" sz="1100" dirty="0">
+                <a:solidFill>
+                  <a:srgbClr val="2B2B2B"/>
+                </a:solidFill>
+                <a:effectLst/>
+                <a:latin typeface="Calibri" panose="020F0502020204030204" pitchFamily="34" charset="0"/>
+                <a:ea typeface="Times New Roman" panose="02020603050405020304" pitchFamily="18" charset="0"/>
+                <a:cs typeface="Calibri" panose="020F0502020204030204" pitchFamily="34" charset="0"/>
+              </a:rPr>
+              <a:t>Travel agents and customers can utilize the weather data to choose the best cities for vacation based on certain weather criteria,</a:t>
+            </a:r>
+            <a:endParaRPr lang="en-US" sz="1100" dirty="0">
+              <a:effectLst/>
+              <a:latin typeface="Calibri" panose="020F0502020204030204" pitchFamily="34" charset="0"/>
+              <a:ea typeface="Calibri" panose="020F0502020204030204" pitchFamily="34" charset="0"/>
+              <a:cs typeface="Times New Roman" panose="02020603050405020304" pitchFamily="18" charset="0"/>
+            </a:endParaRPr>
+          </a:p>
+          <a:p>
+            <a:endParaRPr lang="en-US" dirty="0"/>
+          </a:p>
+        </p:txBody>
+      </p:sp>
+    </p:spTree>
+    <p:extLst>
+      <p:ext uri="{BB962C8B-B14F-4D97-AF65-F5344CB8AC3E}">
+        <p14:creationId xmlns:p14="http://schemas.microsoft.com/office/powerpoint/2010/main" val="2126395444"/>
+      </p:ext>
+    </p:extLst>
+  </p:cSld>
+  <p:clrMapOvr>
+    <a:masterClrMapping/>
+  </p:clrMapOvr>
+</p:sld>
+</file>
+
+<file path=ppt/slides/slide15.xml><?xml version="1.0" encoding="utf-8"?>
+<p:sld xmlns:a="http://schemas.openxmlformats.org/drawingml/2006/main" xmlns:r="http://schemas.openxmlformats.org/officeDocument/2006/relationships" xmlns:p="http://schemas.openxmlformats.org/presentationml/2006/main">
+  <p:cSld>
+    <p:spTree>
+      <p:nvGrpSpPr>
+        <p:cNvPr id="1" name=""/>
+        <p:cNvGrpSpPr/>
+        <p:nvPr/>
+      </p:nvGrpSpPr>
+      <p:grpSpPr>
+        <a:xfrm>
+          <a:off x="0" y="0"/>
+          <a:ext cx="0" cy="0"/>
+          <a:chOff x="0" y="0"/>
+          <a:chExt cx="0" cy="0"/>
+        </a:xfrm>
+      </p:grpSpPr>
+      <p:sp>
+        <p:nvSpPr>
+          <p:cNvPr id="2" name="Title 1">
+            <a:extLst>
+              <a:ext uri="{FF2B5EF4-FFF2-40B4-BE49-F238E27FC236}">
+                <a16:creationId xmlns:a16="http://schemas.microsoft.com/office/drawing/2014/main" id="{75AC86D3-8FD1-4F47-A319-7D0542E48B2F}"/>
+              </a:ext>
+            </a:extLst>
+          </p:cNvPr>
+          <p:cNvSpPr>
+            <a:spLocks noGrp="1"/>
+          </p:cNvSpPr>
+          <p:nvPr>
+            <p:ph type="title"/>
+          </p:nvPr>
+        </p:nvSpPr>
+        <p:spPr>
+          <a:xfrm>
+            <a:off x="1097280" y="286603"/>
+            <a:ext cx="10058400" cy="1450757"/>
+          </a:xfrm>
+        </p:spPr>
+        <p:txBody>
+          <a:bodyPr vert="horz" lIns="91440" tIns="45720" rIns="91440" bIns="45720" rtlCol="0">
+            <a:normAutofit/>
+          </a:bodyPr>
+          <a:lstStyle/>
+          <a:p>
+            <a:r>
               <a:rPr lang="en-US" sz="4800" b="1">
                 <a:solidFill>
                   <a:srgbClr val="2B2B2B"/>
@@ -4734,7 +4883,7 @@
 </p:sld>
 </file>
 
-<file path=ppt/slides/slide15.xml><?xml version="1.0" encoding="utf-8"?>
+<file path=ppt/slides/slide16.xml><?xml version="1.0" encoding="utf-8"?>
 <p:sld xmlns:a="http://schemas.openxmlformats.org/drawingml/2006/main" xmlns:r="http://schemas.openxmlformats.org/officeDocument/2006/relationships" xmlns:p="http://schemas.openxmlformats.org/presentationml/2006/main">
   <p:cSld>
     <p:spTree>
@@ -6798,7 +6947,7 @@
         <p:spPr/>
         <p:txBody>
           <a:bodyPr>
-            <a:normAutofit fontScale="62500" lnSpcReduction="20000"/>
+            <a:noAutofit/>
           </a:bodyPr>
           <a:lstStyle/>
           <a:p>
@@ -6814,7 +6963,7 @@
               </a:spcAft>
             </a:pPr>
             <a:r>
-              <a:rPr lang="en-US" sz="2200" b="1" u="sng" dirty="0">
+              <a:rPr lang="en-US" sz="1500" b="1" u="sng" dirty="0">
                 <a:solidFill>
                   <a:srgbClr val="2B2B2B"/>
                 </a:solidFill>
@@ -6824,7 +6973,7 @@
               </a:rPr>
               <a:t>Our Approach:</a:t>
             </a:r>
-            <a:endParaRPr lang="en-US" sz="2200" dirty="0">
+            <a:endParaRPr lang="en-US" sz="1500" dirty="0">
               <a:latin typeface="Calibri" panose="020F0502020204030204" pitchFamily="34" charset="0"/>
               <a:ea typeface="Calibri" panose="020F0502020204030204" pitchFamily="34" charset="0"/>
               <a:cs typeface="Times New Roman" panose="02020603050405020304" pitchFamily="18" charset="0"/>
@@ -6848,7 +6997,7 @@
               </a:tabLst>
             </a:pPr>
             <a:r>
-              <a:rPr lang="en-US" sz="2200" b="1" dirty="0">
+              <a:rPr lang="en-US" sz="1500" b="1" dirty="0">
                 <a:solidFill>
                   <a:srgbClr val="2B2B2B"/>
                 </a:solidFill>
@@ -6858,26 +7007,8 @@
               </a:rPr>
               <a:t>Collect the Data</a:t>
             </a:r>
-            <a:endParaRPr lang="en-US" sz="2200" dirty="0">
-              <a:latin typeface="Calibri" panose="020F0502020204030204" pitchFamily="34" charset="0"/>
-              <a:ea typeface="Calibri" panose="020F0502020204030204" pitchFamily="34" charset="0"/>
-              <a:cs typeface="Times New Roman" panose="02020603050405020304" pitchFamily="18" charset="0"/>
-            </a:endParaRPr>
-          </a:p>
-          <a:p>
-            <a:pPr marL="228600" marR="0">
-              <a:lnSpc>
-                <a:spcPct val="115000"/>
-              </a:lnSpc>
-              <a:spcBef>
-                <a:spcPts val="0"/>
-              </a:spcBef>
-              <a:spcAft>
-                <a:spcPts val="0"/>
-              </a:spcAft>
-            </a:pPr>
-            <a:r>
-              <a:rPr lang="en-US" sz="2200" dirty="0">
+            <a:r>
+              <a:rPr lang="en-US" sz="1500" dirty="0">
                 <a:solidFill>
                   <a:srgbClr val="2B2B2B"/>
                 </a:solidFill>
@@ -6887,7 +7018,7 @@
               </a:rPr>
               <a:t> </a:t>
             </a:r>
-            <a:endParaRPr lang="en-US" sz="2200" dirty="0">
+            <a:endParaRPr lang="en-US" sz="1500" dirty="0">
               <a:latin typeface="Calibri" panose="020F0502020204030204" pitchFamily="34" charset="0"/>
               <a:ea typeface="Calibri" panose="020F0502020204030204" pitchFamily="34" charset="0"/>
               <a:cs typeface="Times New Roman" panose="02020603050405020304" pitchFamily="18" charset="0"/>
@@ -6908,14 +7039,14 @@
               <a:buChar char=""/>
             </a:pPr>
             <a:r>
-              <a:rPr lang="en-US" sz="2200" b="1" u="sng" dirty="0">
+              <a:rPr lang="en-US" sz="1500" b="1" u="sng" dirty="0">
                 <a:latin typeface="Calibri" panose="020F0502020204030204" pitchFamily="34" charset="0"/>
                 <a:ea typeface="Calibri" panose="020F0502020204030204" pitchFamily="34" charset="0"/>
                 <a:cs typeface="Calibri" panose="020F0502020204030204" pitchFamily="34" charset="0"/>
               </a:rPr>
               <a:t>Data Source </a:t>
             </a:r>
-            <a:endParaRPr lang="en-US" sz="2200" dirty="0">
+            <a:endParaRPr lang="en-US" sz="1500" dirty="0">
               <a:latin typeface="Calibri" panose="020F0502020204030204" pitchFamily="34" charset="0"/>
               <a:ea typeface="Calibri" panose="020F0502020204030204" pitchFamily="34" charset="0"/>
               <a:cs typeface="Times New Roman" panose="02020603050405020304" pitchFamily="18" charset="0"/>
@@ -6939,7 +7070,7 @@
               </a:tabLst>
             </a:pPr>
             <a:r>
-              <a:rPr lang="en-US" sz="2200" b="1" dirty="0">
+              <a:rPr lang="en-US" sz="1500" b="1" dirty="0">
                 <a:latin typeface="Calibri" panose="020F0502020204030204" pitchFamily="34" charset="0"/>
                 <a:ea typeface="Calibri" panose="020F0502020204030204" pitchFamily="34" charset="0"/>
                 <a:cs typeface="Calibri" panose="020F0502020204030204" pitchFamily="34" charset="0"/>
@@ -6947,7 +7078,7 @@
               <a:t>Weather data from  </a:t>
             </a:r>
             <a:r>
-              <a:rPr lang="en-US" sz="2200" b="1" u="sng" dirty="0">
+              <a:rPr lang="en-US" sz="1500" b="1" u="sng" dirty="0">
                 <a:solidFill>
                   <a:srgbClr val="0000FF"/>
                 </a:solidFill>
@@ -6958,7 +7089,7 @@
               </a:rPr>
               <a:t>https://openweathermap.org/api/air-pollution</a:t>
             </a:r>
-            <a:endParaRPr lang="en-US" sz="2200" b="1" u="sng" dirty="0">
+            <a:endParaRPr lang="en-US" sz="1500" b="1" u="sng" dirty="0">
               <a:solidFill>
                 <a:srgbClr val="0000FF"/>
               </a:solidFill>
@@ -6986,7 +7117,7 @@
               </a:tabLst>
             </a:pPr>
             <a:r>
-              <a:rPr lang="en-US" sz="2200" b="1" dirty="0">
+              <a:rPr lang="en-US" sz="1500" b="1" dirty="0">
                 <a:latin typeface="Calibri" panose="020F0502020204030204" pitchFamily="34" charset="0"/>
                 <a:ea typeface="Calibri" panose="020F0502020204030204" pitchFamily="34" charset="0"/>
                 <a:cs typeface="Calibri" panose="020F0502020204030204" pitchFamily="34" charset="0"/>
@@ -7013,7 +7144,7 @@
               </a:tabLst>
             </a:pPr>
             <a:r>
-              <a:rPr lang="en-US" sz="2200" b="1" dirty="0">
+              <a:rPr lang="en-US" sz="1500" b="1" dirty="0">
                 <a:latin typeface="Calibri" panose="020F0502020204030204" pitchFamily="34" charset="0"/>
                 <a:ea typeface="Calibri" panose="020F0502020204030204" pitchFamily="34" charset="0"/>
                 <a:cs typeface="Calibri" panose="020F0502020204030204" pitchFamily="34" charset="0"/>
@@ -7039,7 +7170,7 @@
               </a:tabLst>
             </a:pPr>
             <a:r>
-              <a:rPr lang="en-US" sz="2200" b="1" dirty="0">
+              <a:rPr lang="en-US" sz="1500" b="1" dirty="0">
                 <a:latin typeface="Calibri" panose="020F0502020204030204" pitchFamily="34" charset="0"/>
                 <a:ea typeface="Calibri" panose="020F0502020204030204" pitchFamily="34" charset="0"/>
                 <a:cs typeface="Calibri" panose="020F0502020204030204" pitchFamily="34" charset="0"/>
@@ -7048,7 +7179,7 @@
             </a:r>
           </a:p>
           <a:p>
-            <a:pPr marL="635508" lvl="1" indent="-342900">
+            <a:pPr marL="292608" lvl="1" indent="0">
               <a:lnSpc>
                 <a:spcPct val="115000"/>
               </a:lnSpc>
@@ -7058,40 +7189,21 @@
               <a:spcAft>
                 <a:spcPts val="0"/>
               </a:spcAft>
-              <a:buFont typeface="Symbol" panose="05050102010706020507" pitchFamily="18" charset="2"/>
-              <a:buChar char=""/>
+              <a:buNone/>
             </a:pPr>
-            <a:endParaRPr lang="en-US" sz="2200" b="1" dirty="0">
-              <a:effectLst/>
-              <a:latin typeface="Calibri" panose="020F0502020204030204" pitchFamily="34" charset="0"/>
-              <a:ea typeface="Calibri" panose="020F0502020204030204" pitchFamily="34" charset="0"/>
-              <a:cs typeface="Calibri" panose="020F0502020204030204" pitchFamily="34" charset="0"/>
-            </a:endParaRPr>
-          </a:p>
-          <a:p>
-            <a:pPr marL="635508" lvl="1" indent="-342900">
-              <a:lnSpc>
-                <a:spcPct val="115000"/>
-              </a:lnSpc>
-              <a:spcBef>
-                <a:spcPts val="0"/>
-              </a:spcBef>
-              <a:spcAft>
-                <a:spcPts val="0"/>
-              </a:spcAft>
-              <a:buFont typeface="Symbol" panose="05050102010706020507" pitchFamily="18" charset="2"/>
-              <a:buChar char=""/>
-            </a:pPr>
-            <a:r>
-              <a:rPr lang="en-US" sz="2200" b="1" dirty="0">
+            <a:r>
+              <a:rPr lang="en-US" sz="1500" dirty="0">
+                <a:solidFill>
+                  <a:srgbClr val="FF0000"/>
+                </a:solidFill>
                 <a:effectLst/>
                 <a:latin typeface="Calibri" panose="020F0502020204030204" pitchFamily="34" charset="0"/>
                 <a:ea typeface="Calibri" panose="020F0502020204030204" pitchFamily="34" charset="0"/>
                 <a:cs typeface="Calibri" panose="020F0502020204030204" pitchFamily="34" charset="0"/>
               </a:rPr>
-              <a:t>Gather information to find the Top 100 Cities</a:t>
-            </a:r>
-            <a:endParaRPr lang="en-US" sz="2200" dirty="0">
+              <a:t>Tom Action Item </a:t>
+            </a:r>
+            <a:endParaRPr lang="en-US" sz="1500" dirty="0">
               <a:effectLst/>
               <a:latin typeface="Calibri" panose="020F0502020204030204" pitchFamily="34" charset="0"/>
               <a:ea typeface="Calibri" panose="020F0502020204030204" pitchFamily="34" charset="0"/>
@@ -7099,7 +7211,7 @@
             </a:endParaRPr>
           </a:p>
           <a:p>
-            <a:pPr marL="818388" lvl="2" indent="-342900">
+            <a:pPr marL="925830" lvl="2" indent="-285750">
               <a:lnSpc>
                 <a:spcPct val="115000"/>
               </a:lnSpc>
@@ -7109,19 +7221,19 @@
               <a:spcAft>
                 <a:spcPts val="0"/>
               </a:spcAft>
-              <a:buFont typeface="Symbol" panose="05050102010706020507" pitchFamily="18" charset="2"/>
-              <a:buChar char=""/>
+              <a:buFont typeface="Courier New" panose="02070309020205020404" pitchFamily="49" charset="0"/>
+              <a:buChar char="o"/>
             </a:pPr>
             <a:r>
-              <a:rPr lang="en-US" sz="2200" dirty="0">
+              <a:rPr lang="en-US" sz="1500" b="1" dirty="0">
                 <a:effectLst/>
                 <a:latin typeface="Calibri" panose="020F0502020204030204" pitchFamily="34" charset="0"/>
                 <a:ea typeface="Calibri" panose="020F0502020204030204" pitchFamily="34" charset="0"/>
                 <a:cs typeface="Calibri" panose="020F0502020204030204" pitchFamily="34" charset="0"/>
               </a:rPr>
-              <a:t>Resource: Kaggle</a:t>
-            </a:r>
-            <a:endParaRPr lang="en-US" sz="2200" dirty="0">
+              <a:t>Table2 /Database #2: Top Cities Screen Shot</a:t>
+            </a:r>
+            <a:endParaRPr lang="en-US" sz="1500" dirty="0">
               <a:effectLst/>
               <a:latin typeface="Calibri" panose="020F0502020204030204" pitchFamily="34" charset="0"/>
               <a:ea typeface="Calibri" panose="020F0502020204030204" pitchFamily="34" charset="0"/>
@@ -7129,7 +7241,7 @@
             </a:endParaRPr>
           </a:p>
           <a:p>
-            <a:pPr marL="818388" lvl="2" indent="-342900">
+            <a:pPr marL="1435608" lvl="1">
               <a:lnSpc>
                 <a:spcPct val="115000"/>
               </a:lnSpc>
@@ -7139,19 +7251,17 @@
               <a:spcAft>
                 <a:spcPts val="0"/>
               </a:spcAft>
-              <a:buFont typeface="Symbol" panose="05050102010706020507" pitchFamily="18" charset="2"/>
-              <a:buChar char=""/>
             </a:pPr>
             <a:r>
-              <a:rPr lang="en-US" sz="2200" dirty="0">
+              <a:rPr lang="en-US" sz="1500" b="1" dirty="0">
                 <a:effectLst/>
                 <a:latin typeface="Calibri" panose="020F0502020204030204" pitchFamily="34" charset="0"/>
                 <a:ea typeface="Calibri" panose="020F0502020204030204" pitchFamily="34" charset="0"/>
                 <a:cs typeface="Calibri" panose="020F0502020204030204" pitchFamily="34" charset="0"/>
               </a:rPr>
-              <a:t>data analysis of air quality in a variety of cities throughout the world. </a:t>
-            </a:r>
-            <a:endParaRPr lang="en-US" sz="2200" dirty="0">
+              <a:t>Data Year Collected in 2022 -</a:t>
+            </a:r>
+            <a:endParaRPr lang="en-US" sz="1500" dirty="0">
               <a:effectLst/>
               <a:latin typeface="Calibri" panose="020F0502020204030204" pitchFamily="34" charset="0"/>
               <a:ea typeface="Calibri" panose="020F0502020204030204" pitchFamily="34" charset="0"/>
@@ -7159,7 +7269,7 @@
             </a:endParaRPr>
           </a:p>
           <a:p>
-            <a:pPr marL="1108710" lvl="3" indent="-285750">
+            <a:pPr marL="1435608" lvl="1">
               <a:lnSpc>
                 <a:spcPct val="115000"/>
               </a:lnSpc>
@@ -7169,19 +7279,26 @@
               <a:spcAft>
                 <a:spcPts val="0"/>
               </a:spcAft>
-              <a:buFont typeface="Courier New" panose="02070309020205020404" pitchFamily="49" charset="0"/>
-              <a:buChar char="o"/>
             </a:pPr>
             <a:r>
-              <a:rPr lang="en-US" sz="2200" dirty="0">
+              <a:rPr lang="en-US" sz="1500" b="1" dirty="0">
                 <a:effectLst/>
                 <a:latin typeface="Calibri" panose="020F0502020204030204" pitchFamily="34" charset="0"/>
                 <a:ea typeface="Calibri" panose="020F0502020204030204" pitchFamily="34" charset="0"/>
                 <a:cs typeface="Calibri" panose="020F0502020204030204" pitchFamily="34" charset="0"/>
               </a:rPr>
-              <a:t>Our sample database consists of cities chosen at random.</a:t>
-            </a:r>
-            <a:endParaRPr lang="en-US" sz="2200" dirty="0">
+              <a:t>Database Source:  </a:t>
+            </a:r>
+            <a:r>
+              <a:rPr lang="en-US" sz="1500" dirty="0">
+                <a:effectLst/>
+                <a:latin typeface="Calibri" panose="020F0502020204030204" pitchFamily="34" charset="0"/>
+                <a:ea typeface="Calibri" panose="020F0502020204030204" pitchFamily="34" charset="0"/>
+                <a:cs typeface="Calibri" panose="020F0502020204030204" pitchFamily="34" charset="0"/>
+              </a:rPr>
+              <a:t>Kaggle</a:t>
+            </a:r>
+            <a:endParaRPr lang="en-US" sz="1500" dirty="0">
               <a:effectLst/>
               <a:latin typeface="Calibri" panose="020F0502020204030204" pitchFamily="34" charset="0"/>
               <a:ea typeface="Calibri" panose="020F0502020204030204" pitchFamily="34" charset="0"/>
@@ -7189,177 +7306,48 @@
             </a:endParaRPr>
           </a:p>
           <a:p>
-            <a:pPr marL="342900" marR="0" lvl="0" indent="-342900">
+            <a:pPr marL="0" indent="0">
               <a:lnSpc>
                 <a:spcPct val="115000"/>
               </a:lnSpc>
-              <a:spcBef>
-                <a:spcPts val="0"/>
-              </a:spcBef>
               <a:spcAft>
                 <a:spcPts val="0"/>
               </a:spcAft>
-              <a:buFont typeface="Symbol" panose="05050102010706020507" pitchFamily="18" charset="2"/>
-              <a:buChar char=""/>
+              <a:buNone/>
+              <a:tabLst>
+                <a:tab pos="228600" algn="l"/>
+              </a:tabLst>
             </a:pPr>
             <a:r>
-              <a:rPr lang="en-US" sz="2200" dirty="0">
-                <a:solidFill>
-                  <a:srgbClr val="FF0000"/>
-                </a:solidFill>
-                <a:effectLst/>
-                <a:latin typeface="Calibri" panose="020F0502020204030204" pitchFamily="34" charset="0"/>
-                <a:ea typeface="Calibri" panose="020F0502020204030204" pitchFamily="34" charset="0"/>
+              <a:rPr lang="en-US" sz="1500" b="1" dirty="0">
+                <a:solidFill>
+                  <a:srgbClr val="2B2B2B"/>
+                </a:solidFill>
+                <a:latin typeface="Calibri" panose="020F0502020204030204" pitchFamily="34" charset="0"/>
                 <a:cs typeface="Calibri" panose="020F0502020204030204" pitchFamily="34" charset="0"/>
               </a:rPr>
-              <a:t>Tom Action Item </a:t>
-            </a:r>
-            <a:endParaRPr lang="en-US" sz="2200" dirty="0">
-              <a:effectLst/>
-              <a:latin typeface="Calibri" panose="020F0502020204030204" pitchFamily="34" charset="0"/>
-              <a:ea typeface="Calibri" panose="020F0502020204030204" pitchFamily="34" charset="0"/>
-              <a:cs typeface="Times New Roman" panose="02020603050405020304" pitchFamily="18" charset="0"/>
-            </a:endParaRPr>
-          </a:p>
-          <a:p>
-            <a:pPr marL="635508" lvl="1" indent="-342900">
-              <a:lnSpc>
-                <a:spcPct val="115000"/>
-              </a:lnSpc>
-              <a:spcBef>
-                <a:spcPts val="0"/>
-              </a:spcBef>
-              <a:spcAft>
-                <a:spcPts val="0"/>
-              </a:spcAft>
-              <a:buFont typeface="Symbol" panose="05050102010706020507" pitchFamily="18" charset="2"/>
-              <a:buChar char=""/>
-            </a:pPr>
-            <a:r>
-              <a:rPr lang="en-US" sz="2200" dirty="0">
+              <a:t>	Technical Tool Sets:  Python. Tableau, </a:t>
+            </a:r>
+            <a:r>
+              <a:rPr lang="en-US" sz="1500" b="1" dirty="0" err="1">
                 <a:solidFill>
                   <a:srgbClr val="2B2B2B"/>
                 </a:solidFill>
-                <a:effectLst/>
-                <a:latin typeface="Calibri" panose="020F0502020204030204" pitchFamily="34" charset="0"/>
-                <a:ea typeface="Times New Roman" panose="02020603050405020304" pitchFamily="18" charset="0"/>
+                <a:latin typeface="Calibri" panose="020F0502020204030204" pitchFamily="34" charset="0"/>
                 <a:cs typeface="Calibri" panose="020F0502020204030204" pitchFamily="34" charset="0"/>
               </a:rPr>
-              <a:t>Table 2: </a:t>
-            </a:r>
-            <a:r>
-              <a:rPr lang="en-US" sz="2200" b="1" dirty="0">
-                <a:effectLst/>
-                <a:latin typeface="Calibri" panose="020F0502020204030204" pitchFamily="34" charset="0"/>
-                <a:ea typeface="Calibri" panose="020F0502020204030204" pitchFamily="34" charset="0"/>
+              <a:t>Jupyter</a:t>
+            </a:r>
+            <a:r>
+              <a:rPr lang="en-US" sz="1500" b="1" dirty="0">
+                <a:solidFill>
+                  <a:srgbClr val="2B2B2B"/>
+                </a:solidFill>
+                <a:latin typeface="Calibri" panose="020F0502020204030204" pitchFamily="34" charset="0"/>
                 <a:cs typeface="Calibri" panose="020F0502020204030204" pitchFamily="34" charset="0"/>
               </a:rPr>
-              <a:t>Top 100 Cities</a:t>
-            </a:r>
-            <a:endParaRPr lang="en-US" sz="2200" dirty="0">
-              <a:effectLst/>
-              <a:latin typeface="Calibri" panose="020F0502020204030204" pitchFamily="34" charset="0"/>
-              <a:ea typeface="Calibri" panose="020F0502020204030204" pitchFamily="34" charset="0"/>
-              <a:cs typeface="Times New Roman" panose="02020603050405020304" pitchFamily="18" charset="0"/>
-            </a:endParaRPr>
-          </a:p>
-          <a:p>
-            <a:pPr marL="925830" lvl="2" indent="-285750">
-              <a:lnSpc>
-                <a:spcPct val="115000"/>
-              </a:lnSpc>
-              <a:spcBef>
-                <a:spcPts val="0"/>
-              </a:spcBef>
-              <a:spcAft>
-                <a:spcPts val="0"/>
-              </a:spcAft>
-              <a:buFont typeface="Courier New" panose="02070309020205020404" pitchFamily="49" charset="0"/>
-              <a:buChar char="o"/>
-            </a:pPr>
-            <a:r>
-              <a:rPr lang="en-US" sz="2200" b="1" dirty="0">
-                <a:effectLst/>
-                <a:latin typeface="Calibri" panose="020F0502020204030204" pitchFamily="34" charset="0"/>
-                <a:ea typeface="Calibri" panose="020F0502020204030204" pitchFamily="34" charset="0"/>
-                <a:cs typeface="Calibri" panose="020F0502020204030204" pitchFamily="34" charset="0"/>
-              </a:rPr>
-              <a:t>Table /Database #2: Top Cities Screen Shot</a:t>
-            </a:r>
-            <a:endParaRPr lang="en-US" sz="2200" dirty="0">
-              <a:effectLst/>
-              <a:latin typeface="Calibri" panose="020F0502020204030204" pitchFamily="34" charset="0"/>
-              <a:ea typeface="Calibri" panose="020F0502020204030204" pitchFamily="34" charset="0"/>
-              <a:cs typeface="Times New Roman" panose="02020603050405020304" pitchFamily="18" charset="0"/>
-            </a:endParaRPr>
-          </a:p>
-          <a:p>
-            <a:pPr marL="1435608" lvl="1">
-              <a:lnSpc>
-                <a:spcPct val="115000"/>
-              </a:lnSpc>
-              <a:spcBef>
-                <a:spcPts val="0"/>
-              </a:spcBef>
-              <a:spcAft>
-                <a:spcPts val="0"/>
-              </a:spcAft>
-            </a:pPr>
-            <a:r>
-              <a:rPr lang="en-US" sz="2200" b="1" dirty="0">
-                <a:effectLst/>
-                <a:latin typeface="Calibri" panose="020F0502020204030204" pitchFamily="34" charset="0"/>
-                <a:ea typeface="Calibri" panose="020F0502020204030204" pitchFamily="34" charset="0"/>
-                <a:cs typeface="Calibri" panose="020F0502020204030204" pitchFamily="34" charset="0"/>
-              </a:rPr>
-              <a:t>Data Year Collected in 2022 -</a:t>
-            </a:r>
-            <a:endParaRPr lang="en-US" sz="2200" dirty="0">
-              <a:effectLst/>
-              <a:latin typeface="Calibri" panose="020F0502020204030204" pitchFamily="34" charset="0"/>
-              <a:ea typeface="Calibri" panose="020F0502020204030204" pitchFamily="34" charset="0"/>
-              <a:cs typeface="Times New Roman" panose="02020603050405020304" pitchFamily="18" charset="0"/>
-            </a:endParaRPr>
-          </a:p>
-          <a:p>
-            <a:pPr marL="1435608" lvl="1">
-              <a:lnSpc>
-                <a:spcPct val="115000"/>
-              </a:lnSpc>
-              <a:spcBef>
-                <a:spcPts val="0"/>
-              </a:spcBef>
-              <a:spcAft>
-                <a:spcPts val="0"/>
-              </a:spcAft>
-            </a:pPr>
-            <a:r>
-              <a:rPr lang="en-US" sz="2200" b="1" dirty="0">
-                <a:effectLst/>
-                <a:latin typeface="Calibri" panose="020F0502020204030204" pitchFamily="34" charset="0"/>
-                <a:ea typeface="Calibri" panose="020F0502020204030204" pitchFamily="34" charset="0"/>
-                <a:cs typeface="Calibri" panose="020F0502020204030204" pitchFamily="34" charset="0"/>
-              </a:rPr>
-              <a:t>Database Source:  </a:t>
-            </a:r>
-            <a:r>
-              <a:rPr lang="en-US" sz="2200" dirty="0">
-                <a:effectLst/>
-                <a:latin typeface="Calibri" panose="020F0502020204030204" pitchFamily="34" charset="0"/>
-                <a:ea typeface="Calibri" panose="020F0502020204030204" pitchFamily="34" charset="0"/>
-                <a:cs typeface="Calibri" panose="020F0502020204030204" pitchFamily="34" charset="0"/>
-              </a:rPr>
-              <a:t>Kaggle</a:t>
-            </a:r>
-            <a:endParaRPr lang="en-US" sz="2200" dirty="0">
-              <a:effectLst/>
-              <a:latin typeface="Calibri" panose="020F0502020204030204" pitchFamily="34" charset="0"/>
-              <a:ea typeface="Calibri" panose="020F0502020204030204" pitchFamily="34" charset="0"/>
-              <a:cs typeface="Times New Roman" panose="02020603050405020304" pitchFamily="18" charset="0"/>
-            </a:endParaRPr>
-          </a:p>
-          <a:p>
-            <a:endParaRPr lang="en-US" dirty="0"/>
+              <a:t> Notebook</a:t>
+            </a:r>
           </a:p>
         </p:txBody>
       </p:sp>
@@ -7423,47 +7411,40 @@
           <a:p>
             <a:r>
               <a:rPr lang="en-US" dirty="0"/>
-              <a:t>ERM </a:t>
-            </a:r>
-          </a:p>
-        </p:txBody>
-      </p:sp>
-      <p:pic>
-        <p:nvPicPr>
-          <p:cNvPr id="3" name="Content Placeholder 2" descr="Graphical user interface, application, Teams&#10;&#10;Description automatically generated">
+              <a:t>Title Lorem Ipsum </a:t>
+            </a:r>
+          </a:p>
+        </p:txBody>
+      </p:sp>
+      <p:sp>
+        <p:nvSpPr>
+          <p:cNvPr id="5" name="Content Placeholder 4">
             <a:extLst>
               <a:ext uri="{FF2B5EF4-FFF2-40B4-BE49-F238E27FC236}">
-                <a16:creationId xmlns:a16="http://schemas.microsoft.com/office/drawing/2014/main" id="{1D6B2B4C-EC6F-7601-57AD-3B01D511856D}"/>
+                <a16:creationId xmlns:a16="http://schemas.microsoft.com/office/drawing/2014/main" id="{73A7EBCF-5494-2CF5-208B-5F6B01D509BF}"/>
               </a:ext>
             </a:extLst>
           </p:cNvPr>
-          <p:cNvPicPr>
-            <a:picLocks noGrp="1" noChangeAspect="1"/>
-          </p:cNvPicPr>
+          <p:cNvSpPr>
+            <a:spLocks noGrp="1"/>
+          </p:cNvSpPr>
           <p:nvPr>
             <p:ph idx="1"/>
           </p:nvPr>
-        </p:nvPicPr>
-        <p:blipFill>
-          <a:blip r:embed="rId2"/>
-          <a:stretch>
-            <a:fillRect/>
-          </a:stretch>
-        </p:blipFill>
-        <p:spPr>
-          <a:xfrm>
-            <a:off x="2486691" y="2108200"/>
-            <a:ext cx="7278944" cy="3760788"/>
-          </a:xfrm>
-          <a:prstGeom prst="rect">
-            <a:avLst/>
-          </a:prstGeom>
-        </p:spPr>
-      </p:pic>
+        </p:nvSpPr>
+        <p:spPr/>
+        <p:txBody>
+          <a:bodyPr/>
+          <a:lstStyle/>
+          <a:p>
+            <a:endParaRPr lang="en-US"/>
+          </a:p>
+        </p:txBody>
+      </p:sp>
     </p:spTree>
     <p:extLst>
       <p:ext uri="{BB962C8B-B14F-4D97-AF65-F5344CB8AC3E}">
-        <p14:creationId xmlns:p14="http://schemas.microsoft.com/office/powerpoint/2010/main" val="2774795059"/>
+        <p14:creationId xmlns:p14="http://schemas.microsoft.com/office/powerpoint/2010/main" val="1374906752"/>
       </p:ext>
     </p:extLst>
   </p:cSld>
@@ -7520,24 +7501,26 @@
           <a:p>
             <a:r>
               <a:rPr lang="en-US" dirty="0"/>
-              <a:t>Draft – Air Quality Database</a:t>
+              <a:t>ERM </a:t>
             </a:r>
           </a:p>
         </p:txBody>
       </p:sp>
       <p:pic>
         <p:nvPicPr>
-          <p:cNvPr id="3" name="Picture 2" descr="A screenshot of a computer&#10;&#10;Description automatically generated">
+          <p:cNvPr id="3" name="Content Placeholder 2" descr="Graphical user interface, application, Teams&#10;&#10;Description automatically generated">
             <a:extLst>
               <a:ext uri="{FF2B5EF4-FFF2-40B4-BE49-F238E27FC236}">
-                <a16:creationId xmlns:a16="http://schemas.microsoft.com/office/drawing/2014/main" id="{825C7CDC-B109-6CF1-01EA-32CA986C2B79}"/>
+                <a16:creationId xmlns:a16="http://schemas.microsoft.com/office/drawing/2014/main" id="{1D6B2B4C-EC6F-7601-57AD-3B01D511856D}"/>
               </a:ext>
             </a:extLst>
           </p:cNvPr>
           <p:cNvPicPr>
-            <a:picLocks noChangeAspect="1"/>
+            <a:picLocks noGrp="1" noChangeAspect="1"/>
           </p:cNvPicPr>
-          <p:nvPr/>
+          <p:nvPr>
+            <p:ph idx="1"/>
+          </p:nvPr>
         </p:nvPicPr>
         <p:blipFill>
           <a:blip r:embed="rId2"/>
@@ -7547,39 +7530,8 @@
         </p:blipFill>
         <p:spPr>
           <a:xfrm>
-            <a:off x="1302224" y="2489299"/>
-            <a:ext cx="4293359" cy="2850380"/>
-          </a:xfrm>
-          <a:prstGeom prst="rect">
-            <a:avLst/>
-          </a:prstGeom>
-        </p:spPr>
-      </p:pic>
-      <p:pic>
-        <p:nvPicPr>
-          <p:cNvPr id="6" name="Content Placeholder 5" descr="Graphical user interface, application, table&#10;&#10;Description automatically generated">
-            <a:extLst>
-              <a:ext uri="{FF2B5EF4-FFF2-40B4-BE49-F238E27FC236}">
-                <a16:creationId xmlns:a16="http://schemas.microsoft.com/office/drawing/2014/main" id="{54D95C40-D334-C323-1CD0-1551082C2981}"/>
-              </a:ext>
-            </a:extLst>
-          </p:cNvPr>
-          <p:cNvPicPr>
-            <a:picLocks noGrp="1" noChangeAspect="1"/>
-          </p:cNvPicPr>
-          <p:nvPr>
-            <p:ph idx="1"/>
-          </p:nvPr>
-        </p:nvPicPr>
-        <p:blipFill rotWithShape="1">
-          <a:blip r:embed="rId3"/>
-          <a:srcRect l="3892" t="-29011" r="20410" b="1160"/>
-          <a:stretch/>
-        </p:blipFill>
-        <p:spPr>
-          <a:xfrm>
-            <a:off x="5534167" y="2258325"/>
-            <a:ext cx="4606119" cy="3760788"/>
+            <a:off x="2486691" y="2108200"/>
+            <a:ext cx="7278944" cy="3760788"/>
           </a:xfrm>
           <a:prstGeom prst="rect">
             <a:avLst/>
@@ -7589,7 +7541,7 @@
     </p:spTree>
     <p:extLst>
       <p:ext uri="{BB962C8B-B14F-4D97-AF65-F5344CB8AC3E}">
-        <p14:creationId xmlns:p14="http://schemas.microsoft.com/office/powerpoint/2010/main" val="2652039864"/>
+        <p14:creationId xmlns:p14="http://schemas.microsoft.com/office/powerpoint/2010/main" val="2774795059"/>
       </p:ext>
     </p:extLst>
   </p:cSld>
@@ -7969,24 +7921,6 @@
 </file>
 
 <file path=customXml/item1.xml><?xml version="1.0" encoding="utf-8"?>
-<p:properties xmlns:p="http://schemas.microsoft.com/office/2006/metadata/properties" xmlns:xsi="http://www.w3.org/2001/XMLSchema-instance" xmlns:pc="http://schemas.microsoft.com/office/infopath/2007/PartnerControls">
-  <documentManagement>
-    <Status xmlns="71af3243-3dd4-4a8d-8c0d-dd76da1f02a5">Not started</Status>
-    <MediaServiceKeyPoints xmlns="71af3243-3dd4-4a8d-8c0d-dd76da1f02a5" xsi:nil="true"/>
-  </documentManagement>
-</p:properties>
-</file>
-
-<file path=customXml/item2.xml><?xml version="1.0" encoding="utf-8"?>
-<?mso-contentType ?>
-<FormTemplates xmlns="http://schemas.microsoft.com/sharepoint/v3/contenttype/forms">
-  <Display>DocumentLibraryForm</Display>
-  <Edit>DocumentLibraryForm</Edit>
-  <New>DocumentLibraryForm</New>
-</FormTemplates>
-</file>
-
-<file path=customXml/item3.xml><?xml version="1.0" encoding="utf-8"?>
 <ct:contentTypeSchema xmlns:ct="http://schemas.microsoft.com/office/2006/metadata/contentType" xmlns:ma="http://schemas.microsoft.com/office/2006/metadata/properties/metaAttributes" ct:_="" ma:_="" ma:contentTypeName="Document" ma:contentTypeID="0x01010079F111ED35F8CC479449609E8A0923A6" ma:contentTypeVersion="12" ma:contentTypeDescription="Create a new document." ma:contentTypeScope="" ma:versionID="a410dd7f93c95333ffa1b60ed6adedd1">
   <xsd:schema xmlns:xsd="http://www.w3.org/2001/XMLSchema" xmlns:xs="http://www.w3.org/2001/XMLSchema" xmlns:p="http://schemas.microsoft.com/office/2006/metadata/properties" xmlns:ns2="71af3243-3dd4-4a8d-8c0d-dd76da1f02a5" xmlns:ns3="16c05727-aa75-4e4a-9b5f-8a80a1165891" targetNamespace="http://schemas.microsoft.com/office/2006/metadata/properties" ma:root="true" ma:fieldsID="a936d9baba76aa3866493feff160faab" ns2:_="" ns3:_="">
     <xsd:import namespace="71af3243-3dd4-4a8d-8c0d-dd76da1f02a5"/>
@@ -8207,25 +8141,25 @@
 </ct:contentTypeSchema>
 </file>
 
-<file path=customXml/itemProps1.xml><?xml version="1.0" encoding="utf-8"?>
-<ds:datastoreItem xmlns:ds="http://schemas.openxmlformats.org/officeDocument/2006/customXml" ds:itemID="{A03EEFF0-FB57-4CB4-8BFC-DF397689E2ED}">
-  <ds:schemaRefs>
-    <ds:schemaRef ds:uri="http://schemas.microsoft.com/office/2006/metadata/properties"/>
-    <ds:schemaRef ds:uri="http://schemas.microsoft.com/office/infopath/2007/PartnerControls"/>
-    <ds:schemaRef ds:uri="71af3243-3dd4-4a8d-8c0d-dd76da1f02a5"/>
-  </ds:schemaRefs>
-</ds:datastoreItem>
+<file path=customXml/item2.xml><?xml version="1.0" encoding="utf-8"?>
+<?mso-contentType ?>
+<FormTemplates xmlns="http://schemas.microsoft.com/sharepoint/v3/contenttype/forms">
+  <Display>DocumentLibraryForm</Display>
+  <Edit>DocumentLibraryForm</Edit>
+  <New>DocumentLibraryForm</New>
+</FormTemplates>
 </file>
 
-<file path=customXml/itemProps2.xml><?xml version="1.0" encoding="utf-8"?>
-<ds:datastoreItem xmlns:ds="http://schemas.openxmlformats.org/officeDocument/2006/customXml" ds:itemID="{AA3F7EDC-E5B4-4BBC-9D2A-CBE6D46C37AD}">
-  <ds:schemaRefs>
-    <ds:schemaRef ds:uri="http://schemas.microsoft.com/sharepoint/v3/contenttype/forms"/>
-  </ds:schemaRefs>
-</ds:datastoreItem>
+<file path=customXml/item3.xml><?xml version="1.0" encoding="utf-8"?>
+<p:properties xmlns:p="http://schemas.microsoft.com/office/2006/metadata/properties" xmlns:xsi="http://www.w3.org/2001/XMLSchema-instance" xmlns:pc="http://schemas.microsoft.com/office/infopath/2007/PartnerControls">
+  <documentManagement>
+    <Status xmlns="71af3243-3dd4-4a8d-8c0d-dd76da1f02a5">Not started</Status>
+    <MediaServiceKeyPoints xmlns="71af3243-3dd4-4a8d-8c0d-dd76da1f02a5" xsi:nil="true"/>
+  </documentManagement>
+</p:properties>
 </file>
 
-<file path=customXml/itemProps3.xml><?xml version="1.0" encoding="utf-8"?>
+<file path=customXml/itemProps1.xml><?xml version="1.0" encoding="utf-8"?>
 <ds:datastoreItem xmlns:ds="http://schemas.openxmlformats.org/officeDocument/2006/customXml" ds:itemID="{93932EF5-314F-409E-8020-FEE5FA0795B9}">
   <ds:schemaRefs>
     <ds:schemaRef ds:uri="http://schemas.microsoft.com/office/2006/metadata/contentType"/>
@@ -8242,4 +8176,22 @@
     <ds:schemaRef ds:uri="http://schemas.microsoft.com/internal/obd"/>
   </ds:schemaRefs>
 </ds:datastoreItem>
+</file>
+
+<file path=customXml/itemProps2.xml><?xml version="1.0" encoding="utf-8"?>
+<ds:datastoreItem xmlns:ds="http://schemas.openxmlformats.org/officeDocument/2006/customXml" ds:itemID="{AA3F7EDC-E5B4-4BBC-9D2A-CBE6D46C37AD}">
+  <ds:schemaRefs>
+    <ds:schemaRef ds:uri="http://schemas.microsoft.com/sharepoint/v3/contenttype/forms"/>
+  </ds:schemaRefs>
+</ds:datastoreItem>
+</file>
+
+<file path=customXml/itemProps3.xml><?xml version="1.0" encoding="utf-8"?>
+<ds:datastoreItem xmlns:ds="http://schemas.openxmlformats.org/officeDocument/2006/customXml" ds:itemID="{A03EEFF0-FB57-4CB4-8BFC-DF397689E2ED}">
+  <ds:schemaRefs>
+    <ds:schemaRef ds:uri="http://schemas.microsoft.com/office/2006/metadata/properties"/>
+    <ds:schemaRef ds:uri="http://schemas.microsoft.com/office/infopath/2007/PartnerControls"/>
+    <ds:schemaRef ds:uri="71af3243-3dd4-4a8d-8c0d-dd76da1f02a5"/>
+  </ds:schemaRefs>
+</ds:datastoreItem>
 </file>
--- a/C-Group v2.pptx
+++ b/C-Group v2.pptx
@@ -9,18 +9,19 @@
     <p:sldId id="300" r:id="rId6"/>
     <p:sldId id="310" r:id="rId7"/>
     <p:sldId id="301" r:id="rId8"/>
-    <p:sldId id="302" r:id="rId9"/>
-    <p:sldId id="307" r:id="rId10"/>
-    <p:sldId id="305" r:id="rId11"/>
-    <p:sldId id="314" r:id="rId12"/>
-    <p:sldId id="309" r:id="rId13"/>
-    <p:sldId id="306" r:id="rId14"/>
-    <p:sldId id="303" r:id="rId15"/>
-    <p:sldId id="308" r:id="rId16"/>
-    <p:sldId id="311" r:id="rId17"/>
-    <p:sldId id="312" r:id="rId18"/>
-    <p:sldId id="313" r:id="rId19"/>
-    <p:sldId id="304" r:id="rId20"/>
+    <p:sldId id="307" r:id="rId9"/>
+    <p:sldId id="305" r:id="rId10"/>
+    <p:sldId id="314" r:id="rId11"/>
+    <p:sldId id="309" r:id="rId12"/>
+    <p:sldId id="306" r:id="rId13"/>
+    <p:sldId id="303" r:id="rId14"/>
+    <p:sldId id="308" r:id="rId15"/>
+    <p:sldId id="311" r:id="rId16"/>
+    <p:sldId id="312" r:id="rId17"/>
+    <p:sldId id="313" r:id="rId18"/>
+    <p:sldId id="304" r:id="rId19"/>
+    <p:sldId id="316" r:id="rId20"/>
+    <p:sldId id="315" r:id="rId21"/>
   </p:sldIdLst>
   <p:sldSz cx="12192000" cy="6858000"/>
   <p:notesSz cx="6858000" cy="9144000"/>
@@ -130,7 +131,7 @@
 <file path=ppt/revisionInfo.xml><?xml version="1.0" encoding="utf-8"?>
 <p1510:revInfo xmlns:a="http://schemas.openxmlformats.org/drawingml/2006/main" xmlns:r="http://schemas.openxmlformats.org/officeDocument/2006/relationships" xmlns:p1510="http://schemas.microsoft.com/office/powerpoint/2015/10/main">
   <p1510:revLst>
-    <p1510:client id="{822C966B-C667-4003-8373-37D4D19E0693}" v="3" dt="2023-04-11T22:37:22.566"/>
+    <p1510:client id="{822C966B-C667-4003-8373-37D4D19E0693}" v="7" dt="2023-04-12T00:41:20.020"/>
   </p1510:revLst>
 </p1510:revInfo>
 </file>
@@ -139,19 +140,49 @@
 <pc:chgInfo xmlns:a="http://schemas.openxmlformats.org/drawingml/2006/main" xmlns:r="http://schemas.openxmlformats.org/officeDocument/2006/relationships" xmlns:ac="http://schemas.microsoft.com/office/drawing/2013/main/command" xmlns:pc="http://schemas.microsoft.com/office/powerpoint/2013/main/command">
   <pc:docChgLst>
     <pc:chgData name="lou foster" userId="6aa2d2fb6fd751e9" providerId="LiveId" clId="{822C966B-C667-4003-8373-37D4D19E0693}"/>
-    <pc:docChg chg="undo custSel addSld modSld sldOrd">
-      <pc:chgData name="lou foster" userId="6aa2d2fb6fd751e9" providerId="LiveId" clId="{822C966B-C667-4003-8373-37D4D19E0693}" dt="2023-04-11T22:41:44.454" v="340" actId="948"/>
+    <pc:docChg chg="undo custSel addSld delSld modSld sldOrd">
+      <pc:chgData name="lou foster" userId="6aa2d2fb6fd751e9" providerId="LiveId" clId="{822C966B-C667-4003-8373-37D4D19E0693}" dt="2023-04-12T00:56:49.840" v="1337" actId="1076"/>
       <pc:docMkLst>
         <pc:docMk/>
       </pc:docMkLst>
       <pc:sldChg chg="modSp mod">
-        <pc:chgData name="lou foster" userId="6aa2d2fb6fd751e9" providerId="LiveId" clId="{822C966B-C667-4003-8373-37D4D19E0693}" dt="2023-04-11T22:17:09.309" v="61" actId="20577"/>
+        <pc:chgData name="lou foster" userId="6aa2d2fb6fd751e9" providerId="LiveId" clId="{822C966B-C667-4003-8373-37D4D19E0693}" dt="2023-04-11T23:31:05.009" v="366" actId="20577"/>
+        <pc:sldMkLst>
+          <pc:docMk/>
+          <pc:sldMk cId="193143965" sldId="298"/>
+        </pc:sldMkLst>
+        <pc:spChg chg="mod">
+          <ac:chgData name="lou foster" userId="6aa2d2fb6fd751e9" providerId="LiveId" clId="{822C966B-C667-4003-8373-37D4D19E0693}" dt="2023-04-11T23:31:05.009" v="366" actId="20577"/>
+          <ac:spMkLst>
+            <pc:docMk/>
+            <pc:sldMk cId="193143965" sldId="298"/>
+            <ac:spMk id="3" creationId="{255E1F2F-E259-4EA8-9FFD-3A10AF541859}"/>
+          </ac:spMkLst>
+        </pc:spChg>
+      </pc:sldChg>
+      <pc:sldChg chg="modSp mod">
+        <pc:chgData name="lou foster" userId="6aa2d2fb6fd751e9" providerId="LiveId" clId="{822C966B-C667-4003-8373-37D4D19E0693}" dt="2023-04-12T00:32:08.567" v="594" actId="20577"/>
+        <pc:sldMkLst>
+          <pc:docMk/>
+          <pc:sldMk cId="2933514334" sldId="300"/>
+        </pc:sldMkLst>
+        <pc:spChg chg="mod">
+          <ac:chgData name="lou foster" userId="6aa2d2fb6fd751e9" providerId="LiveId" clId="{822C966B-C667-4003-8373-37D4D19E0693}" dt="2023-04-12T00:32:08.567" v="594" actId="20577"/>
+          <ac:spMkLst>
+            <pc:docMk/>
+            <pc:sldMk cId="2933514334" sldId="300"/>
+            <ac:spMk id="5" creationId="{73A7EBCF-5494-2CF5-208B-5F6B01D509BF}"/>
+          </ac:spMkLst>
+        </pc:spChg>
+      </pc:sldChg>
+      <pc:sldChg chg="modSp mod">
+        <pc:chgData name="lou foster" userId="6aa2d2fb6fd751e9" providerId="LiveId" clId="{822C966B-C667-4003-8373-37D4D19E0693}" dt="2023-04-12T00:11:53.245" v="372" actId="20577"/>
         <pc:sldMkLst>
           <pc:docMk/>
           <pc:sldMk cId="2061880236" sldId="301"/>
         </pc:sldMkLst>
         <pc:spChg chg="mod">
-          <ac:chgData name="lou foster" userId="6aa2d2fb6fd751e9" providerId="LiveId" clId="{822C966B-C667-4003-8373-37D4D19E0693}" dt="2023-04-11T22:17:09.309" v="61" actId="20577"/>
+          <ac:chgData name="lou foster" userId="6aa2d2fb6fd751e9" providerId="LiveId" clId="{822C966B-C667-4003-8373-37D4D19E0693}" dt="2023-04-12T00:11:53.245" v="372" actId="20577"/>
           <ac:spMkLst>
             <pc:docMk/>
             <pc:sldMk cId="2061880236" sldId="301"/>
@@ -159,8 +190,15 @@
           </ac:spMkLst>
         </pc:spChg>
       </pc:sldChg>
+      <pc:sldChg chg="del">
+        <pc:chgData name="lou foster" userId="6aa2d2fb6fd751e9" providerId="LiveId" clId="{822C966B-C667-4003-8373-37D4D19E0693}" dt="2023-04-11T23:31:43.863" v="367" actId="47"/>
+        <pc:sldMkLst>
+          <pc:docMk/>
+          <pc:sldMk cId="2862770052" sldId="302"/>
+        </pc:sldMkLst>
+      </pc:sldChg>
       <pc:sldChg chg="addSp delSp modSp mod">
-        <pc:chgData name="lou foster" userId="6aa2d2fb6fd751e9" providerId="LiveId" clId="{822C966B-C667-4003-8373-37D4D19E0693}" dt="2023-04-11T22:32:04.310" v="221" actId="22"/>
+        <pc:chgData name="lou foster" userId="6aa2d2fb6fd751e9" providerId="LiveId" clId="{822C966B-C667-4003-8373-37D4D19E0693}" dt="2023-04-12T00:52:15.070" v="1335" actId="6549"/>
         <pc:sldMkLst>
           <pc:docMk/>
           <pc:sldMk cId="3107224356" sldId="304"/>
@@ -181,15 +219,23 @@
             <ac:spMk id="4" creationId="{A08CD67B-44F7-1A42-B173-3D73C29C8F96}"/>
           </ac:spMkLst>
         </pc:spChg>
+        <pc:spChg chg="mod">
+          <ac:chgData name="lou foster" userId="6aa2d2fb6fd751e9" providerId="LiveId" clId="{822C966B-C667-4003-8373-37D4D19E0693}" dt="2023-04-12T00:52:15.070" v="1335" actId="6549"/>
+          <ac:spMkLst>
+            <pc:docMk/>
+            <pc:sldMk cId="3107224356" sldId="304"/>
+            <ac:spMk id="5" creationId="{73A7EBCF-5494-2CF5-208B-5F6B01D509BF}"/>
+          </ac:spMkLst>
+        </pc:spChg>
       </pc:sldChg>
       <pc:sldChg chg="modSp mod">
-        <pc:chgData name="lou foster" userId="6aa2d2fb6fd751e9" providerId="LiveId" clId="{822C966B-C667-4003-8373-37D4D19E0693}" dt="2023-04-11T22:41:44.454" v="340" actId="948"/>
+        <pc:chgData name="lou foster" userId="6aa2d2fb6fd751e9" providerId="LiveId" clId="{822C966B-C667-4003-8373-37D4D19E0693}" dt="2023-04-12T00:16:22.463" v="557" actId="12"/>
         <pc:sldMkLst>
           <pc:docMk/>
           <pc:sldMk cId="2588026706" sldId="305"/>
         </pc:sldMkLst>
         <pc:spChg chg="mod">
-          <ac:chgData name="lou foster" userId="6aa2d2fb6fd751e9" providerId="LiveId" clId="{822C966B-C667-4003-8373-37D4D19E0693}" dt="2023-04-11T22:41:44.454" v="340" actId="948"/>
+          <ac:chgData name="lou foster" userId="6aa2d2fb6fd751e9" providerId="LiveId" clId="{822C966B-C667-4003-8373-37D4D19E0693}" dt="2023-04-12T00:16:22.463" v="557" actId="12"/>
           <ac:spMkLst>
             <pc:docMk/>
             <pc:sldMk cId="2588026706" sldId="305"/>
@@ -197,14 +243,44 @@
           </ac:spMkLst>
         </pc:spChg>
       </pc:sldChg>
+      <pc:sldChg chg="modSp mod">
+        <pc:chgData name="lou foster" userId="6aa2d2fb6fd751e9" providerId="LiveId" clId="{822C966B-C667-4003-8373-37D4D19E0693}" dt="2023-04-12T00:35:34.632" v="708" actId="20577"/>
+        <pc:sldMkLst>
+          <pc:docMk/>
+          <pc:sldMk cId="1353458954" sldId="307"/>
+        </pc:sldMkLst>
+        <pc:spChg chg="mod">
+          <ac:chgData name="lou foster" userId="6aa2d2fb6fd751e9" providerId="LiveId" clId="{822C966B-C667-4003-8373-37D4D19E0693}" dt="2023-04-12T00:35:34.632" v="708" actId="20577"/>
+          <ac:spMkLst>
+            <pc:docMk/>
+            <pc:sldMk cId="1353458954" sldId="307"/>
+            <ac:spMk id="5" creationId="{73A7EBCF-5494-2CF5-208B-5F6B01D509BF}"/>
+          </ac:spMkLst>
+        </pc:spChg>
+      </pc:sldChg>
+      <pc:sldChg chg="modSp mod">
+        <pc:chgData name="lou foster" userId="6aa2d2fb6fd751e9" providerId="LiveId" clId="{822C966B-C667-4003-8373-37D4D19E0693}" dt="2023-04-12T00:43:07.621" v="923" actId="20577"/>
+        <pc:sldMkLst>
+          <pc:docMk/>
+          <pc:sldMk cId="2735542354" sldId="308"/>
+        </pc:sldMkLst>
+        <pc:spChg chg="mod">
+          <ac:chgData name="lou foster" userId="6aa2d2fb6fd751e9" providerId="LiveId" clId="{822C966B-C667-4003-8373-37D4D19E0693}" dt="2023-04-12T00:43:07.621" v="923" actId="20577"/>
+          <ac:spMkLst>
+            <pc:docMk/>
+            <pc:sldMk cId="2735542354" sldId="308"/>
+            <ac:spMk id="2" creationId="{75AC86D3-8FD1-4F47-A319-7D0542E48B2F}"/>
+          </ac:spMkLst>
+        </pc:spChg>
+      </pc:sldChg>
       <pc:sldChg chg="addSp delSp modSp mod ord">
-        <pc:chgData name="lou foster" userId="6aa2d2fb6fd751e9" providerId="LiveId" clId="{822C966B-C667-4003-8373-37D4D19E0693}" dt="2023-04-11T22:10:43.787" v="16"/>
+        <pc:chgData name="lou foster" userId="6aa2d2fb6fd751e9" providerId="LiveId" clId="{822C966B-C667-4003-8373-37D4D19E0693}" dt="2023-04-12T00:20:35.016" v="584" actId="20577"/>
         <pc:sldMkLst>
           <pc:docMk/>
           <pc:sldMk cId="2774795059" sldId="309"/>
         </pc:sldMkLst>
         <pc:spChg chg="mod">
-          <ac:chgData name="lou foster" userId="6aa2d2fb6fd751e9" providerId="LiveId" clId="{822C966B-C667-4003-8373-37D4D19E0693}" dt="2023-04-11T22:10:37.919" v="14" actId="20577"/>
+          <ac:chgData name="lou foster" userId="6aa2d2fb6fd751e9" providerId="LiveId" clId="{822C966B-C667-4003-8373-37D4D19E0693}" dt="2023-04-12T00:20:35.016" v="584" actId="20577"/>
           <ac:spMkLst>
             <pc:docMk/>
             <pc:sldMk cId="2774795059" sldId="309"/>
@@ -219,6 +295,14 @@
             <ac:spMk id="5" creationId="{73A7EBCF-5494-2CF5-208B-5F6B01D509BF}"/>
           </ac:spMkLst>
         </pc:spChg>
+        <pc:spChg chg="add del">
+          <ac:chgData name="lou foster" userId="6aa2d2fb6fd751e9" providerId="LiveId" clId="{822C966B-C667-4003-8373-37D4D19E0693}" dt="2023-04-12T00:20:17.506" v="582" actId="22"/>
+          <ac:spMkLst>
+            <pc:docMk/>
+            <pc:sldMk cId="2774795059" sldId="309"/>
+            <ac:spMk id="5" creationId="{8264FB7F-821B-B8F0-0D6E-64BFB2247C07}"/>
+          </ac:spMkLst>
+        </pc:spChg>
         <pc:picChg chg="add mod">
           <ac:chgData name="lou foster" userId="6aa2d2fb6fd751e9" providerId="LiveId" clId="{822C966B-C667-4003-8373-37D4D19E0693}" dt="2023-04-11T22:10:21.128" v="0"/>
           <ac:picMkLst>
@@ -229,7 +313,7 @@
         </pc:picChg>
       </pc:sldChg>
       <pc:sldChg chg="modSp mod ord">
-        <pc:chgData name="lou foster" userId="6aa2d2fb6fd751e9" providerId="LiveId" clId="{822C966B-C667-4003-8373-37D4D19E0693}" dt="2023-04-11T22:22:22.527" v="173" actId="6549"/>
+        <pc:chgData name="lou foster" userId="6aa2d2fb6fd751e9" providerId="LiveId" clId="{822C966B-C667-4003-8373-37D4D19E0693}" dt="2023-04-11T23:13:34.242" v="341" actId="20577"/>
         <pc:sldMkLst>
           <pc:docMk/>
           <pc:sldMk cId="1741959004" sldId="310"/>
@@ -243,7 +327,7 @@
           </ac:spMkLst>
         </pc:spChg>
         <pc:spChg chg="mod">
-          <ac:chgData name="lou foster" userId="6aa2d2fb6fd751e9" providerId="LiveId" clId="{822C966B-C667-4003-8373-37D4D19E0693}" dt="2023-04-11T22:22:22.527" v="173" actId="6549"/>
+          <ac:chgData name="lou foster" userId="6aa2d2fb6fd751e9" providerId="LiveId" clId="{822C966B-C667-4003-8373-37D4D19E0693}" dt="2023-04-11T23:13:34.242" v="341" actId="20577"/>
           <ac:spMkLst>
             <pc:docMk/>
             <pc:sldMk cId="1741959004" sldId="310"/>
@@ -297,8 +381,8 @@
           </ac:spMkLst>
         </pc:spChg>
       </pc:sldChg>
-      <pc:sldChg chg="modSp add mod ord">
-        <pc:chgData name="lou foster" userId="6aa2d2fb6fd751e9" providerId="LiveId" clId="{822C966B-C667-4003-8373-37D4D19E0693}" dt="2023-04-11T22:32:24.517" v="240" actId="20577"/>
+      <pc:sldChg chg="addSp modSp add mod ord">
+        <pc:chgData name="lou foster" userId="6aa2d2fb6fd751e9" providerId="LiveId" clId="{822C966B-C667-4003-8373-37D4D19E0693}" dt="2023-04-12T00:56:49.840" v="1337" actId="1076"/>
         <pc:sldMkLst>
           <pc:docMk/>
           <pc:sldMk cId="447438589" sldId="313"/>
@@ -311,13 +395,67 @@
             <ac:spMk id="2" creationId="{75AC86D3-8FD1-4F47-A319-7D0542E48B2F}"/>
           </ac:spMkLst>
         </pc:spChg>
+        <pc:picChg chg="add mod">
+          <ac:chgData name="lou foster" userId="6aa2d2fb6fd751e9" providerId="LiveId" clId="{822C966B-C667-4003-8373-37D4D19E0693}" dt="2023-04-12T00:56:49.840" v="1337" actId="1076"/>
+          <ac:picMkLst>
+            <pc:docMk/>
+            <pc:sldMk cId="447438589" sldId="313"/>
+            <ac:picMk id="4" creationId="{AAE79204-E865-BDEB-8B37-9BC371CC4FF7}"/>
+          </ac:picMkLst>
+        </pc:picChg>
       </pc:sldChg>
-      <pc:sldChg chg="add ord">
-        <pc:chgData name="lou foster" userId="6aa2d2fb6fd751e9" providerId="LiveId" clId="{822C966B-C667-4003-8373-37D4D19E0693}" dt="2023-04-11T22:37:25.553" v="243"/>
+      <pc:sldChg chg="addSp delSp modSp add mod ord">
+        <pc:chgData name="lou foster" userId="6aa2d2fb6fd751e9" providerId="LiveId" clId="{822C966B-C667-4003-8373-37D4D19E0693}" dt="2023-04-12T00:41:03.200" v="837" actId="20577"/>
         <pc:sldMkLst>
           <pc:docMk/>
           <pc:sldMk cId="1374906752" sldId="314"/>
         </pc:sldMkLst>
+        <pc:spChg chg="mod">
+          <ac:chgData name="lou foster" userId="6aa2d2fb6fd751e9" providerId="LiveId" clId="{822C966B-C667-4003-8373-37D4D19E0693}" dt="2023-04-12T00:40:55.312" v="836" actId="207"/>
+          <ac:spMkLst>
+            <pc:docMk/>
+            <pc:sldMk cId="1374906752" sldId="314"/>
+            <ac:spMk id="2" creationId="{75AC86D3-8FD1-4F47-A319-7D0542E48B2F}"/>
+          </ac:spMkLst>
+        </pc:spChg>
+        <pc:spChg chg="mod">
+          <ac:chgData name="lou foster" userId="6aa2d2fb6fd751e9" providerId="LiveId" clId="{822C966B-C667-4003-8373-37D4D19E0693}" dt="2023-04-12T00:41:03.200" v="837" actId="20577"/>
+          <ac:spMkLst>
+            <pc:docMk/>
+            <pc:sldMk cId="1374906752" sldId="314"/>
+            <ac:spMk id="5" creationId="{73A7EBCF-5494-2CF5-208B-5F6B01D509BF}"/>
+          </ac:spMkLst>
+        </pc:spChg>
+        <pc:picChg chg="add del mod">
+          <ac:chgData name="lou foster" userId="6aa2d2fb6fd751e9" providerId="LiveId" clId="{822C966B-C667-4003-8373-37D4D19E0693}" dt="2023-04-12T00:40:24.249" v="831" actId="478"/>
+          <ac:picMkLst>
+            <pc:docMk/>
+            <pc:sldMk cId="1374906752" sldId="314"/>
+            <ac:picMk id="3" creationId="{F63E34F3-6CA5-19D1-269B-D80DCF6C2BB8}"/>
+          </ac:picMkLst>
+        </pc:picChg>
+      </pc:sldChg>
+      <pc:sldChg chg="add">
+        <pc:chgData name="lou foster" userId="6aa2d2fb6fd751e9" providerId="LiveId" clId="{822C966B-C667-4003-8373-37D4D19E0693}" dt="2023-04-11T23:17:22.212" v="346"/>
+        <pc:sldMkLst>
+          <pc:docMk/>
+          <pc:sldMk cId="3218758480" sldId="315"/>
+        </pc:sldMkLst>
+      </pc:sldChg>
+      <pc:sldChg chg="modSp add mod">
+        <pc:chgData name="lou foster" userId="6aa2d2fb6fd751e9" providerId="LiveId" clId="{822C966B-C667-4003-8373-37D4D19E0693}" dt="2023-04-12T00:41:58.020" v="894" actId="207"/>
+        <pc:sldMkLst>
+          <pc:docMk/>
+          <pc:sldMk cId="2862407831" sldId="316"/>
+        </pc:sldMkLst>
+        <pc:spChg chg="mod">
+          <ac:chgData name="lou foster" userId="6aa2d2fb6fd751e9" providerId="LiveId" clId="{822C966B-C667-4003-8373-37D4D19E0693}" dt="2023-04-12T00:41:58.020" v="894" actId="207"/>
+          <ac:spMkLst>
+            <pc:docMk/>
+            <pc:sldMk cId="2862407831" sldId="316"/>
+            <ac:spMk id="2" creationId="{75AC86D3-8FD1-4F47-A319-7D0542E48B2F}"/>
+          </ac:spMkLst>
+        </pc:spChg>
       </pc:sldChg>
     </pc:docChg>
   </pc:docChgLst>
@@ -3839,7 +3977,7 @@
             </a:pPr>
             <a:r>
               <a:rPr lang="en-US" sz="1600" dirty="0"/>
-              <a:t>Your Data Solutions group</a:t>
+              <a:t>Your Data Solutions Experts</a:t>
             </a:r>
           </a:p>
         </p:txBody>
@@ -3967,6 +4105,3565 @@
 </file>
 
 <file path=ppt/slides/slide10.xml><?xml version="1.0" encoding="utf-8"?>
+<p:sld xmlns:a="http://schemas.openxmlformats.org/drawingml/2006/main" xmlns:r="http://schemas.openxmlformats.org/officeDocument/2006/relationships" xmlns:p="http://schemas.openxmlformats.org/presentationml/2006/main">
+  <p:cSld>
+    <p:spTree>
+      <p:nvGrpSpPr>
+        <p:cNvPr id="1" name=""/>
+        <p:cNvGrpSpPr/>
+        <p:nvPr/>
+      </p:nvGrpSpPr>
+      <p:grpSpPr>
+        <a:xfrm>
+          <a:off x="0" y="0"/>
+          <a:ext cx="0" cy="0"/>
+          <a:chOff x="0" y="0"/>
+          <a:chExt cx="0" cy="0"/>
+        </a:xfrm>
+      </p:grpSpPr>
+      <p:sp>
+        <p:nvSpPr>
+          <p:cNvPr id="2" name="Title 1">
+            <a:extLst>
+              <a:ext uri="{FF2B5EF4-FFF2-40B4-BE49-F238E27FC236}">
+                <a16:creationId xmlns:a16="http://schemas.microsoft.com/office/drawing/2014/main" id="{75AC86D3-8FD1-4F47-A319-7D0542E48B2F}"/>
+              </a:ext>
+            </a:extLst>
+          </p:cNvPr>
+          <p:cNvSpPr>
+            <a:spLocks noGrp="1"/>
+          </p:cNvSpPr>
+          <p:nvPr>
+            <p:ph type="title"/>
+          </p:nvPr>
+        </p:nvSpPr>
+        <p:spPr>
+          <a:xfrm>
+            <a:off x="1097280" y="286603"/>
+            <a:ext cx="10058400" cy="1450757"/>
+          </a:xfrm>
+        </p:spPr>
+        <p:txBody>
+          <a:bodyPr vert="horz" lIns="91440" tIns="45720" rIns="91440" bIns="45720" rtlCol="0">
+            <a:normAutofit/>
+          </a:bodyPr>
+          <a:lstStyle/>
+          <a:p>
+            <a:r>
+              <a:rPr lang="en-US" dirty="0"/>
+              <a:t>Draft – 100 Top Cities</a:t>
+            </a:r>
+          </a:p>
+        </p:txBody>
+      </p:sp>
+      <p:sp>
+        <p:nvSpPr>
+          <p:cNvPr id="5" name="Content Placeholder 4">
+            <a:extLst>
+              <a:ext uri="{FF2B5EF4-FFF2-40B4-BE49-F238E27FC236}">
+                <a16:creationId xmlns:a16="http://schemas.microsoft.com/office/drawing/2014/main" id="{73A7EBCF-5494-2CF5-208B-5F6B01D509BF}"/>
+              </a:ext>
+            </a:extLst>
+          </p:cNvPr>
+          <p:cNvSpPr>
+            <a:spLocks noGrp="1"/>
+          </p:cNvSpPr>
+          <p:nvPr>
+            <p:ph idx="1"/>
+          </p:nvPr>
+        </p:nvSpPr>
+        <p:spPr/>
+        <p:txBody>
+          <a:bodyPr/>
+          <a:lstStyle/>
+          <a:p>
+            <a:endParaRPr lang="en-US" dirty="0"/>
+          </a:p>
+        </p:txBody>
+      </p:sp>
+      <p:pic>
+        <p:nvPicPr>
+          <p:cNvPr id="3" name="Picture 2" descr="Graphical user interface, application, table&#10;&#10;Description automatically generated">
+            <a:extLst>
+              <a:ext uri="{FF2B5EF4-FFF2-40B4-BE49-F238E27FC236}">
+                <a16:creationId xmlns:a16="http://schemas.microsoft.com/office/drawing/2014/main" id="{E8348A72-9CD8-6DC4-6CB0-50DDAD70DD9A}"/>
+              </a:ext>
+            </a:extLst>
+          </p:cNvPr>
+          <p:cNvPicPr>
+            <a:picLocks noChangeAspect="1"/>
+          </p:cNvPicPr>
+          <p:nvPr/>
+        </p:nvPicPr>
+        <p:blipFill rotWithShape="1">
+          <a:blip r:embed="rId2"/>
+          <a:srcRect t="-50678" r="12290" b="9761"/>
+          <a:stretch/>
+        </p:blipFill>
+        <p:spPr>
+          <a:xfrm>
+            <a:off x="6244078" y="429905"/>
+            <a:ext cx="4667307" cy="5500048"/>
+          </a:xfrm>
+          <a:prstGeom prst="rect">
+            <a:avLst/>
+          </a:prstGeom>
+        </p:spPr>
+      </p:pic>
+    </p:spTree>
+    <p:extLst>
+      <p:ext uri="{BB962C8B-B14F-4D97-AF65-F5344CB8AC3E}">
+        <p14:creationId xmlns:p14="http://schemas.microsoft.com/office/powerpoint/2010/main" val="1945685663"/>
+      </p:ext>
+    </p:extLst>
+  </p:cSld>
+  <p:clrMapOvr>
+    <a:masterClrMapping/>
+  </p:clrMapOvr>
+</p:sld>
+</file>
+
+<file path=ppt/slides/slide11.xml><?xml version="1.0" encoding="utf-8"?>
+<p:sld xmlns:a="http://schemas.openxmlformats.org/drawingml/2006/main" xmlns:r="http://schemas.openxmlformats.org/officeDocument/2006/relationships" xmlns:p="http://schemas.openxmlformats.org/presentationml/2006/main">
+  <p:cSld>
+    <p:spTree>
+      <p:nvGrpSpPr>
+        <p:cNvPr id="1" name=""/>
+        <p:cNvGrpSpPr/>
+        <p:nvPr/>
+      </p:nvGrpSpPr>
+      <p:grpSpPr>
+        <a:xfrm>
+          <a:off x="0" y="0"/>
+          <a:ext cx="0" cy="0"/>
+          <a:chOff x="0" y="0"/>
+          <a:chExt cx="0" cy="0"/>
+        </a:xfrm>
+      </p:grpSpPr>
+      <p:sp>
+        <p:nvSpPr>
+          <p:cNvPr id="2" name="Title 1">
+            <a:extLst>
+              <a:ext uri="{FF2B5EF4-FFF2-40B4-BE49-F238E27FC236}">
+                <a16:creationId xmlns:a16="http://schemas.microsoft.com/office/drawing/2014/main" id="{75AC86D3-8FD1-4F47-A319-7D0542E48B2F}"/>
+              </a:ext>
+            </a:extLst>
+          </p:cNvPr>
+          <p:cNvSpPr>
+            <a:spLocks noGrp="1"/>
+          </p:cNvSpPr>
+          <p:nvPr>
+            <p:ph type="title"/>
+          </p:nvPr>
+        </p:nvSpPr>
+        <p:spPr>
+          <a:xfrm>
+            <a:off x="1097280" y="286603"/>
+            <a:ext cx="10058400" cy="1450757"/>
+          </a:xfrm>
+        </p:spPr>
+        <p:txBody>
+          <a:bodyPr vert="horz" lIns="91440" tIns="45720" rIns="91440" bIns="45720" rtlCol="0">
+            <a:normAutofit/>
+          </a:bodyPr>
+          <a:lstStyle/>
+          <a:p>
+            <a:r>
+              <a:rPr lang="en-US" dirty="0"/>
+              <a:t>Draft – Database Structure</a:t>
+            </a:r>
+            <a:br>
+              <a:rPr lang="en-US" dirty="0"/>
+            </a:br>
+            <a:r>
+              <a:rPr lang="en-US" dirty="0"/>
+              <a:t>Adam will get us another pic</a:t>
+            </a:r>
+          </a:p>
+        </p:txBody>
+      </p:sp>
+      <p:pic>
+        <p:nvPicPr>
+          <p:cNvPr id="3" name="Content Placeholder 2" descr="Graphical user interface, application&#10;&#10;Description automatically generated">
+            <a:extLst>
+              <a:ext uri="{FF2B5EF4-FFF2-40B4-BE49-F238E27FC236}">
+                <a16:creationId xmlns:a16="http://schemas.microsoft.com/office/drawing/2014/main" id="{F436DB3B-A9FA-11BD-49EB-7195A734A590}"/>
+              </a:ext>
+            </a:extLst>
+          </p:cNvPr>
+          <p:cNvPicPr>
+            <a:picLocks noGrp="1" noChangeAspect="1"/>
+          </p:cNvPicPr>
+          <p:nvPr>
+            <p:ph idx="1"/>
+          </p:nvPr>
+        </p:nvPicPr>
+        <p:blipFill rotWithShape="1">
+          <a:blip r:embed="rId2"/>
+          <a:srcRect t="7787"/>
+          <a:stretch/>
+        </p:blipFill>
+        <p:spPr bwMode="auto">
+          <a:xfrm>
+            <a:off x="4182939" y="2108200"/>
+            <a:ext cx="3886447" cy="3760788"/>
+          </a:xfrm>
+          <a:prstGeom prst="rect">
+            <a:avLst/>
+          </a:prstGeom>
+          <a:ln>
+            <a:noFill/>
+          </a:ln>
+          <a:extLst>
+            <a:ext uri="{53640926-AAD7-44D8-BBD7-CCE9431645EC}">
+              <a14:shadowObscured xmlns:a14="http://schemas.microsoft.com/office/drawing/2010/main"/>
+            </a:ext>
+          </a:extLst>
+        </p:spPr>
+      </p:pic>
+    </p:spTree>
+    <p:extLst>
+      <p:ext uri="{BB962C8B-B14F-4D97-AF65-F5344CB8AC3E}">
+        <p14:creationId xmlns:p14="http://schemas.microsoft.com/office/powerpoint/2010/main" val="2735542354"/>
+      </p:ext>
+    </p:extLst>
+  </p:cSld>
+  <p:clrMapOvr>
+    <a:masterClrMapping/>
+  </p:clrMapOvr>
+</p:sld>
+</file>
+
+<file path=ppt/slides/slide12.xml><?xml version="1.0" encoding="utf-8"?>
+<p:sld xmlns:a="http://schemas.openxmlformats.org/drawingml/2006/main" xmlns:r="http://schemas.openxmlformats.org/officeDocument/2006/relationships" xmlns:p="http://schemas.openxmlformats.org/presentationml/2006/main">
+  <p:cSld>
+    <p:spTree>
+      <p:nvGrpSpPr>
+        <p:cNvPr id="1" name=""/>
+        <p:cNvGrpSpPr/>
+        <p:nvPr/>
+      </p:nvGrpSpPr>
+      <p:grpSpPr>
+        <a:xfrm>
+          <a:off x="0" y="0"/>
+          <a:ext cx="0" cy="0"/>
+          <a:chOff x="0" y="0"/>
+          <a:chExt cx="0" cy="0"/>
+        </a:xfrm>
+      </p:grpSpPr>
+      <p:sp>
+        <p:nvSpPr>
+          <p:cNvPr id="2" name="Title 1">
+            <a:extLst>
+              <a:ext uri="{FF2B5EF4-FFF2-40B4-BE49-F238E27FC236}">
+                <a16:creationId xmlns:a16="http://schemas.microsoft.com/office/drawing/2014/main" id="{75AC86D3-8FD1-4F47-A319-7D0542E48B2F}"/>
+              </a:ext>
+            </a:extLst>
+          </p:cNvPr>
+          <p:cNvSpPr>
+            <a:spLocks noGrp="1"/>
+          </p:cNvSpPr>
+          <p:nvPr>
+            <p:ph type="title"/>
+          </p:nvPr>
+        </p:nvSpPr>
+        <p:spPr>
+          <a:xfrm>
+            <a:off x="1097280" y="286603"/>
+            <a:ext cx="10058400" cy="1450757"/>
+          </a:xfrm>
+        </p:spPr>
+        <p:txBody>
+          <a:bodyPr vert="horz" lIns="91440" tIns="45720" rIns="91440" bIns="45720" rtlCol="0">
+            <a:normAutofit/>
+          </a:bodyPr>
+          <a:lstStyle/>
+          <a:p>
+            <a:pPr marR="0" lvl="0">
+              <a:lnSpc>
+                <a:spcPct val="115000"/>
+              </a:lnSpc>
+              <a:spcBef>
+                <a:spcPts val="0"/>
+              </a:spcBef>
+              <a:spcAft>
+                <a:spcPts val="0"/>
+              </a:spcAft>
+              <a:tabLst>
+                <a:tab pos="228600" algn="l"/>
+              </a:tabLst>
+            </a:pPr>
+            <a:r>
+              <a:rPr lang="en-US" sz="4800" b="1" dirty="0">
+                <a:solidFill>
+                  <a:srgbClr val="2B2B2B"/>
+                </a:solidFill>
+                <a:effectLst/>
+                <a:latin typeface="Calibri" panose="020F0502020204030204" pitchFamily="34" charset="0"/>
+                <a:ea typeface="Times New Roman" panose="02020603050405020304" pitchFamily="18" charset="0"/>
+                <a:cs typeface="Calibri" panose="020F0502020204030204" pitchFamily="34" charset="0"/>
+              </a:rPr>
+              <a:t>Exploratory Analysis with Visualization</a:t>
+            </a:r>
+            <a:endParaRPr lang="en-US" sz="4800" dirty="0">
+              <a:effectLst/>
+              <a:latin typeface="Calibri" panose="020F0502020204030204" pitchFamily="34" charset="0"/>
+              <a:ea typeface="Calibri" panose="020F0502020204030204" pitchFamily="34" charset="0"/>
+              <a:cs typeface="Times New Roman" panose="02020603050405020304" pitchFamily="18" charset="0"/>
+            </a:endParaRPr>
+          </a:p>
+        </p:txBody>
+      </p:sp>
+      <p:sp>
+        <p:nvSpPr>
+          <p:cNvPr id="5" name="Content Placeholder 4">
+            <a:extLst>
+              <a:ext uri="{FF2B5EF4-FFF2-40B4-BE49-F238E27FC236}">
+                <a16:creationId xmlns:a16="http://schemas.microsoft.com/office/drawing/2014/main" id="{73A7EBCF-5494-2CF5-208B-5F6B01D509BF}"/>
+              </a:ext>
+            </a:extLst>
+          </p:cNvPr>
+          <p:cNvSpPr>
+            <a:spLocks noGrp="1"/>
+          </p:cNvSpPr>
+          <p:nvPr>
+            <p:ph idx="1"/>
+          </p:nvPr>
+        </p:nvSpPr>
+        <p:spPr/>
+        <p:txBody>
+          <a:bodyPr/>
+          <a:lstStyle/>
+          <a:p>
+            <a:pPr marL="457200" marR="0">
+              <a:lnSpc>
+                <a:spcPct val="115000"/>
+              </a:lnSpc>
+              <a:spcBef>
+                <a:spcPts val="0"/>
+              </a:spcBef>
+              <a:spcAft>
+                <a:spcPts val="0"/>
+              </a:spcAft>
+            </a:pPr>
+            <a:r>
+              <a:rPr lang="en-US" sz="1100" dirty="0">
+                <a:solidFill>
+                  <a:srgbClr val="2B2B2B"/>
+                </a:solidFill>
+                <a:effectLst/>
+                <a:latin typeface="Calibri" panose="020F0502020204030204" pitchFamily="34" charset="0"/>
+                <a:ea typeface="Times New Roman" panose="02020603050405020304" pitchFamily="18" charset="0"/>
+                <a:cs typeface="Calibri" panose="020F0502020204030204" pitchFamily="34" charset="0"/>
+              </a:rPr>
+              <a:t>Tableau</a:t>
+            </a:r>
+            <a:endParaRPr lang="en-US" sz="1100" dirty="0">
+              <a:effectLst/>
+              <a:latin typeface="Calibri" panose="020F0502020204030204" pitchFamily="34" charset="0"/>
+              <a:ea typeface="Calibri" panose="020F0502020204030204" pitchFamily="34" charset="0"/>
+              <a:cs typeface="Times New Roman" panose="02020603050405020304" pitchFamily="18" charset="0"/>
+            </a:endParaRPr>
+          </a:p>
+          <a:p>
+            <a:pPr marL="457200" marR="0">
+              <a:lnSpc>
+                <a:spcPct val="115000"/>
+              </a:lnSpc>
+              <a:spcBef>
+                <a:spcPts val="0"/>
+              </a:spcBef>
+              <a:spcAft>
+                <a:spcPts val="1000"/>
+              </a:spcAft>
+            </a:pPr>
+            <a:r>
+              <a:rPr lang="en-US" sz="1100" dirty="0">
+                <a:solidFill>
+                  <a:srgbClr val="2B2B2B"/>
+                </a:solidFill>
+                <a:effectLst/>
+                <a:latin typeface="Calibri" panose="020F0502020204030204" pitchFamily="34" charset="0"/>
+                <a:ea typeface="Times New Roman" panose="02020603050405020304" pitchFamily="18" charset="0"/>
+                <a:cs typeface="Calibri" panose="020F0502020204030204" pitchFamily="34" charset="0"/>
+              </a:rPr>
+              <a:t> </a:t>
+            </a:r>
+            <a:endParaRPr lang="en-US" sz="1100" dirty="0">
+              <a:effectLst/>
+              <a:latin typeface="Calibri" panose="020F0502020204030204" pitchFamily="34" charset="0"/>
+              <a:ea typeface="Calibri" panose="020F0502020204030204" pitchFamily="34" charset="0"/>
+              <a:cs typeface="Times New Roman" panose="02020603050405020304" pitchFamily="18" charset="0"/>
+            </a:endParaRPr>
+          </a:p>
+          <a:p>
+            <a:pPr marL="457200" marR="0">
+              <a:lnSpc>
+                <a:spcPct val="115000"/>
+              </a:lnSpc>
+              <a:spcBef>
+                <a:spcPts val="0"/>
+              </a:spcBef>
+              <a:spcAft>
+                <a:spcPts val="0"/>
+              </a:spcAft>
+            </a:pPr>
+            <a:r>
+              <a:rPr lang="en-US" sz="1100" dirty="0">
+                <a:solidFill>
+                  <a:srgbClr val="2B2B2B"/>
+                </a:solidFill>
+                <a:effectLst/>
+                <a:latin typeface="Calibri" panose="020F0502020204030204" pitchFamily="34" charset="0"/>
+                <a:ea typeface="Times New Roman" panose="02020603050405020304" pitchFamily="18" charset="0"/>
+                <a:cs typeface="Calibri" panose="020F0502020204030204" pitchFamily="34" charset="0"/>
+              </a:rPr>
+              <a:t> </a:t>
+            </a:r>
+            <a:endParaRPr lang="en-US" sz="1100" dirty="0">
+              <a:effectLst/>
+              <a:latin typeface="Calibri" panose="020F0502020204030204" pitchFamily="34" charset="0"/>
+              <a:ea typeface="Calibri" panose="020F0502020204030204" pitchFamily="34" charset="0"/>
+              <a:cs typeface="Times New Roman" panose="02020603050405020304" pitchFamily="18" charset="0"/>
+            </a:endParaRPr>
+          </a:p>
+          <a:p>
+            <a:pPr marL="342900" marR="0" lvl="0" indent="-342900">
+              <a:lnSpc>
+                <a:spcPct val="115000"/>
+              </a:lnSpc>
+              <a:spcBef>
+                <a:spcPts val="0"/>
+              </a:spcBef>
+              <a:spcAft>
+                <a:spcPts val="0"/>
+              </a:spcAft>
+              <a:buFont typeface="+mj-lt"/>
+              <a:buAutoNum type="arabicPeriod"/>
+              <a:tabLst>
+                <a:tab pos="228600" algn="l"/>
+              </a:tabLst>
+            </a:pPr>
+            <a:r>
+              <a:rPr lang="en-US" sz="1100" b="1" dirty="0">
+                <a:solidFill>
+                  <a:srgbClr val="2B2B2B"/>
+                </a:solidFill>
+                <a:effectLst/>
+                <a:latin typeface="Calibri" panose="020F0502020204030204" pitchFamily="34" charset="0"/>
+                <a:ea typeface="Times New Roman" panose="02020603050405020304" pitchFamily="18" charset="0"/>
+                <a:cs typeface="Calibri" panose="020F0502020204030204" pitchFamily="34" charset="0"/>
+              </a:rPr>
+              <a:t>Visualize Travel Data</a:t>
+            </a:r>
+            <a:r>
+              <a:rPr lang="en-US" sz="1100" dirty="0">
+                <a:solidFill>
+                  <a:srgbClr val="2B2B2B"/>
+                </a:solidFill>
+                <a:effectLst/>
+                <a:latin typeface="Calibri" panose="020F0502020204030204" pitchFamily="34" charset="0"/>
+                <a:ea typeface="Times New Roman" panose="02020603050405020304" pitchFamily="18" charset="0"/>
+                <a:cs typeface="Calibri" panose="020F0502020204030204" pitchFamily="34" charset="0"/>
+              </a:rPr>
+              <a:t>.</a:t>
+            </a:r>
+            <a:endParaRPr lang="en-US" sz="1100" dirty="0">
+              <a:effectLst/>
+              <a:latin typeface="Calibri" panose="020F0502020204030204" pitchFamily="34" charset="0"/>
+              <a:ea typeface="Calibri" panose="020F0502020204030204" pitchFamily="34" charset="0"/>
+              <a:cs typeface="Times New Roman" panose="02020603050405020304" pitchFamily="18" charset="0"/>
+            </a:endParaRPr>
+          </a:p>
+          <a:p>
+            <a:pPr marL="742950" marR="0" lvl="1" indent="-285750">
+              <a:lnSpc>
+                <a:spcPct val="115000"/>
+              </a:lnSpc>
+              <a:spcBef>
+                <a:spcPts val="0"/>
+              </a:spcBef>
+              <a:spcAft>
+                <a:spcPts val="0"/>
+              </a:spcAft>
+              <a:buSzPts val="1000"/>
+              <a:buFont typeface="Courier New" panose="02070309020205020404" pitchFamily="49" charset="0"/>
+              <a:buChar char="o"/>
+              <a:tabLst>
+                <a:tab pos="685800" algn="l"/>
+              </a:tabLst>
+            </a:pPr>
+            <a:r>
+              <a:rPr lang="en-US" sz="1100" dirty="0">
+                <a:solidFill>
+                  <a:srgbClr val="2B2B2B"/>
+                </a:solidFill>
+                <a:effectLst/>
+                <a:latin typeface="Calibri" panose="020F0502020204030204" pitchFamily="34" charset="0"/>
+                <a:ea typeface="Times New Roman" panose="02020603050405020304" pitchFamily="18" charset="0"/>
+                <a:cs typeface="Calibri" panose="020F0502020204030204" pitchFamily="34" charset="0"/>
+              </a:rPr>
+              <a:t>Travel agents and customers can utilize the weather data to choose the best cities for vacation based on certain weather criteria,</a:t>
+            </a:r>
+            <a:endParaRPr lang="en-US" sz="1100" dirty="0">
+              <a:effectLst/>
+              <a:latin typeface="Calibri" panose="020F0502020204030204" pitchFamily="34" charset="0"/>
+              <a:ea typeface="Calibri" panose="020F0502020204030204" pitchFamily="34" charset="0"/>
+              <a:cs typeface="Times New Roman" panose="02020603050405020304" pitchFamily="18" charset="0"/>
+            </a:endParaRPr>
+          </a:p>
+          <a:p>
+            <a:endParaRPr lang="en-US" dirty="0"/>
+          </a:p>
+        </p:txBody>
+      </p:sp>
+    </p:spTree>
+    <p:extLst>
+      <p:ext uri="{BB962C8B-B14F-4D97-AF65-F5344CB8AC3E}">
+        <p14:creationId xmlns:p14="http://schemas.microsoft.com/office/powerpoint/2010/main" val="2140282332"/>
+      </p:ext>
+    </p:extLst>
+  </p:cSld>
+  <p:clrMapOvr>
+    <a:masterClrMapping/>
+  </p:clrMapOvr>
+</p:sld>
+</file>
+
+<file path=ppt/slides/slide13.xml><?xml version="1.0" encoding="utf-8"?>
+<p:sld xmlns:a="http://schemas.openxmlformats.org/drawingml/2006/main" xmlns:r="http://schemas.openxmlformats.org/officeDocument/2006/relationships" xmlns:p="http://schemas.openxmlformats.org/presentationml/2006/main">
+  <p:cSld>
+    <p:spTree>
+      <p:nvGrpSpPr>
+        <p:cNvPr id="1" name=""/>
+        <p:cNvGrpSpPr/>
+        <p:nvPr/>
+      </p:nvGrpSpPr>
+      <p:grpSpPr>
+        <a:xfrm>
+          <a:off x="0" y="0"/>
+          <a:ext cx="0" cy="0"/>
+          <a:chOff x="0" y="0"/>
+          <a:chExt cx="0" cy="0"/>
+        </a:xfrm>
+      </p:grpSpPr>
+      <p:sp>
+        <p:nvSpPr>
+          <p:cNvPr id="2" name="Title 1">
+            <a:extLst>
+              <a:ext uri="{FF2B5EF4-FFF2-40B4-BE49-F238E27FC236}">
+                <a16:creationId xmlns:a16="http://schemas.microsoft.com/office/drawing/2014/main" id="{75AC86D3-8FD1-4F47-A319-7D0542E48B2F}"/>
+              </a:ext>
+            </a:extLst>
+          </p:cNvPr>
+          <p:cNvSpPr>
+            <a:spLocks noGrp="1"/>
+          </p:cNvSpPr>
+          <p:nvPr>
+            <p:ph type="title"/>
+          </p:nvPr>
+        </p:nvSpPr>
+        <p:spPr>
+          <a:xfrm>
+            <a:off x="1097280" y="286603"/>
+            <a:ext cx="10058400" cy="1450757"/>
+          </a:xfrm>
+        </p:spPr>
+        <p:txBody>
+          <a:bodyPr vert="horz" lIns="91440" tIns="45720" rIns="91440" bIns="45720" rtlCol="0">
+            <a:normAutofit/>
+          </a:bodyPr>
+          <a:lstStyle/>
+          <a:p>
+            <a:r>
+              <a:rPr lang="en-US" sz="4800" b="1" dirty="0">
+                <a:solidFill>
+                  <a:srgbClr val="2B2B2B"/>
+                </a:solidFill>
+                <a:effectLst/>
+                <a:latin typeface="Calibri" panose="020F0502020204030204" pitchFamily="34" charset="0"/>
+                <a:ea typeface="Times New Roman" panose="02020603050405020304" pitchFamily="18" charset="0"/>
+                <a:cs typeface="Calibri" panose="020F0502020204030204" pitchFamily="34" charset="0"/>
+              </a:rPr>
+              <a:t>Visualize Travel Data</a:t>
+            </a:r>
+            <a:endParaRPr lang="en-US" dirty="0"/>
+          </a:p>
+        </p:txBody>
+      </p:sp>
+      <p:sp>
+        <p:nvSpPr>
+          <p:cNvPr id="5" name="Content Placeholder 4">
+            <a:extLst>
+              <a:ext uri="{FF2B5EF4-FFF2-40B4-BE49-F238E27FC236}">
+                <a16:creationId xmlns:a16="http://schemas.microsoft.com/office/drawing/2014/main" id="{73A7EBCF-5494-2CF5-208B-5F6B01D509BF}"/>
+              </a:ext>
+            </a:extLst>
+          </p:cNvPr>
+          <p:cNvSpPr>
+            <a:spLocks noGrp="1"/>
+          </p:cNvSpPr>
+          <p:nvPr>
+            <p:ph idx="1"/>
+          </p:nvPr>
+        </p:nvSpPr>
+        <p:spPr/>
+        <p:txBody>
+          <a:bodyPr/>
+          <a:lstStyle/>
+          <a:p>
+            <a:pPr marL="742950" marR="0" lvl="1" indent="-285750">
+              <a:lnSpc>
+                <a:spcPct val="115000"/>
+              </a:lnSpc>
+              <a:spcBef>
+                <a:spcPts val="0"/>
+              </a:spcBef>
+              <a:spcAft>
+                <a:spcPts val="0"/>
+              </a:spcAft>
+              <a:buSzPts val="1000"/>
+              <a:buFont typeface="Courier New" panose="02070309020205020404" pitchFamily="49" charset="0"/>
+              <a:buChar char="o"/>
+              <a:tabLst>
+                <a:tab pos="685800" algn="l"/>
+              </a:tabLst>
+            </a:pPr>
+            <a:r>
+              <a:rPr lang="en-US" sz="1100" dirty="0">
+                <a:solidFill>
+                  <a:srgbClr val="2B2B2B"/>
+                </a:solidFill>
+                <a:effectLst/>
+                <a:latin typeface="Calibri" panose="020F0502020204030204" pitchFamily="34" charset="0"/>
+                <a:ea typeface="Times New Roman" panose="02020603050405020304" pitchFamily="18" charset="0"/>
+                <a:cs typeface="Calibri" panose="020F0502020204030204" pitchFamily="34" charset="0"/>
+              </a:rPr>
+              <a:t>Travel agents and customers can utilize the weather data to choose the best cities for vacation based on certain weather criteria,</a:t>
+            </a:r>
+            <a:endParaRPr lang="en-US" sz="1100" dirty="0">
+              <a:effectLst/>
+              <a:latin typeface="Calibri" panose="020F0502020204030204" pitchFamily="34" charset="0"/>
+              <a:ea typeface="Calibri" panose="020F0502020204030204" pitchFamily="34" charset="0"/>
+              <a:cs typeface="Times New Roman" panose="02020603050405020304" pitchFamily="18" charset="0"/>
+            </a:endParaRPr>
+          </a:p>
+          <a:p>
+            <a:endParaRPr lang="en-US" dirty="0"/>
+          </a:p>
+        </p:txBody>
+      </p:sp>
+    </p:spTree>
+    <p:extLst>
+      <p:ext uri="{BB962C8B-B14F-4D97-AF65-F5344CB8AC3E}">
+        <p14:creationId xmlns:p14="http://schemas.microsoft.com/office/powerpoint/2010/main" val="2126395444"/>
+      </p:ext>
+    </p:extLst>
+  </p:cSld>
+  <p:clrMapOvr>
+    <a:masterClrMapping/>
+  </p:clrMapOvr>
+</p:sld>
+</file>
+
+<file path=ppt/slides/slide14.xml><?xml version="1.0" encoding="utf-8"?>
+<p:sld xmlns:a="http://schemas.openxmlformats.org/drawingml/2006/main" xmlns:r="http://schemas.openxmlformats.org/officeDocument/2006/relationships" xmlns:p="http://schemas.openxmlformats.org/presentationml/2006/main">
+  <p:cSld>
+    <p:spTree>
+      <p:nvGrpSpPr>
+        <p:cNvPr id="1" name=""/>
+        <p:cNvGrpSpPr/>
+        <p:nvPr/>
+      </p:nvGrpSpPr>
+      <p:grpSpPr>
+        <a:xfrm>
+          <a:off x="0" y="0"/>
+          <a:ext cx="0" cy="0"/>
+          <a:chOff x="0" y="0"/>
+          <a:chExt cx="0" cy="0"/>
+        </a:xfrm>
+      </p:grpSpPr>
+      <p:sp>
+        <p:nvSpPr>
+          <p:cNvPr id="2" name="Title 1">
+            <a:extLst>
+              <a:ext uri="{FF2B5EF4-FFF2-40B4-BE49-F238E27FC236}">
+                <a16:creationId xmlns:a16="http://schemas.microsoft.com/office/drawing/2014/main" id="{75AC86D3-8FD1-4F47-A319-7D0542E48B2F}"/>
+              </a:ext>
+            </a:extLst>
+          </p:cNvPr>
+          <p:cNvSpPr>
+            <a:spLocks noGrp="1"/>
+          </p:cNvSpPr>
+          <p:nvPr>
+            <p:ph type="title"/>
+          </p:nvPr>
+        </p:nvSpPr>
+        <p:spPr>
+          <a:xfrm>
+            <a:off x="1097280" y="286603"/>
+            <a:ext cx="10058400" cy="1450757"/>
+          </a:xfrm>
+        </p:spPr>
+        <p:txBody>
+          <a:bodyPr vert="horz" lIns="91440" tIns="45720" rIns="91440" bIns="45720" rtlCol="0">
+            <a:normAutofit/>
+          </a:bodyPr>
+          <a:lstStyle/>
+          <a:p>
+            <a:r>
+              <a:rPr lang="en-US" sz="4800" b="1">
+                <a:solidFill>
+                  <a:srgbClr val="2B2B2B"/>
+                </a:solidFill>
+                <a:effectLst/>
+                <a:latin typeface="Calibri" panose="020F0502020204030204" pitchFamily="34" charset="0"/>
+                <a:ea typeface="Times New Roman" panose="02020603050405020304" pitchFamily="18" charset="0"/>
+                <a:cs typeface="Calibri" panose="020F0502020204030204" pitchFamily="34" charset="0"/>
+              </a:rPr>
+              <a:t>Machine Learning</a:t>
+            </a:r>
+            <a:endParaRPr lang="en-US" dirty="0"/>
+          </a:p>
+        </p:txBody>
+      </p:sp>
+      <p:sp>
+        <p:nvSpPr>
+          <p:cNvPr id="5" name="Content Placeholder 4">
+            <a:extLst>
+              <a:ext uri="{FF2B5EF4-FFF2-40B4-BE49-F238E27FC236}">
+                <a16:creationId xmlns:a16="http://schemas.microsoft.com/office/drawing/2014/main" id="{73A7EBCF-5494-2CF5-208B-5F6B01D509BF}"/>
+              </a:ext>
+            </a:extLst>
+          </p:cNvPr>
+          <p:cNvSpPr>
+            <a:spLocks noGrp="1"/>
+          </p:cNvSpPr>
+          <p:nvPr>
+            <p:ph idx="1"/>
+          </p:nvPr>
+        </p:nvSpPr>
+        <p:spPr/>
+        <p:txBody>
+          <a:bodyPr/>
+          <a:lstStyle/>
+          <a:p>
+            <a:pPr marL="742950" marR="0" lvl="1" indent="-285750">
+              <a:lnSpc>
+                <a:spcPct val="115000"/>
+              </a:lnSpc>
+              <a:spcBef>
+                <a:spcPts val="0"/>
+              </a:spcBef>
+              <a:spcAft>
+                <a:spcPts val="0"/>
+              </a:spcAft>
+              <a:buSzPts val="1000"/>
+              <a:buFont typeface="Courier New" panose="02070309020205020404" pitchFamily="49" charset="0"/>
+              <a:buChar char="o"/>
+              <a:tabLst>
+                <a:tab pos="685800" algn="l"/>
+              </a:tabLst>
+            </a:pPr>
+            <a:r>
+              <a:rPr lang="en-US" sz="1100" dirty="0">
+                <a:solidFill>
+                  <a:srgbClr val="2B2B2B"/>
+                </a:solidFill>
+                <a:effectLst/>
+                <a:latin typeface="Calibri" panose="020F0502020204030204" pitchFamily="34" charset="0"/>
+                <a:ea typeface="Times New Roman" panose="02020603050405020304" pitchFamily="18" charset="0"/>
+                <a:cs typeface="Calibri" panose="020F0502020204030204" pitchFamily="34" charset="0"/>
+              </a:rPr>
+              <a:t>Travel agents and customers can utilize the weather data to choose the best cities for vacation based on certain weather criteria,</a:t>
+            </a:r>
+            <a:endParaRPr lang="en-US" sz="1100" dirty="0">
+              <a:effectLst/>
+              <a:latin typeface="Calibri" panose="020F0502020204030204" pitchFamily="34" charset="0"/>
+              <a:ea typeface="Calibri" panose="020F0502020204030204" pitchFamily="34" charset="0"/>
+              <a:cs typeface="Times New Roman" panose="02020603050405020304" pitchFamily="18" charset="0"/>
+            </a:endParaRPr>
+          </a:p>
+          <a:p>
+            <a:endParaRPr lang="en-US" dirty="0"/>
+          </a:p>
+        </p:txBody>
+      </p:sp>
+      <p:pic>
+        <p:nvPicPr>
+          <p:cNvPr id="4" name="Picture 3">
+            <a:extLst>
+              <a:ext uri="{FF2B5EF4-FFF2-40B4-BE49-F238E27FC236}">
+                <a16:creationId xmlns:a16="http://schemas.microsoft.com/office/drawing/2014/main" id="{AAE79204-E865-BDEB-8B37-9BC371CC4FF7}"/>
+              </a:ext>
+            </a:extLst>
+          </p:cNvPr>
+          <p:cNvPicPr>
+            <a:picLocks noChangeAspect="1"/>
+          </p:cNvPicPr>
+          <p:nvPr/>
+        </p:nvPicPr>
+        <p:blipFill>
+          <a:blip r:embed="rId2"/>
+          <a:stretch>
+            <a:fillRect/>
+          </a:stretch>
+        </p:blipFill>
+        <p:spPr>
+          <a:xfrm>
+            <a:off x="3360097" y="2829635"/>
+            <a:ext cx="3600476" cy="2995634"/>
+          </a:xfrm>
+          <a:prstGeom prst="rect">
+            <a:avLst/>
+          </a:prstGeom>
+        </p:spPr>
+      </p:pic>
+    </p:spTree>
+    <p:extLst>
+      <p:ext uri="{BB962C8B-B14F-4D97-AF65-F5344CB8AC3E}">
+        <p14:creationId xmlns:p14="http://schemas.microsoft.com/office/powerpoint/2010/main" val="447438589"/>
+      </p:ext>
+    </p:extLst>
+  </p:cSld>
+  <p:clrMapOvr>
+    <a:masterClrMapping/>
+  </p:clrMapOvr>
+</p:sld>
+</file>
+
+<file path=ppt/slides/slide15.xml><?xml version="1.0" encoding="utf-8"?>
+<p:sld xmlns:a="http://schemas.openxmlformats.org/drawingml/2006/main" xmlns:r="http://schemas.openxmlformats.org/officeDocument/2006/relationships" xmlns:p="http://schemas.openxmlformats.org/presentationml/2006/main">
+  <p:cSld>
+    <p:spTree>
+      <p:nvGrpSpPr>
+        <p:cNvPr id="1" name=""/>
+        <p:cNvGrpSpPr/>
+        <p:nvPr/>
+      </p:nvGrpSpPr>
+      <p:grpSpPr>
+        <a:xfrm>
+          <a:off x="0" y="0"/>
+          <a:ext cx="0" cy="0"/>
+          <a:chOff x="0" y="0"/>
+          <a:chExt cx="0" cy="0"/>
+        </a:xfrm>
+      </p:grpSpPr>
+      <p:sp>
+        <p:nvSpPr>
+          <p:cNvPr id="2" name="Title 1">
+            <a:extLst>
+              <a:ext uri="{FF2B5EF4-FFF2-40B4-BE49-F238E27FC236}">
+                <a16:creationId xmlns:a16="http://schemas.microsoft.com/office/drawing/2014/main" id="{75AC86D3-8FD1-4F47-A319-7D0542E48B2F}"/>
+              </a:ext>
+            </a:extLst>
+          </p:cNvPr>
+          <p:cNvSpPr>
+            <a:spLocks noGrp="1"/>
+          </p:cNvSpPr>
+          <p:nvPr>
+            <p:ph type="title"/>
+          </p:nvPr>
+        </p:nvSpPr>
+        <p:spPr>
+          <a:xfrm>
+            <a:off x="1097280" y="286603"/>
+            <a:ext cx="10221078" cy="1450757"/>
+          </a:xfrm>
+        </p:spPr>
+        <p:txBody>
+          <a:bodyPr vert="horz" lIns="91440" tIns="45720" rIns="91440" bIns="45720" rtlCol="0">
+            <a:normAutofit/>
+          </a:bodyPr>
+          <a:lstStyle/>
+          <a:p>
+            <a:r>
+              <a:rPr lang="en-US" dirty="0"/>
+              <a:t>Observations &amp; Recommendations </a:t>
+            </a:r>
+          </a:p>
+        </p:txBody>
+      </p:sp>
+      <p:sp>
+        <p:nvSpPr>
+          <p:cNvPr id="5" name="Content Placeholder 4">
+            <a:extLst>
+              <a:ext uri="{FF2B5EF4-FFF2-40B4-BE49-F238E27FC236}">
+                <a16:creationId xmlns:a16="http://schemas.microsoft.com/office/drawing/2014/main" id="{73A7EBCF-5494-2CF5-208B-5F6B01D509BF}"/>
+              </a:ext>
+            </a:extLst>
+          </p:cNvPr>
+          <p:cNvSpPr>
+            <a:spLocks noGrp="1"/>
+          </p:cNvSpPr>
+          <p:nvPr>
+            <p:ph idx="1"/>
+          </p:nvPr>
+        </p:nvSpPr>
+        <p:spPr/>
+        <p:txBody>
+          <a:bodyPr/>
+          <a:lstStyle/>
+          <a:p>
+            <a:r>
+              <a:rPr lang="en-US" dirty="0"/>
+              <a:t>C-Group believes our current data has a 25 % accuracy</a:t>
+            </a:r>
+          </a:p>
+          <a:p>
+            <a:pPr lvl="1"/>
+            <a:r>
+              <a:rPr lang="en-US" dirty="0"/>
+              <a:t>We strongly recommend additional analysis to ensure the data utilized is appropriate for correctly</a:t>
+            </a:r>
+          </a:p>
+          <a:p>
+            <a:endParaRPr lang="en-US" dirty="0"/>
+          </a:p>
+          <a:p>
+            <a:r>
+              <a:rPr lang="en-US" dirty="0"/>
+              <a:t>90% of the Air Quality is ranked as Level 1 – the lowest level of air quality</a:t>
+            </a:r>
+          </a:p>
+          <a:p>
+            <a:endParaRPr lang="en-US" dirty="0"/>
+          </a:p>
+        </p:txBody>
+      </p:sp>
+    </p:spTree>
+    <p:extLst>
+      <p:ext uri="{BB962C8B-B14F-4D97-AF65-F5344CB8AC3E}">
+        <p14:creationId xmlns:p14="http://schemas.microsoft.com/office/powerpoint/2010/main" val="3107224356"/>
+      </p:ext>
+    </p:extLst>
+  </p:cSld>
+  <p:clrMapOvr>
+    <a:masterClrMapping/>
+  </p:clrMapOvr>
+</p:sld>
+</file>
+
+<file path=ppt/slides/slide16.xml><?xml version="1.0" encoding="utf-8"?>
+<p:sld xmlns:a="http://schemas.openxmlformats.org/drawingml/2006/main" xmlns:r="http://schemas.openxmlformats.org/officeDocument/2006/relationships" xmlns:p="http://schemas.openxmlformats.org/presentationml/2006/main">
+  <p:cSld>
+    <p:spTree>
+      <p:nvGrpSpPr>
+        <p:cNvPr id="1" name=""/>
+        <p:cNvGrpSpPr/>
+        <p:nvPr/>
+      </p:nvGrpSpPr>
+      <p:grpSpPr>
+        <a:xfrm>
+          <a:off x="0" y="0"/>
+          <a:ext cx="0" cy="0"/>
+          <a:chOff x="0" y="0"/>
+          <a:chExt cx="0" cy="0"/>
+        </a:xfrm>
+      </p:grpSpPr>
+      <p:sp>
+        <p:nvSpPr>
+          <p:cNvPr id="2" name="Title 1">
+            <a:extLst>
+              <a:ext uri="{FF2B5EF4-FFF2-40B4-BE49-F238E27FC236}">
+                <a16:creationId xmlns:a16="http://schemas.microsoft.com/office/drawing/2014/main" id="{75AC86D3-8FD1-4F47-A319-7D0542E48B2F}"/>
+              </a:ext>
+            </a:extLst>
+          </p:cNvPr>
+          <p:cNvSpPr>
+            <a:spLocks noGrp="1"/>
+          </p:cNvSpPr>
+          <p:nvPr>
+            <p:ph type="title"/>
+          </p:nvPr>
+        </p:nvSpPr>
+        <p:spPr>
+          <a:xfrm>
+            <a:off x="1097280" y="286603"/>
+            <a:ext cx="10058400" cy="1450757"/>
+          </a:xfrm>
+        </p:spPr>
+        <p:txBody>
+          <a:bodyPr vert="horz" lIns="91440" tIns="45720" rIns="91440" bIns="45720" rtlCol="0">
+            <a:normAutofit/>
+          </a:bodyPr>
+          <a:lstStyle/>
+          <a:p>
+            <a:pPr marL="0" marR="0">
+              <a:lnSpc>
+                <a:spcPct val="115000"/>
+              </a:lnSpc>
+              <a:spcBef>
+                <a:spcPts val="0"/>
+              </a:spcBef>
+              <a:spcAft>
+                <a:spcPts val="0"/>
+              </a:spcAft>
+            </a:pPr>
+            <a:r>
+              <a:rPr lang="en-US" sz="4800" b="1" u="sng" dirty="0">
+                <a:solidFill>
+                  <a:srgbClr val="FF0000"/>
+                </a:solidFill>
+                <a:effectLst/>
+                <a:latin typeface="Calibri" panose="020F0502020204030204" pitchFamily="34" charset="0"/>
+                <a:ea typeface="Calibri" panose="020F0502020204030204" pitchFamily="34" charset="0"/>
+                <a:cs typeface="Calibri" panose="020F0502020204030204" pitchFamily="34" charset="0"/>
+              </a:rPr>
+              <a:t>Was our hypothesis Correct?</a:t>
+            </a:r>
+            <a:endParaRPr lang="en-US" sz="4800" dirty="0">
+              <a:solidFill>
+                <a:srgbClr val="FF0000"/>
+              </a:solidFill>
+              <a:effectLst/>
+              <a:latin typeface="Calibri" panose="020F0502020204030204" pitchFamily="34" charset="0"/>
+              <a:ea typeface="Calibri" panose="020F0502020204030204" pitchFamily="34" charset="0"/>
+              <a:cs typeface="Times New Roman" panose="02020603050405020304" pitchFamily="18" charset="0"/>
+            </a:endParaRPr>
+          </a:p>
+        </p:txBody>
+      </p:sp>
+      <p:sp>
+        <p:nvSpPr>
+          <p:cNvPr id="5" name="Content Placeholder 4">
+            <a:extLst>
+              <a:ext uri="{FF2B5EF4-FFF2-40B4-BE49-F238E27FC236}">
+                <a16:creationId xmlns:a16="http://schemas.microsoft.com/office/drawing/2014/main" id="{73A7EBCF-5494-2CF5-208B-5F6B01D509BF}"/>
+              </a:ext>
+            </a:extLst>
+          </p:cNvPr>
+          <p:cNvSpPr>
+            <a:spLocks noGrp="1"/>
+          </p:cNvSpPr>
+          <p:nvPr>
+            <p:ph idx="1"/>
+          </p:nvPr>
+        </p:nvSpPr>
+        <p:spPr/>
+        <p:txBody>
+          <a:bodyPr/>
+          <a:lstStyle/>
+          <a:p>
+            <a:pPr marL="0" marR="0">
+              <a:lnSpc>
+                <a:spcPct val="115000"/>
+              </a:lnSpc>
+              <a:spcBef>
+                <a:spcPts val="0"/>
+              </a:spcBef>
+              <a:spcAft>
+                <a:spcPts val="0"/>
+              </a:spcAft>
+            </a:pPr>
+            <a:endParaRPr lang="en-US" sz="1800" b="1" dirty="0">
+              <a:solidFill>
+                <a:schemeClr val="tx1"/>
+              </a:solidFill>
+              <a:effectLst/>
+              <a:latin typeface="Calibri" panose="020F0502020204030204" pitchFamily="34" charset="0"/>
+              <a:ea typeface="Calibri" panose="020F0502020204030204" pitchFamily="34" charset="0"/>
+              <a:cs typeface="Calibri" panose="020F0502020204030204" pitchFamily="34" charset="0"/>
+            </a:endParaRPr>
+          </a:p>
+          <a:p>
+            <a:pPr marL="0" marR="0">
+              <a:lnSpc>
+                <a:spcPct val="115000"/>
+              </a:lnSpc>
+              <a:spcBef>
+                <a:spcPts val="0"/>
+              </a:spcBef>
+              <a:spcAft>
+                <a:spcPts val="0"/>
+              </a:spcAft>
+            </a:pPr>
+            <a:r>
+              <a:rPr lang="en-US" sz="1800" b="1" dirty="0">
+                <a:solidFill>
+                  <a:schemeClr val="tx1"/>
+                </a:solidFill>
+                <a:effectLst/>
+                <a:latin typeface="Calibri" panose="020F0502020204030204" pitchFamily="34" charset="0"/>
+                <a:ea typeface="Calibri" panose="020F0502020204030204" pitchFamily="34" charset="0"/>
+                <a:cs typeface="Calibri" panose="020F0502020204030204" pitchFamily="34" charset="0"/>
+              </a:rPr>
+              <a:t>C-Group </a:t>
+            </a:r>
+            <a:r>
+              <a:rPr lang="en-US" sz="1800" b="1" u="sng" dirty="0">
+                <a:solidFill>
+                  <a:srgbClr val="FF0000"/>
+                </a:solidFill>
+                <a:effectLst/>
+                <a:latin typeface="Calibri" panose="020F0502020204030204" pitchFamily="34" charset="0"/>
+                <a:ea typeface="Calibri" panose="020F0502020204030204" pitchFamily="34" charset="0"/>
+                <a:cs typeface="Calibri" panose="020F0502020204030204" pitchFamily="34" charset="0"/>
+              </a:rPr>
+              <a:t>Project Hypothesis</a:t>
+            </a:r>
+            <a:endParaRPr lang="en-US" sz="1800" dirty="0">
+              <a:effectLst/>
+              <a:latin typeface="Calibri" panose="020F0502020204030204" pitchFamily="34" charset="0"/>
+              <a:ea typeface="Calibri" panose="020F0502020204030204" pitchFamily="34" charset="0"/>
+              <a:cs typeface="Times New Roman" panose="02020603050405020304" pitchFamily="18" charset="0"/>
+            </a:endParaRPr>
+          </a:p>
+          <a:p>
+            <a:pPr marL="342900" marR="0" lvl="0" indent="-342900">
+              <a:lnSpc>
+                <a:spcPct val="115000"/>
+              </a:lnSpc>
+              <a:spcBef>
+                <a:spcPts val="0"/>
+              </a:spcBef>
+              <a:spcAft>
+                <a:spcPts val="0"/>
+              </a:spcAft>
+              <a:buFont typeface="Symbol" panose="05050102010706020507" pitchFamily="18" charset="2"/>
+              <a:buChar char=""/>
+            </a:pPr>
+            <a:r>
+              <a:rPr lang="en-US" sz="1800" dirty="0">
+                <a:effectLst/>
+                <a:latin typeface="Calibri" panose="020F0502020204030204" pitchFamily="34" charset="0"/>
+                <a:ea typeface="Calibri" panose="020F0502020204030204" pitchFamily="34" charset="0"/>
+                <a:cs typeface="Calibri" panose="020F0502020204030204" pitchFamily="34" charset="0"/>
+              </a:rPr>
+              <a:t>Cities with larger populations have lower air quality countries </a:t>
+            </a:r>
+            <a:endParaRPr lang="en-US" sz="1800" dirty="0">
+              <a:effectLst/>
+              <a:latin typeface="Calibri" panose="020F0502020204030204" pitchFamily="34" charset="0"/>
+              <a:ea typeface="Calibri" panose="020F0502020204030204" pitchFamily="34" charset="0"/>
+              <a:cs typeface="Times New Roman" panose="02020603050405020304" pitchFamily="18" charset="0"/>
+            </a:endParaRPr>
+          </a:p>
+          <a:p>
+            <a:pPr marL="342900" marR="0" lvl="0" indent="-342900">
+              <a:lnSpc>
+                <a:spcPct val="115000"/>
+              </a:lnSpc>
+              <a:spcBef>
+                <a:spcPts val="0"/>
+              </a:spcBef>
+              <a:spcAft>
+                <a:spcPts val="0"/>
+              </a:spcAft>
+              <a:buFont typeface="Symbol" panose="05050102010706020507" pitchFamily="18" charset="2"/>
+              <a:buChar char=""/>
+            </a:pPr>
+            <a:r>
+              <a:rPr lang="en-US" sz="1800" dirty="0">
+                <a:latin typeface="Calibri" panose="020F0502020204030204" pitchFamily="34" charset="0"/>
+                <a:ea typeface="Calibri" panose="020F0502020204030204" pitchFamily="34" charset="0"/>
+                <a:cs typeface="Calibri" panose="020F0502020204030204" pitchFamily="34" charset="0"/>
+              </a:rPr>
+              <a:t>T</a:t>
+            </a:r>
+            <a:r>
+              <a:rPr lang="en-US" sz="1800" dirty="0">
+                <a:effectLst/>
+                <a:latin typeface="Calibri" panose="020F0502020204030204" pitchFamily="34" charset="0"/>
+                <a:ea typeface="Calibri" panose="020F0502020204030204" pitchFamily="34" charset="0"/>
+                <a:cs typeface="Calibri" panose="020F0502020204030204" pitchFamily="34" charset="0"/>
+              </a:rPr>
+              <a:t>rack air quality at certain times of the year  </a:t>
+            </a:r>
+            <a:endParaRPr lang="en-US" sz="1800" dirty="0">
+              <a:effectLst/>
+              <a:latin typeface="Calibri" panose="020F0502020204030204" pitchFamily="34" charset="0"/>
+              <a:ea typeface="Calibri" panose="020F0502020204030204" pitchFamily="34" charset="0"/>
+              <a:cs typeface="Times New Roman" panose="02020603050405020304" pitchFamily="18" charset="0"/>
+            </a:endParaRPr>
+          </a:p>
+          <a:p>
+            <a:pPr marL="742950" marR="0" lvl="1" indent="-285750">
+              <a:lnSpc>
+                <a:spcPct val="115000"/>
+              </a:lnSpc>
+              <a:spcBef>
+                <a:spcPts val="0"/>
+              </a:spcBef>
+              <a:spcAft>
+                <a:spcPts val="0"/>
+              </a:spcAft>
+              <a:buFont typeface="Courier New" panose="02070309020205020404" pitchFamily="49" charset="0"/>
+              <a:buChar char="o"/>
+            </a:pPr>
+            <a:r>
+              <a:rPr lang="en-US" sz="1800" dirty="0">
+                <a:latin typeface="Calibri" panose="020F0502020204030204" pitchFamily="34" charset="0"/>
+                <a:ea typeface="Calibri" panose="020F0502020204030204" pitchFamily="34" charset="0"/>
+                <a:cs typeface="Calibri" panose="020F0502020204030204" pitchFamily="34" charset="0"/>
+              </a:rPr>
+              <a:t> Verify that Su</a:t>
+            </a:r>
+            <a:r>
+              <a:rPr lang="en-US" sz="1800" dirty="0">
+                <a:effectLst/>
+                <a:latin typeface="Calibri" panose="020F0502020204030204" pitchFamily="34" charset="0"/>
+                <a:ea typeface="Calibri" panose="020F0502020204030204" pitchFamily="34" charset="0"/>
+                <a:cs typeface="Calibri" panose="020F0502020204030204" pitchFamily="34" charset="0"/>
+              </a:rPr>
+              <a:t>mmer Season has the worst air quality, no matter where you are.</a:t>
+            </a:r>
+            <a:endParaRPr lang="en-US" sz="1800" dirty="0">
+              <a:effectLst/>
+              <a:latin typeface="Calibri" panose="020F0502020204030204" pitchFamily="34" charset="0"/>
+              <a:ea typeface="Calibri" panose="020F0502020204030204" pitchFamily="34" charset="0"/>
+              <a:cs typeface="Times New Roman" panose="02020603050405020304" pitchFamily="18" charset="0"/>
+            </a:endParaRPr>
+          </a:p>
+          <a:p>
+            <a:endParaRPr lang="en-US" dirty="0"/>
+          </a:p>
+        </p:txBody>
+      </p:sp>
+    </p:spTree>
+    <p:extLst>
+      <p:ext uri="{BB962C8B-B14F-4D97-AF65-F5344CB8AC3E}">
+        <p14:creationId xmlns:p14="http://schemas.microsoft.com/office/powerpoint/2010/main" val="2862407831"/>
+      </p:ext>
+    </p:extLst>
+  </p:cSld>
+  <p:clrMapOvr>
+    <a:masterClrMapping/>
+  </p:clrMapOvr>
+</p:sld>
+</file>
+
+<file path=ppt/slides/slide17.xml><?xml version="1.0" encoding="utf-8"?>
+<p:sld xmlns:a="http://schemas.openxmlformats.org/drawingml/2006/main" xmlns:r="http://schemas.openxmlformats.org/officeDocument/2006/relationships" xmlns:p="http://schemas.openxmlformats.org/presentationml/2006/main">
+  <p:cSld>
+    <p:spTree>
+      <p:nvGrpSpPr>
+        <p:cNvPr id="1" name=""/>
+        <p:cNvGrpSpPr/>
+        <p:nvPr/>
+      </p:nvGrpSpPr>
+      <p:grpSpPr>
+        <a:xfrm>
+          <a:off x="0" y="0"/>
+          <a:ext cx="0" cy="0"/>
+          <a:chOff x="0" y="0"/>
+          <a:chExt cx="0" cy="0"/>
+        </a:xfrm>
+      </p:grpSpPr>
+      <p:sp>
+        <p:nvSpPr>
+          <p:cNvPr id="2" name="Title 1">
+            <a:extLst>
+              <a:ext uri="{FF2B5EF4-FFF2-40B4-BE49-F238E27FC236}">
+                <a16:creationId xmlns:a16="http://schemas.microsoft.com/office/drawing/2014/main" id="{75AC86D3-8FD1-4F47-A319-7D0542E48B2F}"/>
+              </a:ext>
+            </a:extLst>
+          </p:cNvPr>
+          <p:cNvSpPr>
+            <a:spLocks noGrp="1"/>
+          </p:cNvSpPr>
+          <p:nvPr>
+            <p:ph type="title"/>
+          </p:nvPr>
+        </p:nvSpPr>
+        <p:spPr>
+          <a:xfrm>
+            <a:off x="1097280" y="286603"/>
+            <a:ext cx="10058400" cy="1450757"/>
+          </a:xfrm>
+        </p:spPr>
+        <p:txBody>
+          <a:bodyPr vert="horz" lIns="91440" tIns="45720" rIns="91440" bIns="45720" rtlCol="0">
+            <a:normAutofit/>
+          </a:bodyPr>
+          <a:lstStyle/>
+          <a:p>
+            <a:r>
+              <a:rPr lang="en-US" dirty="0"/>
+              <a:t>Title Lorem Ipsum </a:t>
+            </a:r>
+          </a:p>
+        </p:txBody>
+      </p:sp>
+      <p:sp>
+        <p:nvSpPr>
+          <p:cNvPr id="5" name="Content Placeholder 4">
+            <a:extLst>
+              <a:ext uri="{FF2B5EF4-FFF2-40B4-BE49-F238E27FC236}">
+                <a16:creationId xmlns:a16="http://schemas.microsoft.com/office/drawing/2014/main" id="{73A7EBCF-5494-2CF5-208B-5F6B01D509BF}"/>
+              </a:ext>
+            </a:extLst>
+          </p:cNvPr>
+          <p:cNvSpPr>
+            <a:spLocks noGrp="1"/>
+          </p:cNvSpPr>
+          <p:nvPr>
+            <p:ph idx="1"/>
+          </p:nvPr>
+        </p:nvSpPr>
+        <p:spPr/>
+        <p:txBody>
+          <a:bodyPr/>
+          <a:lstStyle/>
+          <a:p>
+            <a:endParaRPr lang="en-US"/>
+          </a:p>
+        </p:txBody>
+      </p:sp>
+    </p:spTree>
+    <p:extLst>
+      <p:ext uri="{BB962C8B-B14F-4D97-AF65-F5344CB8AC3E}">
+        <p14:creationId xmlns:p14="http://schemas.microsoft.com/office/powerpoint/2010/main" val="3218758480"/>
+      </p:ext>
+    </p:extLst>
+  </p:cSld>
+  <p:clrMapOvr>
+    <a:masterClrMapping/>
+  </p:clrMapOvr>
+</p:sld>
+</file>
+
+<file path=ppt/slides/slide2.xml><?xml version="1.0" encoding="utf-8"?>
+<p:sld xmlns:a="http://schemas.openxmlformats.org/drawingml/2006/main" xmlns:r="http://schemas.openxmlformats.org/officeDocument/2006/relationships" xmlns:p="http://schemas.openxmlformats.org/presentationml/2006/main">
+  <p:cSld>
+    <p:bg>
+      <p:bgPr>
+        <a:solidFill>
+          <a:schemeClr val="bg1"/>
+        </a:solidFill>
+        <a:effectLst/>
+      </p:bgPr>
+    </p:bg>
+    <p:spTree>
+      <p:nvGrpSpPr>
+        <p:cNvPr id="1" name=""/>
+        <p:cNvGrpSpPr/>
+        <p:nvPr/>
+      </p:nvGrpSpPr>
+      <p:grpSpPr>
+        <a:xfrm>
+          <a:off x="0" y="0"/>
+          <a:ext cx="0" cy="0"/>
+          <a:chOff x="0" y="0"/>
+          <a:chExt cx="0" cy="0"/>
+        </a:xfrm>
+      </p:grpSpPr>
+      <p:sp>
+        <p:nvSpPr>
+          <p:cNvPr id="2" name="Title 1">
+            <a:extLst>
+              <a:ext uri="{FF2B5EF4-FFF2-40B4-BE49-F238E27FC236}">
+                <a16:creationId xmlns:a16="http://schemas.microsoft.com/office/drawing/2014/main" id="{75AC86D3-8FD1-4F47-A319-7D0542E48B2F}"/>
+              </a:ext>
+            </a:extLst>
+          </p:cNvPr>
+          <p:cNvSpPr>
+            <a:spLocks noGrp="1"/>
+          </p:cNvSpPr>
+          <p:nvPr>
+            <p:ph type="title"/>
+          </p:nvPr>
+        </p:nvSpPr>
+        <p:spPr>
+          <a:xfrm>
+            <a:off x="1097280" y="286603"/>
+            <a:ext cx="10058400" cy="1450757"/>
+          </a:xfrm>
+        </p:spPr>
+        <p:txBody>
+          <a:bodyPr vert="horz" lIns="91440" tIns="45720" rIns="91440" bIns="45720" rtlCol="0">
+            <a:normAutofit/>
+          </a:bodyPr>
+          <a:lstStyle/>
+          <a:p>
+            <a:pPr marL="0" marR="0">
+              <a:spcBef>
+                <a:spcPts val="0"/>
+              </a:spcBef>
+              <a:spcAft>
+                <a:spcPts val="0"/>
+              </a:spcAft>
+            </a:pPr>
+            <a:r>
+              <a:rPr lang="en-US" b="1" u="sng" dirty="0">
+                <a:solidFill>
+                  <a:srgbClr val="2B2B2B"/>
+                </a:solidFill>
+                <a:latin typeface="Calibri" panose="020F0502020204030204" pitchFamily="34" charset="0"/>
+                <a:ea typeface="Times New Roman" panose="02020603050405020304" pitchFamily="18" charset="0"/>
+              </a:rPr>
+              <a:t>Who we are?  -- Welcome the “C- Group</a:t>
+            </a:r>
+            <a:endParaRPr lang="en-US" dirty="0">
+              <a:latin typeface="Times New Roman" panose="02020603050405020304" pitchFamily="18" charset="0"/>
+              <a:ea typeface="Times New Roman" panose="02020603050405020304" pitchFamily="18" charset="0"/>
+            </a:endParaRPr>
+          </a:p>
+        </p:txBody>
+      </p:sp>
+      <p:sp>
+        <p:nvSpPr>
+          <p:cNvPr id="5" name="Content Placeholder 4">
+            <a:extLst>
+              <a:ext uri="{FF2B5EF4-FFF2-40B4-BE49-F238E27FC236}">
+                <a16:creationId xmlns:a16="http://schemas.microsoft.com/office/drawing/2014/main" id="{73A7EBCF-5494-2CF5-208B-5F6B01D509BF}"/>
+              </a:ext>
+            </a:extLst>
+          </p:cNvPr>
+          <p:cNvSpPr>
+            <a:spLocks noGrp="1"/>
+          </p:cNvSpPr>
+          <p:nvPr>
+            <p:ph idx="1"/>
+          </p:nvPr>
+        </p:nvSpPr>
+        <p:spPr/>
+        <p:txBody>
+          <a:bodyPr>
+            <a:normAutofit/>
+          </a:bodyPr>
+          <a:lstStyle/>
+          <a:p>
+            <a:pPr marL="0" indent="0">
+              <a:spcBef>
+                <a:spcPts val="0"/>
+              </a:spcBef>
+              <a:spcAft>
+                <a:spcPts val="0"/>
+              </a:spcAft>
+              <a:buNone/>
+            </a:pPr>
+            <a:r>
+              <a:rPr lang="en-US" sz="1600" dirty="0">
+                <a:solidFill>
+                  <a:srgbClr val="2B2B2B"/>
+                </a:solidFill>
+                <a:latin typeface="Calibri" panose="020F0502020204030204" pitchFamily="34" charset="0"/>
+                <a:ea typeface="Times New Roman" panose="02020603050405020304" pitchFamily="18" charset="0"/>
+              </a:rPr>
+              <a:t>We are </a:t>
+            </a:r>
+            <a:r>
+              <a:rPr lang="en-US" sz="1600" b="1" dirty="0">
+                <a:solidFill>
+                  <a:srgbClr val="2B2B2B"/>
+                </a:solidFill>
+                <a:latin typeface="Calibri" panose="020F0502020204030204" pitchFamily="34" charset="0"/>
+                <a:ea typeface="Times New Roman" panose="02020603050405020304" pitchFamily="18" charset="0"/>
+              </a:rPr>
+              <a:t>“C-Group,”</a:t>
+            </a:r>
+            <a:r>
+              <a:rPr lang="en-US" sz="1600" dirty="0">
+                <a:solidFill>
+                  <a:srgbClr val="2B2B2B"/>
+                </a:solidFill>
+                <a:latin typeface="Calibri" panose="020F0502020204030204" pitchFamily="34" charset="0"/>
+                <a:ea typeface="Times New Roman" panose="02020603050405020304" pitchFamily="18" charset="0"/>
+              </a:rPr>
+              <a:t> a data analytical staffing team that can support our clients by supplying enhanced data, analysis, and data visualization to ensure our clients successfully meet their business needs. With the rise of data in today’s economy, data-driven our organization is focused on the practical and technical skills needed to analyze and solve complex data problems. </a:t>
+            </a:r>
+          </a:p>
+          <a:p>
+            <a:pPr marL="0" marR="0" indent="0">
+              <a:spcBef>
+                <a:spcPts val="0"/>
+              </a:spcBef>
+              <a:spcAft>
+                <a:spcPts val="0"/>
+              </a:spcAft>
+              <a:buNone/>
+            </a:pPr>
+            <a:endParaRPr lang="en-US" sz="1600" dirty="0">
+              <a:latin typeface="Times New Roman" panose="02020603050405020304" pitchFamily="18" charset="0"/>
+              <a:ea typeface="Times New Roman" panose="02020603050405020304" pitchFamily="18" charset="0"/>
+            </a:endParaRPr>
+          </a:p>
+          <a:p>
+            <a:pPr marL="0" marR="0">
+              <a:lnSpc>
+                <a:spcPct val="115000"/>
+              </a:lnSpc>
+              <a:spcBef>
+                <a:spcPts val="0"/>
+              </a:spcBef>
+              <a:spcAft>
+                <a:spcPts val="0"/>
+              </a:spcAft>
+            </a:pPr>
+            <a:r>
+              <a:rPr lang="en-US" sz="1600" dirty="0">
+                <a:solidFill>
+                  <a:srgbClr val="2B2B2B"/>
+                </a:solidFill>
+                <a:latin typeface="Calibri" panose="020F0502020204030204" pitchFamily="34" charset="0"/>
+                <a:ea typeface="Times New Roman" panose="02020603050405020304" pitchFamily="18" charset="0"/>
+                <a:cs typeface="Calibri" panose="020F0502020204030204" pitchFamily="34" charset="0"/>
+              </a:rPr>
+              <a:t> </a:t>
+            </a:r>
+            <a:r>
+              <a:rPr lang="en-US" sz="1600" b="1" u="sng" dirty="0">
+                <a:solidFill>
+                  <a:srgbClr val="2B2B2B"/>
+                </a:solidFill>
+                <a:effectLst/>
+                <a:latin typeface="Calibri" panose="020F0502020204030204" pitchFamily="34" charset="0"/>
+                <a:ea typeface="Times New Roman" panose="02020603050405020304" pitchFamily="18" charset="0"/>
+              </a:rPr>
+              <a:t>Vendor Selection Process</a:t>
+            </a:r>
+            <a:endParaRPr lang="en-US" sz="1600" dirty="0">
+              <a:effectLst/>
+              <a:latin typeface="Times New Roman" panose="02020603050405020304" pitchFamily="18" charset="0"/>
+              <a:ea typeface="Times New Roman" panose="02020603050405020304" pitchFamily="18" charset="0"/>
+            </a:endParaRPr>
+          </a:p>
+          <a:p>
+            <a:pPr lvl="1">
+              <a:spcBef>
+                <a:spcPts val="0"/>
+              </a:spcBef>
+              <a:spcAft>
+                <a:spcPts val="0"/>
+              </a:spcAft>
+            </a:pPr>
+            <a:r>
+              <a:rPr lang="en-US" sz="1600" dirty="0">
+                <a:solidFill>
+                  <a:srgbClr val="2B2B2B"/>
+                </a:solidFill>
+                <a:effectLst/>
+                <a:latin typeface="Calibri" panose="020F0502020204030204" pitchFamily="34" charset="0"/>
+                <a:ea typeface="Times New Roman" panose="02020603050405020304" pitchFamily="18" charset="0"/>
+              </a:rPr>
+              <a:t>Currently, we are pleased to be one of three vendors in contention to become your “vendor of choice,” assisting your organization in meeting your data analytical needs. </a:t>
+            </a:r>
+            <a:endParaRPr lang="en-US" sz="1600" dirty="0">
+              <a:effectLst/>
+              <a:latin typeface="Times New Roman" panose="02020603050405020304" pitchFamily="18" charset="0"/>
+              <a:ea typeface="Times New Roman" panose="02020603050405020304" pitchFamily="18" charset="0"/>
+            </a:endParaRPr>
+          </a:p>
+          <a:p>
+            <a:pPr lvl="1">
+              <a:spcBef>
+                <a:spcPts val="0"/>
+              </a:spcBef>
+              <a:spcAft>
+                <a:spcPts val="0"/>
+              </a:spcAft>
+            </a:pPr>
+            <a:endParaRPr lang="en-US" sz="1600" dirty="0">
+              <a:effectLst/>
+              <a:latin typeface="Times New Roman" panose="02020603050405020304" pitchFamily="18" charset="0"/>
+              <a:ea typeface="Times New Roman" panose="02020603050405020304" pitchFamily="18" charset="0"/>
+            </a:endParaRPr>
+          </a:p>
+          <a:p>
+            <a:pPr lvl="1">
+              <a:spcBef>
+                <a:spcPts val="0"/>
+              </a:spcBef>
+              <a:spcAft>
+                <a:spcPts val="0"/>
+              </a:spcAft>
+            </a:pPr>
+            <a:r>
+              <a:rPr lang="en-US" sz="1600" dirty="0">
+                <a:solidFill>
+                  <a:srgbClr val="2B2B2B"/>
+                </a:solidFill>
+                <a:effectLst/>
+                <a:latin typeface="Calibri" panose="020F0502020204030204" pitchFamily="34" charset="0"/>
+                <a:ea typeface="Times New Roman" panose="02020603050405020304" pitchFamily="18" charset="0"/>
+              </a:rPr>
+              <a:t>Recently, C-Group was able to meet with Jason, the lead analyst for the user interface team, and several of his team members. As part of the vendor selection process, we have been asked to prepare and submit a prototype based on certain weather parameters. Based on our discussion, we were able to outline the initial requirements and create a high-level Business Plan. </a:t>
+            </a:r>
+          </a:p>
+          <a:p>
+            <a:pPr lvl="1">
+              <a:spcBef>
+                <a:spcPts val="0"/>
+              </a:spcBef>
+              <a:spcAft>
+                <a:spcPts val="0"/>
+              </a:spcAft>
+            </a:pPr>
+            <a:endParaRPr lang="en-US" sz="1600" dirty="0">
+              <a:effectLst/>
+              <a:latin typeface="Times New Roman" panose="02020603050405020304" pitchFamily="18" charset="0"/>
+              <a:ea typeface="Times New Roman" panose="02020603050405020304" pitchFamily="18" charset="0"/>
+            </a:endParaRPr>
+          </a:p>
+          <a:p>
+            <a:endParaRPr lang="en-US" dirty="0"/>
+          </a:p>
+        </p:txBody>
+      </p:sp>
+    </p:spTree>
+    <p:extLst>
+      <p:ext uri="{BB962C8B-B14F-4D97-AF65-F5344CB8AC3E}">
+        <p14:creationId xmlns:p14="http://schemas.microsoft.com/office/powerpoint/2010/main" val="2933514334"/>
+      </p:ext>
+    </p:extLst>
+  </p:cSld>
+  <p:clrMapOvr>
+    <a:masterClrMapping/>
+  </p:clrMapOvr>
+</p:sld>
+</file>
+
+<file path=ppt/slides/slide3.xml><?xml version="1.0" encoding="utf-8"?>
+<p:sld xmlns:a="http://schemas.openxmlformats.org/drawingml/2006/main" xmlns:r="http://schemas.openxmlformats.org/officeDocument/2006/relationships" xmlns:p="http://schemas.openxmlformats.org/presentationml/2006/main">
+  <p:cSld>
+    <p:spTree>
+      <p:nvGrpSpPr>
+        <p:cNvPr id="1" name=""/>
+        <p:cNvGrpSpPr/>
+        <p:nvPr/>
+      </p:nvGrpSpPr>
+      <p:grpSpPr>
+        <a:xfrm>
+          <a:off x="0" y="0"/>
+          <a:ext cx="0" cy="0"/>
+          <a:chOff x="0" y="0"/>
+          <a:chExt cx="0" cy="0"/>
+        </a:xfrm>
+      </p:grpSpPr>
+      <p:sp>
+        <p:nvSpPr>
+          <p:cNvPr id="2" name="Title 1">
+            <a:extLst>
+              <a:ext uri="{FF2B5EF4-FFF2-40B4-BE49-F238E27FC236}">
+                <a16:creationId xmlns:a16="http://schemas.microsoft.com/office/drawing/2014/main" id="{75AC86D3-8FD1-4F47-A319-7D0542E48B2F}"/>
+              </a:ext>
+            </a:extLst>
+          </p:cNvPr>
+          <p:cNvSpPr>
+            <a:spLocks noGrp="1"/>
+          </p:cNvSpPr>
+          <p:nvPr>
+            <p:ph type="title"/>
+          </p:nvPr>
+        </p:nvSpPr>
+        <p:spPr>
+          <a:xfrm>
+            <a:off x="1097280" y="286603"/>
+            <a:ext cx="10058400" cy="1450757"/>
+          </a:xfrm>
+        </p:spPr>
+        <p:txBody>
+          <a:bodyPr vert="horz" lIns="91440" tIns="45720" rIns="91440" bIns="45720" rtlCol="0">
+            <a:normAutofit/>
+          </a:bodyPr>
+          <a:lstStyle/>
+          <a:p>
+            <a:pPr marL="0" marR="0">
+              <a:spcBef>
+                <a:spcPts val="0"/>
+              </a:spcBef>
+              <a:spcAft>
+                <a:spcPts val="0"/>
+              </a:spcAft>
+            </a:pPr>
+            <a:r>
+              <a:rPr lang="en-US" sz="4800" b="1" u="sng" dirty="0">
+                <a:solidFill>
+                  <a:srgbClr val="2B2B2B"/>
+                </a:solidFill>
+                <a:effectLst/>
+                <a:latin typeface="Calibri" panose="020F0502020204030204" pitchFamily="34" charset="0"/>
+                <a:ea typeface="Calibri" panose="020F0502020204030204" pitchFamily="34" charset="0"/>
+                <a:cs typeface="Calibri" panose="020F0502020204030204" pitchFamily="34" charset="0"/>
+              </a:rPr>
+              <a:t>What can C-Group do for your Organization?</a:t>
+            </a:r>
+            <a:endParaRPr lang="en-US" sz="4800" dirty="0">
+              <a:effectLst/>
+              <a:latin typeface="Calibri" panose="020F0502020204030204" pitchFamily="34" charset="0"/>
+              <a:ea typeface="Calibri" panose="020F0502020204030204" pitchFamily="34" charset="0"/>
+              <a:cs typeface="Calibri" panose="020F0502020204030204" pitchFamily="34" charset="0"/>
+            </a:endParaRPr>
+          </a:p>
+        </p:txBody>
+      </p:sp>
+      <p:sp>
+        <p:nvSpPr>
+          <p:cNvPr id="5" name="Content Placeholder 4">
+            <a:extLst>
+              <a:ext uri="{FF2B5EF4-FFF2-40B4-BE49-F238E27FC236}">
+                <a16:creationId xmlns:a16="http://schemas.microsoft.com/office/drawing/2014/main" id="{73A7EBCF-5494-2CF5-208B-5F6B01D509BF}"/>
+              </a:ext>
+            </a:extLst>
+          </p:cNvPr>
+          <p:cNvSpPr>
+            <a:spLocks noGrp="1"/>
+          </p:cNvSpPr>
+          <p:nvPr>
+            <p:ph idx="1"/>
+          </p:nvPr>
+        </p:nvSpPr>
+        <p:spPr/>
+        <p:txBody>
+          <a:bodyPr>
+            <a:normAutofit/>
+          </a:bodyPr>
+          <a:lstStyle/>
+          <a:p>
+            <a:pPr marL="0" marR="0">
+              <a:spcAft>
+                <a:spcPts val="1200"/>
+              </a:spcAft>
+            </a:pPr>
+            <a:r>
+              <a:rPr lang="en-US" sz="1800" dirty="0">
+                <a:solidFill>
+                  <a:srgbClr val="2B2B2B"/>
+                </a:solidFill>
+                <a:effectLst/>
+                <a:latin typeface="Calibri" panose="020F0502020204030204" pitchFamily="34" charset="0"/>
+                <a:ea typeface="Calibri" panose="020F0502020204030204" pitchFamily="34" charset="0"/>
+                <a:cs typeface="Calibri" panose="020F0502020204030204" pitchFamily="34" charset="0"/>
+              </a:rPr>
+              <a:t>As part of </a:t>
+            </a:r>
+            <a:r>
+              <a:rPr lang="en-US" sz="1800" dirty="0">
+                <a:solidFill>
+                  <a:srgbClr val="2B2B2B"/>
+                </a:solidFill>
+                <a:latin typeface="Calibri" panose="020F0502020204030204" pitchFamily="34" charset="0"/>
+                <a:ea typeface="Calibri" panose="020F0502020204030204" pitchFamily="34" charset="0"/>
+                <a:cs typeface="Calibri" panose="020F0502020204030204" pitchFamily="34" charset="0"/>
+              </a:rPr>
+              <a:t>C-Group’s</a:t>
+            </a:r>
+            <a:r>
+              <a:rPr lang="en-US" sz="1800" dirty="0">
+                <a:solidFill>
+                  <a:srgbClr val="2B2B2B"/>
+                </a:solidFill>
+                <a:effectLst/>
+                <a:latin typeface="Calibri" panose="020F0502020204030204" pitchFamily="34" charset="0"/>
+                <a:ea typeface="Calibri" panose="020F0502020204030204" pitchFamily="34" charset="0"/>
+                <a:cs typeface="Calibri" panose="020F0502020204030204" pitchFamily="34" charset="0"/>
+              </a:rPr>
+              <a:t> Data Analytic Services, we will: </a:t>
+            </a:r>
+            <a:endParaRPr lang="en-US" sz="1800" dirty="0">
+              <a:effectLst/>
+              <a:latin typeface="Calibri" panose="020F0502020204030204" pitchFamily="34" charset="0"/>
+              <a:ea typeface="Calibri" panose="020F0502020204030204" pitchFamily="34" charset="0"/>
+              <a:cs typeface="Calibri" panose="020F0502020204030204" pitchFamily="34" charset="0"/>
+            </a:endParaRPr>
+          </a:p>
+          <a:p>
+            <a:pPr marL="635508" lvl="1" indent="-342900">
+              <a:spcBef>
+                <a:spcPts val="0"/>
+              </a:spcBef>
+              <a:spcAft>
+                <a:spcPts val="600"/>
+              </a:spcAft>
+              <a:buFont typeface="Courier New" panose="02070309020205020404" pitchFamily="49" charset="0"/>
+              <a:buChar char="o"/>
+            </a:pPr>
+            <a:r>
+              <a:rPr lang="en-US" sz="1800" dirty="0">
+                <a:solidFill>
+                  <a:srgbClr val="2B2B2B"/>
+                </a:solidFill>
+                <a:latin typeface="Calibri" panose="020F0502020204030204" pitchFamily="34" charset="0"/>
+                <a:ea typeface="Calibri" panose="020F0502020204030204" pitchFamily="34" charset="0"/>
+                <a:cs typeface="Calibri" panose="020F0502020204030204" pitchFamily="34" charset="0"/>
+              </a:rPr>
+              <a:t>Export the data, clean it, and use the weather data to choose the best cities for vacation based on certain weather criteria.</a:t>
+            </a:r>
+            <a:endParaRPr lang="en-US" sz="1800" dirty="0">
+              <a:latin typeface="Calibri" panose="020F0502020204030204" pitchFamily="34" charset="0"/>
+              <a:ea typeface="Calibri" panose="020F0502020204030204" pitchFamily="34" charset="0"/>
+              <a:cs typeface="Calibri" panose="020F0502020204030204" pitchFamily="34" charset="0"/>
+            </a:endParaRPr>
+          </a:p>
+          <a:p>
+            <a:pPr marL="635508" lvl="1" indent="-342900">
+              <a:spcBef>
+                <a:spcPts val="0"/>
+              </a:spcBef>
+              <a:spcAft>
+                <a:spcPts val="600"/>
+              </a:spcAft>
+              <a:buFont typeface="Courier New" panose="02070309020205020404" pitchFamily="49" charset="0"/>
+              <a:buChar char="o"/>
+            </a:pPr>
+            <a:r>
+              <a:rPr lang="en-US" sz="1800" dirty="0">
+                <a:solidFill>
+                  <a:srgbClr val="2B2B2B"/>
+                </a:solidFill>
+                <a:latin typeface="Calibri" panose="020F0502020204030204" pitchFamily="34" charset="0"/>
+                <a:ea typeface="Calibri" panose="020F0502020204030204" pitchFamily="34" charset="0"/>
+                <a:cs typeface="Calibri" panose="020F0502020204030204" pitchFamily="34" charset="0"/>
+              </a:rPr>
+              <a:t>Perform statistical calculations on the data and the weather parameters.</a:t>
+            </a:r>
+            <a:endParaRPr lang="en-US" sz="1800" dirty="0">
+              <a:latin typeface="Calibri" panose="020F0502020204030204" pitchFamily="34" charset="0"/>
+              <a:ea typeface="Calibri" panose="020F0502020204030204" pitchFamily="34" charset="0"/>
+              <a:cs typeface="Calibri" panose="020F0502020204030204" pitchFamily="34" charset="0"/>
+            </a:endParaRPr>
+          </a:p>
+          <a:p>
+            <a:pPr marL="635508" lvl="1" indent="-342900">
+              <a:spcBef>
+                <a:spcPts val="0"/>
+              </a:spcBef>
+              <a:spcAft>
+                <a:spcPts val="600"/>
+              </a:spcAft>
+              <a:buFont typeface="Courier New" panose="02070309020205020404" pitchFamily="49" charset="0"/>
+              <a:buChar char="o"/>
+            </a:pPr>
+            <a:r>
+              <a:rPr lang="en-US" sz="1800" dirty="0">
+                <a:solidFill>
+                  <a:srgbClr val="2B2B2B"/>
+                </a:solidFill>
+                <a:latin typeface="Calibri" panose="020F0502020204030204" pitchFamily="34" charset="0"/>
+                <a:ea typeface="Calibri" panose="020F0502020204030204" pitchFamily="34" charset="0"/>
+                <a:cs typeface="Calibri" panose="020F0502020204030204" pitchFamily="34" charset="0"/>
+              </a:rPr>
+              <a:t>Assist the client in collecting and presenting data for customers via the search page, which they will then filter based on their preferred “weather” travel criteria in order to find their ideal city.</a:t>
+            </a:r>
+            <a:endParaRPr lang="en-US" sz="1800" dirty="0">
+              <a:latin typeface="Calibri" panose="020F0502020204030204" pitchFamily="34" charset="0"/>
+              <a:ea typeface="Calibri" panose="020F0502020204030204" pitchFamily="34" charset="0"/>
+              <a:cs typeface="Calibri" panose="020F0502020204030204" pitchFamily="34" charset="0"/>
+            </a:endParaRPr>
+          </a:p>
+          <a:p>
+            <a:pPr marL="635508" lvl="1" indent="-342900">
+              <a:spcBef>
+                <a:spcPts val="0"/>
+              </a:spcBef>
+              <a:spcAft>
+                <a:spcPts val="600"/>
+              </a:spcAft>
+              <a:buFont typeface="Courier New" panose="02070309020205020404" pitchFamily="49" charset="0"/>
+              <a:buChar char="o"/>
+            </a:pPr>
+            <a:r>
+              <a:rPr lang="en-US" sz="1800" dirty="0">
+                <a:solidFill>
+                  <a:srgbClr val="2B2B2B"/>
+                </a:solidFill>
+                <a:latin typeface="Calibri" panose="020F0502020204030204" pitchFamily="34" charset="0"/>
+                <a:ea typeface="Calibri" panose="020F0502020204030204" pitchFamily="34" charset="0"/>
+                <a:cs typeface="Calibri" panose="020F0502020204030204" pitchFamily="34" charset="0"/>
+              </a:rPr>
+              <a:t>Collect and present data for customers via the search page, which they will then filter based on a customer’s preferred “weather” travel criteria in order to find their ideal city.  </a:t>
+            </a:r>
+            <a:endParaRPr lang="en-US" sz="1800" dirty="0">
+              <a:latin typeface="Calibri" panose="020F0502020204030204" pitchFamily="34" charset="0"/>
+              <a:ea typeface="Calibri" panose="020F0502020204030204" pitchFamily="34" charset="0"/>
+              <a:cs typeface="Calibri" panose="020F0502020204030204" pitchFamily="34" charset="0"/>
+            </a:endParaRPr>
+          </a:p>
+          <a:p>
+            <a:endParaRPr lang="en-US" dirty="0"/>
+          </a:p>
+        </p:txBody>
+      </p:sp>
+    </p:spTree>
+    <p:extLst>
+      <p:ext uri="{BB962C8B-B14F-4D97-AF65-F5344CB8AC3E}">
+        <p14:creationId xmlns:p14="http://schemas.microsoft.com/office/powerpoint/2010/main" val="1741959004"/>
+      </p:ext>
+    </p:extLst>
+  </p:cSld>
+  <p:clrMapOvr>
+    <a:masterClrMapping/>
+  </p:clrMapOvr>
+</p:sld>
+</file>
+
+<file path=ppt/slides/slide4.xml><?xml version="1.0" encoding="utf-8"?>
+<p:sld xmlns:a="http://schemas.openxmlformats.org/drawingml/2006/main" xmlns:r="http://schemas.openxmlformats.org/officeDocument/2006/relationships" xmlns:p="http://schemas.openxmlformats.org/presentationml/2006/main">
+  <p:cSld>
+    <p:spTree>
+      <p:nvGrpSpPr>
+        <p:cNvPr id="1" name=""/>
+        <p:cNvGrpSpPr/>
+        <p:nvPr/>
+      </p:nvGrpSpPr>
+      <p:grpSpPr>
+        <a:xfrm>
+          <a:off x="0" y="0"/>
+          <a:ext cx="0" cy="0"/>
+          <a:chOff x="0" y="0"/>
+          <a:chExt cx="0" cy="0"/>
+        </a:xfrm>
+      </p:grpSpPr>
+      <p:sp>
+        <p:nvSpPr>
+          <p:cNvPr id="2" name="Title 1">
+            <a:extLst>
+              <a:ext uri="{FF2B5EF4-FFF2-40B4-BE49-F238E27FC236}">
+                <a16:creationId xmlns:a16="http://schemas.microsoft.com/office/drawing/2014/main" id="{75AC86D3-8FD1-4F47-A319-7D0542E48B2F}"/>
+              </a:ext>
+            </a:extLst>
+          </p:cNvPr>
+          <p:cNvSpPr>
+            <a:spLocks noGrp="1"/>
+          </p:cNvSpPr>
+          <p:nvPr>
+            <p:ph type="title"/>
+          </p:nvPr>
+        </p:nvSpPr>
+        <p:spPr>
+          <a:xfrm>
+            <a:off x="1097280" y="286603"/>
+            <a:ext cx="10058400" cy="1450757"/>
+          </a:xfrm>
+        </p:spPr>
+        <p:txBody>
+          <a:bodyPr vert="horz" lIns="91440" tIns="45720" rIns="91440" bIns="45720" rtlCol="0">
+            <a:normAutofit/>
+          </a:bodyPr>
+          <a:lstStyle/>
+          <a:p>
+            <a:pPr marL="0" marR="0">
+              <a:spcBef>
+                <a:spcPts val="0"/>
+              </a:spcBef>
+              <a:spcAft>
+                <a:spcPts val="0"/>
+              </a:spcAft>
+            </a:pPr>
+            <a:r>
+              <a:rPr lang="en-US" b="1" u="sng" dirty="0">
+                <a:solidFill>
+                  <a:srgbClr val="2B2B2B"/>
+                </a:solidFill>
+                <a:latin typeface="Calibri" panose="020F0502020204030204" pitchFamily="34" charset="0"/>
+                <a:ea typeface="Times New Roman" panose="02020603050405020304" pitchFamily="18" charset="0"/>
+              </a:rPr>
+              <a:t>Initial Requirements</a:t>
+            </a:r>
+            <a:endParaRPr lang="en-US" dirty="0">
+              <a:latin typeface="Times New Roman" panose="02020603050405020304" pitchFamily="18" charset="0"/>
+              <a:ea typeface="Times New Roman" panose="02020603050405020304" pitchFamily="18" charset="0"/>
+            </a:endParaRPr>
+          </a:p>
+        </p:txBody>
+      </p:sp>
+      <p:sp>
+        <p:nvSpPr>
+          <p:cNvPr id="5" name="Content Placeholder 4">
+            <a:extLst>
+              <a:ext uri="{FF2B5EF4-FFF2-40B4-BE49-F238E27FC236}">
+                <a16:creationId xmlns:a16="http://schemas.microsoft.com/office/drawing/2014/main" id="{73A7EBCF-5494-2CF5-208B-5F6B01D509BF}"/>
+              </a:ext>
+            </a:extLst>
+          </p:cNvPr>
+          <p:cNvSpPr>
+            <a:spLocks noGrp="1"/>
+          </p:cNvSpPr>
+          <p:nvPr>
+            <p:ph idx="1"/>
+          </p:nvPr>
+        </p:nvSpPr>
+        <p:spPr/>
+        <p:txBody>
+          <a:bodyPr/>
+          <a:lstStyle/>
+          <a:p>
+            <a:pPr marL="0" marR="0">
+              <a:spcBef>
+                <a:spcPts val="0"/>
+              </a:spcBef>
+              <a:spcAft>
+                <a:spcPts val="0"/>
+              </a:spcAft>
+            </a:pPr>
+            <a:r>
+              <a:rPr lang="en-US" sz="1800" dirty="0">
+                <a:solidFill>
+                  <a:srgbClr val="2B2B2B"/>
+                </a:solidFill>
+                <a:effectLst/>
+                <a:latin typeface="Calibri" panose="020F0502020204030204" pitchFamily="34" charset="0"/>
+                <a:ea typeface="Times New Roman" panose="02020603050405020304" pitchFamily="18" charset="0"/>
+              </a:rPr>
+              <a:t>As part of our Prototype, C-Group will </a:t>
+            </a:r>
+            <a:endParaRPr lang="en-US" sz="1800" dirty="0">
+              <a:effectLst/>
+              <a:latin typeface="Times New Roman" panose="02020603050405020304" pitchFamily="18" charset="0"/>
+              <a:ea typeface="Times New Roman" panose="02020603050405020304" pitchFamily="18" charset="0"/>
+            </a:endParaRPr>
+          </a:p>
+          <a:p>
+            <a:pPr marL="342900" marR="0" lvl="0" indent="-342900">
+              <a:spcBef>
+                <a:spcPts val="0"/>
+              </a:spcBef>
+              <a:spcAft>
+                <a:spcPts val="0"/>
+              </a:spcAft>
+              <a:buFont typeface="Courier New" panose="02070309020205020404" pitchFamily="49" charset="0"/>
+              <a:buChar char="o"/>
+            </a:pPr>
+            <a:r>
+              <a:rPr lang="en-US" sz="1800" dirty="0">
+                <a:solidFill>
+                  <a:srgbClr val="2B2B2B"/>
+                </a:solidFill>
+                <a:effectLst/>
+                <a:latin typeface="Calibri" panose="020F0502020204030204" pitchFamily="34" charset="0"/>
+                <a:ea typeface="Times New Roman" panose="02020603050405020304" pitchFamily="18" charset="0"/>
+              </a:rPr>
+              <a:t>Export the data, clean it, and use the weather data to choose the best cities for vacation based on certain weather criteria.</a:t>
+            </a:r>
+            <a:endParaRPr lang="en-US" sz="1800" dirty="0">
+              <a:effectLst/>
+              <a:latin typeface="Times New Roman" panose="02020603050405020304" pitchFamily="18" charset="0"/>
+              <a:ea typeface="Times New Roman" panose="02020603050405020304" pitchFamily="18" charset="0"/>
+            </a:endParaRPr>
+          </a:p>
+          <a:p>
+            <a:pPr marL="342900" marR="0" lvl="0" indent="-342900">
+              <a:spcBef>
+                <a:spcPts val="0"/>
+              </a:spcBef>
+              <a:spcAft>
+                <a:spcPts val="0"/>
+              </a:spcAft>
+              <a:buFont typeface="Courier New" panose="02070309020205020404" pitchFamily="49" charset="0"/>
+              <a:buChar char="o"/>
+            </a:pPr>
+            <a:r>
+              <a:rPr lang="en-US" sz="1800" dirty="0">
+                <a:solidFill>
+                  <a:srgbClr val="2B2B2B"/>
+                </a:solidFill>
+                <a:effectLst/>
+                <a:latin typeface="Calibri" panose="020F0502020204030204" pitchFamily="34" charset="0"/>
+                <a:ea typeface="Times New Roman" panose="02020603050405020304" pitchFamily="18" charset="0"/>
+              </a:rPr>
+              <a:t>Offer (the client) help with collecting and presenting data for customers via the search page, which they will then filter based on their preferred “weather” travel criteria, in particular, related to air quality statistics in order to find their ideal city, anywhere in the world.</a:t>
+            </a:r>
+            <a:endParaRPr lang="en-US" sz="1800" dirty="0">
+              <a:effectLst/>
+              <a:latin typeface="Times New Roman" panose="02020603050405020304" pitchFamily="18" charset="0"/>
+              <a:ea typeface="Times New Roman" panose="02020603050405020304" pitchFamily="18" charset="0"/>
+            </a:endParaRPr>
+          </a:p>
+          <a:p>
+            <a:pPr marL="342900" marR="0" lvl="0" indent="-342900">
+              <a:spcBef>
+                <a:spcPts val="0"/>
+              </a:spcBef>
+              <a:spcAft>
+                <a:spcPts val="0"/>
+              </a:spcAft>
+              <a:buFont typeface="Courier New" panose="02070309020205020404" pitchFamily="49" charset="0"/>
+              <a:buChar char="o"/>
+            </a:pPr>
+            <a:r>
+              <a:rPr lang="en-US" sz="1800" dirty="0">
+                <a:solidFill>
+                  <a:srgbClr val="2B2B2B"/>
+                </a:solidFill>
+                <a:effectLst/>
+                <a:latin typeface="Calibri" panose="020F0502020204030204" pitchFamily="34" charset="0"/>
+                <a:ea typeface="Times New Roman" panose="02020603050405020304" pitchFamily="18" charset="0"/>
+              </a:rPr>
+              <a:t>Collect and present data for customers via the search page, which they will then filter based on a customer’s preferred “weather” travel criteria in order to find their ideal city.  </a:t>
+            </a:r>
+            <a:endParaRPr lang="en-US" sz="1800" dirty="0">
+              <a:effectLst/>
+              <a:latin typeface="Times New Roman" panose="02020603050405020304" pitchFamily="18" charset="0"/>
+              <a:ea typeface="Times New Roman" panose="02020603050405020304" pitchFamily="18" charset="0"/>
+            </a:endParaRPr>
+          </a:p>
+          <a:p>
+            <a:endParaRPr lang="en-US" dirty="0"/>
+          </a:p>
+        </p:txBody>
+      </p:sp>
+    </p:spTree>
+    <p:extLst>
+      <p:ext uri="{BB962C8B-B14F-4D97-AF65-F5344CB8AC3E}">
+        <p14:creationId xmlns:p14="http://schemas.microsoft.com/office/powerpoint/2010/main" val="2061880236"/>
+      </p:ext>
+    </p:extLst>
+  </p:cSld>
+  <p:clrMapOvr>
+    <a:masterClrMapping/>
+  </p:clrMapOvr>
+</p:sld>
+</file>
+
+<file path=ppt/slides/slide5.xml><?xml version="1.0" encoding="utf-8"?>
+<p:sld xmlns:a="http://schemas.openxmlformats.org/drawingml/2006/main" xmlns:r="http://schemas.openxmlformats.org/officeDocument/2006/relationships" xmlns:p="http://schemas.openxmlformats.org/presentationml/2006/main">
+  <p:cSld>
+    <p:spTree>
+      <p:nvGrpSpPr>
+        <p:cNvPr id="1" name=""/>
+        <p:cNvGrpSpPr/>
+        <p:nvPr/>
+      </p:nvGrpSpPr>
+      <p:grpSpPr>
+        <a:xfrm>
+          <a:off x="0" y="0"/>
+          <a:ext cx="0" cy="0"/>
+          <a:chOff x="0" y="0"/>
+          <a:chExt cx="0" cy="0"/>
+        </a:xfrm>
+      </p:grpSpPr>
+      <p:sp>
+        <p:nvSpPr>
+          <p:cNvPr id="2" name="Title 1">
+            <a:extLst>
+              <a:ext uri="{FF2B5EF4-FFF2-40B4-BE49-F238E27FC236}">
+                <a16:creationId xmlns:a16="http://schemas.microsoft.com/office/drawing/2014/main" id="{75AC86D3-8FD1-4F47-A319-7D0542E48B2F}"/>
+              </a:ext>
+            </a:extLst>
+          </p:cNvPr>
+          <p:cNvSpPr>
+            <a:spLocks noGrp="1"/>
+          </p:cNvSpPr>
+          <p:nvPr>
+            <p:ph type="title"/>
+          </p:nvPr>
+        </p:nvSpPr>
+        <p:spPr>
+          <a:xfrm>
+            <a:off x="1097280" y="286603"/>
+            <a:ext cx="10058400" cy="1450757"/>
+          </a:xfrm>
+        </p:spPr>
+        <p:txBody>
+          <a:bodyPr vert="horz" lIns="91440" tIns="45720" rIns="91440" bIns="45720" rtlCol="0">
+            <a:normAutofit/>
+          </a:bodyPr>
+          <a:lstStyle/>
+          <a:p>
+            <a:pPr marL="0" marR="0">
+              <a:lnSpc>
+                <a:spcPct val="115000"/>
+              </a:lnSpc>
+              <a:spcBef>
+                <a:spcPts val="0"/>
+              </a:spcBef>
+              <a:spcAft>
+                <a:spcPts val="0"/>
+              </a:spcAft>
+            </a:pPr>
+            <a:r>
+              <a:rPr lang="en-US" sz="4800" b="1" u="sng" dirty="0">
+                <a:solidFill>
+                  <a:srgbClr val="2B2B2B"/>
+                </a:solidFill>
+                <a:latin typeface="Calibri" panose="020F0502020204030204" pitchFamily="34" charset="0"/>
+                <a:ea typeface="Times New Roman" panose="02020603050405020304" pitchFamily="18" charset="0"/>
+                <a:cs typeface="Calibri" panose="020F0502020204030204" pitchFamily="34" charset="0"/>
+              </a:rPr>
+              <a:t>Outline for Initial </a:t>
+            </a:r>
+            <a:r>
+              <a:rPr lang="en-US" sz="4800" b="1" u="sng" dirty="0">
+                <a:latin typeface="Calibri" panose="020F0502020204030204" pitchFamily="34" charset="0"/>
+                <a:ea typeface="Times New Roman" panose="02020603050405020304" pitchFamily="18" charset="0"/>
+                <a:cs typeface="Calibri" panose="020F0502020204030204" pitchFamily="34" charset="0"/>
+              </a:rPr>
+              <a:t>Project Plan</a:t>
+            </a:r>
+            <a:r>
+              <a:rPr lang="en-US" sz="4800" b="1" u="sng" dirty="0">
+                <a:solidFill>
+                  <a:srgbClr val="2B2B2B"/>
+                </a:solidFill>
+                <a:latin typeface="Calibri" panose="020F0502020204030204" pitchFamily="34" charset="0"/>
+                <a:ea typeface="Times New Roman" panose="02020603050405020304" pitchFamily="18" charset="0"/>
+                <a:cs typeface="Calibri" panose="020F0502020204030204" pitchFamily="34" charset="0"/>
+              </a:rPr>
+              <a:t>:</a:t>
+            </a:r>
+            <a:endParaRPr lang="en-US" sz="4800" dirty="0">
+              <a:latin typeface="Calibri" panose="020F0502020204030204" pitchFamily="34" charset="0"/>
+              <a:ea typeface="Calibri" panose="020F0502020204030204" pitchFamily="34" charset="0"/>
+              <a:cs typeface="Times New Roman" panose="02020603050405020304" pitchFamily="18" charset="0"/>
+            </a:endParaRPr>
+          </a:p>
+        </p:txBody>
+      </p:sp>
+      <p:sp>
+        <p:nvSpPr>
+          <p:cNvPr id="5" name="Content Placeholder 4">
+            <a:extLst>
+              <a:ext uri="{FF2B5EF4-FFF2-40B4-BE49-F238E27FC236}">
+                <a16:creationId xmlns:a16="http://schemas.microsoft.com/office/drawing/2014/main" id="{73A7EBCF-5494-2CF5-208B-5F6B01D509BF}"/>
+              </a:ext>
+            </a:extLst>
+          </p:cNvPr>
+          <p:cNvSpPr>
+            <a:spLocks noGrp="1"/>
+          </p:cNvSpPr>
+          <p:nvPr>
+            <p:ph idx="1"/>
+          </p:nvPr>
+        </p:nvSpPr>
+        <p:spPr/>
+        <p:txBody>
+          <a:bodyPr>
+            <a:normAutofit lnSpcReduction="10000"/>
+          </a:bodyPr>
+          <a:lstStyle/>
+          <a:p>
+            <a:pPr marL="342900" marR="0" lvl="0" indent="-342900">
+              <a:lnSpc>
+                <a:spcPct val="115000"/>
+              </a:lnSpc>
+              <a:spcBef>
+                <a:spcPts val="0"/>
+              </a:spcBef>
+              <a:spcAft>
+                <a:spcPts val="0"/>
+              </a:spcAft>
+              <a:buSzPts val="1000"/>
+              <a:buFont typeface="Symbol" panose="05050102010706020507" pitchFamily="18" charset="2"/>
+              <a:buChar char=""/>
+              <a:tabLst>
+                <a:tab pos="228600" algn="l"/>
+              </a:tabLst>
+            </a:pPr>
+            <a:endParaRPr lang="en-US" sz="2000" b="1" dirty="0">
+              <a:solidFill>
+                <a:srgbClr val="2B2B2B"/>
+              </a:solidFill>
+              <a:latin typeface="Calibri" panose="020F0502020204030204" pitchFamily="34" charset="0"/>
+              <a:ea typeface="Times New Roman" panose="02020603050405020304" pitchFamily="18" charset="0"/>
+              <a:cs typeface="Calibri" panose="020F0502020204030204" pitchFamily="34" charset="0"/>
+            </a:endParaRPr>
+          </a:p>
+          <a:p>
+            <a:pPr marL="342900" marR="0" lvl="0" indent="-342900">
+              <a:lnSpc>
+                <a:spcPct val="115000"/>
+              </a:lnSpc>
+              <a:spcBef>
+                <a:spcPts val="0"/>
+              </a:spcBef>
+              <a:spcAft>
+                <a:spcPts val="0"/>
+              </a:spcAft>
+              <a:buSzPts val="1000"/>
+              <a:buFont typeface="Symbol" panose="05050102010706020507" pitchFamily="18" charset="2"/>
+              <a:buChar char=""/>
+              <a:tabLst>
+                <a:tab pos="228600" algn="l"/>
+              </a:tabLst>
+            </a:pPr>
+            <a:r>
+              <a:rPr lang="en-US" sz="1700" b="1" dirty="0">
+                <a:solidFill>
+                  <a:srgbClr val="2B2B2B"/>
+                </a:solidFill>
+                <a:latin typeface="Calibri" panose="020F0502020204030204" pitchFamily="34" charset="0"/>
+                <a:ea typeface="Times New Roman" panose="02020603050405020304" pitchFamily="18" charset="0"/>
+                <a:cs typeface="Calibri" panose="020F0502020204030204" pitchFamily="34" charset="0"/>
+              </a:rPr>
+              <a:t>Task:</a:t>
+            </a:r>
+            <a:r>
+              <a:rPr lang="en-US" sz="1700" dirty="0">
+                <a:solidFill>
+                  <a:srgbClr val="2B2B2B"/>
+                </a:solidFill>
+                <a:latin typeface="Calibri" panose="020F0502020204030204" pitchFamily="34" charset="0"/>
+                <a:ea typeface="Times New Roman" panose="02020603050405020304" pitchFamily="18" charset="0"/>
+                <a:cs typeface="Calibri" panose="020F0502020204030204" pitchFamily="34" charset="0"/>
+              </a:rPr>
+              <a:t> Collect and analyze weather data across cities worldwide.</a:t>
+            </a:r>
+            <a:endParaRPr lang="en-US" sz="1700" dirty="0">
+              <a:latin typeface="Calibri" panose="020F0502020204030204" pitchFamily="34" charset="0"/>
+              <a:ea typeface="Calibri" panose="020F0502020204030204" pitchFamily="34" charset="0"/>
+              <a:cs typeface="Times New Roman" panose="02020603050405020304" pitchFamily="18" charset="0"/>
+            </a:endParaRPr>
+          </a:p>
+          <a:p>
+            <a:pPr marL="0" marR="0">
+              <a:lnSpc>
+                <a:spcPct val="115000"/>
+              </a:lnSpc>
+              <a:spcBef>
+                <a:spcPts val="0"/>
+              </a:spcBef>
+              <a:spcAft>
+                <a:spcPts val="0"/>
+              </a:spcAft>
+            </a:pPr>
+            <a:r>
+              <a:rPr lang="en-US" sz="1700" dirty="0">
+                <a:solidFill>
+                  <a:srgbClr val="2B2B2B"/>
+                </a:solidFill>
+                <a:latin typeface="Calibri" panose="020F0502020204030204" pitchFamily="34" charset="0"/>
+                <a:ea typeface="Times New Roman" panose="02020603050405020304" pitchFamily="18" charset="0"/>
+                <a:cs typeface="Calibri" panose="020F0502020204030204" pitchFamily="34" charset="0"/>
+              </a:rPr>
+              <a:t> </a:t>
+            </a:r>
+            <a:endParaRPr lang="en-US" sz="1700" dirty="0">
+              <a:latin typeface="Calibri" panose="020F0502020204030204" pitchFamily="34" charset="0"/>
+              <a:ea typeface="Calibri" panose="020F0502020204030204" pitchFamily="34" charset="0"/>
+              <a:cs typeface="Times New Roman" panose="02020603050405020304" pitchFamily="18" charset="0"/>
+            </a:endParaRPr>
+          </a:p>
+          <a:p>
+            <a:pPr marL="342900" marR="0" lvl="0" indent="-342900">
+              <a:lnSpc>
+                <a:spcPct val="115000"/>
+              </a:lnSpc>
+              <a:spcBef>
+                <a:spcPts val="0"/>
+              </a:spcBef>
+              <a:spcAft>
+                <a:spcPts val="0"/>
+              </a:spcAft>
+              <a:buSzPts val="1000"/>
+              <a:buFont typeface="Symbol" panose="05050102010706020507" pitchFamily="18" charset="2"/>
+              <a:buChar char=""/>
+              <a:tabLst>
+                <a:tab pos="228600" algn="l"/>
+              </a:tabLst>
+            </a:pPr>
+            <a:r>
+              <a:rPr lang="en-US" sz="1700" b="1" dirty="0">
+                <a:solidFill>
+                  <a:srgbClr val="2B2B2B"/>
+                </a:solidFill>
+                <a:latin typeface="Calibri" panose="020F0502020204030204" pitchFamily="34" charset="0"/>
+                <a:ea typeface="Times New Roman" panose="02020603050405020304" pitchFamily="18" charset="0"/>
+                <a:cs typeface="Calibri" panose="020F0502020204030204" pitchFamily="34" charset="0"/>
+              </a:rPr>
+              <a:t>Purpose:</a:t>
+            </a:r>
+            <a:r>
+              <a:rPr lang="en-US" sz="1700" dirty="0">
+                <a:solidFill>
+                  <a:srgbClr val="2B2B2B"/>
+                </a:solidFill>
+                <a:latin typeface="Calibri" panose="020F0502020204030204" pitchFamily="34" charset="0"/>
+                <a:ea typeface="Times New Roman" panose="02020603050405020304" pitchFamily="18" charset="0"/>
+                <a:cs typeface="Calibri" panose="020F0502020204030204" pitchFamily="34" charset="0"/>
+              </a:rPr>
+              <a:t> C-Group will design a prototype Trafalgar Tours will use the data to recommend ideal travel locations based on clients' air quality and weather preferences.</a:t>
+            </a:r>
+            <a:endParaRPr lang="en-US" sz="1700" dirty="0">
+              <a:latin typeface="Calibri" panose="020F0502020204030204" pitchFamily="34" charset="0"/>
+              <a:ea typeface="Calibri" panose="020F0502020204030204" pitchFamily="34" charset="0"/>
+              <a:cs typeface="Times New Roman" panose="02020603050405020304" pitchFamily="18" charset="0"/>
+            </a:endParaRPr>
+          </a:p>
+          <a:p>
+            <a:pPr marL="0" marR="0">
+              <a:lnSpc>
+                <a:spcPct val="115000"/>
+              </a:lnSpc>
+              <a:spcBef>
+                <a:spcPts val="0"/>
+              </a:spcBef>
+              <a:spcAft>
+                <a:spcPts val="0"/>
+              </a:spcAft>
+            </a:pPr>
+            <a:r>
+              <a:rPr lang="en-US" sz="1700" dirty="0">
+                <a:solidFill>
+                  <a:srgbClr val="2B2B2B"/>
+                </a:solidFill>
+                <a:latin typeface="Calibri" panose="020F0502020204030204" pitchFamily="34" charset="0"/>
+                <a:ea typeface="Times New Roman" panose="02020603050405020304" pitchFamily="18" charset="0"/>
+                <a:cs typeface="Calibri" panose="020F0502020204030204" pitchFamily="34" charset="0"/>
+              </a:rPr>
+              <a:t> </a:t>
+            </a:r>
+            <a:endParaRPr lang="en-US" sz="1700" dirty="0">
+              <a:latin typeface="Calibri" panose="020F0502020204030204" pitchFamily="34" charset="0"/>
+              <a:ea typeface="Calibri" panose="020F0502020204030204" pitchFamily="34" charset="0"/>
+              <a:cs typeface="Times New Roman" panose="02020603050405020304" pitchFamily="18" charset="0"/>
+            </a:endParaRPr>
+          </a:p>
+          <a:p>
+            <a:pPr marL="342900" marR="0" lvl="0" indent="-342900">
+              <a:lnSpc>
+                <a:spcPct val="115000"/>
+              </a:lnSpc>
+              <a:spcBef>
+                <a:spcPts val="0"/>
+              </a:spcBef>
+              <a:spcAft>
+                <a:spcPts val="0"/>
+              </a:spcAft>
+              <a:buSzPts val="1000"/>
+              <a:buFont typeface="Symbol" panose="05050102010706020507" pitchFamily="18" charset="2"/>
+              <a:buChar char=""/>
+              <a:tabLst>
+                <a:tab pos="228600" algn="l"/>
+              </a:tabLst>
+            </a:pPr>
+            <a:r>
+              <a:rPr lang="en-US" sz="1700" b="1" dirty="0">
+                <a:solidFill>
+                  <a:srgbClr val="2B2B2B"/>
+                </a:solidFill>
+                <a:latin typeface="Calibri" panose="020F0502020204030204" pitchFamily="34" charset="0"/>
+                <a:ea typeface="Times New Roman" panose="02020603050405020304" pitchFamily="18" charset="0"/>
+                <a:cs typeface="Calibri" panose="020F0502020204030204" pitchFamily="34" charset="0"/>
+              </a:rPr>
+              <a:t>Method:</a:t>
+            </a:r>
+            <a:r>
+              <a:rPr lang="en-US" sz="1700" dirty="0">
+                <a:solidFill>
+                  <a:srgbClr val="2B2B2B"/>
+                </a:solidFill>
+                <a:latin typeface="Calibri" panose="020F0502020204030204" pitchFamily="34" charset="0"/>
+                <a:ea typeface="Times New Roman" panose="02020603050405020304" pitchFamily="18" charset="0"/>
+                <a:cs typeface="Calibri" panose="020F0502020204030204" pitchFamily="34" charset="0"/>
+              </a:rPr>
+              <a:t> Create a database containing </a:t>
+            </a:r>
+            <a:endParaRPr lang="en-US" sz="1700" dirty="0">
+              <a:latin typeface="Calibri" panose="020F0502020204030204" pitchFamily="34" charset="0"/>
+              <a:ea typeface="Calibri" panose="020F0502020204030204" pitchFamily="34" charset="0"/>
+              <a:cs typeface="Times New Roman" panose="02020603050405020304" pitchFamily="18" charset="0"/>
+            </a:endParaRPr>
+          </a:p>
+          <a:p>
+            <a:pPr marL="742950" marR="0" lvl="1" indent="-285750">
+              <a:lnSpc>
+                <a:spcPct val="115000"/>
+              </a:lnSpc>
+              <a:spcBef>
+                <a:spcPts val="0"/>
+              </a:spcBef>
+              <a:spcAft>
+                <a:spcPts val="0"/>
+              </a:spcAft>
+              <a:buSzPts val="1000"/>
+              <a:buFont typeface="Courier New" panose="02070309020205020404" pitchFamily="49" charset="0"/>
+              <a:buChar char="o"/>
+              <a:tabLst>
+                <a:tab pos="685800" algn="l"/>
+              </a:tabLst>
+            </a:pPr>
+            <a:r>
+              <a:rPr lang="en-US" dirty="0">
+                <a:solidFill>
+                  <a:srgbClr val="2B2B2B"/>
+                </a:solidFill>
+                <a:latin typeface="Calibri" panose="020F0502020204030204" pitchFamily="34" charset="0"/>
+                <a:ea typeface="Times New Roman" panose="02020603050405020304" pitchFamily="18" charset="0"/>
+                <a:cs typeface="Calibri" panose="020F0502020204030204" pitchFamily="34" charset="0"/>
+              </a:rPr>
+              <a:t>The world’s ‘Top 100’ cities and their weather data in real time. </a:t>
+            </a:r>
+            <a:endParaRPr lang="en-US" dirty="0">
+              <a:latin typeface="Calibri" panose="020F0502020204030204" pitchFamily="34" charset="0"/>
+              <a:ea typeface="Calibri" panose="020F0502020204030204" pitchFamily="34" charset="0"/>
+              <a:cs typeface="Times New Roman" panose="02020603050405020304" pitchFamily="18" charset="0"/>
+            </a:endParaRPr>
+          </a:p>
+          <a:p>
+            <a:pPr marL="1143000" marR="0" lvl="2" indent="-228600">
+              <a:lnSpc>
+                <a:spcPct val="115000"/>
+              </a:lnSpc>
+              <a:spcBef>
+                <a:spcPts val="0"/>
+              </a:spcBef>
+              <a:spcAft>
+                <a:spcPts val="0"/>
+              </a:spcAft>
+              <a:buSzPts val="1000"/>
+              <a:buFont typeface="Wingdings" panose="05000000000000000000" pitchFamily="2" charset="2"/>
+              <a:buChar char=""/>
+              <a:tabLst>
+                <a:tab pos="1143000" algn="l"/>
+              </a:tabLst>
+            </a:pPr>
+            <a:r>
+              <a:rPr lang="en-US" sz="1700" dirty="0">
+                <a:solidFill>
+                  <a:srgbClr val="2B2B2B"/>
+                </a:solidFill>
+                <a:latin typeface="Calibri" panose="020F0502020204030204" pitchFamily="34" charset="0"/>
+                <a:ea typeface="Times New Roman" panose="02020603050405020304" pitchFamily="18" charset="0"/>
+                <a:cs typeface="Calibri" panose="020F0502020204030204" pitchFamily="34" charset="0"/>
+              </a:rPr>
+              <a:t>This process will entail collecting, analyzing, and visualizing the data.</a:t>
+            </a:r>
+            <a:endParaRPr lang="en-US" sz="1700" dirty="0">
+              <a:latin typeface="Calibri" panose="020F0502020204030204" pitchFamily="34" charset="0"/>
+              <a:ea typeface="Calibri" panose="020F0502020204030204" pitchFamily="34" charset="0"/>
+              <a:cs typeface="Times New Roman" panose="02020603050405020304" pitchFamily="18" charset="0"/>
+            </a:endParaRPr>
+          </a:p>
+          <a:p>
+            <a:pPr marL="1143000" marR="0" lvl="2" indent="-228600">
+              <a:lnSpc>
+                <a:spcPct val="115000"/>
+              </a:lnSpc>
+              <a:spcBef>
+                <a:spcPts val="0"/>
+              </a:spcBef>
+              <a:spcAft>
+                <a:spcPts val="0"/>
+              </a:spcAft>
+              <a:buSzPts val="1000"/>
+              <a:buFont typeface="Wingdings" panose="05000000000000000000" pitchFamily="2" charset="2"/>
+              <a:buChar char=""/>
+              <a:tabLst>
+                <a:tab pos="1143000" algn="l"/>
+              </a:tabLst>
+            </a:pPr>
+            <a:r>
+              <a:rPr lang="en-US" sz="1700" dirty="0">
+                <a:solidFill>
+                  <a:srgbClr val="2B2B2B"/>
+                </a:solidFill>
+                <a:latin typeface="Calibri" panose="020F0502020204030204" pitchFamily="34" charset="0"/>
+                <a:ea typeface="Times New Roman" panose="02020603050405020304" pitchFamily="18" charset="0"/>
+                <a:cs typeface="Calibri" panose="020F0502020204030204" pitchFamily="34" charset="0"/>
+              </a:rPr>
+              <a:t>Analysis of the data will be split into three main parts or stages.</a:t>
+            </a:r>
+            <a:endParaRPr lang="en-US" sz="1700" dirty="0">
+              <a:latin typeface="Calibri" panose="020F0502020204030204" pitchFamily="34" charset="0"/>
+              <a:ea typeface="Calibri" panose="020F0502020204030204" pitchFamily="34" charset="0"/>
+              <a:cs typeface="Times New Roman" panose="02020603050405020304" pitchFamily="18" charset="0"/>
+            </a:endParaRPr>
+          </a:p>
+          <a:p>
+            <a:pPr marL="742950" marR="0" lvl="1" indent="-285750">
+              <a:lnSpc>
+                <a:spcPct val="115000"/>
+              </a:lnSpc>
+              <a:spcBef>
+                <a:spcPts val="0"/>
+              </a:spcBef>
+              <a:spcAft>
+                <a:spcPts val="0"/>
+              </a:spcAft>
+              <a:buSzPts val="1000"/>
+              <a:buFont typeface="Courier New" panose="02070309020205020404" pitchFamily="49" charset="0"/>
+              <a:buChar char="o"/>
+              <a:tabLst>
+                <a:tab pos="685800" algn="l"/>
+              </a:tabLst>
+            </a:pPr>
+            <a:r>
+              <a:rPr lang="en-US" dirty="0">
+                <a:solidFill>
+                  <a:srgbClr val="2B2B2B"/>
+                </a:solidFill>
+                <a:latin typeface="Calibri" panose="020F0502020204030204" pitchFamily="34" charset="0"/>
+                <a:ea typeface="Times New Roman" panose="02020603050405020304" pitchFamily="18" charset="0"/>
+                <a:cs typeface="Calibri" panose="020F0502020204030204" pitchFamily="34" charset="0"/>
+              </a:rPr>
+              <a:t>(Optional Nice to Have): Uses of the </a:t>
+            </a:r>
+            <a:r>
+              <a:rPr lang="en-US" dirty="0" err="1">
+                <a:solidFill>
+                  <a:srgbClr val="2B2B2B"/>
+                </a:solidFill>
+                <a:latin typeface="Calibri" panose="020F0502020204030204" pitchFamily="34" charset="0"/>
+                <a:ea typeface="Times New Roman" panose="02020603050405020304" pitchFamily="18" charset="0"/>
+                <a:cs typeface="Calibri" panose="020F0502020204030204" pitchFamily="34" charset="0"/>
+              </a:rPr>
+              <a:t>OpenWeatherMap</a:t>
+            </a:r>
+            <a:r>
+              <a:rPr lang="en-US" dirty="0">
+                <a:solidFill>
+                  <a:srgbClr val="2B2B2B"/>
+                </a:solidFill>
+                <a:latin typeface="Calibri" panose="020F0502020204030204" pitchFamily="34" charset="0"/>
+                <a:ea typeface="Times New Roman" panose="02020603050405020304" pitchFamily="18" charset="0"/>
+                <a:cs typeface="Calibri" panose="020F0502020204030204" pitchFamily="34" charset="0"/>
+              </a:rPr>
+              <a:t> API to retrieve the JSON weather data from these cities.</a:t>
+            </a:r>
+            <a:endParaRPr lang="en-US" dirty="0">
+              <a:latin typeface="Calibri" panose="020F0502020204030204" pitchFamily="34" charset="0"/>
+              <a:ea typeface="Calibri" panose="020F0502020204030204" pitchFamily="34" charset="0"/>
+              <a:cs typeface="Times New Roman" panose="02020603050405020304" pitchFamily="18" charset="0"/>
+            </a:endParaRPr>
+          </a:p>
+          <a:p>
+            <a:pPr marL="0" marR="0">
+              <a:lnSpc>
+                <a:spcPct val="115000"/>
+              </a:lnSpc>
+              <a:spcBef>
+                <a:spcPts val="0"/>
+              </a:spcBef>
+              <a:spcAft>
+                <a:spcPts val="0"/>
+              </a:spcAft>
+            </a:pPr>
+            <a:r>
+              <a:rPr lang="en-US" sz="1700" dirty="0">
+                <a:solidFill>
+                  <a:srgbClr val="2B2B2B"/>
+                </a:solidFill>
+                <a:latin typeface="Calibri" panose="020F0502020204030204" pitchFamily="34" charset="0"/>
+                <a:ea typeface="Times New Roman" panose="02020603050405020304" pitchFamily="18" charset="0"/>
+                <a:cs typeface="Calibri" panose="020F0502020204030204" pitchFamily="34" charset="0"/>
+              </a:rPr>
+              <a:t> </a:t>
+            </a:r>
+            <a:endParaRPr lang="en-US" sz="1700" dirty="0">
+              <a:latin typeface="Calibri" panose="020F0502020204030204" pitchFamily="34" charset="0"/>
+              <a:ea typeface="Calibri" panose="020F0502020204030204" pitchFamily="34" charset="0"/>
+              <a:cs typeface="Times New Roman" panose="02020603050405020304" pitchFamily="18" charset="0"/>
+            </a:endParaRPr>
+          </a:p>
+          <a:p>
+            <a:endParaRPr lang="en-US" dirty="0"/>
+          </a:p>
+        </p:txBody>
+      </p:sp>
+    </p:spTree>
+    <p:extLst>
+      <p:ext uri="{BB962C8B-B14F-4D97-AF65-F5344CB8AC3E}">
+        <p14:creationId xmlns:p14="http://schemas.microsoft.com/office/powerpoint/2010/main" val="1353458954"/>
+      </p:ext>
+    </p:extLst>
+  </p:cSld>
+  <p:clrMapOvr>
+    <a:masterClrMapping/>
+  </p:clrMapOvr>
+</p:sld>
+</file>
+
+<file path=ppt/slides/slide6.xml><?xml version="1.0" encoding="utf-8"?>
+<p:sld xmlns:a="http://schemas.openxmlformats.org/drawingml/2006/main" xmlns:r="http://schemas.openxmlformats.org/officeDocument/2006/relationships" xmlns:p="http://schemas.openxmlformats.org/presentationml/2006/main">
+  <p:cSld>
+    <p:spTree>
+      <p:nvGrpSpPr>
+        <p:cNvPr id="1" name=""/>
+        <p:cNvGrpSpPr/>
+        <p:nvPr/>
+      </p:nvGrpSpPr>
+      <p:grpSpPr>
+        <a:xfrm>
+          <a:off x="0" y="0"/>
+          <a:ext cx="0" cy="0"/>
+          <a:chOff x="0" y="0"/>
+          <a:chExt cx="0" cy="0"/>
+        </a:xfrm>
+      </p:grpSpPr>
+      <p:sp>
+        <p:nvSpPr>
+          <p:cNvPr id="2" name="Title 1">
+            <a:extLst>
+              <a:ext uri="{FF2B5EF4-FFF2-40B4-BE49-F238E27FC236}">
+                <a16:creationId xmlns:a16="http://schemas.microsoft.com/office/drawing/2014/main" id="{75AC86D3-8FD1-4F47-A319-7D0542E48B2F}"/>
+              </a:ext>
+            </a:extLst>
+          </p:cNvPr>
+          <p:cNvSpPr>
+            <a:spLocks noGrp="1"/>
+          </p:cNvSpPr>
+          <p:nvPr>
+            <p:ph type="title"/>
+          </p:nvPr>
+        </p:nvSpPr>
+        <p:spPr>
+          <a:xfrm>
+            <a:off x="1097280" y="286603"/>
+            <a:ext cx="10058400" cy="1450757"/>
+          </a:xfrm>
+        </p:spPr>
+        <p:txBody>
+          <a:bodyPr vert="horz" lIns="91440" tIns="45720" rIns="91440" bIns="45720" rtlCol="0">
+            <a:normAutofit/>
+          </a:bodyPr>
+          <a:lstStyle/>
+          <a:p>
+            <a:pPr marL="0" marR="0">
+              <a:lnSpc>
+                <a:spcPct val="115000"/>
+              </a:lnSpc>
+              <a:spcBef>
+                <a:spcPts val="0"/>
+              </a:spcBef>
+              <a:spcAft>
+                <a:spcPts val="0"/>
+              </a:spcAft>
+            </a:pPr>
+            <a:r>
+              <a:rPr lang="en-US" sz="4800" b="1" u="sng" dirty="0">
+                <a:solidFill>
+                  <a:srgbClr val="2B2B2B"/>
+                </a:solidFill>
+                <a:latin typeface="Calibri" panose="020F0502020204030204" pitchFamily="34" charset="0"/>
+                <a:ea typeface="Times New Roman" panose="02020603050405020304" pitchFamily="18" charset="0"/>
+                <a:cs typeface="Calibri" panose="020F0502020204030204" pitchFamily="34" charset="0"/>
+              </a:rPr>
+              <a:t>Our Approach:</a:t>
+            </a:r>
+            <a:endParaRPr lang="en-US" sz="4800" dirty="0">
+              <a:latin typeface="Calibri" panose="020F0502020204030204" pitchFamily="34" charset="0"/>
+              <a:ea typeface="Calibri" panose="020F0502020204030204" pitchFamily="34" charset="0"/>
+              <a:cs typeface="Times New Roman" panose="02020603050405020304" pitchFamily="18" charset="0"/>
+            </a:endParaRPr>
+          </a:p>
+        </p:txBody>
+      </p:sp>
+      <p:sp>
+        <p:nvSpPr>
+          <p:cNvPr id="5" name="Content Placeholder 4">
+            <a:extLst>
+              <a:ext uri="{FF2B5EF4-FFF2-40B4-BE49-F238E27FC236}">
+                <a16:creationId xmlns:a16="http://schemas.microsoft.com/office/drawing/2014/main" id="{73A7EBCF-5494-2CF5-208B-5F6B01D509BF}"/>
+              </a:ext>
+            </a:extLst>
+          </p:cNvPr>
+          <p:cNvSpPr>
+            <a:spLocks noGrp="1"/>
+          </p:cNvSpPr>
+          <p:nvPr>
+            <p:ph idx="1"/>
+          </p:nvPr>
+        </p:nvSpPr>
+        <p:spPr/>
+        <p:txBody>
+          <a:bodyPr>
+            <a:noAutofit/>
+          </a:bodyPr>
+          <a:lstStyle/>
+          <a:p>
+            <a:pPr marL="0" marR="0">
+              <a:lnSpc>
+                <a:spcPct val="115000"/>
+              </a:lnSpc>
+              <a:spcBef>
+                <a:spcPts val="0"/>
+              </a:spcBef>
+              <a:spcAft>
+                <a:spcPts val="0"/>
+              </a:spcAft>
+            </a:pPr>
+            <a:r>
+              <a:rPr lang="en-US" sz="1500" b="1" u="sng" dirty="0">
+                <a:solidFill>
+                  <a:srgbClr val="2B2B2B"/>
+                </a:solidFill>
+                <a:latin typeface="Calibri" panose="020F0502020204030204" pitchFamily="34" charset="0"/>
+                <a:ea typeface="Times New Roman" panose="02020603050405020304" pitchFamily="18" charset="0"/>
+                <a:cs typeface="Calibri" panose="020F0502020204030204" pitchFamily="34" charset="0"/>
+              </a:rPr>
+              <a:t>Our Approach:</a:t>
+            </a:r>
+            <a:endParaRPr lang="en-US" sz="1500" dirty="0">
+              <a:latin typeface="Calibri" panose="020F0502020204030204" pitchFamily="34" charset="0"/>
+              <a:ea typeface="Calibri" panose="020F0502020204030204" pitchFamily="34" charset="0"/>
+              <a:cs typeface="Times New Roman" panose="02020603050405020304" pitchFamily="18" charset="0"/>
+            </a:endParaRPr>
+          </a:p>
+          <a:p>
+            <a:pPr marL="342900" marR="0" lvl="0" indent="-342900">
+              <a:lnSpc>
+                <a:spcPct val="115000"/>
+              </a:lnSpc>
+              <a:spcBef>
+                <a:spcPts val="0"/>
+              </a:spcBef>
+              <a:spcAft>
+                <a:spcPts val="0"/>
+              </a:spcAft>
+              <a:buFont typeface="+mj-lt"/>
+              <a:buAutoNum type="arabicPeriod"/>
+              <a:tabLst>
+                <a:tab pos="228600" algn="l"/>
+              </a:tabLst>
+            </a:pPr>
+            <a:r>
+              <a:rPr lang="en-US" sz="1500" b="1" dirty="0">
+                <a:solidFill>
+                  <a:srgbClr val="2B2B2B"/>
+                </a:solidFill>
+                <a:latin typeface="Calibri" panose="020F0502020204030204" pitchFamily="34" charset="0"/>
+                <a:ea typeface="Times New Roman" panose="02020603050405020304" pitchFamily="18" charset="0"/>
+                <a:cs typeface="Calibri" panose="020F0502020204030204" pitchFamily="34" charset="0"/>
+              </a:rPr>
+              <a:t>Collect the Data</a:t>
+            </a:r>
+            <a:r>
+              <a:rPr lang="en-US" sz="1500" dirty="0">
+                <a:solidFill>
+                  <a:srgbClr val="2B2B2B"/>
+                </a:solidFill>
+                <a:latin typeface="Calibri" panose="020F0502020204030204" pitchFamily="34" charset="0"/>
+                <a:ea typeface="Times New Roman" panose="02020603050405020304" pitchFamily="18" charset="0"/>
+                <a:cs typeface="Calibri" panose="020F0502020204030204" pitchFamily="34" charset="0"/>
+              </a:rPr>
+              <a:t> </a:t>
+            </a:r>
+            <a:endParaRPr lang="en-US" sz="1500" dirty="0">
+              <a:latin typeface="Calibri" panose="020F0502020204030204" pitchFamily="34" charset="0"/>
+              <a:ea typeface="Calibri" panose="020F0502020204030204" pitchFamily="34" charset="0"/>
+              <a:cs typeface="Times New Roman" panose="02020603050405020304" pitchFamily="18" charset="0"/>
+            </a:endParaRPr>
+          </a:p>
+          <a:p>
+            <a:pPr marL="635508" lvl="1" indent="-342900">
+              <a:lnSpc>
+                <a:spcPct val="115000"/>
+              </a:lnSpc>
+              <a:spcBef>
+                <a:spcPts val="0"/>
+              </a:spcBef>
+              <a:spcAft>
+                <a:spcPts val="0"/>
+              </a:spcAft>
+              <a:buFont typeface="Symbol" panose="05050102010706020507" pitchFamily="18" charset="2"/>
+              <a:buChar char=""/>
+            </a:pPr>
+            <a:r>
+              <a:rPr lang="en-US" sz="1500" b="1" u="sng" dirty="0">
+                <a:latin typeface="Calibri" panose="020F0502020204030204" pitchFamily="34" charset="0"/>
+                <a:ea typeface="Calibri" panose="020F0502020204030204" pitchFamily="34" charset="0"/>
+                <a:cs typeface="Calibri" panose="020F0502020204030204" pitchFamily="34" charset="0"/>
+              </a:rPr>
+              <a:t>Data Source </a:t>
+            </a:r>
+            <a:endParaRPr lang="en-US" sz="1500" dirty="0">
+              <a:latin typeface="Calibri" panose="020F0502020204030204" pitchFamily="34" charset="0"/>
+              <a:ea typeface="Calibri" panose="020F0502020204030204" pitchFamily="34" charset="0"/>
+              <a:cs typeface="Times New Roman" panose="02020603050405020304" pitchFamily="18" charset="0"/>
+            </a:endParaRPr>
+          </a:p>
+          <a:p>
+            <a:pPr marL="640080" lvl="2" indent="0">
+              <a:lnSpc>
+                <a:spcPct val="115000"/>
+              </a:lnSpc>
+              <a:spcBef>
+                <a:spcPts val="0"/>
+              </a:spcBef>
+              <a:spcAft>
+                <a:spcPts val="0"/>
+              </a:spcAft>
+              <a:buSzPts val="1000"/>
+              <a:buNone/>
+              <a:tabLst>
+                <a:tab pos="1143000" algn="l"/>
+              </a:tabLst>
+            </a:pPr>
+            <a:r>
+              <a:rPr lang="en-US" sz="1500" b="1" dirty="0">
+                <a:latin typeface="Calibri" panose="020F0502020204030204" pitchFamily="34" charset="0"/>
+                <a:ea typeface="Calibri" panose="020F0502020204030204" pitchFamily="34" charset="0"/>
+                <a:cs typeface="Calibri" panose="020F0502020204030204" pitchFamily="34" charset="0"/>
+              </a:rPr>
+              <a:t>Weather data from  </a:t>
+            </a:r>
+            <a:r>
+              <a:rPr lang="en-US" sz="1500" b="1" u="sng" dirty="0">
+                <a:solidFill>
+                  <a:srgbClr val="0000FF"/>
+                </a:solidFill>
+                <a:latin typeface="Calibri" panose="020F0502020204030204" pitchFamily="34" charset="0"/>
+                <a:ea typeface="Calibri" panose="020F0502020204030204" pitchFamily="34" charset="0"/>
+                <a:cs typeface="Calibri" panose="020F0502020204030204" pitchFamily="34" charset="0"/>
+                <a:hlinkClick r:id="rId2"/>
+              </a:rPr>
+              <a:t>https://openweathermap.org/api/air-pollution</a:t>
+            </a:r>
+            <a:endParaRPr lang="en-US" sz="1500" b="1" u="sng" dirty="0">
+              <a:solidFill>
+                <a:srgbClr val="0000FF"/>
+              </a:solidFill>
+              <a:latin typeface="Calibri" panose="020F0502020204030204" pitchFamily="34" charset="0"/>
+              <a:ea typeface="Calibri" panose="020F0502020204030204" pitchFamily="34" charset="0"/>
+              <a:cs typeface="Times New Roman" panose="02020603050405020304" pitchFamily="18" charset="0"/>
+            </a:endParaRPr>
+          </a:p>
+          <a:p>
+            <a:pPr marL="1291590" lvl="4" indent="-285750">
+              <a:lnSpc>
+                <a:spcPct val="115000"/>
+              </a:lnSpc>
+              <a:spcBef>
+                <a:spcPts val="0"/>
+              </a:spcBef>
+              <a:spcAft>
+                <a:spcPts val="0"/>
+              </a:spcAft>
+              <a:buSzPts val="1000"/>
+              <a:buFont typeface="Courier New" panose="02070309020205020404" pitchFamily="49" charset="0"/>
+              <a:buChar char="o"/>
+              <a:tabLst>
+                <a:tab pos="1143000" algn="l"/>
+              </a:tabLst>
+            </a:pPr>
+            <a:r>
+              <a:rPr lang="en-US" sz="1500" b="1" dirty="0">
+                <a:latin typeface="Calibri" panose="020F0502020204030204" pitchFamily="34" charset="0"/>
+                <a:ea typeface="Calibri" panose="020F0502020204030204" pitchFamily="34" charset="0"/>
+                <a:cs typeface="Calibri" panose="020F0502020204030204" pitchFamily="34" charset="0"/>
+              </a:rPr>
+              <a:t>Tracking to investigate Air Quality in Multiple Cities</a:t>
+            </a:r>
+          </a:p>
+          <a:p>
+            <a:pPr marL="925830" lvl="2" indent="-285750">
+              <a:lnSpc>
+                <a:spcPct val="115000"/>
+              </a:lnSpc>
+              <a:spcBef>
+                <a:spcPts val="0"/>
+              </a:spcBef>
+              <a:spcAft>
+                <a:spcPts val="0"/>
+              </a:spcAft>
+              <a:buSzPts val="1000"/>
+              <a:buFont typeface="Courier New" panose="02070309020205020404" pitchFamily="49" charset="0"/>
+              <a:buChar char="o"/>
+              <a:tabLst>
+                <a:tab pos="1143000" algn="l"/>
+              </a:tabLst>
+            </a:pPr>
+            <a:r>
+              <a:rPr lang="en-US" sz="1500" b="1" dirty="0">
+                <a:latin typeface="Calibri" panose="020F0502020204030204" pitchFamily="34" charset="0"/>
+                <a:ea typeface="Calibri" panose="020F0502020204030204" pitchFamily="34" charset="0"/>
+                <a:cs typeface="Calibri" panose="020F0502020204030204" pitchFamily="34" charset="0"/>
+              </a:rPr>
+              <a:t>Table1: For our Pollution Data: air quality standards as per https://openweathermap.org/api/air-pollution</a:t>
+            </a:r>
+          </a:p>
+          <a:p>
+            <a:pPr marL="1005840" lvl="4" indent="0">
+              <a:lnSpc>
+                <a:spcPct val="115000"/>
+              </a:lnSpc>
+              <a:spcBef>
+                <a:spcPts val="0"/>
+              </a:spcBef>
+              <a:spcAft>
+                <a:spcPts val="0"/>
+              </a:spcAft>
+              <a:buSzPts val="1000"/>
+              <a:buNone/>
+              <a:tabLst>
+                <a:tab pos="1143000" algn="l"/>
+              </a:tabLst>
+            </a:pPr>
+            <a:r>
+              <a:rPr lang="en-US" sz="1500" b="1" dirty="0">
+                <a:latin typeface="Calibri" panose="020F0502020204030204" pitchFamily="34" charset="0"/>
+                <a:ea typeface="Calibri" panose="020F0502020204030204" pitchFamily="34" charset="0"/>
+                <a:cs typeface="Calibri" panose="020F0502020204030204" pitchFamily="34" charset="0"/>
+              </a:rPr>
+              <a:t>See Screen Shot for Attributes / Column headers explained.  </a:t>
+            </a:r>
+          </a:p>
+          <a:p>
+            <a:pPr marL="925830" lvl="2" indent="-285750">
+              <a:lnSpc>
+                <a:spcPct val="115000"/>
+              </a:lnSpc>
+              <a:spcBef>
+                <a:spcPts val="600"/>
+              </a:spcBef>
+              <a:spcAft>
+                <a:spcPts val="0"/>
+              </a:spcAft>
+              <a:buFont typeface="Courier New" panose="02070309020205020404" pitchFamily="49" charset="0"/>
+              <a:buChar char="o"/>
+            </a:pPr>
+            <a:r>
+              <a:rPr lang="en-US" sz="1500" b="1" dirty="0">
+                <a:effectLst/>
+                <a:latin typeface="Calibri" panose="020F0502020204030204" pitchFamily="34" charset="0"/>
+                <a:ea typeface="Calibri" panose="020F0502020204030204" pitchFamily="34" charset="0"/>
+                <a:cs typeface="Calibri" panose="020F0502020204030204" pitchFamily="34" charset="0"/>
+              </a:rPr>
+              <a:t>Table2 /Database #2: Top Cities Screen Shot</a:t>
+            </a:r>
+            <a:endParaRPr lang="en-US" sz="1500" dirty="0">
+              <a:effectLst/>
+              <a:latin typeface="Calibri" panose="020F0502020204030204" pitchFamily="34" charset="0"/>
+              <a:ea typeface="Calibri" panose="020F0502020204030204" pitchFamily="34" charset="0"/>
+              <a:cs typeface="Times New Roman" panose="02020603050405020304" pitchFamily="18" charset="0"/>
+            </a:endParaRPr>
+          </a:p>
+          <a:p>
+            <a:pPr marL="1435608" lvl="1">
+              <a:lnSpc>
+                <a:spcPct val="115000"/>
+              </a:lnSpc>
+              <a:spcBef>
+                <a:spcPts val="0"/>
+              </a:spcBef>
+              <a:spcAft>
+                <a:spcPts val="0"/>
+              </a:spcAft>
+            </a:pPr>
+            <a:r>
+              <a:rPr lang="en-US" sz="1500" b="1" dirty="0">
+                <a:effectLst/>
+                <a:latin typeface="Calibri" panose="020F0502020204030204" pitchFamily="34" charset="0"/>
+                <a:ea typeface="Calibri" panose="020F0502020204030204" pitchFamily="34" charset="0"/>
+                <a:cs typeface="Calibri" panose="020F0502020204030204" pitchFamily="34" charset="0"/>
+              </a:rPr>
+              <a:t>Data Year Collected in 2022 -</a:t>
+            </a:r>
+            <a:endParaRPr lang="en-US" sz="1500" dirty="0">
+              <a:effectLst/>
+              <a:latin typeface="Calibri" panose="020F0502020204030204" pitchFamily="34" charset="0"/>
+              <a:ea typeface="Calibri" panose="020F0502020204030204" pitchFamily="34" charset="0"/>
+              <a:cs typeface="Times New Roman" panose="02020603050405020304" pitchFamily="18" charset="0"/>
+            </a:endParaRPr>
+          </a:p>
+          <a:p>
+            <a:pPr marL="1435608" lvl="1">
+              <a:lnSpc>
+                <a:spcPct val="115000"/>
+              </a:lnSpc>
+              <a:spcBef>
+                <a:spcPts val="0"/>
+              </a:spcBef>
+              <a:spcAft>
+                <a:spcPts val="0"/>
+              </a:spcAft>
+            </a:pPr>
+            <a:r>
+              <a:rPr lang="en-US" sz="1500" b="1" dirty="0">
+                <a:effectLst/>
+                <a:latin typeface="Calibri" panose="020F0502020204030204" pitchFamily="34" charset="0"/>
+                <a:ea typeface="Calibri" panose="020F0502020204030204" pitchFamily="34" charset="0"/>
+                <a:cs typeface="Calibri" panose="020F0502020204030204" pitchFamily="34" charset="0"/>
+              </a:rPr>
+              <a:t>Database Source:  </a:t>
+            </a:r>
+            <a:r>
+              <a:rPr lang="en-US" sz="1500" dirty="0">
+                <a:effectLst/>
+                <a:latin typeface="Calibri" panose="020F0502020204030204" pitchFamily="34" charset="0"/>
+                <a:ea typeface="Calibri" panose="020F0502020204030204" pitchFamily="34" charset="0"/>
+                <a:cs typeface="Calibri" panose="020F0502020204030204" pitchFamily="34" charset="0"/>
+              </a:rPr>
+              <a:t>Kaggle</a:t>
+            </a:r>
+          </a:p>
+          <a:p>
+            <a:pPr marL="925830" lvl="2" indent="-285750">
+              <a:lnSpc>
+                <a:spcPct val="115000"/>
+              </a:lnSpc>
+              <a:spcBef>
+                <a:spcPts val="600"/>
+              </a:spcBef>
+              <a:spcAft>
+                <a:spcPts val="0"/>
+              </a:spcAft>
+              <a:buFont typeface="Courier New" panose="02070309020205020404" pitchFamily="49" charset="0"/>
+              <a:buChar char="o"/>
+            </a:pPr>
+            <a:r>
+              <a:rPr lang="en-US" sz="1500" b="1" dirty="0">
+                <a:latin typeface="Calibri" panose="020F0502020204030204" pitchFamily="34" charset="0"/>
+                <a:ea typeface="Calibri" panose="020F0502020204030204" pitchFamily="34" charset="0"/>
+                <a:cs typeface="Calibri" panose="020F0502020204030204" pitchFamily="34" charset="0"/>
+              </a:rPr>
+              <a:t>Table 3: Air Quality Index /Look-Up Table</a:t>
+            </a:r>
+          </a:p>
+          <a:p>
+            <a:pPr marL="1108710" lvl="3" indent="-285750">
+              <a:lnSpc>
+                <a:spcPct val="115000"/>
+              </a:lnSpc>
+              <a:spcBef>
+                <a:spcPts val="0"/>
+              </a:spcBef>
+              <a:spcAft>
+                <a:spcPts val="0"/>
+              </a:spcAft>
+              <a:buFont typeface="Courier New" panose="02070309020205020404" pitchFamily="49" charset="0"/>
+              <a:buChar char="o"/>
+            </a:pPr>
+            <a:r>
+              <a:rPr lang="en-US" sz="1500" b="1" dirty="0">
+                <a:latin typeface="Calibri" panose="020F0502020204030204" pitchFamily="34" charset="0"/>
+                <a:ea typeface="Calibri" panose="020F0502020204030204" pitchFamily="34" charset="0"/>
+                <a:cs typeface="Calibri" panose="020F0502020204030204" pitchFamily="34" charset="0"/>
+              </a:rPr>
+              <a:t>Maps, Description of the Air Quality Index</a:t>
+            </a:r>
+          </a:p>
+          <a:p>
+            <a:pPr marL="0" indent="0">
+              <a:lnSpc>
+                <a:spcPct val="115000"/>
+              </a:lnSpc>
+              <a:spcAft>
+                <a:spcPts val="0"/>
+              </a:spcAft>
+              <a:buNone/>
+              <a:tabLst>
+                <a:tab pos="228600" algn="l"/>
+              </a:tabLst>
+            </a:pPr>
+            <a:r>
+              <a:rPr lang="en-US" sz="1500" b="1" dirty="0">
+                <a:solidFill>
+                  <a:srgbClr val="2B2B2B"/>
+                </a:solidFill>
+                <a:latin typeface="Calibri" panose="020F0502020204030204" pitchFamily="34" charset="0"/>
+                <a:cs typeface="Calibri" panose="020F0502020204030204" pitchFamily="34" charset="0"/>
+              </a:rPr>
+              <a:t>	</a:t>
+            </a:r>
+            <a:r>
+              <a:rPr lang="en-US" sz="1500" b="1" u="sng" dirty="0">
+                <a:latin typeface="Calibri" panose="020F0502020204030204" pitchFamily="34" charset="0"/>
+                <a:ea typeface="Calibri" panose="020F0502020204030204" pitchFamily="34" charset="0"/>
+                <a:cs typeface="Calibri" panose="020F0502020204030204" pitchFamily="34" charset="0"/>
+              </a:rPr>
+              <a:t>Technical Tool Sets:  Python. Tableau, </a:t>
+            </a:r>
+            <a:r>
+              <a:rPr lang="en-US" sz="1500" b="1" u="sng" dirty="0" err="1">
+                <a:latin typeface="Calibri" panose="020F0502020204030204" pitchFamily="34" charset="0"/>
+                <a:ea typeface="Calibri" panose="020F0502020204030204" pitchFamily="34" charset="0"/>
+                <a:cs typeface="Calibri" panose="020F0502020204030204" pitchFamily="34" charset="0"/>
+              </a:rPr>
+              <a:t>Jupyter</a:t>
+            </a:r>
+            <a:r>
+              <a:rPr lang="en-US" sz="1500" b="1" u="sng" dirty="0">
+                <a:latin typeface="Calibri" panose="020F0502020204030204" pitchFamily="34" charset="0"/>
+                <a:ea typeface="Calibri" panose="020F0502020204030204" pitchFamily="34" charset="0"/>
+                <a:cs typeface="Calibri" panose="020F0502020204030204" pitchFamily="34" charset="0"/>
+              </a:rPr>
+              <a:t> Notebook</a:t>
+            </a:r>
+          </a:p>
+        </p:txBody>
+      </p:sp>
+    </p:spTree>
+    <p:extLst>
+      <p:ext uri="{BB962C8B-B14F-4D97-AF65-F5344CB8AC3E}">
+        <p14:creationId xmlns:p14="http://schemas.microsoft.com/office/powerpoint/2010/main" val="2588026706"/>
+      </p:ext>
+    </p:extLst>
+  </p:cSld>
+  <p:clrMapOvr>
+    <a:masterClrMapping/>
+  </p:clrMapOvr>
+</p:sld>
+</file>
+
+<file path=ppt/slides/slide7.xml><?xml version="1.0" encoding="utf-8"?>
+<p:sld xmlns:a="http://schemas.openxmlformats.org/drawingml/2006/main" xmlns:r="http://schemas.openxmlformats.org/officeDocument/2006/relationships" xmlns:p="http://schemas.openxmlformats.org/presentationml/2006/main">
+  <p:cSld>
+    <p:spTree>
+      <p:nvGrpSpPr>
+        <p:cNvPr id="1" name=""/>
+        <p:cNvGrpSpPr/>
+        <p:nvPr/>
+      </p:nvGrpSpPr>
+      <p:grpSpPr>
+        <a:xfrm>
+          <a:off x="0" y="0"/>
+          <a:ext cx="0" cy="0"/>
+          <a:chOff x="0" y="0"/>
+          <a:chExt cx="0" cy="0"/>
+        </a:xfrm>
+      </p:grpSpPr>
+      <p:sp>
+        <p:nvSpPr>
+          <p:cNvPr id="2" name="Title 1">
+            <a:extLst>
+              <a:ext uri="{FF2B5EF4-FFF2-40B4-BE49-F238E27FC236}">
+                <a16:creationId xmlns:a16="http://schemas.microsoft.com/office/drawing/2014/main" id="{75AC86D3-8FD1-4F47-A319-7D0542E48B2F}"/>
+              </a:ext>
+            </a:extLst>
+          </p:cNvPr>
+          <p:cNvSpPr>
+            <a:spLocks noGrp="1"/>
+          </p:cNvSpPr>
+          <p:nvPr>
+            <p:ph type="title"/>
+          </p:nvPr>
+        </p:nvSpPr>
+        <p:spPr>
+          <a:xfrm>
+            <a:off x="1097280" y="286603"/>
+            <a:ext cx="10058400" cy="1450757"/>
+          </a:xfrm>
+        </p:spPr>
+        <p:txBody>
+          <a:bodyPr vert="horz" lIns="91440" tIns="45720" rIns="91440" bIns="45720" rtlCol="0">
+            <a:normAutofit/>
+          </a:bodyPr>
+          <a:lstStyle/>
+          <a:p>
+            <a:pPr marL="0" marR="0">
+              <a:lnSpc>
+                <a:spcPct val="115000"/>
+              </a:lnSpc>
+              <a:spcBef>
+                <a:spcPts val="0"/>
+              </a:spcBef>
+              <a:spcAft>
+                <a:spcPts val="0"/>
+              </a:spcAft>
+            </a:pPr>
+            <a:r>
+              <a:rPr lang="en-US" sz="4800" b="1" u="sng" dirty="0">
+                <a:solidFill>
+                  <a:schemeClr val="tx1"/>
+                </a:solidFill>
+                <a:effectLst/>
+                <a:latin typeface="Calibri" panose="020F0502020204030204" pitchFamily="34" charset="0"/>
+                <a:ea typeface="Calibri" panose="020F0502020204030204" pitchFamily="34" charset="0"/>
+                <a:cs typeface="Calibri" panose="020F0502020204030204" pitchFamily="34" charset="0"/>
+              </a:rPr>
+              <a:t>Project Hypothesis</a:t>
+            </a:r>
+            <a:endParaRPr lang="en-US" sz="4800" dirty="0">
+              <a:solidFill>
+                <a:schemeClr val="tx1"/>
+              </a:solidFill>
+              <a:effectLst/>
+              <a:latin typeface="Calibri" panose="020F0502020204030204" pitchFamily="34" charset="0"/>
+              <a:ea typeface="Calibri" panose="020F0502020204030204" pitchFamily="34" charset="0"/>
+              <a:cs typeface="Times New Roman" panose="02020603050405020304" pitchFamily="18" charset="0"/>
+            </a:endParaRPr>
+          </a:p>
+        </p:txBody>
+      </p:sp>
+      <p:sp>
+        <p:nvSpPr>
+          <p:cNvPr id="5" name="Content Placeholder 4">
+            <a:extLst>
+              <a:ext uri="{FF2B5EF4-FFF2-40B4-BE49-F238E27FC236}">
+                <a16:creationId xmlns:a16="http://schemas.microsoft.com/office/drawing/2014/main" id="{73A7EBCF-5494-2CF5-208B-5F6B01D509BF}"/>
+              </a:ext>
+            </a:extLst>
+          </p:cNvPr>
+          <p:cNvSpPr>
+            <a:spLocks noGrp="1"/>
+          </p:cNvSpPr>
+          <p:nvPr>
+            <p:ph idx="1"/>
+          </p:nvPr>
+        </p:nvSpPr>
+        <p:spPr/>
+        <p:txBody>
+          <a:bodyPr/>
+          <a:lstStyle/>
+          <a:p>
+            <a:pPr marL="0" marR="0">
+              <a:lnSpc>
+                <a:spcPct val="115000"/>
+              </a:lnSpc>
+              <a:spcBef>
+                <a:spcPts val="0"/>
+              </a:spcBef>
+              <a:spcAft>
+                <a:spcPts val="0"/>
+              </a:spcAft>
+            </a:pPr>
+            <a:endParaRPr lang="en-US" sz="1800" b="1" dirty="0">
+              <a:solidFill>
+                <a:schemeClr val="tx1"/>
+              </a:solidFill>
+              <a:effectLst/>
+              <a:latin typeface="Calibri" panose="020F0502020204030204" pitchFamily="34" charset="0"/>
+              <a:ea typeface="Calibri" panose="020F0502020204030204" pitchFamily="34" charset="0"/>
+              <a:cs typeface="Calibri" panose="020F0502020204030204" pitchFamily="34" charset="0"/>
+            </a:endParaRPr>
+          </a:p>
+          <a:p>
+            <a:pPr marL="0" marR="0">
+              <a:lnSpc>
+                <a:spcPct val="115000"/>
+              </a:lnSpc>
+              <a:spcBef>
+                <a:spcPts val="0"/>
+              </a:spcBef>
+              <a:spcAft>
+                <a:spcPts val="0"/>
+              </a:spcAft>
+            </a:pPr>
+            <a:r>
+              <a:rPr lang="en-US" sz="1800" b="1" dirty="0">
+                <a:solidFill>
+                  <a:schemeClr val="tx1"/>
+                </a:solidFill>
+                <a:effectLst/>
+                <a:latin typeface="Calibri" panose="020F0502020204030204" pitchFamily="34" charset="0"/>
+                <a:ea typeface="Calibri" panose="020F0502020204030204" pitchFamily="34" charset="0"/>
+                <a:cs typeface="Calibri" panose="020F0502020204030204" pitchFamily="34" charset="0"/>
+              </a:rPr>
+              <a:t>C-Group </a:t>
+            </a:r>
+            <a:r>
+              <a:rPr lang="en-US" sz="1800" b="1" u="sng" dirty="0">
+                <a:solidFill>
+                  <a:srgbClr val="FF0000"/>
+                </a:solidFill>
+                <a:effectLst/>
+                <a:latin typeface="Calibri" panose="020F0502020204030204" pitchFamily="34" charset="0"/>
+                <a:ea typeface="Calibri" panose="020F0502020204030204" pitchFamily="34" charset="0"/>
+                <a:cs typeface="Calibri" panose="020F0502020204030204" pitchFamily="34" charset="0"/>
+              </a:rPr>
+              <a:t>Project Hypothesis</a:t>
+            </a:r>
+            <a:endParaRPr lang="en-US" sz="1800" dirty="0">
+              <a:effectLst/>
+              <a:latin typeface="Calibri" panose="020F0502020204030204" pitchFamily="34" charset="0"/>
+              <a:ea typeface="Calibri" panose="020F0502020204030204" pitchFamily="34" charset="0"/>
+              <a:cs typeface="Times New Roman" panose="02020603050405020304" pitchFamily="18" charset="0"/>
+            </a:endParaRPr>
+          </a:p>
+          <a:p>
+            <a:pPr marL="342900" marR="0" lvl="0" indent="-342900">
+              <a:lnSpc>
+                <a:spcPct val="115000"/>
+              </a:lnSpc>
+              <a:spcBef>
+                <a:spcPts val="0"/>
+              </a:spcBef>
+              <a:spcAft>
+                <a:spcPts val="0"/>
+              </a:spcAft>
+              <a:buFont typeface="Symbol" panose="05050102010706020507" pitchFamily="18" charset="2"/>
+              <a:buChar char=""/>
+            </a:pPr>
+            <a:r>
+              <a:rPr lang="en-US" sz="1800" dirty="0">
+                <a:effectLst/>
+                <a:latin typeface="Calibri" panose="020F0502020204030204" pitchFamily="34" charset="0"/>
+                <a:ea typeface="Calibri" panose="020F0502020204030204" pitchFamily="34" charset="0"/>
+                <a:cs typeface="Calibri" panose="020F0502020204030204" pitchFamily="34" charset="0"/>
+              </a:rPr>
+              <a:t>Cities with larger populations have lower air quality countries </a:t>
+            </a:r>
+            <a:endParaRPr lang="en-US" sz="1800" dirty="0">
+              <a:effectLst/>
+              <a:latin typeface="Calibri" panose="020F0502020204030204" pitchFamily="34" charset="0"/>
+              <a:ea typeface="Calibri" panose="020F0502020204030204" pitchFamily="34" charset="0"/>
+              <a:cs typeface="Times New Roman" panose="02020603050405020304" pitchFamily="18" charset="0"/>
+            </a:endParaRPr>
+          </a:p>
+          <a:p>
+            <a:pPr marL="342900" marR="0" lvl="0" indent="-342900">
+              <a:lnSpc>
+                <a:spcPct val="115000"/>
+              </a:lnSpc>
+              <a:spcBef>
+                <a:spcPts val="0"/>
+              </a:spcBef>
+              <a:spcAft>
+                <a:spcPts val="0"/>
+              </a:spcAft>
+              <a:buFont typeface="Symbol" panose="05050102010706020507" pitchFamily="18" charset="2"/>
+              <a:buChar char=""/>
+            </a:pPr>
+            <a:r>
+              <a:rPr lang="en-US" sz="1800" dirty="0">
+                <a:latin typeface="Calibri" panose="020F0502020204030204" pitchFamily="34" charset="0"/>
+                <a:ea typeface="Calibri" panose="020F0502020204030204" pitchFamily="34" charset="0"/>
+                <a:cs typeface="Calibri" panose="020F0502020204030204" pitchFamily="34" charset="0"/>
+              </a:rPr>
+              <a:t>T</a:t>
+            </a:r>
+            <a:r>
+              <a:rPr lang="en-US" sz="1800" dirty="0">
+                <a:effectLst/>
+                <a:latin typeface="Calibri" panose="020F0502020204030204" pitchFamily="34" charset="0"/>
+                <a:ea typeface="Calibri" panose="020F0502020204030204" pitchFamily="34" charset="0"/>
+                <a:cs typeface="Calibri" panose="020F0502020204030204" pitchFamily="34" charset="0"/>
+              </a:rPr>
+              <a:t>rack air quality at certain times of the year  </a:t>
+            </a:r>
+            <a:endParaRPr lang="en-US" sz="1800" dirty="0">
+              <a:effectLst/>
+              <a:latin typeface="Calibri" panose="020F0502020204030204" pitchFamily="34" charset="0"/>
+              <a:ea typeface="Calibri" panose="020F0502020204030204" pitchFamily="34" charset="0"/>
+              <a:cs typeface="Times New Roman" panose="02020603050405020304" pitchFamily="18" charset="0"/>
+            </a:endParaRPr>
+          </a:p>
+          <a:p>
+            <a:pPr marL="742950" marR="0" lvl="1" indent="-285750">
+              <a:lnSpc>
+                <a:spcPct val="115000"/>
+              </a:lnSpc>
+              <a:spcBef>
+                <a:spcPts val="0"/>
+              </a:spcBef>
+              <a:spcAft>
+                <a:spcPts val="0"/>
+              </a:spcAft>
+              <a:buFont typeface="Courier New" panose="02070309020205020404" pitchFamily="49" charset="0"/>
+              <a:buChar char="o"/>
+            </a:pPr>
+            <a:r>
+              <a:rPr lang="en-US" sz="1800" dirty="0">
+                <a:latin typeface="Calibri" panose="020F0502020204030204" pitchFamily="34" charset="0"/>
+                <a:ea typeface="Calibri" panose="020F0502020204030204" pitchFamily="34" charset="0"/>
+                <a:cs typeface="Calibri" panose="020F0502020204030204" pitchFamily="34" charset="0"/>
+              </a:rPr>
+              <a:t> Verify that Su</a:t>
+            </a:r>
+            <a:r>
+              <a:rPr lang="en-US" sz="1800" dirty="0">
+                <a:effectLst/>
+                <a:latin typeface="Calibri" panose="020F0502020204030204" pitchFamily="34" charset="0"/>
+                <a:ea typeface="Calibri" panose="020F0502020204030204" pitchFamily="34" charset="0"/>
+                <a:cs typeface="Calibri" panose="020F0502020204030204" pitchFamily="34" charset="0"/>
+              </a:rPr>
+              <a:t>mmer Season has the worst air quality, no matter where you are.</a:t>
+            </a:r>
+            <a:endParaRPr lang="en-US" sz="1800" dirty="0">
+              <a:effectLst/>
+              <a:latin typeface="Calibri" panose="020F0502020204030204" pitchFamily="34" charset="0"/>
+              <a:ea typeface="Calibri" panose="020F0502020204030204" pitchFamily="34" charset="0"/>
+              <a:cs typeface="Times New Roman" panose="02020603050405020304" pitchFamily="18" charset="0"/>
+            </a:endParaRPr>
+          </a:p>
+          <a:p>
+            <a:endParaRPr lang="en-US" dirty="0"/>
+          </a:p>
+        </p:txBody>
+      </p:sp>
+    </p:spTree>
+    <p:extLst>
+      <p:ext uri="{BB962C8B-B14F-4D97-AF65-F5344CB8AC3E}">
+        <p14:creationId xmlns:p14="http://schemas.microsoft.com/office/powerpoint/2010/main" val="1374906752"/>
+      </p:ext>
+    </p:extLst>
+  </p:cSld>
+  <p:clrMapOvr>
+    <a:masterClrMapping/>
+  </p:clrMapOvr>
+</p:sld>
+</file>
+
+<file path=ppt/slides/slide8.xml><?xml version="1.0" encoding="utf-8"?>
+<p:sld xmlns:a="http://schemas.openxmlformats.org/drawingml/2006/main" xmlns:r="http://schemas.openxmlformats.org/officeDocument/2006/relationships" xmlns:p="http://schemas.openxmlformats.org/presentationml/2006/main">
+  <p:cSld>
+    <p:spTree>
+      <p:nvGrpSpPr>
+        <p:cNvPr id="1" name=""/>
+        <p:cNvGrpSpPr/>
+        <p:nvPr/>
+      </p:nvGrpSpPr>
+      <p:grpSpPr>
+        <a:xfrm>
+          <a:off x="0" y="0"/>
+          <a:ext cx="0" cy="0"/>
+          <a:chOff x="0" y="0"/>
+          <a:chExt cx="0" cy="0"/>
+        </a:xfrm>
+      </p:grpSpPr>
+      <p:sp>
+        <p:nvSpPr>
+          <p:cNvPr id="2" name="Title 1">
+            <a:extLst>
+              <a:ext uri="{FF2B5EF4-FFF2-40B4-BE49-F238E27FC236}">
+                <a16:creationId xmlns:a16="http://schemas.microsoft.com/office/drawing/2014/main" id="{75AC86D3-8FD1-4F47-A319-7D0542E48B2F}"/>
+              </a:ext>
+            </a:extLst>
+          </p:cNvPr>
+          <p:cNvSpPr>
+            <a:spLocks noGrp="1"/>
+          </p:cNvSpPr>
+          <p:nvPr>
+            <p:ph type="title"/>
+          </p:nvPr>
+        </p:nvSpPr>
+        <p:spPr>
+          <a:xfrm>
+            <a:off x="1097280" y="286603"/>
+            <a:ext cx="10058400" cy="1450757"/>
+          </a:xfrm>
+        </p:spPr>
+        <p:txBody>
+          <a:bodyPr vert="horz" lIns="91440" tIns="45720" rIns="91440" bIns="45720" rtlCol="0">
+            <a:normAutofit/>
+          </a:bodyPr>
+          <a:lstStyle/>
+          <a:p>
+            <a:r>
+              <a:rPr lang="en-US" dirty="0"/>
+              <a:t>ERD Diagram of Databases </a:t>
+            </a:r>
+          </a:p>
+        </p:txBody>
+      </p:sp>
+      <p:pic>
+        <p:nvPicPr>
+          <p:cNvPr id="3" name="Content Placeholder 2" descr="Graphical user interface, application, Teams&#10;&#10;Description automatically generated">
+            <a:extLst>
+              <a:ext uri="{FF2B5EF4-FFF2-40B4-BE49-F238E27FC236}">
+                <a16:creationId xmlns:a16="http://schemas.microsoft.com/office/drawing/2014/main" id="{1D6B2B4C-EC6F-7601-57AD-3B01D511856D}"/>
+              </a:ext>
+            </a:extLst>
+          </p:cNvPr>
+          <p:cNvPicPr>
+            <a:picLocks noGrp="1" noChangeAspect="1"/>
+          </p:cNvPicPr>
+          <p:nvPr>
+            <p:ph idx="1"/>
+          </p:nvPr>
+        </p:nvPicPr>
+        <p:blipFill>
+          <a:blip r:embed="rId2"/>
+          <a:stretch>
+            <a:fillRect/>
+          </a:stretch>
+        </p:blipFill>
+        <p:spPr>
+          <a:xfrm>
+            <a:off x="2486691" y="2108200"/>
+            <a:ext cx="7278944" cy="3760788"/>
+          </a:xfrm>
+          <a:prstGeom prst="rect">
+            <a:avLst/>
+          </a:prstGeom>
+        </p:spPr>
+      </p:pic>
+    </p:spTree>
+    <p:extLst>
+      <p:ext uri="{BB962C8B-B14F-4D97-AF65-F5344CB8AC3E}">
+        <p14:creationId xmlns:p14="http://schemas.microsoft.com/office/powerpoint/2010/main" val="2774795059"/>
+      </p:ext>
+    </p:extLst>
+  </p:cSld>
+  <p:clrMapOvr>
+    <a:masterClrMapping/>
+  </p:clrMapOvr>
+</p:sld>
+</file>
+
+<file path=ppt/slides/slide9.xml><?xml version="1.0" encoding="utf-8"?>
 <p:sld xmlns:a="http://schemas.openxmlformats.org/drawingml/2006/main" xmlns:r="http://schemas.openxmlformats.org/officeDocument/2006/relationships" xmlns:p="http://schemas.openxmlformats.org/presentationml/2006/main">
   <p:cSld>
     <p:spTree>
@@ -4083,3465 +7780,6 @@
     <p:extLst>
       <p:ext uri="{BB962C8B-B14F-4D97-AF65-F5344CB8AC3E}">
         <p14:creationId xmlns:p14="http://schemas.microsoft.com/office/powerpoint/2010/main" val="2652039864"/>
-      </p:ext>
-    </p:extLst>
-  </p:cSld>
-  <p:clrMapOvr>
-    <a:masterClrMapping/>
-  </p:clrMapOvr>
-</p:sld>
-</file>
-
-<file path=ppt/slides/slide11.xml><?xml version="1.0" encoding="utf-8"?>
-<p:sld xmlns:a="http://schemas.openxmlformats.org/drawingml/2006/main" xmlns:r="http://schemas.openxmlformats.org/officeDocument/2006/relationships" xmlns:p="http://schemas.openxmlformats.org/presentationml/2006/main">
-  <p:cSld>
-    <p:spTree>
-      <p:nvGrpSpPr>
-        <p:cNvPr id="1" name=""/>
-        <p:cNvGrpSpPr/>
-        <p:nvPr/>
-      </p:nvGrpSpPr>
-      <p:grpSpPr>
-        <a:xfrm>
-          <a:off x="0" y="0"/>
-          <a:ext cx="0" cy="0"/>
-          <a:chOff x="0" y="0"/>
-          <a:chExt cx="0" cy="0"/>
-        </a:xfrm>
-      </p:grpSpPr>
-      <p:sp>
-        <p:nvSpPr>
-          <p:cNvPr id="2" name="Title 1">
-            <a:extLst>
-              <a:ext uri="{FF2B5EF4-FFF2-40B4-BE49-F238E27FC236}">
-                <a16:creationId xmlns:a16="http://schemas.microsoft.com/office/drawing/2014/main" id="{75AC86D3-8FD1-4F47-A319-7D0542E48B2F}"/>
-              </a:ext>
-            </a:extLst>
-          </p:cNvPr>
-          <p:cNvSpPr>
-            <a:spLocks noGrp="1"/>
-          </p:cNvSpPr>
-          <p:nvPr>
-            <p:ph type="title"/>
-          </p:nvPr>
-        </p:nvSpPr>
-        <p:spPr>
-          <a:xfrm>
-            <a:off x="1097280" y="286603"/>
-            <a:ext cx="10058400" cy="1450757"/>
-          </a:xfrm>
-        </p:spPr>
-        <p:txBody>
-          <a:bodyPr vert="horz" lIns="91440" tIns="45720" rIns="91440" bIns="45720" rtlCol="0">
-            <a:normAutofit/>
-          </a:bodyPr>
-          <a:lstStyle/>
-          <a:p>
-            <a:r>
-              <a:rPr lang="en-US" dirty="0"/>
-              <a:t>Draft – 100 Top Cities</a:t>
-            </a:r>
-          </a:p>
-        </p:txBody>
-      </p:sp>
-      <p:sp>
-        <p:nvSpPr>
-          <p:cNvPr id="5" name="Content Placeholder 4">
-            <a:extLst>
-              <a:ext uri="{FF2B5EF4-FFF2-40B4-BE49-F238E27FC236}">
-                <a16:creationId xmlns:a16="http://schemas.microsoft.com/office/drawing/2014/main" id="{73A7EBCF-5494-2CF5-208B-5F6B01D509BF}"/>
-              </a:ext>
-            </a:extLst>
-          </p:cNvPr>
-          <p:cNvSpPr>
-            <a:spLocks noGrp="1"/>
-          </p:cNvSpPr>
-          <p:nvPr>
-            <p:ph idx="1"/>
-          </p:nvPr>
-        </p:nvSpPr>
-        <p:spPr/>
-        <p:txBody>
-          <a:bodyPr/>
-          <a:lstStyle/>
-          <a:p>
-            <a:endParaRPr lang="en-US" dirty="0"/>
-          </a:p>
-        </p:txBody>
-      </p:sp>
-      <p:pic>
-        <p:nvPicPr>
-          <p:cNvPr id="3" name="Picture 2" descr="Graphical user interface, application, table&#10;&#10;Description automatically generated">
-            <a:extLst>
-              <a:ext uri="{FF2B5EF4-FFF2-40B4-BE49-F238E27FC236}">
-                <a16:creationId xmlns:a16="http://schemas.microsoft.com/office/drawing/2014/main" id="{E8348A72-9CD8-6DC4-6CB0-50DDAD70DD9A}"/>
-              </a:ext>
-            </a:extLst>
-          </p:cNvPr>
-          <p:cNvPicPr>
-            <a:picLocks noChangeAspect="1"/>
-          </p:cNvPicPr>
-          <p:nvPr/>
-        </p:nvPicPr>
-        <p:blipFill rotWithShape="1">
-          <a:blip r:embed="rId2"/>
-          <a:srcRect t="-50678" r="12290" b="9761"/>
-          <a:stretch/>
-        </p:blipFill>
-        <p:spPr>
-          <a:xfrm>
-            <a:off x="6244078" y="429905"/>
-            <a:ext cx="4667307" cy="5500048"/>
-          </a:xfrm>
-          <a:prstGeom prst="rect">
-            <a:avLst/>
-          </a:prstGeom>
-        </p:spPr>
-      </p:pic>
-    </p:spTree>
-    <p:extLst>
-      <p:ext uri="{BB962C8B-B14F-4D97-AF65-F5344CB8AC3E}">
-        <p14:creationId xmlns:p14="http://schemas.microsoft.com/office/powerpoint/2010/main" val="1945685663"/>
-      </p:ext>
-    </p:extLst>
-  </p:cSld>
-  <p:clrMapOvr>
-    <a:masterClrMapping/>
-  </p:clrMapOvr>
-</p:sld>
-</file>
-
-<file path=ppt/slides/slide12.xml><?xml version="1.0" encoding="utf-8"?>
-<p:sld xmlns:a="http://schemas.openxmlformats.org/drawingml/2006/main" xmlns:r="http://schemas.openxmlformats.org/officeDocument/2006/relationships" xmlns:p="http://schemas.openxmlformats.org/presentationml/2006/main">
-  <p:cSld>
-    <p:spTree>
-      <p:nvGrpSpPr>
-        <p:cNvPr id="1" name=""/>
-        <p:cNvGrpSpPr/>
-        <p:nvPr/>
-      </p:nvGrpSpPr>
-      <p:grpSpPr>
-        <a:xfrm>
-          <a:off x="0" y="0"/>
-          <a:ext cx="0" cy="0"/>
-          <a:chOff x="0" y="0"/>
-          <a:chExt cx="0" cy="0"/>
-        </a:xfrm>
-      </p:grpSpPr>
-      <p:sp>
-        <p:nvSpPr>
-          <p:cNvPr id="2" name="Title 1">
-            <a:extLst>
-              <a:ext uri="{FF2B5EF4-FFF2-40B4-BE49-F238E27FC236}">
-                <a16:creationId xmlns:a16="http://schemas.microsoft.com/office/drawing/2014/main" id="{75AC86D3-8FD1-4F47-A319-7D0542E48B2F}"/>
-              </a:ext>
-            </a:extLst>
-          </p:cNvPr>
-          <p:cNvSpPr>
-            <a:spLocks noGrp="1"/>
-          </p:cNvSpPr>
-          <p:nvPr>
-            <p:ph type="title"/>
-          </p:nvPr>
-        </p:nvSpPr>
-        <p:spPr>
-          <a:xfrm>
-            <a:off x="1097280" y="286603"/>
-            <a:ext cx="10058400" cy="1450757"/>
-          </a:xfrm>
-        </p:spPr>
-        <p:txBody>
-          <a:bodyPr vert="horz" lIns="91440" tIns="45720" rIns="91440" bIns="45720" rtlCol="0">
-            <a:normAutofit/>
-          </a:bodyPr>
-          <a:lstStyle/>
-          <a:p>
-            <a:r>
-              <a:rPr lang="en-US" dirty="0"/>
-              <a:t>Draft – Database Structure</a:t>
-            </a:r>
-          </a:p>
-        </p:txBody>
-      </p:sp>
-      <p:pic>
-        <p:nvPicPr>
-          <p:cNvPr id="3" name="Content Placeholder 2" descr="Graphical user interface, application&#10;&#10;Description automatically generated">
-            <a:extLst>
-              <a:ext uri="{FF2B5EF4-FFF2-40B4-BE49-F238E27FC236}">
-                <a16:creationId xmlns:a16="http://schemas.microsoft.com/office/drawing/2014/main" id="{F436DB3B-A9FA-11BD-49EB-7195A734A590}"/>
-              </a:ext>
-            </a:extLst>
-          </p:cNvPr>
-          <p:cNvPicPr>
-            <a:picLocks noGrp="1" noChangeAspect="1"/>
-          </p:cNvPicPr>
-          <p:nvPr>
-            <p:ph idx="1"/>
-          </p:nvPr>
-        </p:nvPicPr>
-        <p:blipFill rotWithShape="1">
-          <a:blip r:embed="rId2"/>
-          <a:srcRect t="7787"/>
-          <a:stretch/>
-        </p:blipFill>
-        <p:spPr bwMode="auto">
-          <a:xfrm>
-            <a:off x="4182939" y="2108200"/>
-            <a:ext cx="3886447" cy="3760788"/>
-          </a:xfrm>
-          <a:prstGeom prst="rect">
-            <a:avLst/>
-          </a:prstGeom>
-          <a:ln>
-            <a:noFill/>
-          </a:ln>
-          <a:extLst>
-            <a:ext uri="{53640926-AAD7-44D8-BBD7-CCE9431645EC}">
-              <a14:shadowObscured xmlns:a14="http://schemas.microsoft.com/office/drawing/2010/main"/>
-            </a:ext>
-          </a:extLst>
-        </p:spPr>
-      </p:pic>
-    </p:spTree>
-    <p:extLst>
-      <p:ext uri="{BB962C8B-B14F-4D97-AF65-F5344CB8AC3E}">
-        <p14:creationId xmlns:p14="http://schemas.microsoft.com/office/powerpoint/2010/main" val="2735542354"/>
-      </p:ext>
-    </p:extLst>
-  </p:cSld>
-  <p:clrMapOvr>
-    <a:masterClrMapping/>
-  </p:clrMapOvr>
-</p:sld>
-</file>
-
-<file path=ppt/slides/slide13.xml><?xml version="1.0" encoding="utf-8"?>
-<p:sld xmlns:a="http://schemas.openxmlformats.org/drawingml/2006/main" xmlns:r="http://schemas.openxmlformats.org/officeDocument/2006/relationships" xmlns:p="http://schemas.openxmlformats.org/presentationml/2006/main">
-  <p:cSld>
-    <p:spTree>
-      <p:nvGrpSpPr>
-        <p:cNvPr id="1" name=""/>
-        <p:cNvGrpSpPr/>
-        <p:nvPr/>
-      </p:nvGrpSpPr>
-      <p:grpSpPr>
-        <a:xfrm>
-          <a:off x="0" y="0"/>
-          <a:ext cx="0" cy="0"/>
-          <a:chOff x="0" y="0"/>
-          <a:chExt cx="0" cy="0"/>
-        </a:xfrm>
-      </p:grpSpPr>
-      <p:sp>
-        <p:nvSpPr>
-          <p:cNvPr id="2" name="Title 1">
-            <a:extLst>
-              <a:ext uri="{FF2B5EF4-FFF2-40B4-BE49-F238E27FC236}">
-                <a16:creationId xmlns:a16="http://schemas.microsoft.com/office/drawing/2014/main" id="{75AC86D3-8FD1-4F47-A319-7D0542E48B2F}"/>
-              </a:ext>
-            </a:extLst>
-          </p:cNvPr>
-          <p:cNvSpPr>
-            <a:spLocks noGrp="1"/>
-          </p:cNvSpPr>
-          <p:nvPr>
-            <p:ph type="title"/>
-          </p:nvPr>
-        </p:nvSpPr>
-        <p:spPr>
-          <a:xfrm>
-            <a:off x="1097280" y="286603"/>
-            <a:ext cx="10058400" cy="1450757"/>
-          </a:xfrm>
-        </p:spPr>
-        <p:txBody>
-          <a:bodyPr vert="horz" lIns="91440" tIns="45720" rIns="91440" bIns="45720" rtlCol="0">
-            <a:normAutofit/>
-          </a:bodyPr>
-          <a:lstStyle/>
-          <a:p>
-            <a:pPr marR="0" lvl="0">
-              <a:lnSpc>
-                <a:spcPct val="115000"/>
-              </a:lnSpc>
-              <a:spcBef>
-                <a:spcPts val="0"/>
-              </a:spcBef>
-              <a:spcAft>
-                <a:spcPts val="0"/>
-              </a:spcAft>
-              <a:tabLst>
-                <a:tab pos="228600" algn="l"/>
-              </a:tabLst>
-            </a:pPr>
-            <a:r>
-              <a:rPr lang="en-US" sz="4800" b="1" dirty="0">
-                <a:solidFill>
-                  <a:srgbClr val="2B2B2B"/>
-                </a:solidFill>
-                <a:effectLst/>
-                <a:latin typeface="Calibri" panose="020F0502020204030204" pitchFamily="34" charset="0"/>
-                <a:ea typeface="Times New Roman" panose="02020603050405020304" pitchFamily="18" charset="0"/>
-                <a:cs typeface="Calibri" panose="020F0502020204030204" pitchFamily="34" charset="0"/>
-              </a:rPr>
-              <a:t>Exploratory Analysis with Visualization</a:t>
-            </a:r>
-            <a:endParaRPr lang="en-US" sz="4800" dirty="0">
-              <a:effectLst/>
-              <a:latin typeface="Calibri" panose="020F0502020204030204" pitchFamily="34" charset="0"/>
-              <a:ea typeface="Calibri" panose="020F0502020204030204" pitchFamily="34" charset="0"/>
-              <a:cs typeface="Times New Roman" panose="02020603050405020304" pitchFamily="18" charset="0"/>
-            </a:endParaRPr>
-          </a:p>
-        </p:txBody>
-      </p:sp>
-      <p:sp>
-        <p:nvSpPr>
-          <p:cNvPr id="5" name="Content Placeholder 4">
-            <a:extLst>
-              <a:ext uri="{FF2B5EF4-FFF2-40B4-BE49-F238E27FC236}">
-                <a16:creationId xmlns:a16="http://schemas.microsoft.com/office/drawing/2014/main" id="{73A7EBCF-5494-2CF5-208B-5F6B01D509BF}"/>
-              </a:ext>
-            </a:extLst>
-          </p:cNvPr>
-          <p:cNvSpPr>
-            <a:spLocks noGrp="1"/>
-          </p:cNvSpPr>
-          <p:nvPr>
-            <p:ph idx="1"/>
-          </p:nvPr>
-        </p:nvSpPr>
-        <p:spPr/>
-        <p:txBody>
-          <a:bodyPr/>
-          <a:lstStyle/>
-          <a:p>
-            <a:pPr marL="457200" marR="0">
-              <a:lnSpc>
-                <a:spcPct val="115000"/>
-              </a:lnSpc>
-              <a:spcBef>
-                <a:spcPts val="0"/>
-              </a:spcBef>
-              <a:spcAft>
-                <a:spcPts val="0"/>
-              </a:spcAft>
-            </a:pPr>
-            <a:r>
-              <a:rPr lang="en-US" sz="1100" dirty="0">
-                <a:solidFill>
-                  <a:srgbClr val="2B2B2B"/>
-                </a:solidFill>
-                <a:effectLst/>
-                <a:latin typeface="Calibri" panose="020F0502020204030204" pitchFamily="34" charset="0"/>
-                <a:ea typeface="Times New Roman" panose="02020603050405020304" pitchFamily="18" charset="0"/>
-                <a:cs typeface="Calibri" panose="020F0502020204030204" pitchFamily="34" charset="0"/>
-              </a:rPr>
-              <a:t>Tableau</a:t>
-            </a:r>
-            <a:endParaRPr lang="en-US" sz="1100" dirty="0">
-              <a:effectLst/>
-              <a:latin typeface="Calibri" panose="020F0502020204030204" pitchFamily="34" charset="0"/>
-              <a:ea typeface="Calibri" panose="020F0502020204030204" pitchFamily="34" charset="0"/>
-              <a:cs typeface="Times New Roman" panose="02020603050405020304" pitchFamily="18" charset="0"/>
-            </a:endParaRPr>
-          </a:p>
-          <a:p>
-            <a:pPr marL="457200" marR="0">
-              <a:lnSpc>
-                <a:spcPct val="115000"/>
-              </a:lnSpc>
-              <a:spcBef>
-                <a:spcPts val="0"/>
-              </a:spcBef>
-              <a:spcAft>
-                <a:spcPts val="1000"/>
-              </a:spcAft>
-            </a:pPr>
-            <a:r>
-              <a:rPr lang="en-US" sz="1100" dirty="0">
-                <a:solidFill>
-                  <a:srgbClr val="2B2B2B"/>
-                </a:solidFill>
-                <a:effectLst/>
-                <a:latin typeface="Calibri" panose="020F0502020204030204" pitchFamily="34" charset="0"/>
-                <a:ea typeface="Times New Roman" panose="02020603050405020304" pitchFamily="18" charset="0"/>
-                <a:cs typeface="Calibri" panose="020F0502020204030204" pitchFamily="34" charset="0"/>
-              </a:rPr>
-              <a:t> </a:t>
-            </a:r>
-            <a:endParaRPr lang="en-US" sz="1100" dirty="0">
-              <a:effectLst/>
-              <a:latin typeface="Calibri" panose="020F0502020204030204" pitchFamily="34" charset="0"/>
-              <a:ea typeface="Calibri" panose="020F0502020204030204" pitchFamily="34" charset="0"/>
-              <a:cs typeface="Times New Roman" panose="02020603050405020304" pitchFamily="18" charset="0"/>
-            </a:endParaRPr>
-          </a:p>
-          <a:p>
-            <a:pPr marL="457200" marR="0">
-              <a:lnSpc>
-                <a:spcPct val="115000"/>
-              </a:lnSpc>
-              <a:spcBef>
-                <a:spcPts val="0"/>
-              </a:spcBef>
-              <a:spcAft>
-                <a:spcPts val="0"/>
-              </a:spcAft>
-            </a:pPr>
-            <a:r>
-              <a:rPr lang="en-US" sz="1100" dirty="0">
-                <a:solidFill>
-                  <a:srgbClr val="2B2B2B"/>
-                </a:solidFill>
-                <a:effectLst/>
-                <a:latin typeface="Calibri" panose="020F0502020204030204" pitchFamily="34" charset="0"/>
-                <a:ea typeface="Times New Roman" panose="02020603050405020304" pitchFamily="18" charset="0"/>
-                <a:cs typeface="Calibri" panose="020F0502020204030204" pitchFamily="34" charset="0"/>
-              </a:rPr>
-              <a:t> </a:t>
-            </a:r>
-            <a:endParaRPr lang="en-US" sz="1100" dirty="0">
-              <a:effectLst/>
-              <a:latin typeface="Calibri" panose="020F0502020204030204" pitchFamily="34" charset="0"/>
-              <a:ea typeface="Calibri" panose="020F0502020204030204" pitchFamily="34" charset="0"/>
-              <a:cs typeface="Times New Roman" panose="02020603050405020304" pitchFamily="18" charset="0"/>
-            </a:endParaRPr>
-          </a:p>
-          <a:p>
-            <a:pPr marL="342900" marR="0" lvl="0" indent="-342900">
-              <a:lnSpc>
-                <a:spcPct val="115000"/>
-              </a:lnSpc>
-              <a:spcBef>
-                <a:spcPts val="0"/>
-              </a:spcBef>
-              <a:spcAft>
-                <a:spcPts val="0"/>
-              </a:spcAft>
-              <a:buFont typeface="+mj-lt"/>
-              <a:buAutoNum type="arabicPeriod"/>
-              <a:tabLst>
-                <a:tab pos="228600" algn="l"/>
-              </a:tabLst>
-            </a:pPr>
-            <a:r>
-              <a:rPr lang="en-US" sz="1100" b="1" dirty="0">
-                <a:solidFill>
-                  <a:srgbClr val="2B2B2B"/>
-                </a:solidFill>
-                <a:effectLst/>
-                <a:latin typeface="Calibri" panose="020F0502020204030204" pitchFamily="34" charset="0"/>
-                <a:ea typeface="Times New Roman" panose="02020603050405020304" pitchFamily="18" charset="0"/>
-                <a:cs typeface="Calibri" panose="020F0502020204030204" pitchFamily="34" charset="0"/>
-              </a:rPr>
-              <a:t>Visualize Travel Data</a:t>
-            </a:r>
-            <a:r>
-              <a:rPr lang="en-US" sz="1100" dirty="0">
-                <a:solidFill>
-                  <a:srgbClr val="2B2B2B"/>
-                </a:solidFill>
-                <a:effectLst/>
-                <a:latin typeface="Calibri" panose="020F0502020204030204" pitchFamily="34" charset="0"/>
-                <a:ea typeface="Times New Roman" panose="02020603050405020304" pitchFamily="18" charset="0"/>
-                <a:cs typeface="Calibri" panose="020F0502020204030204" pitchFamily="34" charset="0"/>
-              </a:rPr>
-              <a:t>.</a:t>
-            </a:r>
-            <a:endParaRPr lang="en-US" sz="1100" dirty="0">
-              <a:effectLst/>
-              <a:latin typeface="Calibri" panose="020F0502020204030204" pitchFamily="34" charset="0"/>
-              <a:ea typeface="Calibri" panose="020F0502020204030204" pitchFamily="34" charset="0"/>
-              <a:cs typeface="Times New Roman" panose="02020603050405020304" pitchFamily="18" charset="0"/>
-            </a:endParaRPr>
-          </a:p>
-          <a:p>
-            <a:pPr marL="742950" marR="0" lvl="1" indent="-285750">
-              <a:lnSpc>
-                <a:spcPct val="115000"/>
-              </a:lnSpc>
-              <a:spcBef>
-                <a:spcPts val="0"/>
-              </a:spcBef>
-              <a:spcAft>
-                <a:spcPts val="0"/>
-              </a:spcAft>
-              <a:buSzPts val="1000"/>
-              <a:buFont typeface="Courier New" panose="02070309020205020404" pitchFamily="49" charset="0"/>
-              <a:buChar char="o"/>
-              <a:tabLst>
-                <a:tab pos="685800" algn="l"/>
-              </a:tabLst>
-            </a:pPr>
-            <a:r>
-              <a:rPr lang="en-US" sz="1100" dirty="0">
-                <a:solidFill>
-                  <a:srgbClr val="2B2B2B"/>
-                </a:solidFill>
-                <a:effectLst/>
-                <a:latin typeface="Calibri" panose="020F0502020204030204" pitchFamily="34" charset="0"/>
-                <a:ea typeface="Times New Roman" panose="02020603050405020304" pitchFamily="18" charset="0"/>
-                <a:cs typeface="Calibri" panose="020F0502020204030204" pitchFamily="34" charset="0"/>
-              </a:rPr>
-              <a:t>Travel agents and customers can utilize the weather data to choose the best cities for vacation based on certain weather criteria,</a:t>
-            </a:r>
-            <a:endParaRPr lang="en-US" sz="1100" dirty="0">
-              <a:effectLst/>
-              <a:latin typeface="Calibri" panose="020F0502020204030204" pitchFamily="34" charset="0"/>
-              <a:ea typeface="Calibri" panose="020F0502020204030204" pitchFamily="34" charset="0"/>
-              <a:cs typeface="Times New Roman" panose="02020603050405020304" pitchFamily="18" charset="0"/>
-            </a:endParaRPr>
-          </a:p>
-          <a:p>
-            <a:endParaRPr lang="en-US" dirty="0"/>
-          </a:p>
-        </p:txBody>
-      </p:sp>
-    </p:spTree>
-    <p:extLst>
-      <p:ext uri="{BB962C8B-B14F-4D97-AF65-F5344CB8AC3E}">
-        <p14:creationId xmlns:p14="http://schemas.microsoft.com/office/powerpoint/2010/main" val="2140282332"/>
-      </p:ext>
-    </p:extLst>
-  </p:cSld>
-  <p:clrMapOvr>
-    <a:masterClrMapping/>
-  </p:clrMapOvr>
-</p:sld>
-</file>
-
-<file path=ppt/slides/slide14.xml><?xml version="1.0" encoding="utf-8"?>
-<p:sld xmlns:a="http://schemas.openxmlformats.org/drawingml/2006/main" xmlns:r="http://schemas.openxmlformats.org/officeDocument/2006/relationships" xmlns:p="http://schemas.openxmlformats.org/presentationml/2006/main">
-  <p:cSld>
-    <p:spTree>
-      <p:nvGrpSpPr>
-        <p:cNvPr id="1" name=""/>
-        <p:cNvGrpSpPr/>
-        <p:nvPr/>
-      </p:nvGrpSpPr>
-      <p:grpSpPr>
-        <a:xfrm>
-          <a:off x="0" y="0"/>
-          <a:ext cx="0" cy="0"/>
-          <a:chOff x="0" y="0"/>
-          <a:chExt cx="0" cy="0"/>
-        </a:xfrm>
-      </p:grpSpPr>
-      <p:sp>
-        <p:nvSpPr>
-          <p:cNvPr id="2" name="Title 1">
-            <a:extLst>
-              <a:ext uri="{FF2B5EF4-FFF2-40B4-BE49-F238E27FC236}">
-                <a16:creationId xmlns:a16="http://schemas.microsoft.com/office/drawing/2014/main" id="{75AC86D3-8FD1-4F47-A319-7D0542E48B2F}"/>
-              </a:ext>
-            </a:extLst>
-          </p:cNvPr>
-          <p:cNvSpPr>
-            <a:spLocks noGrp="1"/>
-          </p:cNvSpPr>
-          <p:nvPr>
-            <p:ph type="title"/>
-          </p:nvPr>
-        </p:nvSpPr>
-        <p:spPr>
-          <a:xfrm>
-            <a:off x="1097280" y="286603"/>
-            <a:ext cx="10058400" cy="1450757"/>
-          </a:xfrm>
-        </p:spPr>
-        <p:txBody>
-          <a:bodyPr vert="horz" lIns="91440" tIns="45720" rIns="91440" bIns="45720" rtlCol="0">
-            <a:normAutofit/>
-          </a:bodyPr>
-          <a:lstStyle/>
-          <a:p>
-            <a:r>
-              <a:rPr lang="en-US" sz="4800" b="1" dirty="0">
-                <a:solidFill>
-                  <a:srgbClr val="2B2B2B"/>
-                </a:solidFill>
-                <a:effectLst/>
-                <a:latin typeface="Calibri" panose="020F0502020204030204" pitchFamily="34" charset="0"/>
-                <a:ea typeface="Times New Roman" panose="02020603050405020304" pitchFamily="18" charset="0"/>
-                <a:cs typeface="Calibri" panose="020F0502020204030204" pitchFamily="34" charset="0"/>
-              </a:rPr>
-              <a:t>Visualize Travel Data</a:t>
-            </a:r>
-            <a:endParaRPr lang="en-US" dirty="0"/>
-          </a:p>
-        </p:txBody>
-      </p:sp>
-      <p:sp>
-        <p:nvSpPr>
-          <p:cNvPr id="5" name="Content Placeholder 4">
-            <a:extLst>
-              <a:ext uri="{FF2B5EF4-FFF2-40B4-BE49-F238E27FC236}">
-                <a16:creationId xmlns:a16="http://schemas.microsoft.com/office/drawing/2014/main" id="{73A7EBCF-5494-2CF5-208B-5F6B01D509BF}"/>
-              </a:ext>
-            </a:extLst>
-          </p:cNvPr>
-          <p:cNvSpPr>
-            <a:spLocks noGrp="1"/>
-          </p:cNvSpPr>
-          <p:nvPr>
-            <p:ph idx="1"/>
-          </p:nvPr>
-        </p:nvSpPr>
-        <p:spPr/>
-        <p:txBody>
-          <a:bodyPr/>
-          <a:lstStyle/>
-          <a:p>
-            <a:pPr marL="742950" marR="0" lvl="1" indent="-285750">
-              <a:lnSpc>
-                <a:spcPct val="115000"/>
-              </a:lnSpc>
-              <a:spcBef>
-                <a:spcPts val="0"/>
-              </a:spcBef>
-              <a:spcAft>
-                <a:spcPts val="0"/>
-              </a:spcAft>
-              <a:buSzPts val="1000"/>
-              <a:buFont typeface="Courier New" panose="02070309020205020404" pitchFamily="49" charset="0"/>
-              <a:buChar char="o"/>
-              <a:tabLst>
-                <a:tab pos="685800" algn="l"/>
-              </a:tabLst>
-            </a:pPr>
-            <a:r>
-              <a:rPr lang="en-US" sz="1100" dirty="0">
-                <a:solidFill>
-                  <a:srgbClr val="2B2B2B"/>
-                </a:solidFill>
-                <a:effectLst/>
-                <a:latin typeface="Calibri" panose="020F0502020204030204" pitchFamily="34" charset="0"/>
-                <a:ea typeface="Times New Roman" panose="02020603050405020304" pitchFamily="18" charset="0"/>
-                <a:cs typeface="Calibri" panose="020F0502020204030204" pitchFamily="34" charset="0"/>
-              </a:rPr>
-              <a:t>Travel agents and customers can utilize the weather data to choose the best cities for vacation based on certain weather criteria,</a:t>
-            </a:r>
-            <a:endParaRPr lang="en-US" sz="1100" dirty="0">
-              <a:effectLst/>
-              <a:latin typeface="Calibri" panose="020F0502020204030204" pitchFamily="34" charset="0"/>
-              <a:ea typeface="Calibri" panose="020F0502020204030204" pitchFamily="34" charset="0"/>
-              <a:cs typeface="Times New Roman" panose="02020603050405020304" pitchFamily="18" charset="0"/>
-            </a:endParaRPr>
-          </a:p>
-          <a:p>
-            <a:endParaRPr lang="en-US" dirty="0"/>
-          </a:p>
-        </p:txBody>
-      </p:sp>
-    </p:spTree>
-    <p:extLst>
-      <p:ext uri="{BB962C8B-B14F-4D97-AF65-F5344CB8AC3E}">
-        <p14:creationId xmlns:p14="http://schemas.microsoft.com/office/powerpoint/2010/main" val="2126395444"/>
-      </p:ext>
-    </p:extLst>
-  </p:cSld>
-  <p:clrMapOvr>
-    <a:masterClrMapping/>
-  </p:clrMapOvr>
-</p:sld>
-</file>
-
-<file path=ppt/slides/slide15.xml><?xml version="1.0" encoding="utf-8"?>
-<p:sld xmlns:a="http://schemas.openxmlformats.org/drawingml/2006/main" xmlns:r="http://schemas.openxmlformats.org/officeDocument/2006/relationships" xmlns:p="http://schemas.openxmlformats.org/presentationml/2006/main">
-  <p:cSld>
-    <p:spTree>
-      <p:nvGrpSpPr>
-        <p:cNvPr id="1" name=""/>
-        <p:cNvGrpSpPr/>
-        <p:nvPr/>
-      </p:nvGrpSpPr>
-      <p:grpSpPr>
-        <a:xfrm>
-          <a:off x="0" y="0"/>
-          <a:ext cx="0" cy="0"/>
-          <a:chOff x="0" y="0"/>
-          <a:chExt cx="0" cy="0"/>
-        </a:xfrm>
-      </p:grpSpPr>
-      <p:sp>
-        <p:nvSpPr>
-          <p:cNvPr id="2" name="Title 1">
-            <a:extLst>
-              <a:ext uri="{FF2B5EF4-FFF2-40B4-BE49-F238E27FC236}">
-                <a16:creationId xmlns:a16="http://schemas.microsoft.com/office/drawing/2014/main" id="{75AC86D3-8FD1-4F47-A319-7D0542E48B2F}"/>
-              </a:ext>
-            </a:extLst>
-          </p:cNvPr>
-          <p:cNvSpPr>
-            <a:spLocks noGrp="1"/>
-          </p:cNvSpPr>
-          <p:nvPr>
-            <p:ph type="title"/>
-          </p:nvPr>
-        </p:nvSpPr>
-        <p:spPr>
-          <a:xfrm>
-            <a:off x="1097280" y="286603"/>
-            <a:ext cx="10058400" cy="1450757"/>
-          </a:xfrm>
-        </p:spPr>
-        <p:txBody>
-          <a:bodyPr vert="horz" lIns="91440" tIns="45720" rIns="91440" bIns="45720" rtlCol="0">
-            <a:normAutofit/>
-          </a:bodyPr>
-          <a:lstStyle/>
-          <a:p>
-            <a:r>
-              <a:rPr lang="en-US" sz="4800" b="1">
-                <a:solidFill>
-                  <a:srgbClr val="2B2B2B"/>
-                </a:solidFill>
-                <a:effectLst/>
-                <a:latin typeface="Calibri" panose="020F0502020204030204" pitchFamily="34" charset="0"/>
-                <a:ea typeface="Times New Roman" panose="02020603050405020304" pitchFamily="18" charset="0"/>
-                <a:cs typeface="Calibri" panose="020F0502020204030204" pitchFamily="34" charset="0"/>
-              </a:rPr>
-              <a:t>Machine Learning</a:t>
-            </a:r>
-            <a:endParaRPr lang="en-US" dirty="0"/>
-          </a:p>
-        </p:txBody>
-      </p:sp>
-      <p:sp>
-        <p:nvSpPr>
-          <p:cNvPr id="5" name="Content Placeholder 4">
-            <a:extLst>
-              <a:ext uri="{FF2B5EF4-FFF2-40B4-BE49-F238E27FC236}">
-                <a16:creationId xmlns:a16="http://schemas.microsoft.com/office/drawing/2014/main" id="{73A7EBCF-5494-2CF5-208B-5F6B01D509BF}"/>
-              </a:ext>
-            </a:extLst>
-          </p:cNvPr>
-          <p:cNvSpPr>
-            <a:spLocks noGrp="1"/>
-          </p:cNvSpPr>
-          <p:nvPr>
-            <p:ph idx="1"/>
-          </p:nvPr>
-        </p:nvSpPr>
-        <p:spPr/>
-        <p:txBody>
-          <a:bodyPr/>
-          <a:lstStyle/>
-          <a:p>
-            <a:pPr marL="742950" marR="0" lvl="1" indent="-285750">
-              <a:lnSpc>
-                <a:spcPct val="115000"/>
-              </a:lnSpc>
-              <a:spcBef>
-                <a:spcPts val="0"/>
-              </a:spcBef>
-              <a:spcAft>
-                <a:spcPts val="0"/>
-              </a:spcAft>
-              <a:buSzPts val="1000"/>
-              <a:buFont typeface="Courier New" panose="02070309020205020404" pitchFamily="49" charset="0"/>
-              <a:buChar char="o"/>
-              <a:tabLst>
-                <a:tab pos="685800" algn="l"/>
-              </a:tabLst>
-            </a:pPr>
-            <a:r>
-              <a:rPr lang="en-US" sz="1100" dirty="0">
-                <a:solidFill>
-                  <a:srgbClr val="2B2B2B"/>
-                </a:solidFill>
-                <a:effectLst/>
-                <a:latin typeface="Calibri" panose="020F0502020204030204" pitchFamily="34" charset="0"/>
-                <a:ea typeface="Times New Roman" panose="02020603050405020304" pitchFamily="18" charset="0"/>
-                <a:cs typeface="Calibri" panose="020F0502020204030204" pitchFamily="34" charset="0"/>
-              </a:rPr>
-              <a:t>Travel agents and customers can utilize the weather data to choose the best cities for vacation based on certain weather criteria,</a:t>
-            </a:r>
-            <a:endParaRPr lang="en-US" sz="1100" dirty="0">
-              <a:effectLst/>
-              <a:latin typeface="Calibri" panose="020F0502020204030204" pitchFamily="34" charset="0"/>
-              <a:ea typeface="Calibri" panose="020F0502020204030204" pitchFamily="34" charset="0"/>
-              <a:cs typeface="Times New Roman" panose="02020603050405020304" pitchFamily="18" charset="0"/>
-            </a:endParaRPr>
-          </a:p>
-          <a:p>
-            <a:endParaRPr lang="en-US" dirty="0"/>
-          </a:p>
-        </p:txBody>
-      </p:sp>
-    </p:spTree>
-    <p:extLst>
-      <p:ext uri="{BB962C8B-B14F-4D97-AF65-F5344CB8AC3E}">
-        <p14:creationId xmlns:p14="http://schemas.microsoft.com/office/powerpoint/2010/main" val="447438589"/>
-      </p:ext>
-    </p:extLst>
-  </p:cSld>
-  <p:clrMapOvr>
-    <a:masterClrMapping/>
-  </p:clrMapOvr>
-</p:sld>
-</file>
-
-<file path=ppt/slides/slide16.xml><?xml version="1.0" encoding="utf-8"?>
-<p:sld xmlns:a="http://schemas.openxmlformats.org/drawingml/2006/main" xmlns:r="http://schemas.openxmlformats.org/officeDocument/2006/relationships" xmlns:p="http://schemas.openxmlformats.org/presentationml/2006/main">
-  <p:cSld>
-    <p:spTree>
-      <p:nvGrpSpPr>
-        <p:cNvPr id="1" name=""/>
-        <p:cNvGrpSpPr/>
-        <p:nvPr/>
-      </p:nvGrpSpPr>
-      <p:grpSpPr>
-        <a:xfrm>
-          <a:off x="0" y="0"/>
-          <a:ext cx="0" cy="0"/>
-          <a:chOff x="0" y="0"/>
-          <a:chExt cx="0" cy="0"/>
-        </a:xfrm>
-      </p:grpSpPr>
-      <p:sp>
-        <p:nvSpPr>
-          <p:cNvPr id="2" name="Title 1">
-            <a:extLst>
-              <a:ext uri="{FF2B5EF4-FFF2-40B4-BE49-F238E27FC236}">
-                <a16:creationId xmlns:a16="http://schemas.microsoft.com/office/drawing/2014/main" id="{75AC86D3-8FD1-4F47-A319-7D0542E48B2F}"/>
-              </a:ext>
-            </a:extLst>
-          </p:cNvPr>
-          <p:cNvSpPr>
-            <a:spLocks noGrp="1"/>
-          </p:cNvSpPr>
-          <p:nvPr>
-            <p:ph type="title"/>
-          </p:nvPr>
-        </p:nvSpPr>
-        <p:spPr>
-          <a:xfrm>
-            <a:off x="1097280" y="286603"/>
-            <a:ext cx="10221078" cy="1450757"/>
-          </a:xfrm>
-        </p:spPr>
-        <p:txBody>
-          <a:bodyPr vert="horz" lIns="91440" tIns="45720" rIns="91440" bIns="45720" rtlCol="0">
-            <a:normAutofit/>
-          </a:bodyPr>
-          <a:lstStyle/>
-          <a:p>
-            <a:r>
-              <a:rPr lang="en-US" dirty="0"/>
-              <a:t>Observations &amp; Recommendations </a:t>
-            </a:r>
-          </a:p>
-        </p:txBody>
-      </p:sp>
-      <p:sp>
-        <p:nvSpPr>
-          <p:cNvPr id="5" name="Content Placeholder 4">
-            <a:extLst>
-              <a:ext uri="{FF2B5EF4-FFF2-40B4-BE49-F238E27FC236}">
-                <a16:creationId xmlns:a16="http://schemas.microsoft.com/office/drawing/2014/main" id="{73A7EBCF-5494-2CF5-208B-5F6B01D509BF}"/>
-              </a:ext>
-            </a:extLst>
-          </p:cNvPr>
-          <p:cNvSpPr>
-            <a:spLocks noGrp="1"/>
-          </p:cNvSpPr>
-          <p:nvPr>
-            <p:ph idx="1"/>
-          </p:nvPr>
-        </p:nvSpPr>
-        <p:spPr/>
-        <p:txBody>
-          <a:bodyPr/>
-          <a:lstStyle/>
-          <a:p>
-            <a:endParaRPr lang="en-US"/>
-          </a:p>
-        </p:txBody>
-      </p:sp>
-    </p:spTree>
-    <p:extLst>
-      <p:ext uri="{BB962C8B-B14F-4D97-AF65-F5344CB8AC3E}">
-        <p14:creationId xmlns:p14="http://schemas.microsoft.com/office/powerpoint/2010/main" val="3107224356"/>
-      </p:ext>
-    </p:extLst>
-  </p:cSld>
-  <p:clrMapOvr>
-    <a:masterClrMapping/>
-  </p:clrMapOvr>
-</p:sld>
-</file>
-
-<file path=ppt/slides/slide2.xml><?xml version="1.0" encoding="utf-8"?>
-<p:sld xmlns:a="http://schemas.openxmlformats.org/drawingml/2006/main" xmlns:r="http://schemas.openxmlformats.org/officeDocument/2006/relationships" xmlns:p="http://schemas.openxmlformats.org/presentationml/2006/main">
-  <p:cSld>
-    <p:bg>
-      <p:bgPr>
-        <a:solidFill>
-          <a:schemeClr val="bg1"/>
-        </a:solidFill>
-        <a:effectLst/>
-      </p:bgPr>
-    </p:bg>
-    <p:spTree>
-      <p:nvGrpSpPr>
-        <p:cNvPr id="1" name=""/>
-        <p:cNvGrpSpPr/>
-        <p:nvPr/>
-      </p:nvGrpSpPr>
-      <p:grpSpPr>
-        <a:xfrm>
-          <a:off x="0" y="0"/>
-          <a:ext cx="0" cy="0"/>
-          <a:chOff x="0" y="0"/>
-          <a:chExt cx="0" cy="0"/>
-        </a:xfrm>
-      </p:grpSpPr>
-      <p:sp>
-        <p:nvSpPr>
-          <p:cNvPr id="2" name="Title 1">
-            <a:extLst>
-              <a:ext uri="{FF2B5EF4-FFF2-40B4-BE49-F238E27FC236}">
-                <a16:creationId xmlns:a16="http://schemas.microsoft.com/office/drawing/2014/main" id="{75AC86D3-8FD1-4F47-A319-7D0542E48B2F}"/>
-              </a:ext>
-            </a:extLst>
-          </p:cNvPr>
-          <p:cNvSpPr>
-            <a:spLocks noGrp="1"/>
-          </p:cNvSpPr>
-          <p:nvPr>
-            <p:ph type="title"/>
-          </p:nvPr>
-        </p:nvSpPr>
-        <p:spPr>
-          <a:xfrm>
-            <a:off x="1097280" y="286603"/>
-            <a:ext cx="10058400" cy="1450757"/>
-          </a:xfrm>
-        </p:spPr>
-        <p:txBody>
-          <a:bodyPr vert="horz" lIns="91440" tIns="45720" rIns="91440" bIns="45720" rtlCol="0">
-            <a:normAutofit/>
-          </a:bodyPr>
-          <a:lstStyle/>
-          <a:p>
-            <a:pPr marL="0" marR="0">
-              <a:spcBef>
-                <a:spcPts val="0"/>
-              </a:spcBef>
-              <a:spcAft>
-                <a:spcPts val="0"/>
-              </a:spcAft>
-            </a:pPr>
-            <a:r>
-              <a:rPr lang="en-US" b="1" u="sng" dirty="0">
-                <a:solidFill>
-                  <a:srgbClr val="2B2B2B"/>
-                </a:solidFill>
-                <a:latin typeface="Calibri" panose="020F0502020204030204" pitchFamily="34" charset="0"/>
-                <a:ea typeface="Times New Roman" panose="02020603050405020304" pitchFamily="18" charset="0"/>
-              </a:rPr>
-              <a:t>Who we are?  -- Welcome the “C- Group</a:t>
-            </a:r>
-            <a:endParaRPr lang="en-US" dirty="0">
-              <a:latin typeface="Times New Roman" panose="02020603050405020304" pitchFamily="18" charset="0"/>
-              <a:ea typeface="Times New Roman" panose="02020603050405020304" pitchFamily="18" charset="0"/>
-            </a:endParaRPr>
-          </a:p>
-        </p:txBody>
-      </p:sp>
-      <p:sp>
-        <p:nvSpPr>
-          <p:cNvPr id="5" name="Content Placeholder 4">
-            <a:extLst>
-              <a:ext uri="{FF2B5EF4-FFF2-40B4-BE49-F238E27FC236}">
-                <a16:creationId xmlns:a16="http://schemas.microsoft.com/office/drawing/2014/main" id="{73A7EBCF-5494-2CF5-208B-5F6B01D509BF}"/>
-              </a:ext>
-            </a:extLst>
-          </p:cNvPr>
-          <p:cNvSpPr>
-            <a:spLocks noGrp="1"/>
-          </p:cNvSpPr>
-          <p:nvPr>
-            <p:ph idx="1"/>
-          </p:nvPr>
-        </p:nvSpPr>
-        <p:spPr/>
-        <p:txBody>
-          <a:bodyPr>
-            <a:normAutofit/>
-          </a:bodyPr>
-          <a:lstStyle/>
-          <a:p>
-            <a:pPr marL="0" marR="0" indent="0">
-              <a:spcBef>
-                <a:spcPts val="0"/>
-              </a:spcBef>
-              <a:spcAft>
-                <a:spcPts val="0"/>
-              </a:spcAft>
-              <a:buNone/>
-            </a:pPr>
-            <a:endParaRPr lang="en-US" dirty="0">
-              <a:solidFill>
-                <a:srgbClr val="2B2B2B"/>
-              </a:solidFill>
-              <a:latin typeface="Calibri" panose="020F0502020204030204" pitchFamily="34" charset="0"/>
-              <a:ea typeface="Times New Roman" panose="02020603050405020304" pitchFamily="18" charset="0"/>
-            </a:endParaRPr>
-          </a:p>
-          <a:p>
-            <a:pPr marL="0" indent="0">
-              <a:spcBef>
-                <a:spcPts val="0"/>
-              </a:spcBef>
-              <a:spcAft>
-                <a:spcPts val="0"/>
-              </a:spcAft>
-              <a:buNone/>
-            </a:pPr>
-            <a:r>
-              <a:rPr lang="en-US" sz="1600" dirty="0">
-                <a:solidFill>
-                  <a:srgbClr val="2B2B2B"/>
-                </a:solidFill>
-                <a:latin typeface="Calibri" panose="020F0502020204030204" pitchFamily="34" charset="0"/>
-                <a:ea typeface="Times New Roman" panose="02020603050405020304" pitchFamily="18" charset="0"/>
-              </a:rPr>
-              <a:t>We are </a:t>
-            </a:r>
-            <a:r>
-              <a:rPr lang="en-US" sz="1600" b="1" dirty="0">
-                <a:solidFill>
-                  <a:srgbClr val="2B2B2B"/>
-                </a:solidFill>
-                <a:latin typeface="Calibri" panose="020F0502020204030204" pitchFamily="34" charset="0"/>
-                <a:ea typeface="Times New Roman" panose="02020603050405020304" pitchFamily="18" charset="0"/>
-              </a:rPr>
-              <a:t>“C-Group,”</a:t>
-            </a:r>
-            <a:r>
-              <a:rPr lang="en-US" sz="1600" dirty="0">
-                <a:solidFill>
-                  <a:srgbClr val="2B2B2B"/>
-                </a:solidFill>
-                <a:latin typeface="Calibri" panose="020F0502020204030204" pitchFamily="34" charset="0"/>
-                <a:ea typeface="Times New Roman" panose="02020603050405020304" pitchFamily="18" charset="0"/>
-              </a:rPr>
-              <a:t> a data analytical staffing team that can support our clients by supplying enhanced data, analysis, and data visualization to ensure our clients successfully meet their business needs. With the rise of data in today’s economy, data-driven our organization is focused on the practical and technical skills needed to analyze and solve complex data problems. </a:t>
-            </a:r>
-          </a:p>
-          <a:p>
-            <a:pPr marL="0" marR="0" indent="0">
-              <a:spcBef>
-                <a:spcPts val="0"/>
-              </a:spcBef>
-              <a:spcAft>
-                <a:spcPts val="0"/>
-              </a:spcAft>
-              <a:buNone/>
-            </a:pPr>
-            <a:endParaRPr lang="en-US" sz="1600" dirty="0">
-              <a:latin typeface="Times New Roman" panose="02020603050405020304" pitchFamily="18" charset="0"/>
-              <a:ea typeface="Times New Roman" panose="02020603050405020304" pitchFamily="18" charset="0"/>
-            </a:endParaRPr>
-          </a:p>
-          <a:p>
-            <a:pPr marL="0" marR="0">
-              <a:lnSpc>
-                <a:spcPct val="115000"/>
-              </a:lnSpc>
-              <a:spcBef>
-                <a:spcPts val="0"/>
-              </a:spcBef>
-              <a:spcAft>
-                <a:spcPts val="0"/>
-              </a:spcAft>
-            </a:pPr>
-            <a:r>
-              <a:rPr lang="en-US" sz="1600" dirty="0">
-                <a:solidFill>
-                  <a:srgbClr val="2B2B2B"/>
-                </a:solidFill>
-                <a:latin typeface="Calibri" panose="020F0502020204030204" pitchFamily="34" charset="0"/>
-                <a:ea typeface="Times New Roman" panose="02020603050405020304" pitchFamily="18" charset="0"/>
-                <a:cs typeface="Calibri" panose="020F0502020204030204" pitchFamily="34" charset="0"/>
-              </a:rPr>
-              <a:t> </a:t>
-            </a:r>
-            <a:r>
-              <a:rPr lang="en-US" sz="1600" b="1" u="sng" dirty="0">
-                <a:solidFill>
-                  <a:srgbClr val="2B2B2B"/>
-                </a:solidFill>
-                <a:effectLst/>
-                <a:latin typeface="Calibri" panose="020F0502020204030204" pitchFamily="34" charset="0"/>
-                <a:ea typeface="Times New Roman" panose="02020603050405020304" pitchFamily="18" charset="0"/>
-              </a:rPr>
-              <a:t>Vendor Selection Process</a:t>
-            </a:r>
-            <a:endParaRPr lang="en-US" sz="1600" dirty="0">
-              <a:effectLst/>
-              <a:latin typeface="Times New Roman" panose="02020603050405020304" pitchFamily="18" charset="0"/>
-              <a:ea typeface="Times New Roman" panose="02020603050405020304" pitchFamily="18" charset="0"/>
-            </a:endParaRPr>
-          </a:p>
-          <a:p>
-            <a:pPr lvl="1">
-              <a:spcBef>
-                <a:spcPts val="0"/>
-              </a:spcBef>
-              <a:spcAft>
-                <a:spcPts val="0"/>
-              </a:spcAft>
-            </a:pPr>
-            <a:r>
-              <a:rPr lang="en-US" sz="1600" dirty="0">
-                <a:solidFill>
-                  <a:srgbClr val="2B2B2B"/>
-                </a:solidFill>
-                <a:effectLst/>
-                <a:latin typeface="Calibri" panose="020F0502020204030204" pitchFamily="34" charset="0"/>
-                <a:ea typeface="Times New Roman" panose="02020603050405020304" pitchFamily="18" charset="0"/>
-              </a:rPr>
-              <a:t>Currently, we are pleased to be one of three vendors in contention to become your “vendor of choice,” assisting your organization in meeting your data analytical needs. </a:t>
-            </a:r>
-            <a:endParaRPr lang="en-US" sz="1600" dirty="0">
-              <a:effectLst/>
-              <a:latin typeface="Times New Roman" panose="02020603050405020304" pitchFamily="18" charset="0"/>
-              <a:ea typeface="Times New Roman" panose="02020603050405020304" pitchFamily="18" charset="0"/>
-            </a:endParaRPr>
-          </a:p>
-          <a:p>
-            <a:pPr lvl="1">
-              <a:spcBef>
-                <a:spcPts val="0"/>
-              </a:spcBef>
-              <a:spcAft>
-                <a:spcPts val="0"/>
-              </a:spcAft>
-            </a:pPr>
-            <a:endParaRPr lang="en-US" sz="1600" dirty="0">
-              <a:effectLst/>
-              <a:latin typeface="Times New Roman" panose="02020603050405020304" pitchFamily="18" charset="0"/>
-              <a:ea typeface="Times New Roman" panose="02020603050405020304" pitchFamily="18" charset="0"/>
-            </a:endParaRPr>
-          </a:p>
-          <a:p>
-            <a:pPr lvl="1">
-              <a:spcBef>
-                <a:spcPts val="0"/>
-              </a:spcBef>
-              <a:spcAft>
-                <a:spcPts val="0"/>
-              </a:spcAft>
-            </a:pPr>
-            <a:r>
-              <a:rPr lang="en-US" sz="1600" dirty="0">
-                <a:solidFill>
-                  <a:srgbClr val="2B2B2B"/>
-                </a:solidFill>
-                <a:effectLst/>
-                <a:latin typeface="Calibri" panose="020F0502020204030204" pitchFamily="34" charset="0"/>
-                <a:ea typeface="Times New Roman" panose="02020603050405020304" pitchFamily="18" charset="0"/>
-              </a:rPr>
-              <a:t>Recently, C-Group was able to meet with Jason, the lead analyst for the user interface team, and several of his team members. As part of the vendor selection process, we have been asked to prepare and submit a prototype based on certain parameters. Based on our discussion, we were able to outline the initial requirements and create a high-level Business Plan. </a:t>
-            </a:r>
-            <a:endParaRPr lang="en-US" sz="1600" dirty="0">
-              <a:effectLst/>
-              <a:latin typeface="Times New Roman" panose="02020603050405020304" pitchFamily="18" charset="0"/>
-              <a:ea typeface="Times New Roman" panose="02020603050405020304" pitchFamily="18" charset="0"/>
-            </a:endParaRPr>
-          </a:p>
-          <a:p>
-            <a:endParaRPr lang="en-US" dirty="0"/>
-          </a:p>
-        </p:txBody>
-      </p:sp>
-    </p:spTree>
-    <p:extLst>
-      <p:ext uri="{BB962C8B-B14F-4D97-AF65-F5344CB8AC3E}">
-        <p14:creationId xmlns:p14="http://schemas.microsoft.com/office/powerpoint/2010/main" val="2933514334"/>
-      </p:ext>
-    </p:extLst>
-  </p:cSld>
-  <p:clrMapOvr>
-    <a:masterClrMapping/>
-  </p:clrMapOvr>
-</p:sld>
-</file>
-
-<file path=ppt/slides/slide3.xml><?xml version="1.0" encoding="utf-8"?>
-<p:sld xmlns:a="http://schemas.openxmlformats.org/drawingml/2006/main" xmlns:r="http://schemas.openxmlformats.org/officeDocument/2006/relationships" xmlns:p="http://schemas.openxmlformats.org/presentationml/2006/main">
-  <p:cSld>
-    <p:spTree>
-      <p:nvGrpSpPr>
-        <p:cNvPr id="1" name=""/>
-        <p:cNvGrpSpPr/>
-        <p:nvPr/>
-      </p:nvGrpSpPr>
-      <p:grpSpPr>
-        <a:xfrm>
-          <a:off x="0" y="0"/>
-          <a:ext cx="0" cy="0"/>
-          <a:chOff x="0" y="0"/>
-          <a:chExt cx="0" cy="0"/>
-        </a:xfrm>
-      </p:grpSpPr>
-      <p:sp>
-        <p:nvSpPr>
-          <p:cNvPr id="2" name="Title 1">
-            <a:extLst>
-              <a:ext uri="{FF2B5EF4-FFF2-40B4-BE49-F238E27FC236}">
-                <a16:creationId xmlns:a16="http://schemas.microsoft.com/office/drawing/2014/main" id="{75AC86D3-8FD1-4F47-A319-7D0542E48B2F}"/>
-              </a:ext>
-            </a:extLst>
-          </p:cNvPr>
-          <p:cNvSpPr>
-            <a:spLocks noGrp="1"/>
-          </p:cNvSpPr>
-          <p:nvPr>
-            <p:ph type="title"/>
-          </p:nvPr>
-        </p:nvSpPr>
-        <p:spPr>
-          <a:xfrm>
-            <a:off x="1097280" y="286603"/>
-            <a:ext cx="10058400" cy="1450757"/>
-          </a:xfrm>
-        </p:spPr>
-        <p:txBody>
-          <a:bodyPr vert="horz" lIns="91440" tIns="45720" rIns="91440" bIns="45720" rtlCol="0">
-            <a:normAutofit/>
-          </a:bodyPr>
-          <a:lstStyle/>
-          <a:p>
-            <a:pPr marL="0" marR="0">
-              <a:spcBef>
-                <a:spcPts val="0"/>
-              </a:spcBef>
-              <a:spcAft>
-                <a:spcPts val="0"/>
-              </a:spcAft>
-            </a:pPr>
-            <a:r>
-              <a:rPr lang="en-US" sz="4800" b="1" u="sng" dirty="0">
-                <a:solidFill>
-                  <a:srgbClr val="2B2B2B"/>
-                </a:solidFill>
-                <a:effectLst/>
-                <a:latin typeface="Calibri" panose="020F0502020204030204" pitchFamily="34" charset="0"/>
-                <a:ea typeface="Calibri" panose="020F0502020204030204" pitchFamily="34" charset="0"/>
-                <a:cs typeface="Calibri" panose="020F0502020204030204" pitchFamily="34" charset="0"/>
-              </a:rPr>
-              <a:t>What can C-Group do for your Organization?</a:t>
-            </a:r>
-            <a:endParaRPr lang="en-US" sz="4800" dirty="0">
-              <a:effectLst/>
-              <a:latin typeface="Calibri" panose="020F0502020204030204" pitchFamily="34" charset="0"/>
-              <a:ea typeface="Calibri" panose="020F0502020204030204" pitchFamily="34" charset="0"/>
-              <a:cs typeface="Calibri" panose="020F0502020204030204" pitchFamily="34" charset="0"/>
-            </a:endParaRPr>
-          </a:p>
-        </p:txBody>
-      </p:sp>
-      <p:sp>
-        <p:nvSpPr>
-          <p:cNvPr id="5" name="Content Placeholder 4">
-            <a:extLst>
-              <a:ext uri="{FF2B5EF4-FFF2-40B4-BE49-F238E27FC236}">
-                <a16:creationId xmlns:a16="http://schemas.microsoft.com/office/drawing/2014/main" id="{73A7EBCF-5494-2CF5-208B-5F6B01D509BF}"/>
-              </a:ext>
-            </a:extLst>
-          </p:cNvPr>
-          <p:cNvSpPr>
-            <a:spLocks noGrp="1"/>
-          </p:cNvSpPr>
-          <p:nvPr>
-            <p:ph idx="1"/>
-          </p:nvPr>
-        </p:nvSpPr>
-        <p:spPr/>
-        <p:txBody>
-          <a:bodyPr>
-            <a:normAutofit/>
-          </a:bodyPr>
-          <a:lstStyle/>
-          <a:p>
-            <a:pPr marL="0" marR="0">
-              <a:spcAft>
-                <a:spcPts val="1200"/>
-              </a:spcAft>
-            </a:pPr>
-            <a:r>
-              <a:rPr lang="en-US" sz="1800" dirty="0">
-                <a:solidFill>
-                  <a:srgbClr val="2B2B2B"/>
-                </a:solidFill>
-                <a:effectLst/>
-                <a:latin typeface="Calibri" panose="020F0502020204030204" pitchFamily="34" charset="0"/>
-                <a:ea typeface="Calibri" panose="020F0502020204030204" pitchFamily="34" charset="0"/>
-                <a:cs typeface="Calibri" panose="020F0502020204030204" pitchFamily="34" charset="0"/>
-              </a:rPr>
-              <a:t>As part of </a:t>
-            </a:r>
-            <a:r>
-              <a:rPr lang="en-US" sz="1800" dirty="0">
-                <a:solidFill>
-                  <a:srgbClr val="2B2B2B"/>
-                </a:solidFill>
-                <a:latin typeface="Calibri" panose="020F0502020204030204" pitchFamily="34" charset="0"/>
-                <a:ea typeface="Calibri" panose="020F0502020204030204" pitchFamily="34" charset="0"/>
-                <a:cs typeface="Calibri" panose="020F0502020204030204" pitchFamily="34" charset="0"/>
-              </a:rPr>
-              <a:t>C-Group’s</a:t>
-            </a:r>
-            <a:r>
-              <a:rPr lang="en-US" sz="1800" dirty="0">
-                <a:solidFill>
-                  <a:srgbClr val="2B2B2B"/>
-                </a:solidFill>
-                <a:effectLst/>
-                <a:latin typeface="Calibri" panose="020F0502020204030204" pitchFamily="34" charset="0"/>
-                <a:ea typeface="Calibri" panose="020F0502020204030204" pitchFamily="34" charset="0"/>
-                <a:cs typeface="Calibri" panose="020F0502020204030204" pitchFamily="34" charset="0"/>
-              </a:rPr>
-              <a:t> Data Analytic Services we will: </a:t>
-            </a:r>
-            <a:endParaRPr lang="en-US" sz="1800" dirty="0">
-              <a:effectLst/>
-              <a:latin typeface="Calibri" panose="020F0502020204030204" pitchFamily="34" charset="0"/>
-              <a:ea typeface="Calibri" panose="020F0502020204030204" pitchFamily="34" charset="0"/>
-              <a:cs typeface="Calibri" panose="020F0502020204030204" pitchFamily="34" charset="0"/>
-            </a:endParaRPr>
-          </a:p>
-          <a:p>
-            <a:pPr marL="635508" lvl="1" indent="-342900">
-              <a:spcBef>
-                <a:spcPts val="0"/>
-              </a:spcBef>
-              <a:spcAft>
-                <a:spcPts val="600"/>
-              </a:spcAft>
-              <a:buFont typeface="Courier New" panose="02070309020205020404" pitchFamily="49" charset="0"/>
-              <a:buChar char="o"/>
-            </a:pPr>
-            <a:r>
-              <a:rPr lang="en-US" sz="1800" dirty="0">
-                <a:solidFill>
-                  <a:srgbClr val="2B2B2B"/>
-                </a:solidFill>
-                <a:latin typeface="Calibri" panose="020F0502020204030204" pitchFamily="34" charset="0"/>
-                <a:ea typeface="Calibri" panose="020F0502020204030204" pitchFamily="34" charset="0"/>
-                <a:cs typeface="Calibri" panose="020F0502020204030204" pitchFamily="34" charset="0"/>
-              </a:rPr>
-              <a:t>Export the data, clean it, and use the weather data to choose the best cities for vacation based on certain weather criteria.</a:t>
-            </a:r>
-            <a:endParaRPr lang="en-US" sz="1800" dirty="0">
-              <a:latin typeface="Calibri" panose="020F0502020204030204" pitchFamily="34" charset="0"/>
-              <a:ea typeface="Calibri" panose="020F0502020204030204" pitchFamily="34" charset="0"/>
-              <a:cs typeface="Calibri" panose="020F0502020204030204" pitchFamily="34" charset="0"/>
-            </a:endParaRPr>
-          </a:p>
-          <a:p>
-            <a:pPr marL="635508" lvl="1" indent="-342900">
-              <a:spcBef>
-                <a:spcPts val="0"/>
-              </a:spcBef>
-              <a:spcAft>
-                <a:spcPts val="600"/>
-              </a:spcAft>
-              <a:buFont typeface="Courier New" panose="02070309020205020404" pitchFamily="49" charset="0"/>
-              <a:buChar char="o"/>
-            </a:pPr>
-            <a:r>
-              <a:rPr lang="en-US" sz="1800" dirty="0">
-                <a:solidFill>
-                  <a:srgbClr val="2B2B2B"/>
-                </a:solidFill>
-                <a:latin typeface="Calibri" panose="020F0502020204030204" pitchFamily="34" charset="0"/>
-                <a:ea typeface="Calibri" panose="020F0502020204030204" pitchFamily="34" charset="0"/>
-                <a:cs typeface="Calibri" panose="020F0502020204030204" pitchFamily="34" charset="0"/>
-              </a:rPr>
-              <a:t>Perform statistical calculations on the data and the weather parameters.</a:t>
-            </a:r>
-            <a:endParaRPr lang="en-US" sz="1800" dirty="0">
-              <a:latin typeface="Calibri" panose="020F0502020204030204" pitchFamily="34" charset="0"/>
-              <a:ea typeface="Calibri" panose="020F0502020204030204" pitchFamily="34" charset="0"/>
-              <a:cs typeface="Calibri" panose="020F0502020204030204" pitchFamily="34" charset="0"/>
-            </a:endParaRPr>
-          </a:p>
-          <a:p>
-            <a:pPr marL="635508" lvl="1" indent="-342900">
-              <a:spcBef>
-                <a:spcPts val="0"/>
-              </a:spcBef>
-              <a:spcAft>
-                <a:spcPts val="600"/>
-              </a:spcAft>
-              <a:buFont typeface="Courier New" panose="02070309020205020404" pitchFamily="49" charset="0"/>
-              <a:buChar char="o"/>
-            </a:pPr>
-            <a:r>
-              <a:rPr lang="en-US" sz="1800" dirty="0">
-                <a:solidFill>
-                  <a:srgbClr val="2B2B2B"/>
-                </a:solidFill>
-                <a:latin typeface="Calibri" panose="020F0502020204030204" pitchFamily="34" charset="0"/>
-                <a:ea typeface="Calibri" panose="020F0502020204030204" pitchFamily="34" charset="0"/>
-                <a:cs typeface="Calibri" panose="020F0502020204030204" pitchFamily="34" charset="0"/>
-              </a:rPr>
-              <a:t>Assist the client in collecting and presenting data for customers via the search page, which they will then filter based on their preferred “weather” travel criteria in order to find their ideal city.</a:t>
-            </a:r>
-            <a:endParaRPr lang="en-US" sz="1800" dirty="0">
-              <a:latin typeface="Calibri" panose="020F0502020204030204" pitchFamily="34" charset="0"/>
-              <a:ea typeface="Calibri" panose="020F0502020204030204" pitchFamily="34" charset="0"/>
-              <a:cs typeface="Calibri" panose="020F0502020204030204" pitchFamily="34" charset="0"/>
-            </a:endParaRPr>
-          </a:p>
-          <a:p>
-            <a:pPr marL="635508" lvl="1" indent="-342900">
-              <a:spcBef>
-                <a:spcPts val="0"/>
-              </a:spcBef>
-              <a:spcAft>
-                <a:spcPts val="600"/>
-              </a:spcAft>
-              <a:buFont typeface="Courier New" panose="02070309020205020404" pitchFamily="49" charset="0"/>
-              <a:buChar char="o"/>
-            </a:pPr>
-            <a:r>
-              <a:rPr lang="en-US" sz="1800" dirty="0">
-                <a:solidFill>
-                  <a:srgbClr val="2B2B2B"/>
-                </a:solidFill>
-                <a:latin typeface="Calibri" panose="020F0502020204030204" pitchFamily="34" charset="0"/>
-                <a:ea typeface="Calibri" panose="020F0502020204030204" pitchFamily="34" charset="0"/>
-                <a:cs typeface="Calibri" panose="020F0502020204030204" pitchFamily="34" charset="0"/>
-              </a:rPr>
-              <a:t>Collect and present data for customers via the search page, which they will then filter based on a customer’s preferred “weather” travel criteria in order to find their ideal city.  </a:t>
-            </a:r>
-            <a:endParaRPr lang="en-US" sz="1800" dirty="0">
-              <a:latin typeface="Calibri" panose="020F0502020204030204" pitchFamily="34" charset="0"/>
-              <a:ea typeface="Calibri" panose="020F0502020204030204" pitchFamily="34" charset="0"/>
-              <a:cs typeface="Calibri" panose="020F0502020204030204" pitchFamily="34" charset="0"/>
-            </a:endParaRPr>
-          </a:p>
-          <a:p>
-            <a:endParaRPr lang="en-US" dirty="0"/>
-          </a:p>
-        </p:txBody>
-      </p:sp>
-    </p:spTree>
-    <p:extLst>
-      <p:ext uri="{BB962C8B-B14F-4D97-AF65-F5344CB8AC3E}">
-        <p14:creationId xmlns:p14="http://schemas.microsoft.com/office/powerpoint/2010/main" val="1741959004"/>
-      </p:ext>
-    </p:extLst>
-  </p:cSld>
-  <p:clrMapOvr>
-    <a:masterClrMapping/>
-  </p:clrMapOvr>
-</p:sld>
-</file>
-
-<file path=ppt/slides/slide4.xml><?xml version="1.0" encoding="utf-8"?>
-<p:sld xmlns:a="http://schemas.openxmlformats.org/drawingml/2006/main" xmlns:r="http://schemas.openxmlformats.org/officeDocument/2006/relationships" xmlns:p="http://schemas.openxmlformats.org/presentationml/2006/main">
-  <p:cSld>
-    <p:spTree>
-      <p:nvGrpSpPr>
-        <p:cNvPr id="1" name=""/>
-        <p:cNvGrpSpPr/>
-        <p:nvPr/>
-      </p:nvGrpSpPr>
-      <p:grpSpPr>
-        <a:xfrm>
-          <a:off x="0" y="0"/>
-          <a:ext cx="0" cy="0"/>
-          <a:chOff x="0" y="0"/>
-          <a:chExt cx="0" cy="0"/>
-        </a:xfrm>
-      </p:grpSpPr>
-      <p:sp>
-        <p:nvSpPr>
-          <p:cNvPr id="2" name="Title 1">
-            <a:extLst>
-              <a:ext uri="{FF2B5EF4-FFF2-40B4-BE49-F238E27FC236}">
-                <a16:creationId xmlns:a16="http://schemas.microsoft.com/office/drawing/2014/main" id="{75AC86D3-8FD1-4F47-A319-7D0542E48B2F}"/>
-              </a:ext>
-            </a:extLst>
-          </p:cNvPr>
-          <p:cNvSpPr>
-            <a:spLocks noGrp="1"/>
-          </p:cNvSpPr>
-          <p:nvPr>
-            <p:ph type="title"/>
-          </p:nvPr>
-        </p:nvSpPr>
-        <p:spPr>
-          <a:xfrm>
-            <a:off x="1097280" y="286603"/>
-            <a:ext cx="10058400" cy="1450757"/>
-          </a:xfrm>
-        </p:spPr>
-        <p:txBody>
-          <a:bodyPr vert="horz" lIns="91440" tIns="45720" rIns="91440" bIns="45720" rtlCol="0">
-            <a:normAutofit/>
-          </a:bodyPr>
-          <a:lstStyle/>
-          <a:p>
-            <a:pPr marL="0" marR="0">
-              <a:spcBef>
-                <a:spcPts val="0"/>
-              </a:spcBef>
-              <a:spcAft>
-                <a:spcPts val="0"/>
-              </a:spcAft>
-            </a:pPr>
-            <a:r>
-              <a:rPr lang="en-US" b="1" u="sng" dirty="0">
-                <a:solidFill>
-                  <a:srgbClr val="2B2B2B"/>
-                </a:solidFill>
-                <a:latin typeface="Calibri" panose="020F0502020204030204" pitchFamily="34" charset="0"/>
-                <a:ea typeface="Times New Roman" panose="02020603050405020304" pitchFamily="18" charset="0"/>
-              </a:rPr>
-              <a:t>Initial Requirements</a:t>
-            </a:r>
-            <a:endParaRPr lang="en-US" dirty="0">
-              <a:latin typeface="Times New Roman" panose="02020603050405020304" pitchFamily="18" charset="0"/>
-              <a:ea typeface="Times New Roman" panose="02020603050405020304" pitchFamily="18" charset="0"/>
-            </a:endParaRPr>
-          </a:p>
-        </p:txBody>
-      </p:sp>
-      <p:sp>
-        <p:nvSpPr>
-          <p:cNvPr id="5" name="Content Placeholder 4">
-            <a:extLst>
-              <a:ext uri="{FF2B5EF4-FFF2-40B4-BE49-F238E27FC236}">
-                <a16:creationId xmlns:a16="http://schemas.microsoft.com/office/drawing/2014/main" id="{73A7EBCF-5494-2CF5-208B-5F6B01D509BF}"/>
-              </a:ext>
-            </a:extLst>
-          </p:cNvPr>
-          <p:cNvSpPr>
-            <a:spLocks noGrp="1"/>
-          </p:cNvSpPr>
-          <p:nvPr>
-            <p:ph idx="1"/>
-          </p:nvPr>
-        </p:nvSpPr>
-        <p:spPr/>
-        <p:txBody>
-          <a:bodyPr/>
-          <a:lstStyle/>
-          <a:p>
-            <a:pPr marL="0" marR="0">
-              <a:spcBef>
-                <a:spcPts val="0"/>
-              </a:spcBef>
-              <a:spcAft>
-                <a:spcPts val="600"/>
-              </a:spcAft>
-            </a:pPr>
-            <a:r>
-              <a:rPr lang="en-US" sz="1800" dirty="0">
-                <a:solidFill>
-                  <a:srgbClr val="2B2B2B"/>
-                </a:solidFill>
-                <a:latin typeface="Calibri" panose="020F0502020204030204" pitchFamily="34" charset="0"/>
-                <a:ea typeface="Times New Roman" panose="02020603050405020304" pitchFamily="18" charset="0"/>
-              </a:rPr>
-              <a:t>As part of our protype design, C-Group will </a:t>
-            </a:r>
-            <a:endParaRPr lang="en-US" sz="1800" dirty="0">
-              <a:latin typeface="Times New Roman" panose="02020603050405020304" pitchFamily="18" charset="0"/>
-              <a:ea typeface="Times New Roman" panose="02020603050405020304" pitchFamily="18" charset="0"/>
-            </a:endParaRPr>
-          </a:p>
-          <a:p>
-            <a:pPr marL="635508" lvl="1" indent="-342900">
-              <a:spcBef>
-                <a:spcPts val="0"/>
-              </a:spcBef>
-              <a:spcAft>
-                <a:spcPts val="600"/>
-              </a:spcAft>
-              <a:buFont typeface="Courier New" panose="02070309020205020404" pitchFamily="49" charset="0"/>
-              <a:buChar char="o"/>
-            </a:pPr>
-            <a:r>
-              <a:rPr lang="en-US" sz="1800" dirty="0">
-                <a:solidFill>
-                  <a:srgbClr val="2B2B2B"/>
-                </a:solidFill>
-                <a:latin typeface="Calibri" panose="020F0502020204030204" pitchFamily="34" charset="0"/>
-                <a:ea typeface="Times New Roman" panose="02020603050405020304" pitchFamily="18" charset="0"/>
-              </a:rPr>
-              <a:t>Export the data, clean it, and use the weather data to choose the best cities for vacation based on certain weather criteria.</a:t>
-            </a:r>
-            <a:endParaRPr lang="en-US" sz="1800" dirty="0">
-              <a:latin typeface="Times New Roman" panose="02020603050405020304" pitchFamily="18" charset="0"/>
-              <a:ea typeface="Times New Roman" panose="02020603050405020304" pitchFamily="18" charset="0"/>
-            </a:endParaRPr>
-          </a:p>
-          <a:p>
-            <a:pPr marL="635508" lvl="1" indent="-342900">
-              <a:spcBef>
-                <a:spcPts val="0"/>
-              </a:spcBef>
-              <a:spcAft>
-                <a:spcPts val="600"/>
-              </a:spcAft>
-              <a:buFont typeface="Courier New" panose="02070309020205020404" pitchFamily="49" charset="0"/>
-              <a:buChar char="o"/>
-            </a:pPr>
-            <a:r>
-              <a:rPr lang="en-US" sz="1800" dirty="0">
-                <a:solidFill>
-                  <a:srgbClr val="2B2B2B"/>
-                </a:solidFill>
-                <a:latin typeface="Calibri" panose="020F0502020204030204" pitchFamily="34" charset="0"/>
-                <a:ea typeface="Times New Roman" panose="02020603050405020304" pitchFamily="18" charset="0"/>
-              </a:rPr>
-              <a:t>Perform statistical calculations on the data and the weather parameters.</a:t>
-            </a:r>
-            <a:endParaRPr lang="en-US" sz="1800" dirty="0">
-              <a:latin typeface="Times New Roman" panose="02020603050405020304" pitchFamily="18" charset="0"/>
-              <a:ea typeface="Times New Roman" panose="02020603050405020304" pitchFamily="18" charset="0"/>
-            </a:endParaRPr>
-          </a:p>
-          <a:p>
-            <a:pPr marL="635508" lvl="1" indent="-342900">
-              <a:spcBef>
-                <a:spcPts val="0"/>
-              </a:spcBef>
-              <a:spcAft>
-                <a:spcPts val="600"/>
-              </a:spcAft>
-              <a:buFont typeface="Courier New" panose="02070309020205020404" pitchFamily="49" charset="0"/>
-              <a:buChar char="o"/>
-            </a:pPr>
-            <a:r>
-              <a:rPr lang="en-US" sz="1800" dirty="0">
-                <a:solidFill>
-                  <a:srgbClr val="2B2B2B"/>
-                </a:solidFill>
-                <a:latin typeface="Calibri" panose="020F0502020204030204" pitchFamily="34" charset="0"/>
-                <a:ea typeface="Times New Roman" panose="02020603050405020304" pitchFamily="18" charset="0"/>
-              </a:rPr>
-              <a:t>Offer (the client) help to collect and present data for customers via the search page, which they will then filter based on their preferred “weather” travel criteria in order to find their ideal city, anywhere in the world.</a:t>
-            </a:r>
-            <a:endParaRPr lang="en-US" sz="1800" dirty="0">
-              <a:latin typeface="Times New Roman" panose="02020603050405020304" pitchFamily="18" charset="0"/>
-              <a:ea typeface="Times New Roman" panose="02020603050405020304" pitchFamily="18" charset="0"/>
-            </a:endParaRPr>
-          </a:p>
-          <a:p>
-            <a:pPr marL="635508" lvl="1" indent="-342900">
-              <a:spcBef>
-                <a:spcPts val="0"/>
-              </a:spcBef>
-              <a:spcAft>
-                <a:spcPts val="600"/>
-              </a:spcAft>
-              <a:buFont typeface="Courier New" panose="02070309020205020404" pitchFamily="49" charset="0"/>
-              <a:buChar char="o"/>
-            </a:pPr>
-            <a:r>
-              <a:rPr lang="en-US" sz="1800" dirty="0">
-                <a:solidFill>
-                  <a:srgbClr val="2B2B2B"/>
-                </a:solidFill>
-                <a:latin typeface="Calibri" panose="020F0502020204030204" pitchFamily="34" charset="0"/>
-                <a:ea typeface="Times New Roman" panose="02020603050405020304" pitchFamily="18" charset="0"/>
-              </a:rPr>
-              <a:t>Collect and present data for customers via the search page, which they will then filter based on a customer’s preferred “weather” travel criteria in order to find their ideal city.  </a:t>
-            </a:r>
-            <a:endParaRPr lang="en-US" sz="1800" dirty="0">
-              <a:latin typeface="Times New Roman" panose="02020603050405020304" pitchFamily="18" charset="0"/>
-              <a:ea typeface="Times New Roman" panose="02020603050405020304" pitchFamily="18" charset="0"/>
-            </a:endParaRPr>
-          </a:p>
-          <a:p>
-            <a:endParaRPr lang="en-US" dirty="0"/>
-          </a:p>
-        </p:txBody>
-      </p:sp>
-    </p:spTree>
-    <p:extLst>
-      <p:ext uri="{BB962C8B-B14F-4D97-AF65-F5344CB8AC3E}">
-        <p14:creationId xmlns:p14="http://schemas.microsoft.com/office/powerpoint/2010/main" val="2061880236"/>
-      </p:ext>
-    </p:extLst>
-  </p:cSld>
-  <p:clrMapOvr>
-    <a:masterClrMapping/>
-  </p:clrMapOvr>
-</p:sld>
-</file>
-
-<file path=ppt/slides/slide5.xml><?xml version="1.0" encoding="utf-8"?>
-<p:sld xmlns:a="http://schemas.openxmlformats.org/drawingml/2006/main" xmlns:r="http://schemas.openxmlformats.org/officeDocument/2006/relationships" xmlns:p="http://schemas.openxmlformats.org/presentationml/2006/main">
-  <p:cSld>
-    <p:spTree>
-      <p:nvGrpSpPr>
-        <p:cNvPr id="1" name=""/>
-        <p:cNvGrpSpPr/>
-        <p:nvPr/>
-      </p:nvGrpSpPr>
-      <p:grpSpPr>
-        <a:xfrm>
-          <a:off x="0" y="0"/>
-          <a:ext cx="0" cy="0"/>
-          <a:chOff x="0" y="0"/>
-          <a:chExt cx="0" cy="0"/>
-        </a:xfrm>
-      </p:grpSpPr>
-      <p:sp>
-        <p:nvSpPr>
-          <p:cNvPr id="2" name="Title 1">
-            <a:extLst>
-              <a:ext uri="{FF2B5EF4-FFF2-40B4-BE49-F238E27FC236}">
-                <a16:creationId xmlns:a16="http://schemas.microsoft.com/office/drawing/2014/main" id="{75AC86D3-8FD1-4F47-A319-7D0542E48B2F}"/>
-              </a:ext>
-            </a:extLst>
-          </p:cNvPr>
-          <p:cNvSpPr>
-            <a:spLocks noGrp="1"/>
-          </p:cNvSpPr>
-          <p:nvPr>
-            <p:ph type="title"/>
-          </p:nvPr>
-        </p:nvSpPr>
-        <p:spPr>
-          <a:xfrm>
-            <a:off x="1097280" y="263529"/>
-            <a:ext cx="10058400" cy="1450757"/>
-          </a:xfrm>
-        </p:spPr>
-        <p:txBody>
-          <a:bodyPr vert="horz" lIns="91440" tIns="45720" rIns="91440" bIns="45720" rtlCol="0">
-            <a:normAutofit fontScale="90000"/>
-          </a:bodyPr>
-          <a:lstStyle/>
-          <a:p>
-            <a:br>
-              <a:rPr lang="en-US" sz="4800" b="1" u="sng" dirty="0">
-                <a:solidFill>
-                  <a:srgbClr val="2B2B2B"/>
-                </a:solidFill>
-                <a:latin typeface="Calibri" panose="020F0502020204030204" pitchFamily="34" charset="0"/>
-                <a:ea typeface="Times New Roman" panose="02020603050405020304" pitchFamily="18" charset="0"/>
-                <a:cs typeface="Calibri" panose="020F0502020204030204" pitchFamily="34" charset="0"/>
-              </a:rPr>
-            </a:br>
-            <a:r>
-              <a:rPr lang="en-US" sz="4800" b="1" u="sng" dirty="0">
-                <a:solidFill>
-                  <a:srgbClr val="2B2B2B"/>
-                </a:solidFill>
-                <a:latin typeface="Calibri" panose="020F0502020204030204" pitchFamily="34" charset="0"/>
-                <a:ea typeface="Times New Roman" panose="02020603050405020304" pitchFamily="18" charset="0"/>
-                <a:cs typeface="Calibri" panose="020F0502020204030204" pitchFamily="34" charset="0"/>
-              </a:rPr>
-              <a:t>Outline for Initial </a:t>
-            </a:r>
-            <a:r>
-              <a:rPr lang="en-US" sz="4800" b="1" u="sng" dirty="0">
-                <a:latin typeface="Calibri" panose="020F0502020204030204" pitchFamily="34" charset="0"/>
-                <a:ea typeface="Times New Roman" panose="02020603050405020304" pitchFamily="18" charset="0"/>
-                <a:cs typeface="Calibri" panose="020F0502020204030204" pitchFamily="34" charset="0"/>
-              </a:rPr>
-              <a:t>Project Plan</a:t>
-            </a:r>
-            <a:r>
-              <a:rPr lang="en-US" sz="4800" b="1" u="sng" dirty="0">
-                <a:solidFill>
-                  <a:srgbClr val="2B2B2B"/>
-                </a:solidFill>
-                <a:latin typeface="Calibri" panose="020F0502020204030204" pitchFamily="34" charset="0"/>
-                <a:ea typeface="Times New Roman" panose="02020603050405020304" pitchFamily="18" charset="0"/>
-                <a:cs typeface="Calibri" panose="020F0502020204030204" pitchFamily="34" charset="0"/>
-              </a:rPr>
-              <a:t>:</a:t>
-            </a:r>
-            <a:br>
-              <a:rPr lang="en-US" sz="4800" dirty="0">
-                <a:latin typeface="Calibri" panose="020F0502020204030204" pitchFamily="34" charset="0"/>
-                <a:ea typeface="Calibri" panose="020F0502020204030204" pitchFamily="34" charset="0"/>
-                <a:cs typeface="Times New Roman" panose="02020603050405020304" pitchFamily="18" charset="0"/>
-              </a:rPr>
-            </a:br>
-            <a:endParaRPr lang="en-US" dirty="0"/>
-          </a:p>
-        </p:txBody>
-      </p:sp>
-      <p:sp>
-        <p:nvSpPr>
-          <p:cNvPr id="5" name="Content Placeholder 4">
-            <a:extLst>
-              <a:ext uri="{FF2B5EF4-FFF2-40B4-BE49-F238E27FC236}">
-                <a16:creationId xmlns:a16="http://schemas.microsoft.com/office/drawing/2014/main" id="{73A7EBCF-5494-2CF5-208B-5F6B01D509BF}"/>
-              </a:ext>
-            </a:extLst>
-          </p:cNvPr>
-          <p:cNvSpPr>
-            <a:spLocks noGrp="1"/>
-          </p:cNvSpPr>
-          <p:nvPr>
-            <p:ph idx="1"/>
-          </p:nvPr>
-        </p:nvSpPr>
-        <p:spPr/>
-        <p:txBody>
-          <a:bodyPr>
-            <a:normAutofit fontScale="92500" lnSpcReduction="10000"/>
-          </a:bodyPr>
-          <a:lstStyle/>
-          <a:p>
-            <a:pPr marL="342900" marR="0" lvl="0" indent="-342900">
-              <a:lnSpc>
-                <a:spcPct val="115000"/>
-              </a:lnSpc>
-              <a:spcBef>
-                <a:spcPts val="0"/>
-              </a:spcBef>
-              <a:spcAft>
-                <a:spcPts val="0"/>
-              </a:spcAft>
-              <a:buSzPts val="1000"/>
-              <a:buFont typeface="Symbol" panose="05050102010706020507" pitchFamily="18" charset="2"/>
-              <a:buChar char=""/>
-              <a:tabLst>
-                <a:tab pos="228600" algn="l"/>
-              </a:tabLst>
-            </a:pPr>
-            <a:r>
-              <a:rPr lang="en-US" sz="2000" b="1" dirty="0">
-                <a:solidFill>
-                  <a:srgbClr val="2B2B2B"/>
-                </a:solidFill>
-                <a:latin typeface="Calibri" panose="020F0502020204030204" pitchFamily="34" charset="0"/>
-                <a:ea typeface="Times New Roman" panose="02020603050405020304" pitchFamily="18" charset="0"/>
-                <a:cs typeface="Calibri" panose="020F0502020204030204" pitchFamily="34" charset="0"/>
-              </a:rPr>
-              <a:t>Task:</a:t>
-            </a:r>
-            <a:r>
-              <a:rPr lang="en-US" sz="2000" dirty="0">
-                <a:solidFill>
-                  <a:srgbClr val="2B2B2B"/>
-                </a:solidFill>
-                <a:latin typeface="Calibri" panose="020F0502020204030204" pitchFamily="34" charset="0"/>
-                <a:ea typeface="Times New Roman" panose="02020603050405020304" pitchFamily="18" charset="0"/>
-                <a:cs typeface="Calibri" panose="020F0502020204030204" pitchFamily="34" charset="0"/>
-              </a:rPr>
-              <a:t> Collect and analyze weather data across cities worldwide.</a:t>
-            </a:r>
-            <a:endParaRPr lang="en-US" sz="2000" dirty="0">
-              <a:latin typeface="Calibri" panose="020F0502020204030204" pitchFamily="34" charset="0"/>
-              <a:ea typeface="Calibri" panose="020F0502020204030204" pitchFamily="34" charset="0"/>
-              <a:cs typeface="Times New Roman" panose="02020603050405020304" pitchFamily="18" charset="0"/>
-            </a:endParaRPr>
-          </a:p>
-          <a:p>
-            <a:pPr marL="0" marR="0">
-              <a:lnSpc>
-                <a:spcPct val="115000"/>
-              </a:lnSpc>
-              <a:spcBef>
-                <a:spcPts val="0"/>
-              </a:spcBef>
-              <a:spcAft>
-                <a:spcPts val="0"/>
-              </a:spcAft>
-            </a:pPr>
-            <a:r>
-              <a:rPr lang="en-US" sz="2000" dirty="0">
-                <a:solidFill>
-                  <a:srgbClr val="2B2B2B"/>
-                </a:solidFill>
-                <a:latin typeface="Calibri" panose="020F0502020204030204" pitchFamily="34" charset="0"/>
-                <a:ea typeface="Times New Roman" panose="02020603050405020304" pitchFamily="18" charset="0"/>
-                <a:cs typeface="Calibri" panose="020F0502020204030204" pitchFamily="34" charset="0"/>
-              </a:rPr>
-              <a:t> </a:t>
-            </a:r>
-            <a:endParaRPr lang="en-US" sz="2000" dirty="0">
-              <a:latin typeface="Calibri" panose="020F0502020204030204" pitchFamily="34" charset="0"/>
-              <a:ea typeface="Calibri" panose="020F0502020204030204" pitchFamily="34" charset="0"/>
-              <a:cs typeface="Times New Roman" panose="02020603050405020304" pitchFamily="18" charset="0"/>
-            </a:endParaRPr>
-          </a:p>
-          <a:p>
-            <a:pPr marL="342900" marR="0" lvl="0" indent="-342900">
-              <a:lnSpc>
-                <a:spcPct val="115000"/>
-              </a:lnSpc>
-              <a:spcBef>
-                <a:spcPts val="0"/>
-              </a:spcBef>
-              <a:spcAft>
-                <a:spcPts val="0"/>
-              </a:spcAft>
-              <a:buSzPts val="1000"/>
-              <a:buFont typeface="Symbol" panose="05050102010706020507" pitchFamily="18" charset="2"/>
-              <a:buChar char=""/>
-              <a:tabLst>
-                <a:tab pos="228600" algn="l"/>
-              </a:tabLst>
-            </a:pPr>
-            <a:r>
-              <a:rPr lang="en-US" sz="2000" b="1" dirty="0">
-                <a:solidFill>
-                  <a:srgbClr val="2B2B2B"/>
-                </a:solidFill>
-                <a:latin typeface="Calibri" panose="020F0502020204030204" pitchFamily="34" charset="0"/>
-                <a:ea typeface="Times New Roman" panose="02020603050405020304" pitchFamily="18" charset="0"/>
-                <a:cs typeface="Calibri" panose="020F0502020204030204" pitchFamily="34" charset="0"/>
-              </a:rPr>
-              <a:t>Purpose:</a:t>
-            </a:r>
-            <a:r>
-              <a:rPr lang="en-US" sz="2000" dirty="0">
-                <a:solidFill>
-                  <a:srgbClr val="2B2B2B"/>
-                </a:solidFill>
-                <a:latin typeface="Calibri" panose="020F0502020204030204" pitchFamily="34" charset="0"/>
-                <a:ea typeface="Times New Roman" panose="02020603050405020304" pitchFamily="18" charset="0"/>
-                <a:cs typeface="Calibri" panose="020F0502020204030204" pitchFamily="34" charset="0"/>
-              </a:rPr>
-              <a:t> Trafalgar Tours will use the data to recommend ideal travel locations based on clients' air quality and weather preferences.</a:t>
-            </a:r>
-            <a:endParaRPr lang="en-US" sz="2000" dirty="0">
-              <a:latin typeface="Calibri" panose="020F0502020204030204" pitchFamily="34" charset="0"/>
-              <a:ea typeface="Calibri" panose="020F0502020204030204" pitchFamily="34" charset="0"/>
-              <a:cs typeface="Times New Roman" panose="02020603050405020304" pitchFamily="18" charset="0"/>
-            </a:endParaRPr>
-          </a:p>
-          <a:p>
-            <a:pPr marL="0" marR="0">
-              <a:lnSpc>
-                <a:spcPct val="115000"/>
-              </a:lnSpc>
-              <a:spcBef>
-                <a:spcPts val="0"/>
-              </a:spcBef>
-              <a:spcAft>
-                <a:spcPts val="0"/>
-              </a:spcAft>
-            </a:pPr>
-            <a:r>
-              <a:rPr lang="en-US" sz="2000" dirty="0">
-                <a:solidFill>
-                  <a:srgbClr val="2B2B2B"/>
-                </a:solidFill>
-                <a:latin typeface="Calibri" panose="020F0502020204030204" pitchFamily="34" charset="0"/>
-                <a:ea typeface="Times New Roman" panose="02020603050405020304" pitchFamily="18" charset="0"/>
-                <a:cs typeface="Calibri" panose="020F0502020204030204" pitchFamily="34" charset="0"/>
-              </a:rPr>
-              <a:t> </a:t>
-            </a:r>
-            <a:endParaRPr lang="en-US" sz="2000" dirty="0">
-              <a:latin typeface="Calibri" panose="020F0502020204030204" pitchFamily="34" charset="0"/>
-              <a:ea typeface="Calibri" panose="020F0502020204030204" pitchFamily="34" charset="0"/>
-              <a:cs typeface="Times New Roman" panose="02020603050405020304" pitchFamily="18" charset="0"/>
-            </a:endParaRPr>
-          </a:p>
-          <a:p>
-            <a:pPr marL="342900" marR="0" lvl="0" indent="-342900">
-              <a:lnSpc>
-                <a:spcPct val="115000"/>
-              </a:lnSpc>
-              <a:spcBef>
-                <a:spcPts val="0"/>
-              </a:spcBef>
-              <a:spcAft>
-                <a:spcPts val="0"/>
-              </a:spcAft>
-              <a:buSzPts val="1000"/>
-              <a:buFont typeface="Symbol" panose="05050102010706020507" pitchFamily="18" charset="2"/>
-              <a:buChar char=""/>
-              <a:tabLst>
-                <a:tab pos="228600" algn="l"/>
-              </a:tabLst>
-            </a:pPr>
-            <a:r>
-              <a:rPr lang="en-US" sz="2000" b="1" dirty="0">
-                <a:solidFill>
-                  <a:srgbClr val="2B2B2B"/>
-                </a:solidFill>
-                <a:latin typeface="Calibri" panose="020F0502020204030204" pitchFamily="34" charset="0"/>
-                <a:ea typeface="Times New Roman" panose="02020603050405020304" pitchFamily="18" charset="0"/>
-                <a:cs typeface="Calibri" panose="020F0502020204030204" pitchFamily="34" charset="0"/>
-              </a:rPr>
-              <a:t>Method:</a:t>
-            </a:r>
-            <a:r>
-              <a:rPr lang="en-US" sz="2000" dirty="0">
-                <a:solidFill>
-                  <a:srgbClr val="2B2B2B"/>
-                </a:solidFill>
-                <a:latin typeface="Calibri" panose="020F0502020204030204" pitchFamily="34" charset="0"/>
-                <a:ea typeface="Times New Roman" panose="02020603050405020304" pitchFamily="18" charset="0"/>
-                <a:cs typeface="Calibri" panose="020F0502020204030204" pitchFamily="34" charset="0"/>
-              </a:rPr>
-              <a:t> Create a database containing </a:t>
-            </a:r>
-            <a:endParaRPr lang="en-US" sz="2000" dirty="0">
-              <a:latin typeface="Calibri" panose="020F0502020204030204" pitchFamily="34" charset="0"/>
-              <a:ea typeface="Calibri" panose="020F0502020204030204" pitchFamily="34" charset="0"/>
-              <a:cs typeface="Times New Roman" panose="02020603050405020304" pitchFamily="18" charset="0"/>
-            </a:endParaRPr>
-          </a:p>
-          <a:p>
-            <a:pPr marL="742950" marR="0" lvl="1" indent="-285750">
-              <a:lnSpc>
-                <a:spcPct val="115000"/>
-              </a:lnSpc>
-              <a:spcBef>
-                <a:spcPts val="0"/>
-              </a:spcBef>
-              <a:spcAft>
-                <a:spcPts val="0"/>
-              </a:spcAft>
-              <a:buSzPts val="1000"/>
-              <a:buFont typeface="Courier New" panose="02070309020205020404" pitchFamily="49" charset="0"/>
-              <a:buChar char="o"/>
-              <a:tabLst>
-                <a:tab pos="685800" algn="l"/>
-              </a:tabLst>
-            </a:pPr>
-            <a:r>
-              <a:rPr lang="en-US" sz="1800" dirty="0">
-                <a:solidFill>
-                  <a:srgbClr val="2B2B2B"/>
-                </a:solidFill>
-                <a:latin typeface="Calibri" panose="020F0502020204030204" pitchFamily="34" charset="0"/>
-                <a:ea typeface="Times New Roman" panose="02020603050405020304" pitchFamily="18" charset="0"/>
-                <a:cs typeface="Calibri" panose="020F0502020204030204" pitchFamily="34" charset="0"/>
-              </a:rPr>
-              <a:t>The world’s ‘Top 100’ cities and their weather data in real time. </a:t>
-            </a:r>
-            <a:endParaRPr lang="en-US" sz="1800" dirty="0">
-              <a:latin typeface="Calibri" panose="020F0502020204030204" pitchFamily="34" charset="0"/>
-              <a:ea typeface="Calibri" panose="020F0502020204030204" pitchFamily="34" charset="0"/>
-              <a:cs typeface="Times New Roman" panose="02020603050405020304" pitchFamily="18" charset="0"/>
-            </a:endParaRPr>
-          </a:p>
-          <a:p>
-            <a:pPr marL="1143000" marR="0" lvl="2" indent="-228600">
-              <a:lnSpc>
-                <a:spcPct val="115000"/>
-              </a:lnSpc>
-              <a:spcBef>
-                <a:spcPts val="0"/>
-              </a:spcBef>
-              <a:spcAft>
-                <a:spcPts val="0"/>
-              </a:spcAft>
-              <a:buSzPts val="1000"/>
-              <a:buFont typeface="Wingdings" panose="05000000000000000000" pitchFamily="2" charset="2"/>
-              <a:buChar char=""/>
-              <a:tabLst>
-                <a:tab pos="1143000" algn="l"/>
-              </a:tabLst>
-            </a:pPr>
-            <a:r>
-              <a:rPr lang="en-US" sz="1400" dirty="0">
-                <a:solidFill>
-                  <a:srgbClr val="2B2B2B"/>
-                </a:solidFill>
-                <a:latin typeface="Calibri" panose="020F0502020204030204" pitchFamily="34" charset="0"/>
-                <a:ea typeface="Times New Roman" panose="02020603050405020304" pitchFamily="18" charset="0"/>
-                <a:cs typeface="Calibri" panose="020F0502020204030204" pitchFamily="34" charset="0"/>
-              </a:rPr>
-              <a:t>This process will entail collecting, analyzing, and visualizing the data.</a:t>
-            </a:r>
-            <a:endParaRPr lang="en-US" sz="1400" dirty="0">
-              <a:latin typeface="Calibri" panose="020F0502020204030204" pitchFamily="34" charset="0"/>
-              <a:ea typeface="Calibri" panose="020F0502020204030204" pitchFamily="34" charset="0"/>
-              <a:cs typeface="Times New Roman" panose="02020603050405020304" pitchFamily="18" charset="0"/>
-            </a:endParaRPr>
-          </a:p>
-          <a:p>
-            <a:pPr marL="1143000" marR="0" lvl="2" indent="-228600">
-              <a:lnSpc>
-                <a:spcPct val="115000"/>
-              </a:lnSpc>
-              <a:spcBef>
-                <a:spcPts val="0"/>
-              </a:spcBef>
-              <a:spcAft>
-                <a:spcPts val="0"/>
-              </a:spcAft>
-              <a:buSzPts val="1000"/>
-              <a:buFont typeface="Wingdings" panose="05000000000000000000" pitchFamily="2" charset="2"/>
-              <a:buChar char=""/>
-              <a:tabLst>
-                <a:tab pos="1143000" algn="l"/>
-              </a:tabLst>
-            </a:pPr>
-            <a:r>
-              <a:rPr lang="en-US" sz="1400" dirty="0">
-                <a:solidFill>
-                  <a:srgbClr val="2B2B2B"/>
-                </a:solidFill>
-                <a:latin typeface="Calibri" panose="020F0502020204030204" pitchFamily="34" charset="0"/>
-                <a:ea typeface="Times New Roman" panose="02020603050405020304" pitchFamily="18" charset="0"/>
-                <a:cs typeface="Calibri" panose="020F0502020204030204" pitchFamily="34" charset="0"/>
-              </a:rPr>
-              <a:t>Analysis of the data will be split into three main parts or stages.</a:t>
-            </a:r>
-            <a:endParaRPr lang="en-US" sz="1400" dirty="0">
-              <a:latin typeface="Calibri" panose="020F0502020204030204" pitchFamily="34" charset="0"/>
-              <a:ea typeface="Calibri" panose="020F0502020204030204" pitchFamily="34" charset="0"/>
-              <a:cs typeface="Times New Roman" panose="02020603050405020304" pitchFamily="18" charset="0"/>
-            </a:endParaRPr>
-          </a:p>
-          <a:p>
-            <a:pPr marL="742950" marR="0" lvl="1" indent="-285750">
-              <a:lnSpc>
-                <a:spcPct val="115000"/>
-              </a:lnSpc>
-              <a:spcBef>
-                <a:spcPts val="0"/>
-              </a:spcBef>
-              <a:spcAft>
-                <a:spcPts val="0"/>
-              </a:spcAft>
-              <a:buSzPts val="1000"/>
-              <a:buFont typeface="Courier New" panose="02070309020205020404" pitchFamily="49" charset="0"/>
-              <a:buChar char="o"/>
-              <a:tabLst>
-                <a:tab pos="685800" algn="l"/>
-              </a:tabLst>
-            </a:pPr>
-            <a:r>
-              <a:rPr lang="en-US" sz="1800" dirty="0">
-                <a:solidFill>
-                  <a:srgbClr val="2B2B2B"/>
-                </a:solidFill>
-                <a:latin typeface="Calibri" panose="020F0502020204030204" pitchFamily="34" charset="0"/>
-                <a:ea typeface="Times New Roman" panose="02020603050405020304" pitchFamily="18" charset="0"/>
-                <a:cs typeface="Calibri" panose="020F0502020204030204" pitchFamily="34" charset="0"/>
-              </a:rPr>
-              <a:t>(Optional Nice to Have): uses of the </a:t>
-            </a:r>
-            <a:r>
-              <a:rPr lang="en-US" sz="1800" dirty="0" err="1">
-                <a:solidFill>
-                  <a:srgbClr val="2B2B2B"/>
-                </a:solidFill>
-                <a:latin typeface="Calibri" panose="020F0502020204030204" pitchFamily="34" charset="0"/>
-                <a:ea typeface="Times New Roman" panose="02020603050405020304" pitchFamily="18" charset="0"/>
-                <a:cs typeface="Calibri" panose="020F0502020204030204" pitchFamily="34" charset="0"/>
-              </a:rPr>
-              <a:t>OpenWeatherMap</a:t>
-            </a:r>
-            <a:r>
-              <a:rPr lang="en-US" sz="1800" dirty="0">
-                <a:solidFill>
-                  <a:srgbClr val="2B2B2B"/>
-                </a:solidFill>
-                <a:latin typeface="Calibri" panose="020F0502020204030204" pitchFamily="34" charset="0"/>
-                <a:ea typeface="Times New Roman" panose="02020603050405020304" pitchFamily="18" charset="0"/>
-                <a:cs typeface="Calibri" panose="020F0502020204030204" pitchFamily="34" charset="0"/>
-              </a:rPr>
-              <a:t> API to retrieve the JSON weather data from these cities.</a:t>
-            </a:r>
-            <a:endParaRPr lang="en-US" sz="1800" dirty="0">
-              <a:latin typeface="Calibri" panose="020F0502020204030204" pitchFamily="34" charset="0"/>
-              <a:ea typeface="Calibri" panose="020F0502020204030204" pitchFamily="34" charset="0"/>
-              <a:cs typeface="Times New Roman" panose="02020603050405020304" pitchFamily="18" charset="0"/>
-            </a:endParaRPr>
-          </a:p>
-          <a:p>
-            <a:pPr marL="0" marR="0">
-              <a:lnSpc>
-                <a:spcPct val="115000"/>
-              </a:lnSpc>
-              <a:spcBef>
-                <a:spcPts val="0"/>
-              </a:spcBef>
-              <a:spcAft>
-                <a:spcPts val="0"/>
-              </a:spcAft>
-            </a:pPr>
-            <a:r>
-              <a:rPr lang="en-US" sz="2000" dirty="0">
-                <a:solidFill>
-                  <a:srgbClr val="2B2B2B"/>
-                </a:solidFill>
-                <a:latin typeface="Calibri" panose="020F0502020204030204" pitchFamily="34" charset="0"/>
-                <a:ea typeface="Times New Roman" panose="02020603050405020304" pitchFamily="18" charset="0"/>
-                <a:cs typeface="Calibri" panose="020F0502020204030204" pitchFamily="34" charset="0"/>
-              </a:rPr>
-              <a:t> </a:t>
-            </a:r>
-            <a:endParaRPr lang="en-US" sz="2000" dirty="0">
-              <a:latin typeface="Calibri" panose="020F0502020204030204" pitchFamily="34" charset="0"/>
-              <a:ea typeface="Calibri" panose="020F0502020204030204" pitchFamily="34" charset="0"/>
-              <a:cs typeface="Times New Roman" panose="02020603050405020304" pitchFamily="18" charset="0"/>
-            </a:endParaRPr>
-          </a:p>
-          <a:p>
-            <a:endParaRPr lang="en-US" dirty="0"/>
-          </a:p>
-        </p:txBody>
-      </p:sp>
-    </p:spTree>
-    <p:extLst>
-      <p:ext uri="{BB962C8B-B14F-4D97-AF65-F5344CB8AC3E}">
-        <p14:creationId xmlns:p14="http://schemas.microsoft.com/office/powerpoint/2010/main" val="2862770052"/>
-      </p:ext>
-    </p:extLst>
-  </p:cSld>
-  <p:clrMapOvr>
-    <a:masterClrMapping/>
-  </p:clrMapOvr>
-</p:sld>
-</file>
-
-<file path=ppt/slides/slide6.xml><?xml version="1.0" encoding="utf-8"?>
-<p:sld xmlns:a="http://schemas.openxmlformats.org/drawingml/2006/main" xmlns:r="http://schemas.openxmlformats.org/officeDocument/2006/relationships" xmlns:p="http://schemas.openxmlformats.org/presentationml/2006/main">
-  <p:cSld>
-    <p:spTree>
-      <p:nvGrpSpPr>
-        <p:cNvPr id="1" name=""/>
-        <p:cNvGrpSpPr/>
-        <p:nvPr/>
-      </p:nvGrpSpPr>
-      <p:grpSpPr>
-        <a:xfrm>
-          <a:off x="0" y="0"/>
-          <a:ext cx="0" cy="0"/>
-          <a:chOff x="0" y="0"/>
-          <a:chExt cx="0" cy="0"/>
-        </a:xfrm>
-      </p:grpSpPr>
-      <p:sp>
-        <p:nvSpPr>
-          <p:cNvPr id="2" name="Title 1">
-            <a:extLst>
-              <a:ext uri="{FF2B5EF4-FFF2-40B4-BE49-F238E27FC236}">
-                <a16:creationId xmlns:a16="http://schemas.microsoft.com/office/drawing/2014/main" id="{75AC86D3-8FD1-4F47-A319-7D0542E48B2F}"/>
-              </a:ext>
-            </a:extLst>
-          </p:cNvPr>
-          <p:cNvSpPr>
-            <a:spLocks noGrp="1"/>
-          </p:cNvSpPr>
-          <p:nvPr>
-            <p:ph type="title"/>
-          </p:nvPr>
-        </p:nvSpPr>
-        <p:spPr>
-          <a:xfrm>
-            <a:off x="1097280" y="286603"/>
-            <a:ext cx="10058400" cy="1450757"/>
-          </a:xfrm>
-        </p:spPr>
-        <p:txBody>
-          <a:bodyPr vert="horz" lIns="91440" tIns="45720" rIns="91440" bIns="45720" rtlCol="0">
-            <a:normAutofit/>
-          </a:bodyPr>
-          <a:lstStyle/>
-          <a:p>
-            <a:pPr marL="0" marR="0">
-              <a:lnSpc>
-                <a:spcPct val="115000"/>
-              </a:lnSpc>
-              <a:spcBef>
-                <a:spcPts val="0"/>
-              </a:spcBef>
-              <a:spcAft>
-                <a:spcPts val="0"/>
-              </a:spcAft>
-            </a:pPr>
-            <a:r>
-              <a:rPr lang="en-US" sz="4800" b="1" u="sng" dirty="0">
-                <a:solidFill>
-                  <a:srgbClr val="2B2B2B"/>
-                </a:solidFill>
-                <a:latin typeface="Calibri" panose="020F0502020204030204" pitchFamily="34" charset="0"/>
-                <a:ea typeface="Times New Roman" panose="02020603050405020304" pitchFamily="18" charset="0"/>
-                <a:cs typeface="Calibri" panose="020F0502020204030204" pitchFamily="34" charset="0"/>
-              </a:rPr>
-              <a:t>Outline for Initial </a:t>
-            </a:r>
-            <a:r>
-              <a:rPr lang="en-US" sz="4800" b="1" u="sng" dirty="0">
-                <a:latin typeface="Calibri" panose="020F0502020204030204" pitchFamily="34" charset="0"/>
-                <a:ea typeface="Times New Roman" panose="02020603050405020304" pitchFamily="18" charset="0"/>
-                <a:cs typeface="Calibri" panose="020F0502020204030204" pitchFamily="34" charset="0"/>
-              </a:rPr>
-              <a:t>Project Plan</a:t>
-            </a:r>
-            <a:r>
-              <a:rPr lang="en-US" sz="4800" b="1" u="sng" dirty="0">
-                <a:solidFill>
-                  <a:srgbClr val="2B2B2B"/>
-                </a:solidFill>
-                <a:latin typeface="Calibri" panose="020F0502020204030204" pitchFamily="34" charset="0"/>
-                <a:ea typeface="Times New Roman" panose="02020603050405020304" pitchFamily="18" charset="0"/>
-                <a:cs typeface="Calibri" panose="020F0502020204030204" pitchFamily="34" charset="0"/>
-              </a:rPr>
-              <a:t>:</a:t>
-            </a:r>
-            <a:endParaRPr lang="en-US" sz="4800" dirty="0">
-              <a:latin typeface="Calibri" panose="020F0502020204030204" pitchFamily="34" charset="0"/>
-              <a:ea typeface="Calibri" panose="020F0502020204030204" pitchFamily="34" charset="0"/>
-              <a:cs typeface="Times New Roman" panose="02020603050405020304" pitchFamily="18" charset="0"/>
-            </a:endParaRPr>
-          </a:p>
-        </p:txBody>
-      </p:sp>
-      <p:sp>
-        <p:nvSpPr>
-          <p:cNvPr id="5" name="Content Placeholder 4">
-            <a:extLst>
-              <a:ext uri="{FF2B5EF4-FFF2-40B4-BE49-F238E27FC236}">
-                <a16:creationId xmlns:a16="http://schemas.microsoft.com/office/drawing/2014/main" id="{73A7EBCF-5494-2CF5-208B-5F6B01D509BF}"/>
-              </a:ext>
-            </a:extLst>
-          </p:cNvPr>
-          <p:cNvSpPr>
-            <a:spLocks noGrp="1"/>
-          </p:cNvSpPr>
-          <p:nvPr>
-            <p:ph idx="1"/>
-          </p:nvPr>
-        </p:nvSpPr>
-        <p:spPr/>
-        <p:txBody>
-          <a:bodyPr>
-            <a:normAutofit lnSpcReduction="10000"/>
-          </a:bodyPr>
-          <a:lstStyle/>
-          <a:p>
-            <a:pPr marL="342900" marR="0" lvl="0" indent="-342900">
-              <a:lnSpc>
-                <a:spcPct val="115000"/>
-              </a:lnSpc>
-              <a:spcBef>
-                <a:spcPts val="0"/>
-              </a:spcBef>
-              <a:spcAft>
-                <a:spcPts val="0"/>
-              </a:spcAft>
-              <a:buSzPts val="1000"/>
-              <a:buFont typeface="Symbol" panose="05050102010706020507" pitchFamily="18" charset="2"/>
-              <a:buChar char=""/>
-              <a:tabLst>
-                <a:tab pos="228600" algn="l"/>
-              </a:tabLst>
-            </a:pPr>
-            <a:endParaRPr lang="en-US" sz="2000" b="1" dirty="0">
-              <a:solidFill>
-                <a:srgbClr val="2B2B2B"/>
-              </a:solidFill>
-              <a:latin typeface="Calibri" panose="020F0502020204030204" pitchFamily="34" charset="0"/>
-              <a:ea typeface="Times New Roman" panose="02020603050405020304" pitchFamily="18" charset="0"/>
-              <a:cs typeface="Calibri" panose="020F0502020204030204" pitchFamily="34" charset="0"/>
-            </a:endParaRPr>
-          </a:p>
-          <a:p>
-            <a:pPr marL="342900" marR="0" lvl="0" indent="-342900">
-              <a:lnSpc>
-                <a:spcPct val="115000"/>
-              </a:lnSpc>
-              <a:spcBef>
-                <a:spcPts val="0"/>
-              </a:spcBef>
-              <a:spcAft>
-                <a:spcPts val="0"/>
-              </a:spcAft>
-              <a:buSzPts val="1000"/>
-              <a:buFont typeface="Symbol" panose="05050102010706020507" pitchFamily="18" charset="2"/>
-              <a:buChar char=""/>
-              <a:tabLst>
-                <a:tab pos="228600" algn="l"/>
-              </a:tabLst>
-            </a:pPr>
-            <a:r>
-              <a:rPr lang="en-US" sz="1700" b="1" dirty="0">
-                <a:solidFill>
-                  <a:srgbClr val="2B2B2B"/>
-                </a:solidFill>
-                <a:latin typeface="Calibri" panose="020F0502020204030204" pitchFamily="34" charset="0"/>
-                <a:ea typeface="Times New Roman" panose="02020603050405020304" pitchFamily="18" charset="0"/>
-                <a:cs typeface="Calibri" panose="020F0502020204030204" pitchFamily="34" charset="0"/>
-              </a:rPr>
-              <a:t>Task:</a:t>
-            </a:r>
-            <a:r>
-              <a:rPr lang="en-US" sz="1700" dirty="0">
-                <a:solidFill>
-                  <a:srgbClr val="2B2B2B"/>
-                </a:solidFill>
-                <a:latin typeface="Calibri" panose="020F0502020204030204" pitchFamily="34" charset="0"/>
-                <a:ea typeface="Times New Roman" panose="02020603050405020304" pitchFamily="18" charset="0"/>
-                <a:cs typeface="Calibri" panose="020F0502020204030204" pitchFamily="34" charset="0"/>
-              </a:rPr>
-              <a:t> Collect and analyze weather data across cities worldwide.</a:t>
-            </a:r>
-            <a:endParaRPr lang="en-US" sz="1700" dirty="0">
-              <a:latin typeface="Calibri" panose="020F0502020204030204" pitchFamily="34" charset="0"/>
-              <a:ea typeface="Calibri" panose="020F0502020204030204" pitchFamily="34" charset="0"/>
-              <a:cs typeface="Times New Roman" panose="02020603050405020304" pitchFamily="18" charset="0"/>
-            </a:endParaRPr>
-          </a:p>
-          <a:p>
-            <a:pPr marL="0" marR="0">
-              <a:lnSpc>
-                <a:spcPct val="115000"/>
-              </a:lnSpc>
-              <a:spcBef>
-                <a:spcPts val="0"/>
-              </a:spcBef>
-              <a:spcAft>
-                <a:spcPts val="0"/>
-              </a:spcAft>
-            </a:pPr>
-            <a:r>
-              <a:rPr lang="en-US" sz="1700" dirty="0">
-                <a:solidFill>
-                  <a:srgbClr val="2B2B2B"/>
-                </a:solidFill>
-                <a:latin typeface="Calibri" panose="020F0502020204030204" pitchFamily="34" charset="0"/>
-                <a:ea typeface="Times New Roman" panose="02020603050405020304" pitchFamily="18" charset="0"/>
-                <a:cs typeface="Calibri" panose="020F0502020204030204" pitchFamily="34" charset="0"/>
-              </a:rPr>
-              <a:t> </a:t>
-            </a:r>
-            <a:endParaRPr lang="en-US" sz="1700" dirty="0">
-              <a:latin typeface="Calibri" panose="020F0502020204030204" pitchFamily="34" charset="0"/>
-              <a:ea typeface="Calibri" panose="020F0502020204030204" pitchFamily="34" charset="0"/>
-              <a:cs typeface="Times New Roman" panose="02020603050405020304" pitchFamily="18" charset="0"/>
-            </a:endParaRPr>
-          </a:p>
-          <a:p>
-            <a:pPr marL="342900" marR="0" lvl="0" indent="-342900">
-              <a:lnSpc>
-                <a:spcPct val="115000"/>
-              </a:lnSpc>
-              <a:spcBef>
-                <a:spcPts val="0"/>
-              </a:spcBef>
-              <a:spcAft>
-                <a:spcPts val="0"/>
-              </a:spcAft>
-              <a:buSzPts val="1000"/>
-              <a:buFont typeface="Symbol" panose="05050102010706020507" pitchFamily="18" charset="2"/>
-              <a:buChar char=""/>
-              <a:tabLst>
-                <a:tab pos="228600" algn="l"/>
-              </a:tabLst>
-            </a:pPr>
-            <a:r>
-              <a:rPr lang="en-US" sz="1700" b="1" dirty="0">
-                <a:solidFill>
-                  <a:srgbClr val="2B2B2B"/>
-                </a:solidFill>
-                <a:latin typeface="Calibri" panose="020F0502020204030204" pitchFamily="34" charset="0"/>
-                <a:ea typeface="Times New Roman" panose="02020603050405020304" pitchFamily="18" charset="0"/>
-                <a:cs typeface="Calibri" panose="020F0502020204030204" pitchFamily="34" charset="0"/>
-              </a:rPr>
-              <a:t>Purpose:</a:t>
-            </a:r>
-            <a:r>
-              <a:rPr lang="en-US" sz="1700" dirty="0">
-                <a:solidFill>
-                  <a:srgbClr val="2B2B2B"/>
-                </a:solidFill>
-                <a:latin typeface="Calibri" panose="020F0502020204030204" pitchFamily="34" charset="0"/>
-                <a:ea typeface="Times New Roman" panose="02020603050405020304" pitchFamily="18" charset="0"/>
-                <a:cs typeface="Calibri" panose="020F0502020204030204" pitchFamily="34" charset="0"/>
-              </a:rPr>
-              <a:t> Trafalgar Tours will use the data to recommend ideal travel locations based on clients' air quality and weather preferences.</a:t>
-            </a:r>
-            <a:endParaRPr lang="en-US" sz="1700" dirty="0">
-              <a:latin typeface="Calibri" panose="020F0502020204030204" pitchFamily="34" charset="0"/>
-              <a:ea typeface="Calibri" panose="020F0502020204030204" pitchFamily="34" charset="0"/>
-              <a:cs typeface="Times New Roman" panose="02020603050405020304" pitchFamily="18" charset="0"/>
-            </a:endParaRPr>
-          </a:p>
-          <a:p>
-            <a:pPr marL="0" marR="0">
-              <a:lnSpc>
-                <a:spcPct val="115000"/>
-              </a:lnSpc>
-              <a:spcBef>
-                <a:spcPts val="0"/>
-              </a:spcBef>
-              <a:spcAft>
-                <a:spcPts val="0"/>
-              </a:spcAft>
-            </a:pPr>
-            <a:r>
-              <a:rPr lang="en-US" sz="1700" dirty="0">
-                <a:solidFill>
-                  <a:srgbClr val="2B2B2B"/>
-                </a:solidFill>
-                <a:latin typeface="Calibri" panose="020F0502020204030204" pitchFamily="34" charset="0"/>
-                <a:ea typeface="Times New Roman" panose="02020603050405020304" pitchFamily="18" charset="0"/>
-                <a:cs typeface="Calibri" panose="020F0502020204030204" pitchFamily="34" charset="0"/>
-              </a:rPr>
-              <a:t> </a:t>
-            </a:r>
-            <a:endParaRPr lang="en-US" sz="1700" dirty="0">
-              <a:latin typeface="Calibri" panose="020F0502020204030204" pitchFamily="34" charset="0"/>
-              <a:ea typeface="Calibri" panose="020F0502020204030204" pitchFamily="34" charset="0"/>
-              <a:cs typeface="Times New Roman" panose="02020603050405020304" pitchFamily="18" charset="0"/>
-            </a:endParaRPr>
-          </a:p>
-          <a:p>
-            <a:pPr marL="342900" marR="0" lvl="0" indent="-342900">
-              <a:lnSpc>
-                <a:spcPct val="115000"/>
-              </a:lnSpc>
-              <a:spcBef>
-                <a:spcPts val="0"/>
-              </a:spcBef>
-              <a:spcAft>
-                <a:spcPts val="0"/>
-              </a:spcAft>
-              <a:buSzPts val="1000"/>
-              <a:buFont typeface="Symbol" panose="05050102010706020507" pitchFamily="18" charset="2"/>
-              <a:buChar char=""/>
-              <a:tabLst>
-                <a:tab pos="228600" algn="l"/>
-              </a:tabLst>
-            </a:pPr>
-            <a:r>
-              <a:rPr lang="en-US" sz="1700" b="1" dirty="0">
-                <a:solidFill>
-                  <a:srgbClr val="2B2B2B"/>
-                </a:solidFill>
-                <a:latin typeface="Calibri" panose="020F0502020204030204" pitchFamily="34" charset="0"/>
-                <a:ea typeface="Times New Roman" panose="02020603050405020304" pitchFamily="18" charset="0"/>
-                <a:cs typeface="Calibri" panose="020F0502020204030204" pitchFamily="34" charset="0"/>
-              </a:rPr>
-              <a:t>Method:</a:t>
-            </a:r>
-            <a:r>
-              <a:rPr lang="en-US" sz="1700" dirty="0">
-                <a:solidFill>
-                  <a:srgbClr val="2B2B2B"/>
-                </a:solidFill>
-                <a:latin typeface="Calibri" panose="020F0502020204030204" pitchFamily="34" charset="0"/>
-                <a:ea typeface="Times New Roman" panose="02020603050405020304" pitchFamily="18" charset="0"/>
-                <a:cs typeface="Calibri" panose="020F0502020204030204" pitchFamily="34" charset="0"/>
-              </a:rPr>
-              <a:t> Create a database containing </a:t>
-            </a:r>
-            <a:endParaRPr lang="en-US" sz="1700" dirty="0">
-              <a:latin typeface="Calibri" panose="020F0502020204030204" pitchFamily="34" charset="0"/>
-              <a:ea typeface="Calibri" panose="020F0502020204030204" pitchFamily="34" charset="0"/>
-              <a:cs typeface="Times New Roman" panose="02020603050405020304" pitchFamily="18" charset="0"/>
-            </a:endParaRPr>
-          </a:p>
-          <a:p>
-            <a:pPr marL="742950" marR="0" lvl="1" indent="-285750">
-              <a:lnSpc>
-                <a:spcPct val="115000"/>
-              </a:lnSpc>
-              <a:spcBef>
-                <a:spcPts val="0"/>
-              </a:spcBef>
-              <a:spcAft>
-                <a:spcPts val="0"/>
-              </a:spcAft>
-              <a:buSzPts val="1000"/>
-              <a:buFont typeface="Courier New" panose="02070309020205020404" pitchFamily="49" charset="0"/>
-              <a:buChar char="o"/>
-              <a:tabLst>
-                <a:tab pos="685800" algn="l"/>
-              </a:tabLst>
-            </a:pPr>
-            <a:r>
-              <a:rPr lang="en-US" dirty="0">
-                <a:solidFill>
-                  <a:srgbClr val="2B2B2B"/>
-                </a:solidFill>
-                <a:latin typeface="Calibri" panose="020F0502020204030204" pitchFamily="34" charset="0"/>
-                <a:ea typeface="Times New Roman" panose="02020603050405020304" pitchFamily="18" charset="0"/>
-                <a:cs typeface="Calibri" panose="020F0502020204030204" pitchFamily="34" charset="0"/>
-              </a:rPr>
-              <a:t>The world’s ‘Top 100’ cities and their weather data in real time. </a:t>
-            </a:r>
-            <a:endParaRPr lang="en-US" dirty="0">
-              <a:latin typeface="Calibri" panose="020F0502020204030204" pitchFamily="34" charset="0"/>
-              <a:ea typeface="Calibri" panose="020F0502020204030204" pitchFamily="34" charset="0"/>
-              <a:cs typeface="Times New Roman" panose="02020603050405020304" pitchFamily="18" charset="0"/>
-            </a:endParaRPr>
-          </a:p>
-          <a:p>
-            <a:pPr marL="1143000" marR="0" lvl="2" indent="-228600">
-              <a:lnSpc>
-                <a:spcPct val="115000"/>
-              </a:lnSpc>
-              <a:spcBef>
-                <a:spcPts val="0"/>
-              </a:spcBef>
-              <a:spcAft>
-                <a:spcPts val="0"/>
-              </a:spcAft>
-              <a:buSzPts val="1000"/>
-              <a:buFont typeface="Wingdings" panose="05000000000000000000" pitchFamily="2" charset="2"/>
-              <a:buChar char=""/>
-              <a:tabLst>
-                <a:tab pos="1143000" algn="l"/>
-              </a:tabLst>
-            </a:pPr>
-            <a:r>
-              <a:rPr lang="en-US" sz="1700" dirty="0">
-                <a:solidFill>
-                  <a:srgbClr val="2B2B2B"/>
-                </a:solidFill>
-                <a:latin typeface="Calibri" panose="020F0502020204030204" pitchFamily="34" charset="0"/>
-                <a:ea typeface="Times New Roman" panose="02020603050405020304" pitchFamily="18" charset="0"/>
-                <a:cs typeface="Calibri" panose="020F0502020204030204" pitchFamily="34" charset="0"/>
-              </a:rPr>
-              <a:t>This process will entail collecting, analyzing, and visualizing the data.</a:t>
-            </a:r>
-            <a:endParaRPr lang="en-US" sz="1700" dirty="0">
-              <a:latin typeface="Calibri" panose="020F0502020204030204" pitchFamily="34" charset="0"/>
-              <a:ea typeface="Calibri" panose="020F0502020204030204" pitchFamily="34" charset="0"/>
-              <a:cs typeface="Times New Roman" panose="02020603050405020304" pitchFamily="18" charset="0"/>
-            </a:endParaRPr>
-          </a:p>
-          <a:p>
-            <a:pPr marL="1143000" marR="0" lvl="2" indent="-228600">
-              <a:lnSpc>
-                <a:spcPct val="115000"/>
-              </a:lnSpc>
-              <a:spcBef>
-                <a:spcPts val="0"/>
-              </a:spcBef>
-              <a:spcAft>
-                <a:spcPts val="0"/>
-              </a:spcAft>
-              <a:buSzPts val="1000"/>
-              <a:buFont typeface="Wingdings" panose="05000000000000000000" pitchFamily="2" charset="2"/>
-              <a:buChar char=""/>
-              <a:tabLst>
-                <a:tab pos="1143000" algn="l"/>
-              </a:tabLst>
-            </a:pPr>
-            <a:r>
-              <a:rPr lang="en-US" sz="1700" dirty="0">
-                <a:solidFill>
-                  <a:srgbClr val="2B2B2B"/>
-                </a:solidFill>
-                <a:latin typeface="Calibri" panose="020F0502020204030204" pitchFamily="34" charset="0"/>
-                <a:ea typeface="Times New Roman" panose="02020603050405020304" pitchFamily="18" charset="0"/>
-                <a:cs typeface="Calibri" panose="020F0502020204030204" pitchFamily="34" charset="0"/>
-              </a:rPr>
-              <a:t>Analysis of the data will be split into three main parts or stages.</a:t>
-            </a:r>
-            <a:endParaRPr lang="en-US" sz="1700" dirty="0">
-              <a:latin typeface="Calibri" panose="020F0502020204030204" pitchFamily="34" charset="0"/>
-              <a:ea typeface="Calibri" panose="020F0502020204030204" pitchFamily="34" charset="0"/>
-              <a:cs typeface="Times New Roman" panose="02020603050405020304" pitchFamily="18" charset="0"/>
-            </a:endParaRPr>
-          </a:p>
-          <a:p>
-            <a:pPr marL="742950" marR="0" lvl="1" indent="-285750">
-              <a:lnSpc>
-                <a:spcPct val="115000"/>
-              </a:lnSpc>
-              <a:spcBef>
-                <a:spcPts val="0"/>
-              </a:spcBef>
-              <a:spcAft>
-                <a:spcPts val="0"/>
-              </a:spcAft>
-              <a:buSzPts val="1000"/>
-              <a:buFont typeface="Courier New" panose="02070309020205020404" pitchFamily="49" charset="0"/>
-              <a:buChar char="o"/>
-              <a:tabLst>
-                <a:tab pos="685800" algn="l"/>
-              </a:tabLst>
-            </a:pPr>
-            <a:r>
-              <a:rPr lang="en-US" dirty="0">
-                <a:solidFill>
-                  <a:srgbClr val="2B2B2B"/>
-                </a:solidFill>
-                <a:latin typeface="Calibri" panose="020F0502020204030204" pitchFamily="34" charset="0"/>
-                <a:ea typeface="Times New Roman" panose="02020603050405020304" pitchFamily="18" charset="0"/>
-                <a:cs typeface="Calibri" panose="020F0502020204030204" pitchFamily="34" charset="0"/>
-              </a:rPr>
-              <a:t>(Optional Nice to Have): uses of the </a:t>
-            </a:r>
-            <a:r>
-              <a:rPr lang="en-US" dirty="0" err="1">
-                <a:solidFill>
-                  <a:srgbClr val="2B2B2B"/>
-                </a:solidFill>
-                <a:latin typeface="Calibri" panose="020F0502020204030204" pitchFamily="34" charset="0"/>
-                <a:ea typeface="Times New Roman" panose="02020603050405020304" pitchFamily="18" charset="0"/>
-                <a:cs typeface="Calibri" panose="020F0502020204030204" pitchFamily="34" charset="0"/>
-              </a:rPr>
-              <a:t>OpenWeatherMap</a:t>
-            </a:r>
-            <a:r>
-              <a:rPr lang="en-US" dirty="0">
-                <a:solidFill>
-                  <a:srgbClr val="2B2B2B"/>
-                </a:solidFill>
-                <a:latin typeface="Calibri" panose="020F0502020204030204" pitchFamily="34" charset="0"/>
-                <a:ea typeface="Times New Roman" panose="02020603050405020304" pitchFamily="18" charset="0"/>
-                <a:cs typeface="Calibri" panose="020F0502020204030204" pitchFamily="34" charset="0"/>
-              </a:rPr>
-              <a:t> API to retrieve the JSON weather data from these cities.</a:t>
-            </a:r>
-            <a:endParaRPr lang="en-US" dirty="0">
-              <a:latin typeface="Calibri" panose="020F0502020204030204" pitchFamily="34" charset="0"/>
-              <a:ea typeface="Calibri" panose="020F0502020204030204" pitchFamily="34" charset="0"/>
-              <a:cs typeface="Times New Roman" panose="02020603050405020304" pitchFamily="18" charset="0"/>
-            </a:endParaRPr>
-          </a:p>
-          <a:p>
-            <a:pPr marL="0" marR="0">
-              <a:lnSpc>
-                <a:spcPct val="115000"/>
-              </a:lnSpc>
-              <a:spcBef>
-                <a:spcPts val="0"/>
-              </a:spcBef>
-              <a:spcAft>
-                <a:spcPts val="0"/>
-              </a:spcAft>
-            </a:pPr>
-            <a:r>
-              <a:rPr lang="en-US" sz="1700" dirty="0">
-                <a:solidFill>
-                  <a:srgbClr val="2B2B2B"/>
-                </a:solidFill>
-                <a:latin typeface="Calibri" panose="020F0502020204030204" pitchFamily="34" charset="0"/>
-                <a:ea typeface="Times New Roman" panose="02020603050405020304" pitchFamily="18" charset="0"/>
-                <a:cs typeface="Calibri" panose="020F0502020204030204" pitchFamily="34" charset="0"/>
-              </a:rPr>
-              <a:t> </a:t>
-            </a:r>
-            <a:endParaRPr lang="en-US" sz="1700" dirty="0">
-              <a:latin typeface="Calibri" panose="020F0502020204030204" pitchFamily="34" charset="0"/>
-              <a:ea typeface="Calibri" panose="020F0502020204030204" pitchFamily="34" charset="0"/>
-              <a:cs typeface="Times New Roman" panose="02020603050405020304" pitchFamily="18" charset="0"/>
-            </a:endParaRPr>
-          </a:p>
-          <a:p>
-            <a:endParaRPr lang="en-US" dirty="0"/>
-          </a:p>
-        </p:txBody>
-      </p:sp>
-    </p:spTree>
-    <p:extLst>
-      <p:ext uri="{BB962C8B-B14F-4D97-AF65-F5344CB8AC3E}">
-        <p14:creationId xmlns:p14="http://schemas.microsoft.com/office/powerpoint/2010/main" val="1353458954"/>
-      </p:ext>
-    </p:extLst>
-  </p:cSld>
-  <p:clrMapOvr>
-    <a:masterClrMapping/>
-  </p:clrMapOvr>
-</p:sld>
-</file>
-
-<file path=ppt/slides/slide7.xml><?xml version="1.0" encoding="utf-8"?>
-<p:sld xmlns:a="http://schemas.openxmlformats.org/drawingml/2006/main" xmlns:r="http://schemas.openxmlformats.org/officeDocument/2006/relationships" xmlns:p="http://schemas.openxmlformats.org/presentationml/2006/main">
-  <p:cSld>
-    <p:spTree>
-      <p:nvGrpSpPr>
-        <p:cNvPr id="1" name=""/>
-        <p:cNvGrpSpPr/>
-        <p:nvPr/>
-      </p:nvGrpSpPr>
-      <p:grpSpPr>
-        <a:xfrm>
-          <a:off x="0" y="0"/>
-          <a:ext cx="0" cy="0"/>
-          <a:chOff x="0" y="0"/>
-          <a:chExt cx="0" cy="0"/>
-        </a:xfrm>
-      </p:grpSpPr>
-      <p:sp>
-        <p:nvSpPr>
-          <p:cNvPr id="2" name="Title 1">
-            <a:extLst>
-              <a:ext uri="{FF2B5EF4-FFF2-40B4-BE49-F238E27FC236}">
-                <a16:creationId xmlns:a16="http://schemas.microsoft.com/office/drawing/2014/main" id="{75AC86D3-8FD1-4F47-A319-7D0542E48B2F}"/>
-              </a:ext>
-            </a:extLst>
-          </p:cNvPr>
-          <p:cNvSpPr>
-            <a:spLocks noGrp="1"/>
-          </p:cNvSpPr>
-          <p:nvPr>
-            <p:ph type="title"/>
-          </p:nvPr>
-        </p:nvSpPr>
-        <p:spPr>
-          <a:xfrm>
-            <a:off x="1097280" y="286603"/>
-            <a:ext cx="10058400" cy="1450757"/>
-          </a:xfrm>
-        </p:spPr>
-        <p:txBody>
-          <a:bodyPr vert="horz" lIns="91440" tIns="45720" rIns="91440" bIns="45720" rtlCol="0">
-            <a:normAutofit/>
-          </a:bodyPr>
-          <a:lstStyle/>
-          <a:p>
-            <a:pPr marL="0" marR="0">
-              <a:lnSpc>
-                <a:spcPct val="115000"/>
-              </a:lnSpc>
-              <a:spcBef>
-                <a:spcPts val="0"/>
-              </a:spcBef>
-              <a:spcAft>
-                <a:spcPts val="0"/>
-              </a:spcAft>
-            </a:pPr>
-            <a:r>
-              <a:rPr lang="en-US" sz="4800" b="1" u="sng" dirty="0">
-                <a:solidFill>
-                  <a:srgbClr val="2B2B2B"/>
-                </a:solidFill>
-                <a:latin typeface="Calibri" panose="020F0502020204030204" pitchFamily="34" charset="0"/>
-                <a:ea typeface="Times New Roman" panose="02020603050405020304" pitchFamily="18" charset="0"/>
-                <a:cs typeface="Calibri" panose="020F0502020204030204" pitchFamily="34" charset="0"/>
-              </a:rPr>
-              <a:t>Our Approach:</a:t>
-            </a:r>
-            <a:endParaRPr lang="en-US" sz="4800" dirty="0">
-              <a:latin typeface="Calibri" panose="020F0502020204030204" pitchFamily="34" charset="0"/>
-              <a:ea typeface="Calibri" panose="020F0502020204030204" pitchFamily="34" charset="0"/>
-              <a:cs typeface="Times New Roman" panose="02020603050405020304" pitchFamily="18" charset="0"/>
-            </a:endParaRPr>
-          </a:p>
-        </p:txBody>
-      </p:sp>
-      <p:sp>
-        <p:nvSpPr>
-          <p:cNvPr id="5" name="Content Placeholder 4">
-            <a:extLst>
-              <a:ext uri="{FF2B5EF4-FFF2-40B4-BE49-F238E27FC236}">
-                <a16:creationId xmlns:a16="http://schemas.microsoft.com/office/drawing/2014/main" id="{73A7EBCF-5494-2CF5-208B-5F6B01D509BF}"/>
-              </a:ext>
-            </a:extLst>
-          </p:cNvPr>
-          <p:cNvSpPr>
-            <a:spLocks noGrp="1"/>
-          </p:cNvSpPr>
-          <p:nvPr>
-            <p:ph idx="1"/>
-          </p:nvPr>
-        </p:nvSpPr>
-        <p:spPr/>
-        <p:txBody>
-          <a:bodyPr>
-            <a:noAutofit/>
-          </a:bodyPr>
-          <a:lstStyle/>
-          <a:p>
-            <a:pPr marL="0" marR="0">
-              <a:lnSpc>
-                <a:spcPct val="115000"/>
-              </a:lnSpc>
-              <a:spcBef>
-                <a:spcPts val="0"/>
-              </a:spcBef>
-              <a:spcAft>
-                <a:spcPts val="0"/>
-              </a:spcAft>
-            </a:pPr>
-            <a:r>
-              <a:rPr lang="en-US" sz="1500" b="1" u="sng" dirty="0">
-                <a:solidFill>
-                  <a:srgbClr val="2B2B2B"/>
-                </a:solidFill>
-                <a:latin typeface="Calibri" panose="020F0502020204030204" pitchFamily="34" charset="0"/>
-                <a:ea typeface="Times New Roman" panose="02020603050405020304" pitchFamily="18" charset="0"/>
-                <a:cs typeface="Calibri" panose="020F0502020204030204" pitchFamily="34" charset="0"/>
-              </a:rPr>
-              <a:t>Our Approach:</a:t>
-            </a:r>
-            <a:endParaRPr lang="en-US" sz="1500" dirty="0">
-              <a:latin typeface="Calibri" panose="020F0502020204030204" pitchFamily="34" charset="0"/>
-              <a:ea typeface="Calibri" panose="020F0502020204030204" pitchFamily="34" charset="0"/>
-              <a:cs typeface="Times New Roman" panose="02020603050405020304" pitchFamily="18" charset="0"/>
-            </a:endParaRPr>
-          </a:p>
-          <a:p>
-            <a:pPr marL="342900" marR="0" lvl="0" indent="-342900">
-              <a:lnSpc>
-                <a:spcPct val="115000"/>
-              </a:lnSpc>
-              <a:spcBef>
-                <a:spcPts val="0"/>
-              </a:spcBef>
-              <a:spcAft>
-                <a:spcPts val="0"/>
-              </a:spcAft>
-              <a:buFont typeface="+mj-lt"/>
-              <a:buAutoNum type="arabicPeriod"/>
-              <a:tabLst>
-                <a:tab pos="228600" algn="l"/>
-              </a:tabLst>
-            </a:pPr>
-            <a:r>
-              <a:rPr lang="en-US" sz="1500" b="1" dirty="0">
-                <a:solidFill>
-                  <a:srgbClr val="2B2B2B"/>
-                </a:solidFill>
-                <a:latin typeface="Calibri" panose="020F0502020204030204" pitchFamily="34" charset="0"/>
-                <a:ea typeface="Times New Roman" panose="02020603050405020304" pitchFamily="18" charset="0"/>
-                <a:cs typeface="Calibri" panose="020F0502020204030204" pitchFamily="34" charset="0"/>
-              </a:rPr>
-              <a:t>Collect the Data</a:t>
-            </a:r>
-            <a:r>
-              <a:rPr lang="en-US" sz="1500" dirty="0">
-                <a:solidFill>
-                  <a:srgbClr val="2B2B2B"/>
-                </a:solidFill>
-                <a:latin typeface="Calibri" panose="020F0502020204030204" pitchFamily="34" charset="0"/>
-                <a:ea typeface="Times New Roman" panose="02020603050405020304" pitchFamily="18" charset="0"/>
-                <a:cs typeface="Calibri" panose="020F0502020204030204" pitchFamily="34" charset="0"/>
-              </a:rPr>
-              <a:t> </a:t>
-            </a:r>
-            <a:endParaRPr lang="en-US" sz="1500" dirty="0">
-              <a:latin typeface="Calibri" panose="020F0502020204030204" pitchFamily="34" charset="0"/>
-              <a:ea typeface="Calibri" panose="020F0502020204030204" pitchFamily="34" charset="0"/>
-              <a:cs typeface="Times New Roman" panose="02020603050405020304" pitchFamily="18" charset="0"/>
-            </a:endParaRPr>
-          </a:p>
-          <a:p>
-            <a:pPr marL="635508" lvl="1" indent="-342900">
-              <a:lnSpc>
-                <a:spcPct val="115000"/>
-              </a:lnSpc>
-              <a:spcBef>
-                <a:spcPts val="0"/>
-              </a:spcBef>
-              <a:spcAft>
-                <a:spcPts val="0"/>
-              </a:spcAft>
-              <a:buFont typeface="Symbol" panose="05050102010706020507" pitchFamily="18" charset="2"/>
-              <a:buChar char=""/>
-            </a:pPr>
-            <a:r>
-              <a:rPr lang="en-US" sz="1500" b="1" u="sng" dirty="0">
-                <a:latin typeface="Calibri" panose="020F0502020204030204" pitchFamily="34" charset="0"/>
-                <a:ea typeface="Calibri" panose="020F0502020204030204" pitchFamily="34" charset="0"/>
-                <a:cs typeface="Calibri" panose="020F0502020204030204" pitchFamily="34" charset="0"/>
-              </a:rPr>
-              <a:t>Data Source </a:t>
-            </a:r>
-            <a:endParaRPr lang="en-US" sz="1500" dirty="0">
-              <a:latin typeface="Calibri" panose="020F0502020204030204" pitchFamily="34" charset="0"/>
-              <a:ea typeface="Calibri" panose="020F0502020204030204" pitchFamily="34" charset="0"/>
-              <a:cs typeface="Times New Roman" panose="02020603050405020304" pitchFamily="18" charset="0"/>
-            </a:endParaRPr>
-          </a:p>
-          <a:p>
-            <a:pPr marL="640080" lvl="2" indent="0">
-              <a:lnSpc>
-                <a:spcPct val="115000"/>
-              </a:lnSpc>
-              <a:spcBef>
-                <a:spcPts val="0"/>
-              </a:spcBef>
-              <a:spcAft>
-                <a:spcPts val="0"/>
-              </a:spcAft>
-              <a:buSzPts val="1000"/>
-              <a:buNone/>
-              <a:tabLst>
-                <a:tab pos="1143000" algn="l"/>
-              </a:tabLst>
-            </a:pPr>
-            <a:r>
-              <a:rPr lang="en-US" sz="1500" b="1" dirty="0">
-                <a:latin typeface="Calibri" panose="020F0502020204030204" pitchFamily="34" charset="0"/>
-                <a:ea typeface="Calibri" panose="020F0502020204030204" pitchFamily="34" charset="0"/>
-                <a:cs typeface="Calibri" panose="020F0502020204030204" pitchFamily="34" charset="0"/>
-              </a:rPr>
-              <a:t>Weather data from  </a:t>
-            </a:r>
-            <a:r>
-              <a:rPr lang="en-US" sz="1500" b="1" u="sng" dirty="0">
-                <a:solidFill>
-                  <a:srgbClr val="0000FF"/>
-                </a:solidFill>
-                <a:latin typeface="Calibri" panose="020F0502020204030204" pitchFamily="34" charset="0"/>
-                <a:ea typeface="Calibri" panose="020F0502020204030204" pitchFamily="34" charset="0"/>
-                <a:cs typeface="Calibri" panose="020F0502020204030204" pitchFamily="34" charset="0"/>
-                <a:hlinkClick r:id="rId2"/>
-              </a:rPr>
-              <a:t>https://openweathermap.org/api/air-pollution</a:t>
-            </a:r>
-            <a:endParaRPr lang="en-US" sz="1500" b="1" u="sng" dirty="0">
-              <a:solidFill>
-                <a:srgbClr val="0000FF"/>
-              </a:solidFill>
-              <a:latin typeface="Calibri" panose="020F0502020204030204" pitchFamily="34" charset="0"/>
-              <a:ea typeface="Calibri" panose="020F0502020204030204" pitchFamily="34" charset="0"/>
-              <a:cs typeface="Times New Roman" panose="02020603050405020304" pitchFamily="18" charset="0"/>
-            </a:endParaRPr>
-          </a:p>
-          <a:p>
-            <a:pPr marL="1291590" lvl="4" indent="-285750">
-              <a:lnSpc>
-                <a:spcPct val="115000"/>
-              </a:lnSpc>
-              <a:spcBef>
-                <a:spcPts val="0"/>
-              </a:spcBef>
-              <a:spcAft>
-                <a:spcPts val="0"/>
-              </a:spcAft>
-              <a:buSzPts val="1000"/>
-              <a:buFont typeface="Courier New" panose="02070309020205020404" pitchFamily="49" charset="0"/>
-              <a:buChar char="o"/>
-              <a:tabLst>
-                <a:tab pos="1143000" algn="l"/>
-              </a:tabLst>
-            </a:pPr>
-            <a:r>
-              <a:rPr lang="en-US" sz="1500" b="1" dirty="0">
-                <a:latin typeface="Calibri" panose="020F0502020204030204" pitchFamily="34" charset="0"/>
-                <a:ea typeface="Calibri" panose="020F0502020204030204" pitchFamily="34" charset="0"/>
-                <a:cs typeface="Calibri" panose="020F0502020204030204" pitchFamily="34" charset="0"/>
-              </a:rPr>
-              <a:t>Tracking to investigate Air Quality in Multiple Cities</a:t>
-            </a:r>
-          </a:p>
-          <a:p>
-            <a:pPr marL="925830" lvl="2" indent="-285750">
-              <a:lnSpc>
-                <a:spcPct val="115000"/>
-              </a:lnSpc>
-              <a:spcBef>
-                <a:spcPts val="0"/>
-              </a:spcBef>
-              <a:spcAft>
-                <a:spcPts val="0"/>
-              </a:spcAft>
-              <a:buSzPts val="1000"/>
-              <a:buFont typeface="Courier New" panose="02070309020205020404" pitchFamily="49" charset="0"/>
-              <a:buChar char="o"/>
-              <a:tabLst>
-                <a:tab pos="1143000" algn="l"/>
-              </a:tabLst>
-            </a:pPr>
-            <a:r>
-              <a:rPr lang="en-US" sz="1500" b="1" dirty="0">
-                <a:latin typeface="Calibri" panose="020F0502020204030204" pitchFamily="34" charset="0"/>
-                <a:ea typeface="Calibri" panose="020F0502020204030204" pitchFamily="34" charset="0"/>
-                <a:cs typeface="Calibri" panose="020F0502020204030204" pitchFamily="34" charset="0"/>
-              </a:rPr>
-              <a:t>Table1: For our Pollution Data: air quality standards as per https://openweathermap.org/api/air-pollution</a:t>
-            </a:r>
-          </a:p>
-          <a:p>
-            <a:pPr marL="1005840" lvl="4" indent="0">
-              <a:lnSpc>
-                <a:spcPct val="115000"/>
-              </a:lnSpc>
-              <a:spcBef>
-                <a:spcPts val="0"/>
-              </a:spcBef>
-              <a:spcAft>
-                <a:spcPts val="0"/>
-              </a:spcAft>
-              <a:buSzPts val="1000"/>
-              <a:buNone/>
-              <a:tabLst>
-                <a:tab pos="1143000" algn="l"/>
-              </a:tabLst>
-            </a:pPr>
-            <a:r>
-              <a:rPr lang="en-US" sz="1500" b="1" dirty="0">
-                <a:latin typeface="Calibri" panose="020F0502020204030204" pitchFamily="34" charset="0"/>
-                <a:ea typeface="Calibri" panose="020F0502020204030204" pitchFamily="34" charset="0"/>
-                <a:cs typeface="Calibri" panose="020F0502020204030204" pitchFamily="34" charset="0"/>
-              </a:rPr>
-              <a:t>See Screen Shot for Attributes / Column headers explained.  </a:t>
-            </a:r>
-          </a:p>
-          <a:p>
-            <a:pPr marL="292608" lvl="1" indent="0">
-              <a:lnSpc>
-                <a:spcPct val="115000"/>
-              </a:lnSpc>
-              <a:spcBef>
-                <a:spcPts val="0"/>
-              </a:spcBef>
-              <a:spcAft>
-                <a:spcPts val="0"/>
-              </a:spcAft>
-              <a:buNone/>
-            </a:pPr>
-            <a:r>
-              <a:rPr lang="en-US" sz="1500" dirty="0">
-                <a:solidFill>
-                  <a:srgbClr val="FF0000"/>
-                </a:solidFill>
-                <a:effectLst/>
-                <a:latin typeface="Calibri" panose="020F0502020204030204" pitchFamily="34" charset="0"/>
-                <a:ea typeface="Calibri" panose="020F0502020204030204" pitchFamily="34" charset="0"/>
-                <a:cs typeface="Calibri" panose="020F0502020204030204" pitchFamily="34" charset="0"/>
-              </a:rPr>
-              <a:t>Tom Action Item </a:t>
-            </a:r>
-            <a:endParaRPr lang="en-US" sz="1500" dirty="0">
-              <a:effectLst/>
-              <a:latin typeface="Calibri" panose="020F0502020204030204" pitchFamily="34" charset="0"/>
-              <a:ea typeface="Calibri" panose="020F0502020204030204" pitchFamily="34" charset="0"/>
-              <a:cs typeface="Times New Roman" panose="02020603050405020304" pitchFamily="18" charset="0"/>
-            </a:endParaRPr>
-          </a:p>
-          <a:p>
-            <a:pPr marL="925830" lvl="2" indent="-285750">
-              <a:lnSpc>
-                <a:spcPct val="115000"/>
-              </a:lnSpc>
-              <a:spcBef>
-                <a:spcPts val="0"/>
-              </a:spcBef>
-              <a:spcAft>
-                <a:spcPts val="0"/>
-              </a:spcAft>
-              <a:buFont typeface="Courier New" panose="02070309020205020404" pitchFamily="49" charset="0"/>
-              <a:buChar char="o"/>
-            </a:pPr>
-            <a:r>
-              <a:rPr lang="en-US" sz="1500" b="1" dirty="0">
-                <a:effectLst/>
-                <a:latin typeface="Calibri" panose="020F0502020204030204" pitchFamily="34" charset="0"/>
-                <a:ea typeface="Calibri" panose="020F0502020204030204" pitchFamily="34" charset="0"/>
-                <a:cs typeface="Calibri" panose="020F0502020204030204" pitchFamily="34" charset="0"/>
-              </a:rPr>
-              <a:t>Table2 /Database #2: Top Cities Screen Shot</a:t>
-            </a:r>
-            <a:endParaRPr lang="en-US" sz="1500" dirty="0">
-              <a:effectLst/>
-              <a:latin typeface="Calibri" panose="020F0502020204030204" pitchFamily="34" charset="0"/>
-              <a:ea typeface="Calibri" panose="020F0502020204030204" pitchFamily="34" charset="0"/>
-              <a:cs typeface="Times New Roman" panose="02020603050405020304" pitchFamily="18" charset="0"/>
-            </a:endParaRPr>
-          </a:p>
-          <a:p>
-            <a:pPr marL="1435608" lvl="1">
-              <a:lnSpc>
-                <a:spcPct val="115000"/>
-              </a:lnSpc>
-              <a:spcBef>
-                <a:spcPts val="0"/>
-              </a:spcBef>
-              <a:spcAft>
-                <a:spcPts val="0"/>
-              </a:spcAft>
-            </a:pPr>
-            <a:r>
-              <a:rPr lang="en-US" sz="1500" b="1" dirty="0">
-                <a:effectLst/>
-                <a:latin typeface="Calibri" panose="020F0502020204030204" pitchFamily="34" charset="0"/>
-                <a:ea typeface="Calibri" panose="020F0502020204030204" pitchFamily="34" charset="0"/>
-                <a:cs typeface="Calibri" panose="020F0502020204030204" pitchFamily="34" charset="0"/>
-              </a:rPr>
-              <a:t>Data Year Collected in 2022 -</a:t>
-            </a:r>
-            <a:endParaRPr lang="en-US" sz="1500" dirty="0">
-              <a:effectLst/>
-              <a:latin typeface="Calibri" panose="020F0502020204030204" pitchFamily="34" charset="0"/>
-              <a:ea typeface="Calibri" panose="020F0502020204030204" pitchFamily="34" charset="0"/>
-              <a:cs typeface="Times New Roman" panose="02020603050405020304" pitchFamily="18" charset="0"/>
-            </a:endParaRPr>
-          </a:p>
-          <a:p>
-            <a:pPr marL="1435608" lvl="1">
-              <a:lnSpc>
-                <a:spcPct val="115000"/>
-              </a:lnSpc>
-              <a:spcBef>
-                <a:spcPts val="0"/>
-              </a:spcBef>
-              <a:spcAft>
-                <a:spcPts val="0"/>
-              </a:spcAft>
-            </a:pPr>
-            <a:r>
-              <a:rPr lang="en-US" sz="1500" b="1" dirty="0">
-                <a:effectLst/>
-                <a:latin typeface="Calibri" panose="020F0502020204030204" pitchFamily="34" charset="0"/>
-                <a:ea typeface="Calibri" panose="020F0502020204030204" pitchFamily="34" charset="0"/>
-                <a:cs typeface="Calibri" panose="020F0502020204030204" pitchFamily="34" charset="0"/>
-              </a:rPr>
-              <a:t>Database Source:  </a:t>
-            </a:r>
-            <a:r>
-              <a:rPr lang="en-US" sz="1500" dirty="0">
-                <a:effectLst/>
-                <a:latin typeface="Calibri" panose="020F0502020204030204" pitchFamily="34" charset="0"/>
-                <a:ea typeface="Calibri" panose="020F0502020204030204" pitchFamily="34" charset="0"/>
-                <a:cs typeface="Calibri" panose="020F0502020204030204" pitchFamily="34" charset="0"/>
-              </a:rPr>
-              <a:t>Kaggle</a:t>
-            </a:r>
-            <a:endParaRPr lang="en-US" sz="1500" dirty="0">
-              <a:effectLst/>
-              <a:latin typeface="Calibri" panose="020F0502020204030204" pitchFamily="34" charset="0"/>
-              <a:ea typeface="Calibri" panose="020F0502020204030204" pitchFamily="34" charset="0"/>
-              <a:cs typeface="Times New Roman" panose="02020603050405020304" pitchFamily="18" charset="0"/>
-            </a:endParaRPr>
-          </a:p>
-          <a:p>
-            <a:pPr marL="0" indent="0">
-              <a:lnSpc>
-                <a:spcPct val="115000"/>
-              </a:lnSpc>
-              <a:spcAft>
-                <a:spcPts val="0"/>
-              </a:spcAft>
-              <a:buNone/>
-              <a:tabLst>
-                <a:tab pos="228600" algn="l"/>
-              </a:tabLst>
-            </a:pPr>
-            <a:r>
-              <a:rPr lang="en-US" sz="1500" b="1" dirty="0">
-                <a:solidFill>
-                  <a:srgbClr val="2B2B2B"/>
-                </a:solidFill>
-                <a:latin typeface="Calibri" panose="020F0502020204030204" pitchFamily="34" charset="0"/>
-                <a:cs typeface="Calibri" panose="020F0502020204030204" pitchFamily="34" charset="0"/>
-              </a:rPr>
-              <a:t>	Technical Tool Sets:  Python. Tableau, </a:t>
-            </a:r>
-            <a:r>
-              <a:rPr lang="en-US" sz="1500" b="1" dirty="0" err="1">
-                <a:solidFill>
-                  <a:srgbClr val="2B2B2B"/>
-                </a:solidFill>
-                <a:latin typeface="Calibri" panose="020F0502020204030204" pitchFamily="34" charset="0"/>
-                <a:cs typeface="Calibri" panose="020F0502020204030204" pitchFamily="34" charset="0"/>
-              </a:rPr>
-              <a:t>Jupyter</a:t>
-            </a:r>
-            <a:r>
-              <a:rPr lang="en-US" sz="1500" b="1" dirty="0">
-                <a:solidFill>
-                  <a:srgbClr val="2B2B2B"/>
-                </a:solidFill>
-                <a:latin typeface="Calibri" panose="020F0502020204030204" pitchFamily="34" charset="0"/>
-                <a:cs typeface="Calibri" panose="020F0502020204030204" pitchFamily="34" charset="0"/>
-              </a:rPr>
-              <a:t> Notebook</a:t>
-            </a:r>
-          </a:p>
-        </p:txBody>
-      </p:sp>
-    </p:spTree>
-    <p:extLst>
-      <p:ext uri="{BB962C8B-B14F-4D97-AF65-F5344CB8AC3E}">
-        <p14:creationId xmlns:p14="http://schemas.microsoft.com/office/powerpoint/2010/main" val="2588026706"/>
-      </p:ext>
-    </p:extLst>
-  </p:cSld>
-  <p:clrMapOvr>
-    <a:masterClrMapping/>
-  </p:clrMapOvr>
-</p:sld>
-</file>
-
-<file path=ppt/slides/slide8.xml><?xml version="1.0" encoding="utf-8"?>
-<p:sld xmlns:a="http://schemas.openxmlformats.org/drawingml/2006/main" xmlns:r="http://schemas.openxmlformats.org/officeDocument/2006/relationships" xmlns:p="http://schemas.openxmlformats.org/presentationml/2006/main">
-  <p:cSld>
-    <p:spTree>
-      <p:nvGrpSpPr>
-        <p:cNvPr id="1" name=""/>
-        <p:cNvGrpSpPr/>
-        <p:nvPr/>
-      </p:nvGrpSpPr>
-      <p:grpSpPr>
-        <a:xfrm>
-          <a:off x="0" y="0"/>
-          <a:ext cx="0" cy="0"/>
-          <a:chOff x="0" y="0"/>
-          <a:chExt cx="0" cy="0"/>
-        </a:xfrm>
-      </p:grpSpPr>
-      <p:sp>
-        <p:nvSpPr>
-          <p:cNvPr id="2" name="Title 1">
-            <a:extLst>
-              <a:ext uri="{FF2B5EF4-FFF2-40B4-BE49-F238E27FC236}">
-                <a16:creationId xmlns:a16="http://schemas.microsoft.com/office/drawing/2014/main" id="{75AC86D3-8FD1-4F47-A319-7D0542E48B2F}"/>
-              </a:ext>
-            </a:extLst>
-          </p:cNvPr>
-          <p:cNvSpPr>
-            <a:spLocks noGrp="1"/>
-          </p:cNvSpPr>
-          <p:nvPr>
-            <p:ph type="title"/>
-          </p:nvPr>
-        </p:nvSpPr>
-        <p:spPr>
-          <a:xfrm>
-            <a:off x="1097280" y="286603"/>
-            <a:ext cx="10058400" cy="1450757"/>
-          </a:xfrm>
-        </p:spPr>
-        <p:txBody>
-          <a:bodyPr vert="horz" lIns="91440" tIns="45720" rIns="91440" bIns="45720" rtlCol="0">
-            <a:normAutofit/>
-          </a:bodyPr>
-          <a:lstStyle/>
-          <a:p>
-            <a:r>
-              <a:rPr lang="en-US" dirty="0"/>
-              <a:t>Title Lorem Ipsum </a:t>
-            </a:r>
-          </a:p>
-        </p:txBody>
-      </p:sp>
-      <p:sp>
-        <p:nvSpPr>
-          <p:cNvPr id="5" name="Content Placeholder 4">
-            <a:extLst>
-              <a:ext uri="{FF2B5EF4-FFF2-40B4-BE49-F238E27FC236}">
-                <a16:creationId xmlns:a16="http://schemas.microsoft.com/office/drawing/2014/main" id="{73A7EBCF-5494-2CF5-208B-5F6B01D509BF}"/>
-              </a:ext>
-            </a:extLst>
-          </p:cNvPr>
-          <p:cNvSpPr>
-            <a:spLocks noGrp="1"/>
-          </p:cNvSpPr>
-          <p:nvPr>
-            <p:ph idx="1"/>
-          </p:nvPr>
-        </p:nvSpPr>
-        <p:spPr/>
-        <p:txBody>
-          <a:bodyPr/>
-          <a:lstStyle/>
-          <a:p>
-            <a:endParaRPr lang="en-US"/>
-          </a:p>
-        </p:txBody>
-      </p:sp>
-    </p:spTree>
-    <p:extLst>
-      <p:ext uri="{BB962C8B-B14F-4D97-AF65-F5344CB8AC3E}">
-        <p14:creationId xmlns:p14="http://schemas.microsoft.com/office/powerpoint/2010/main" val="1374906752"/>
-      </p:ext>
-    </p:extLst>
-  </p:cSld>
-  <p:clrMapOvr>
-    <a:masterClrMapping/>
-  </p:clrMapOvr>
-</p:sld>
-</file>
-
-<file path=ppt/slides/slide9.xml><?xml version="1.0" encoding="utf-8"?>
-<p:sld xmlns:a="http://schemas.openxmlformats.org/drawingml/2006/main" xmlns:r="http://schemas.openxmlformats.org/officeDocument/2006/relationships" xmlns:p="http://schemas.openxmlformats.org/presentationml/2006/main">
-  <p:cSld>
-    <p:spTree>
-      <p:nvGrpSpPr>
-        <p:cNvPr id="1" name=""/>
-        <p:cNvGrpSpPr/>
-        <p:nvPr/>
-      </p:nvGrpSpPr>
-      <p:grpSpPr>
-        <a:xfrm>
-          <a:off x="0" y="0"/>
-          <a:ext cx="0" cy="0"/>
-          <a:chOff x="0" y="0"/>
-          <a:chExt cx="0" cy="0"/>
-        </a:xfrm>
-      </p:grpSpPr>
-      <p:sp>
-        <p:nvSpPr>
-          <p:cNvPr id="2" name="Title 1">
-            <a:extLst>
-              <a:ext uri="{FF2B5EF4-FFF2-40B4-BE49-F238E27FC236}">
-                <a16:creationId xmlns:a16="http://schemas.microsoft.com/office/drawing/2014/main" id="{75AC86D3-8FD1-4F47-A319-7D0542E48B2F}"/>
-              </a:ext>
-            </a:extLst>
-          </p:cNvPr>
-          <p:cNvSpPr>
-            <a:spLocks noGrp="1"/>
-          </p:cNvSpPr>
-          <p:nvPr>
-            <p:ph type="title"/>
-          </p:nvPr>
-        </p:nvSpPr>
-        <p:spPr>
-          <a:xfrm>
-            <a:off x="1097280" y="286603"/>
-            <a:ext cx="10058400" cy="1450757"/>
-          </a:xfrm>
-        </p:spPr>
-        <p:txBody>
-          <a:bodyPr vert="horz" lIns="91440" tIns="45720" rIns="91440" bIns="45720" rtlCol="0">
-            <a:normAutofit/>
-          </a:bodyPr>
-          <a:lstStyle/>
-          <a:p>
-            <a:r>
-              <a:rPr lang="en-US" dirty="0"/>
-              <a:t>ERM </a:t>
-            </a:r>
-          </a:p>
-        </p:txBody>
-      </p:sp>
-      <p:pic>
-        <p:nvPicPr>
-          <p:cNvPr id="3" name="Content Placeholder 2" descr="Graphical user interface, application, Teams&#10;&#10;Description automatically generated">
-            <a:extLst>
-              <a:ext uri="{FF2B5EF4-FFF2-40B4-BE49-F238E27FC236}">
-                <a16:creationId xmlns:a16="http://schemas.microsoft.com/office/drawing/2014/main" id="{1D6B2B4C-EC6F-7601-57AD-3B01D511856D}"/>
-              </a:ext>
-            </a:extLst>
-          </p:cNvPr>
-          <p:cNvPicPr>
-            <a:picLocks noGrp="1" noChangeAspect="1"/>
-          </p:cNvPicPr>
-          <p:nvPr>
-            <p:ph idx="1"/>
-          </p:nvPr>
-        </p:nvPicPr>
-        <p:blipFill>
-          <a:blip r:embed="rId2"/>
-          <a:stretch>
-            <a:fillRect/>
-          </a:stretch>
-        </p:blipFill>
-        <p:spPr>
-          <a:xfrm>
-            <a:off x="2486691" y="2108200"/>
-            <a:ext cx="7278944" cy="3760788"/>
-          </a:xfrm>
-          <a:prstGeom prst="rect">
-            <a:avLst/>
-          </a:prstGeom>
-        </p:spPr>
-      </p:pic>
-    </p:spTree>
-    <p:extLst>
-      <p:ext uri="{BB962C8B-B14F-4D97-AF65-F5344CB8AC3E}">
-        <p14:creationId xmlns:p14="http://schemas.microsoft.com/office/powerpoint/2010/main" val="2774795059"/>
       </p:ext>
     </p:extLst>
   </p:cSld>

--- a/C-Group v2.pptx
+++ b/C-Group v2.pptx
@@ -131,7 +131,7 @@
 <file path=ppt/revisionInfo.xml><?xml version="1.0" encoding="utf-8"?>
 <p1510:revInfo xmlns:a="http://schemas.openxmlformats.org/drawingml/2006/main" xmlns:r="http://schemas.openxmlformats.org/officeDocument/2006/relationships" xmlns:p1510="http://schemas.microsoft.com/office/powerpoint/2015/10/main">
   <p1510:revLst>
-    <p1510:client id="{822C966B-C667-4003-8373-37D4D19E0693}" v="7" dt="2023-04-12T00:41:20.020"/>
+    <p1510:client id="{822C966B-C667-4003-8373-37D4D19E0693}" v="8" dt="2023-04-12T01:12:07.249"/>
   </p1510:revLst>
 </p1510:revInfo>
 </file>
@@ -141,7 +141,7 @@
   <pc:docChgLst>
     <pc:chgData name="lou foster" userId="6aa2d2fb6fd751e9" providerId="LiveId" clId="{822C966B-C667-4003-8373-37D4D19E0693}"/>
     <pc:docChg chg="undo custSel addSld delSld modSld sldOrd">
-      <pc:chgData name="lou foster" userId="6aa2d2fb6fd751e9" providerId="LiveId" clId="{822C966B-C667-4003-8373-37D4D19E0693}" dt="2023-04-12T00:56:49.840" v="1337" actId="1076"/>
+      <pc:chgData name="lou foster" userId="6aa2d2fb6fd751e9" providerId="LiveId" clId="{822C966B-C667-4003-8373-37D4D19E0693}" dt="2023-04-12T01:13:49.999" v="2066" actId="20577"/>
       <pc:docMkLst>
         <pc:docMk/>
       </pc:docMkLst>
@@ -198,7 +198,7 @@
         </pc:sldMkLst>
       </pc:sldChg>
       <pc:sldChg chg="addSp delSp modSp mod">
-        <pc:chgData name="lou foster" userId="6aa2d2fb6fd751e9" providerId="LiveId" clId="{822C966B-C667-4003-8373-37D4D19E0693}" dt="2023-04-12T00:52:15.070" v="1335" actId="6549"/>
+        <pc:chgData name="lou foster" userId="6aa2d2fb6fd751e9" providerId="LiveId" clId="{822C966B-C667-4003-8373-37D4D19E0693}" dt="2023-04-12T01:13:49.999" v="2066" actId="20577"/>
         <pc:sldMkLst>
           <pc:docMk/>
           <pc:sldMk cId="3107224356" sldId="304"/>
@@ -220,7 +220,7 @@
           </ac:spMkLst>
         </pc:spChg>
         <pc:spChg chg="mod">
-          <ac:chgData name="lou foster" userId="6aa2d2fb6fd751e9" providerId="LiveId" clId="{822C966B-C667-4003-8373-37D4D19E0693}" dt="2023-04-12T00:52:15.070" v="1335" actId="6549"/>
+          <ac:chgData name="lou foster" userId="6aa2d2fb6fd751e9" providerId="LiveId" clId="{822C966B-C667-4003-8373-37D4D19E0693}" dt="2023-04-12T01:13:49.999" v="2066" actId="20577"/>
           <ac:spMkLst>
             <pc:docMk/>
             <pc:sldMk cId="3107224356" sldId="304"/>
@@ -5002,32 +5002,136 @@
         </p:nvSpPr>
         <p:spPr/>
         <p:txBody>
-          <a:bodyPr/>
+          <a:bodyPr>
+            <a:normAutofit/>
+          </a:bodyPr>
           <a:lstStyle/>
           <a:p>
-            <a:r>
-              <a:rPr lang="en-US" dirty="0"/>
+            <a:pPr>
+              <a:lnSpc>
+                <a:spcPct val="100000"/>
+              </a:lnSpc>
+              <a:spcBef>
+                <a:spcPts val="0"/>
+              </a:spcBef>
+              <a:spcAft>
+                <a:spcPts val="0"/>
+              </a:spcAft>
+            </a:pPr>
+            <a:r>
+              <a:rPr lang="en-US" sz="1600" b="1" u="sng" dirty="0">
+                <a:latin typeface="Calibri" panose="020F0502020204030204" pitchFamily="34" charset="0"/>
+                <a:ea typeface="Calibri" panose="020F0502020204030204" pitchFamily="34" charset="0"/>
+                <a:cs typeface="Calibri" panose="020F0502020204030204" pitchFamily="34" charset="0"/>
+              </a:rPr>
+              <a:t>Results</a:t>
+            </a:r>
+          </a:p>
+          <a:p>
+            <a:pPr marL="578358" lvl="1" indent="-285750">
+              <a:spcBef>
+                <a:spcPts val="0"/>
+              </a:spcBef>
+              <a:spcAft>
+                <a:spcPts val="0"/>
+              </a:spcAft>
+            </a:pPr>
+            <a:r>
+              <a:rPr lang="en-US" sz="1600" dirty="0">
+                <a:latin typeface="Calibri" panose="020F0502020204030204" pitchFamily="34" charset="0"/>
+                <a:ea typeface="Calibri" panose="020F0502020204030204" pitchFamily="34" charset="0"/>
+                <a:cs typeface="Calibri" panose="020F0502020204030204" pitchFamily="34" charset="0"/>
+              </a:rPr>
+              <a:t>90% of the Air Quality is ranked as Level 1 – the lowest level of air quality</a:t>
+            </a:r>
+          </a:p>
+          <a:p>
+            <a:r>
+              <a:rPr lang="en-US" sz="1600" dirty="0">
+                <a:latin typeface="Calibri" panose="020F0502020204030204" pitchFamily="34" charset="0"/>
+                <a:ea typeface="Calibri" panose="020F0502020204030204" pitchFamily="34" charset="0"/>
+                <a:cs typeface="Calibri" panose="020F0502020204030204" pitchFamily="34" charset="0"/>
+              </a:rPr>
               <a:t>C-Group believes our current data has a 25 % accuracy</a:t>
             </a:r>
           </a:p>
           <a:p>
             <a:pPr lvl="1"/>
             <a:r>
-              <a:rPr lang="en-US" dirty="0"/>
+              <a:rPr lang="en-US" sz="1600" dirty="0">
+                <a:latin typeface="Calibri" panose="020F0502020204030204" pitchFamily="34" charset="0"/>
+                <a:ea typeface="Calibri" panose="020F0502020204030204" pitchFamily="34" charset="0"/>
+                <a:cs typeface="Calibri" panose="020F0502020204030204" pitchFamily="34" charset="0"/>
+              </a:rPr>
               <a:t>We strongly recommend additional analysis to ensure the data utilized is appropriate for correctly</a:t>
             </a:r>
           </a:p>
           <a:p>
-            <a:endParaRPr lang="en-US" dirty="0"/>
-          </a:p>
-          <a:p>
-            <a:r>
-              <a:rPr lang="en-US" dirty="0"/>
-              <a:t>90% of the Air Quality is ranked as Level 1 – the lowest level of air quality</a:t>
-            </a:r>
-          </a:p>
-          <a:p>
-            <a:endParaRPr lang="en-US" dirty="0"/>
+            <a:r>
+              <a:rPr lang="en-US" sz="1600" b="1" u="sng" dirty="0">
+                <a:latin typeface="Calibri" panose="020F0502020204030204" pitchFamily="34" charset="0"/>
+                <a:ea typeface="Calibri" panose="020F0502020204030204" pitchFamily="34" charset="0"/>
+                <a:cs typeface="Calibri" panose="020F0502020204030204" pitchFamily="34" charset="0"/>
+              </a:rPr>
+              <a:t>Recommendations</a:t>
+            </a:r>
+            <a:r>
+              <a:rPr lang="en-US" sz="1600" dirty="0">
+                <a:latin typeface="Calibri" panose="020F0502020204030204" pitchFamily="34" charset="0"/>
+                <a:ea typeface="Calibri" panose="020F0502020204030204" pitchFamily="34" charset="0"/>
+                <a:cs typeface="Calibri" panose="020F0502020204030204" pitchFamily="34" charset="0"/>
+              </a:rPr>
+              <a:t> for future analysis, C-Group would suggest the following:</a:t>
+            </a:r>
+          </a:p>
+          <a:p>
+            <a:pPr lvl="1"/>
+            <a:r>
+              <a:rPr lang="en-US" sz="1600" dirty="0">
+                <a:latin typeface="Calibri" panose="020F0502020204030204" pitchFamily="34" charset="0"/>
+                <a:ea typeface="Calibri" panose="020F0502020204030204" pitchFamily="34" charset="0"/>
+                <a:cs typeface="Calibri" panose="020F0502020204030204" pitchFamily="34" charset="0"/>
+              </a:rPr>
+              <a:t>Utilizing another weather index that has more accurate data for tracking the weather conditions.</a:t>
+            </a:r>
+          </a:p>
+          <a:p>
+            <a:pPr lvl="1"/>
+            <a:r>
+              <a:rPr lang="en-US" sz="1600" dirty="0">
+                <a:latin typeface="Calibri" panose="020F0502020204030204" pitchFamily="34" charset="0"/>
+                <a:ea typeface="Calibri" panose="020F0502020204030204" pitchFamily="34" charset="0"/>
+                <a:cs typeface="Calibri" panose="020F0502020204030204" pitchFamily="34" charset="0"/>
+              </a:rPr>
+              <a:t>Adding additional dimensions to our analysis.</a:t>
+            </a:r>
+          </a:p>
+          <a:p>
+            <a:pPr lvl="2"/>
+            <a:r>
+              <a:rPr lang="en-US" sz="1600" dirty="0">
+                <a:latin typeface="Calibri" panose="020F0502020204030204" pitchFamily="34" charset="0"/>
+                <a:ea typeface="Calibri" panose="020F0502020204030204" pitchFamily="34" charset="0"/>
+                <a:cs typeface="Calibri" panose="020F0502020204030204" pitchFamily="34" charset="0"/>
+              </a:rPr>
+              <a:t>Client “nice to have” feature to add to our toolset would be to include additional weather tracking data, (i.e., rainfall, wind index, average temperature, </a:t>
+            </a:r>
+            <a:r>
+              <a:rPr lang="en-US" sz="1600" dirty="0" err="1">
+                <a:latin typeface="Calibri" panose="020F0502020204030204" pitchFamily="34" charset="0"/>
+                <a:ea typeface="Calibri" panose="020F0502020204030204" pitchFamily="34" charset="0"/>
+                <a:cs typeface="Calibri" panose="020F0502020204030204" pitchFamily="34" charset="0"/>
+              </a:rPr>
+              <a:t>etc</a:t>
+            </a:r>
+            <a:r>
+              <a:rPr lang="en-US" sz="1600" dirty="0">
+                <a:latin typeface="Calibri" panose="020F0502020204030204" pitchFamily="34" charset="0"/>
+                <a:ea typeface="Calibri" panose="020F0502020204030204" pitchFamily="34" charset="0"/>
+                <a:cs typeface="Calibri" panose="020F0502020204030204" pitchFamily="34" charset="0"/>
+              </a:rPr>
+              <a:t> for the Top 100 Cites </a:t>
+            </a:r>
           </a:p>
         </p:txBody>
       </p:sp>
@@ -8380,21 +8484,21 @@
 </file>
 
 <file path=customXml/item2.xml><?xml version="1.0" encoding="utf-8"?>
+<p:properties xmlns:p="http://schemas.microsoft.com/office/2006/metadata/properties" xmlns:xsi="http://www.w3.org/2001/XMLSchema-instance" xmlns:pc="http://schemas.microsoft.com/office/infopath/2007/PartnerControls">
+  <documentManagement>
+    <Status xmlns="71af3243-3dd4-4a8d-8c0d-dd76da1f02a5">Not started</Status>
+    <MediaServiceKeyPoints xmlns="71af3243-3dd4-4a8d-8c0d-dd76da1f02a5" xsi:nil="true"/>
+  </documentManagement>
+</p:properties>
+</file>
+
+<file path=customXml/item3.xml><?xml version="1.0" encoding="utf-8"?>
 <?mso-contentType ?>
 <FormTemplates xmlns="http://schemas.microsoft.com/sharepoint/v3/contenttype/forms">
   <Display>DocumentLibraryForm</Display>
   <Edit>DocumentLibraryForm</Edit>
   <New>DocumentLibraryForm</New>
 </FormTemplates>
-</file>
-
-<file path=customXml/item3.xml><?xml version="1.0" encoding="utf-8"?>
-<p:properties xmlns:p="http://schemas.microsoft.com/office/2006/metadata/properties" xmlns:xsi="http://www.w3.org/2001/XMLSchema-instance" xmlns:pc="http://schemas.microsoft.com/office/infopath/2007/PartnerControls">
-  <documentManagement>
-    <Status xmlns="71af3243-3dd4-4a8d-8c0d-dd76da1f02a5">Not started</Status>
-    <MediaServiceKeyPoints xmlns="71af3243-3dd4-4a8d-8c0d-dd76da1f02a5" xsi:nil="true"/>
-  </documentManagement>
-</p:properties>
 </file>
 
 <file path=customXml/itemProps1.xml><?xml version="1.0" encoding="utf-8"?>
@@ -8417,14 +8521,6 @@
 </file>
 
 <file path=customXml/itemProps2.xml><?xml version="1.0" encoding="utf-8"?>
-<ds:datastoreItem xmlns:ds="http://schemas.openxmlformats.org/officeDocument/2006/customXml" ds:itemID="{AA3F7EDC-E5B4-4BBC-9D2A-CBE6D46C37AD}">
-  <ds:schemaRefs>
-    <ds:schemaRef ds:uri="http://schemas.microsoft.com/sharepoint/v3/contenttype/forms"/>
-  </ds:schemaRefs>
-</ds:datastoreItem>
-</file>
-
-<file path=customXml/itemProps3.xml><?xml version="1.0" encoding="utf-8"?>
 <ds:datastoreItem xmlns:ds="http://schemas.openxmlformats.org/officeDocument/2006/customXml" ds:itemID="{A03EEFF0-FB57-4CB4-8BFC-DF397689E2ED}">
   <ds:schemaRefs>
     <ds:schemaRef ds:uri="http://schemas.microsoft.com/office/2006/metadata/properties"/>
@@ -8432,4 +8528,12 @@
     <ds:schemaRef ds:uri="71af3243-3dd4-4a8d-8c0d-dd76da1f02a5"/>
   </ds:schemaRefs>
 </ds:datastoreItem>
+</file>
+
+<file path=customXml/itemProps3.xml><?xml version="1.0" encoding="utf-8"?>
+<ds:datastoreItem xmlns:ds="http://schemas.openxmlformats.org/officeDocument/2006/customXml" ds:itemID="{AA3F7EDC-E5B4-4BBC-9D2A-CBE6D46C37AD}">
+  <ds:schemaRefs>
+    <ds:schemaRef ds:uri="http://schemas.microsoft.com/sharepoint/v3/contenttype/forms"/>
+  </ds:schemaRefs>
+</ds:datastoreItem>
 </file>
--- a/C-Group v2.pptx
+++ b/C-Group v2.pptx
@@ -706,7 +706,7 @@
           <a:p>
             <a:fld id="{9184DA70-C731-4C70-880D-CCD4705E623C}" type="datetime1">
               <a:rPr lang="en-US" smtClean="0"/>
-              <a:t>4/11/2023</a:t>
+              <a:t>4/13/2023</a:t>
             </a:fld>
             <a:endParaRPr lang="en-US" dirty="0"/>
           </a:p>
@@ -894,7 +894,7 @@
           <a:p>
             <a:fld id="{4BE1D723-8F53-4F53-90B0-1982A396982E}" type="datetime1">
               <a:rPr lang="en-US" smtClean="0"/>
-              <a:t>4/11/2023</a:t>
+              <a:t>4/13/2023</a:t>
             </a:fld>
             <a:endParaRPr lang="en-US" dirty="0"/>
           </a:p>
@@ -1267,7 +1267,7 @@
           <a:p>
             <a:fld id="{97669AF7-7BEB-44E4-9852-375E34362B5B}" type="datetime1">
               <a:rPr lang="en-US" smtClean="0"/>
-              <a:t>4/11/2023</a:t>
+              <a:t>4/13/2023</a:t>
             </a:fld>
             <a:endParaRPr lang="en-US" dirty="0"/>
           </a:p>
@@ -1522,7 +1522,7 @@
           <a:p>
             <a:fld id="{BAAAC38D-0552-4C82-B593-E6124DFADBE2}" type="datetime1">
               <a:rPr lang="en-US" smtClean="0"/>
-              <a:t>4/11/2023</a:t>
+              <a:t>4/13/2023</a:t>
             </a:fld>
             <a:endParaRPr lang="en-US" dirty="0"/>
           </a:p>
@@ -1919,7 +1919,7 @@
           <a:p>
             <a:fld id="{D9DF0F1C-5577-4ACB-BB62-DF8F3C494C7E}" type="datetime1">
               <a:rPr lang="en-US" smtClean="0"/>
-              <a:t>4/11/2023</a:t>
+              <a:t>4/13/2023</a:t>
             </a:fld>
             <a:endParaRPr lang="en-US" dirty="0"/>
           </a:p>
@@ -2055,7 +2055,7 @@
           <a:p>
             <a:fld id="{1775B394-D9F9-4F0C-B15D-605F45CB9E9F}" type="datetime1">
               <a:rPr lang="en-US" smtClean="0"/>
-              <a:t>4/11/2023</a:t>
+              <a:t>4/13/2023</a:t>
             </a:fld>
             <a:endParaRPr lang="en-US" dirty="0"/>
           </a:p>
@@ -2212,7 +2212,7 @@
           <a:p>
             <a:fld id="{39667345-2558-425A-8533-9BFDBCE15005}" type="datetime1">
               <a:rPr lang="en-US" smtClean="0"/>
-              <a:t>4/11/2023</a:t>
+              <a:t>4/13/2023</a:t>
             </a:fld>
             <a:endParaRPr lang="en-US" dirty="0"/>
           </a:p>
@@ -2541,7 +2541,7 @@
           <a:p>
             <a:fld id="{92BEA474-078D-4E9B-9B14-09A87B19DC46}" type="datetime1">
               <a:rPr lang="en-US" smtClean="0"/>
-              <a:t>4/11/2023</a:t>
+              <a:t>4/13/2023</a:t>
             </a:fld>
             <a:endParaRPr lang="en-US" dirty="0"/>
           </a:p>
@@ -2891,7 +2891,7 @@
           <a:p>
             <a:fld id="{4907D986-8816-4272-A432-0437A28A9828}" type="datetime1">
               <a:rPr lang="en-US" smtClean="0"/>
-              <a:t>4/11/2023</a:t>
+              <a:t>4/13/2023</a:t>
             </a:fld>
             <a:endParaRPr lang="en-US" dirty="0"/>
           </a:p>
@@ -3152,7 +3152,7 @@
           <a:p>
             <a:fld id="{62D6E202-B606-4609-B914-27C9371A1F6D}" type="datetime1">
               <a:rPr lang="en-US" smtClean="0"/>
-              <a:t>4/11/2023</a:t>
+              <a:t>4/13/2023</a:t>
             </a:fld>
             <a:endParaRPr lang="en-US" dirty="0"/>
           </a:p>
@@ -4812,7 +4812,7 @@
           <a:lstStyle/>
           <a:p>
             <a:r>
-              <a:rPr lang="en-US" sz="4800" b="1">
+              <a:rPr lang="en-US" sz="4800" b="1" dirty="0">
                 <a:solidFill>
                   <a:srgbClr val="2B2B2B"/>
                 </a:solidFill>
@@ -4848,9 +4848,9 @@
           <a:bodyPr/>
           <a:lstStyle/>
           <a:p>
-            <a:pPr marL="742950" marR="0" lvl="1" indent="-285750">
+            <a:pPr>
               <a:lnSpc>
-                <a:spcPct val="115000"/>
+                <a:spcPct val="100000"/>
               </a:lnSpc>
               <a:spcBef>
                 <a:spcPts val="0"/>
@@ -4858,43 +4858,48 @@
               <a:spcAft>
                 <a:spcPts val="0"/>
               </a:spcAft>
-              <a:buSzPts val="1000"/>
-              <a:buFont typeface="Courier New" panose="02070309020205020404" pitchFamily="49" charset="0"/>
-              <a:buChar char="o"/>
-              <a:tabLst>
-                <a:tab pos="685800" algn="l"/>
-              </a:tabLst>
             </a:pPr>
             <a:r>
-              <a:rPr lang="en-US" sz="1100" dirty="0">
-                <a:solidFill>
-                  <a:srgbClr val="2B2B2B"/>
-                </a:solidFill>
-                <a:effectLst/>
-                <a:latin typeface="Calibri" panose="020F0502020204030204" pitchFamily="34" charset="0"/>
-                <a:ea typeface="Times New Roman" panose="02020603050405020304" pitchFamily="18" charset="0"/>
+              <a:rPr lang="en-US" sz="1600" b="1" u="sng" dirty="0">
+                <a:latin typeface="Calibri" panose="020F0502020204030204" pitchFamily="34" charset="0"/>
+                <a:ea typeface="Calibri" panose="020F0502020204030204" pitchFamily="34" charset="0"/>
                 <a:cs typeface="Calibri" panose="020F0502020204030204" pitchFamily="34" charset="0"/>
               </a:rPr>
-              <a:t>Travel agents and customers can utilize the weather data to choose the best cities for vacation based on certain weather criteria,</a:t>
-            </a:r>
-            <a:endParaRPr lang="en-US" sz="1100" dirty="0">
-              <a:effectLst/>
-              <a:latin typeface="Calibri" panose="020F0502020204030204" pitchFamily="34" charset="0"/>
-              <a:ea typeface="Calibri" panose="020F0502020204030204" pitchFamily="34" charset="0"/>
-              <a:cs typeface="Times New Roman" panose="02020603050405020304" pitchFamily="18" charset="0"/>
-            </a:endParaRPr>
-          </a:p>
-          <a:p>
+              <a:t>Objective</a:t>
+            </a:r>
+          </a:p>
+          <a:p>
+            <a:pPr marL="578358" lvl="1" indent="-285750">
+              <a:spcBef>
+                <a:spcPts val="0"/>
+              </a:spcBef>
+              <a:spcAft>
+                <a:spcPts val="0"/>
+              </a:spcAft>
+            </a:pPr>
+            <a:r>
+              <a:rPr lang="en-US" sz="1600" dirty="0">
+                <a:latin typeface="Calibri" panose="020F0502020204030204" pitchFamily="34" charset="0"/>
+                <a:ea typeface="Calibri" panose="020F0502020204030204" pitchFamily="34" charset="0"/>
+                <a:cs typeface="Calibri" panose="020F0502020204030204" pitchFamily="34" charset="0"/>
+              </a:rPr>
+              <a:t>We used a logistic regression model to predict the air pollution index level based on polluting gases such as Carbon monoxide (CO), Nitrogen monoxide (NO), Nitrogen dioxide (NO2), Ozone (O3), Sulphur dioxide (SO2), Ammonia (NH3), and particulates (PM2.5 and PM10).</a:t>
+            </a:r>
+          </a:p>
+          <a:p>
+            <a:pPr marL="0" indent="0">
+              <a:buNone/>
+            </a:pPr>
             <a:endParaRPr lang="en-US" dirty="0"/>
           </a:p>
         </p:txBody>
       </p:sp>
       <p:pic>
         <p:nvPicPr>
-          <p:cNvPr id="4" name="Picture 3">
+          <p:cNvPr id="10" name="Picture 9">
             <a:extLst>
               <a:ext uri="{FF2B5EF4-FFF2-40B4-BE49-F238E27FC236}">
-                <a16:creationId xmlns:a16="http://schemas.microsoft.com/office/drawing/2014/main" id="{AAE79204-E865-BDEB-8B37-9BC371CC4FF7}"/>
+                <a16:creationId xmlns:a16="http://schemas.microsoft.com/office/drawing/2014/main" id="{007C60E0-1AA4-3FFD-84E9-59E8959347B2}"/>
               </a:ext>
             </a:extLst>
           </p:cNvPr>
@@ -4911,8 +4916,38 @@
         </p:blipFill>
         <p:spPr>
           <a:xfrm>
-            <a:off x="3360097" y="2829635"/>
-            <a:ext cx="3600476" cy="2995634"/>
+            <a:off x="7034981" y="3232166"/>
+            <a:ext cx="4314348" cy="3007767"/>
+          </a:xfrm>
+          <a:prstGeom prst="rect">
+            <a:avLst/>
+          </a:prstGeom>
+        </p:spPr>
+      </p:pic>
+      <p:pic>
+        <p:nvPicPr>
+          <p:cNvPr id="12" name="Picture 11">
+            <a:extLst>
+              <a:ext uri="{FF2B5EF4-FFF2-40B4-BE49-F238E27FC236}">
+                <a16:creationId xmlns:a16="http://schemas.microsoft.com/office/drawing/2014/main" id="{C593DCA2-2F92-4D05-A02D-21C6D27A1D64}"/>
+              </a:ext>
+            </a:extLst>
+          </p:cNvPr>
+          <p:cNvPicPr>
+            <a:picLocks noChangeAspect="1"/>
+          </p:cNvPicPr>
+          <p:nvPr/>
+        </p:nvPicPr>
+        <p:blipFill>
+          <a:blip r:embed="rId3"/>
+          <a:stretch>
+            <a:fillRect/>
+          </a:stretch>
+        </p:blipFill>
+        <p:spPr>
+          <a:xfrm>
+            <a:off x="903631" y="3274636"/>
+            <a:ext cx="5529744" cy="3097223"/>
           </a:xfrm>
           <a:prstGeom prst="rect">
             <a:avLst/>
@@ -8263,6 +8298,15 @@
 </file>
 
 <file path=customXml/item1.xml><?xml version="1.0" encoding="utf-8"?>
+<?mso-contentType ?>
+<FormTemplates xmlns="http://schemas.microsoft.com/sharepoint/v3/contenttype/forms">
+  <Display>DocumentLibraryForm</Display>
+  <Edit>DocumentLibraryForm</Edit>
+  <New>DocumentLibraryForm</New>
+</FormTemplates>
+</file>
+
+<file path=customXml/item2.xml><?xml version="1.0" encoding="utf-8"?>
 <ct:contentTypeSchema xmlns:ct="http://schemas.microsoft.com/office/2006/metadata/contentType" xmlns:ma="http://schemas.microsoft.com/office/2006/metadata/properties/metaAttributes" ct:_="" ma:_="" ma:contentTypeName="Document" ma:contentTypeID="0x01010079F111ED35F8CC479449609E8A0923A6" ma:contentTypeVersion="12" ma:contentTypeDescription="Create a new document." ma:contentTypeScope="" ma:versionID="a410dd7f93c95333ffa1b60ed6adedd1">
   <xsd:schema xmlns:xsd="http://www.w3.org/2001/XMLSchema" xmlns:xs="http://www.w3.org/2001/XMLSchema" xmlns:p="http://schemas.microsoft.com/office/2006/metadata/properties" xmlns:ns2="71af3243-3dd4-4a8d-8c0d-dd76da1f02a5" xmlns:ns3="16c05727-aa75-4e4a-9b5f-8a80a1165891" targetNamespace="http://schemas.microsoft.com/office/2006/metadata/properties" ma:root="true" ma:fieldsID="a936d9baba76aa3866493feff160faab" ns2:_="" ns3:_="">
     <xsd:import namespace="71af3243-3dd4-4a8d-8c0d-dd76da1f02a5"/>
@@ -8483,7 +8527,7 @@
 </ct:contentTypeSchema>
 </file>
 
-<file path=customXml/item2.xml><?xml version="1.0" encoding="utf-8"?>
+<file path=customXml/item3.xml><?xml version="1.0" encoding="utf-8"?>
 <p:properties xmlns:p="http://schemas.microsoft.com/office/2006/metadata/properties" xmlns:xsi="http://www.w3.org/2001/XMLSchema-instance" xmlns:pc="http://schemas.microsoft.com/office/infopath/2007/PartnerControls">
   <documentManagement>
     <Status xmlns="71af3243-3dd4-4a8d-8c0d-dd76da1f02a5">Not started</Status>
@@ -8492,16 +8536,15 @@
 </p:properties>
 </file>
 
-<file path=customXml/item3.xml><?xml version="1.0" encoding="utf-8"?>
-<?mso-contentType ?>
-<FormTemplates xmlns="http://schemas.microsoft.com/sharepoint/v3/contenttype/forms">
-  <Display>DocumentLibraryForm</Display>
-  <Edit>DocumentLibraryForm</Edit>
-  <New>DocumentLibraryForm</New>
-</FormTemplates>
+<file path=customXml/itemProps1.xml><?xml version="1.0" encoding="utf-8"?>
+<ds:datastoreItem xmlns:ds="http://schemas.openxmlformats.org/officeDocument/2006/customXml" ds:itemID="{AA3F7EDC-E5B4-4BBC-9D2A-CBE6D46C37AD}">
+  <ds:schemaRefs>
+    <ds:schemaRef ds:uri="http://schemas.microsoft.com/sharepoint/v3/contenttype/forms"/>
+  </ds:schemaRefs>
+</ds:datastoreItem>
 </file>
 
-<file path=customXml/itemProps1.xml><?xml version="1.0" encoding="utf-8"?>
+<file path=customXml/itemProps2.xml><?xml version="1.0" encoding="utf-8"?>
 <ds:datastoreItem xmlns:ds="http://schemas.openxmlformats.org/officeDocument/2006/customXml" ds:itemID="{93932EF5-314F-409E-8020-FEE5FA0795B9}">
   <ds:schemaRefs>
     <ds:schemaRef ds:uri="http://schemas.microsoft.com/office/2006/metadata/contentType"/>
@@ -8520,7 +8563,7 @@
 </ds:datastoreItem>
 </file>
 
-<file path=customXml/itemProps2.xml><?xml version="1.0" encoding="utf-8"?>
+<file path=customXml/itemProps3.xml><?xml version="1.0" encoding="utf-8"?>
 <ds:datastoreItem xmlns:ds="http://schemas.openxmlformats.org/officeDocument/2006/customXml" ds:itemID="{A03EEFF0-FB57-4CB4-8BFC-DF397689E2ED}">
   <ds:schemaRefs>
     <ds:schemaRef ds:uri="http://schemas.microsoft.com/office/2006/metadata/properties"/>
@@ -8528,12 +8571,4 @@
     <ds:schemaRef ds:uri="71af3243-3dd4-4a8d-8c0d-dd76da1f02a5"/>
   </ds:schemaRefs>
 </ds:datastoreItem>
-</file>
-
-<file path=customXml/itemProps3.xml><?xml version="1.0" encoding="utf-8"?>
-<ds:datastoreItem xmlns:ds="http://schemas.openxmlformats.org/officeDocument/2006/customXml" ds:itemID="{AA3F7EDC-E5B4-4BBC-9D2A-CBE6D46C37AD}">
-  <ds:schemaRefs>
-    <ds:schemaRef ds:uri="http://schemas.microsoft.com/sharepoint/v3/contenttype/forms"/>
-  </ds:schemaRefs>
-</ds:datastoreItem>
 </file>
--- a/C-Group v2.pptx
+++ b/C-Group v2.pptx
@@ -16,12 +16,14 @@
     <p:sldId id="306" r:id="rId13"/>
     <p:sldId id="303" r:id="rId14"/>
     <p:sldId id="308" r:id="rId15"/>
-    <p:sldId id="311" r:id="rId16"/>
-    <p:sldId id="312" r:id="rId17"/>
-    <p:sldId id="313" r:id="rId18"/>
-    <p:sldId id="304" r:id="rId19"/>
-    <p:sldId id="316" r:id="rId20"/>
-    <p:sldId id="315" r:id="rId21"/>
+    <p:sldId id="317" r:id="rId16"/>
+    <p:sldId id="318" r:id="rId17"/>
+    <p:sldId id="311" r:id="rId18"/>
+    <p:sldId id="312" r:id="rId19"/>
+    <p:sldId id="313" r:id="rId20"/>
+    <p:sldId id="304" r:id="rId21"/>
+    <p:sldId id="316" r:id="rId22"/>
+    <p:sldId id="315" r:id="rId23"/>
   </p:sldIdLst>
   <p:sldSz cx="12192000" cy="6858000"/>
   <p:notesSz cx="6858000" cy="9144000"/>
@@ -706,7 +708,7 @@
           <a:p>
             <a:fld id="{9184DA70-C731-4C70-880D-CCD4705E623C}" type="datetime1">
               <a:rPr lang="en-US" smtClean="0"/>
-              <a:t>4/13/2023</a:t>
+              <a:t>4/18/23</a:t>
             </a:fld>
             <a:endParaRPr lang="en-US" dirty="0"/>
           </a:p>
@@ -894,7 +896,7 @@
           <a:p>
             <a:fld id="{4BE1D723-8F53-4F53-90B0-1982A396982E}" type="datetime1">
               <a:rPr lang="en-US" smtClean="0"/>
-              <a:t>4/13/2023</a:t>
+              <a:t>4/18/23</a:t>
             </a:fld>
             <a:endParaRPr lang="en-US" dirty="0"/>
           </a:p>
@@ -1267,7 +1269,7 @@
           <a:p>
             <a:fld id="{97669AF7-7BEB-44E4-9852-375E34362B5B}" type="datetime1">
               <a:rPr lang="en-US" smtClean="0"/>
-              <a:t>4/13/2023</a:t>
+              <a:t>4/18/23</a:t>
             </a:fld>
             <a:endParaRPr lang="en-US" dirty="0"/>
           </a:p>
@@ -1522,7 +1524,7 @@
           <a:p>
             <a:fld id="{BAAAC38D-0552-4C82-B593-E6124DFADBE2}" type="datetime1">
               <a:rPr lang="en-US" smtClean="0"/>
-              <a:t>4/13/2023</a:t>
+              <a:t>4/18/23</a:t>
             </a:fld>
             <a:endParaRPr lang="en-US" dirty="0"/>
           </a:p>
@@ -1919,7 +1921,7 @@
           <a:p>
             <a:fld id="{D9DF0F1C-5577-4ACB-BB62-DF8F3C494C7E}" type="datetime1">
               <a:rPr lang="en-US" smtClean="0"/>
-              <a:t>4/13/2023</a:t>
+              <a:t>4/18/23</a:t>
             </a:fld>
             <a:endParaRPr lang="en-US" dirty="0"/>
           </a:p>
@@ -2055,7 +2057,7 @@
           <a:p>
             <a:fld id="{1775B394-D9F9-4F0C-B15D-605F45CB9E9F}" type="datetime1">
               <a:rPr lang="en-US" smtClean="0"/>
-              <a:t>4/13/2023</a:t>
+              <a:t>4/18/23</a:t>
             </a:fld>
             <a:endParaRPr lang="en-US" dirty="0"/>
           </a:p>
@@ -2212,7 +2214,7 @@
           <a:p>
             <a:fld id="{39667345-2558-425A-8533-9BFDBCE15005}" type="datetime1">
               <a:rPr lang="en-US" smtClean="0"/>
-              <a:t>4/13/2023</a:t>
+              <a:t>4/18/23</a:t>
             </a:fld>
             <a:endParaRPr lang="en-US" dirty="0"/>
           </a:p>
@@ -2541,7 +2543,7 @@
           <a:p>
             <a:fld id="{92BEA474-078D-4E9B-9B14-09A87B19DC46}" type="datetime1">
               <a:rPr lang="en-US" smtClean="0"/>
-              <a:t>4/13/2023</a:t>
+              <a:t>4/18/23</a:t>
             </a:fld>
             <a:endParaRPr lang="en-US" dirty="0"/>
           </a:p>
@@ -2891,7 +2893,7 @@
           <a:p>
             <a:fld id="{4907D986-8816-4272-A432-0437A28A9828}" type="datetime1">
               <a:rPr lang="en-US" smtClean="0"/>
-              <a:t>4/13/2023</a:t>
+              <a:t>4/18/23</a:t>
             </a:fld>
             <a:endParaRPr lang="en-US" dirty="0"/>
           </a:p>
@@ -3152,7 +3154,7 @@
           <a:p>
             <a:fld id="{62D6E202-B606-4609-B914-27C9371A1F6D}" type="datetime1">
               <a:rPr lang="en-US" smtClean="0"/>
-              <a:t>4/13/2023</a:t>
+              <a:t>4/18/23</a:t>
             </a:fld>
             <a:endParaRPr lang="en-US" dirty="0"/>
           </a:p>
@@ -4151,63 +4153,38 @@
           <a:p>
             <a:r>
               <a:rPr lang="en-US" dirty="0"/>
-              <a:t>Draft – 100 Top Cities</a:t>
+              <a:t>City Table</a:t>
             </a:r>
           </a:p>
         </p:txBody>
       </p:sp>
-      <p:sp>
-        <p:nvSpPr>
-          <p:cNvPr id="5" name="Content Placeholder 4">
+      <p:pic>
+        <p:nvPicPr>
+          <p:cNvPr id="6" name="Content Placeholder 5" descr="Table&#10;&#10;Description automatically generated">
             <a:extLst>
               <a:ext uri="{FF2B5EF4-FFF2-40B4-BE49-F238E27FC236}">
-                <a16:creationId xmlns:a16="http://schemas.microsoft.com/office/drawing/2014/main" id="{73A7EBCF-5494-2CF5-208B-5F6B01D509BF}"/>
-              </a:ext>
-            </a:extLst>
-          </p:cNvPr>
-          <p:cNvSpPr>
-            <a:spLocks noGrp="1"/>
-          </p:cNvSpPr>
-          <p:nvPr>
-            <p:ph idx="1"/>
-          </p:nvPr>
-        </p:nvSpPr>
-        <p:spPr/>
-        <p:txBody>
-          <a:bodyPr/>
-          <a:lstStyle/>
-          <a:p>
-            <a:endParaRPr lang="en-US" dirty="0"/>
-          </a:p>
-        </p:txBody>
-      </p:sp>
-      <p:pic>
-        <p:nvPicPr>
-          <p:cNvPr id="3" name="Picture 2" descr="Graphical user interface, application, table&#10;&#10;Description automatically generated">
-            <a:extLst>
-              <a:ext uri="{FF2B5EF4-FFF2-40B4-BE49-F238E27FC236}">
-                <a16:creationId xmlns:a16="http://schemas.microsoft.com/office/drawing/2014/main" id="{E8348A72-9CD8-6DC4-6CB0-50DDAD70DD9A}"/>
+                <a16:creationId xmlns:a16="http://schemas.microsoft.com/office/drawing/2014/main" id="{4C5F2816-71EC-1E1D-BE2D-60A539D38214}"/>
               </a:ext>
             </a:extLst>
           </p:cNvPr>
           <p:cNvPicPr>
-            <a:picLocks noChangeAspect="1"/>
+            <a:picLocks noGrp="1" noChangeAspect="1"/>
           </p:cNvPicPr>
-          <p:nvPr/>
+          <p:nvPr>
+            <p:ph idx="1"/>
+          </p:nvPr>
         </p:nvPicPr>
-        <p:blipFill rotWithShape="1">
+        <p:blipFill>
           <a:blip r:embed="rId2"/>
-          <a:srcRect t="-50678" r="12290" b="9761"/>
-          <a:stretch/>
+          <a:stretch>
+            <a:fillRect/>
+          </a:stretch>
         </p:blipFill>
         <p:spPr>
           <a:xfrm>
-            <a:off x="6244078" y="429905"/>
-            <a:ext cx="4667307" cy="5500048"/>
+            <a:off x="1112520" y="1952752"/>
+            <a:ext cx="5336454" cy="3760788"/>
           </a:xfrm>
-          <a:prstGeom prst="rect">
-            <a:avLst/>
-          </a:prstGeom>
         </p:spPr>
       </p:pic>
     </p:spTree>
@@ -4270,24 +4247,17 @@
           <a:p>
             <a:r>
               <a:rPr lang="en-US" dirty="0"/>
-              <a:t>Draft – Database Structure</a:t>
-            </a:r>
-            <a:br>
-              <a:rPr lang="en-US" dirty="0"/>
-            </a:br>
-            <a:r>
-              <a:rPr lang="en-US" dirty="0"/>
-              <a:t>Adam will get us another pic</a:t>
+              <a:t>Air Pollution by City Table</a:t>
             </a:r>
           </a:p>
         </p:txBody>
       </p:sp>
       <p:pic>
         <p:nvPicPr>
-          <p:cNvPr id="3" name="Content Placeholder 2" descr="Graphical user interface, application&#10;&#10;Description automatically generated">
+          <p:cNvPr id="11" name="Content Placeholder 10" descr="Table&#10;&#10;Description automatically generated">
             <a:extLst>
               <a:ext uri="{FF2B5EF4-FFF2-40B4-BE49-F238E27FC236}">
-                <a16:creationId xmlns:a16="http://schemas.microsoft.com/office/drawing/2014/main" id="{F436DB3B-A9FA-11BD-49EB-7195A734A590}"/>
+                <a16:creationId xmlns:a16="http://schemas.microsoft.com/office/drawing/2014/main" id="{A82E8A4B-4A28-E57D-1A8A-A83D58E5D76B}"/>
               </a:ext>
             </a:extLst>
           </p:cNvPr>
@@ -4298,27 +4268,17 @@
             <p:ph idx="1"/>
           </p:nvPr>
         </p:nvPicPr>
-        <p:blipFill rotWithShape="1">
+        <p:blipFill>
           <a:blip r:embed="rId2"/>
-          <a:srcRect t="7787"/>
-          <a:stretch/>
+          <a:stretch>
+            <a:fillRect/>
+          </a:stretch>
         </p:blipFill>
-        <p:spPr bwMode="auto">
+        <p:spPr>
           <a:xfrm>
-            <a:off x="4182939" y="2108200"/>
-            <a:ext cx="3886447" cy="3760788"/>
+            <a:off x="1213523" y="2071624"/>
+            <a:ext cx="7100367" cy="3760788"/>
           </a:xfrm>
-          <a:prstGeom prst="rect">
-            <a:avLst/>
-          </a:prstGeom>
-          <a:ln>
-            <a:noFill/>
-          </a:ln>
-          <a:extLst>
-            <a:ext uri="{53640926-AAD7-44D8-BBD7-CCE9431645EC}">
-              <a14:shadowObscured xmlns:a14="http://schemas.microsoft.com/office/drawing/2010/main"/>
-            </a:ext>
-          </a:extLst>
         </p:spPr>
       </p:pic>
     </p:spTree>
@@ -4356,7 +4316,7 @@
           <p:cNvPr id="2" name="Title 1">
             <a:extLst>
               <a:ext uri="{FF2B5EF4-FFF2-40B4-BE49-F238E27FC236}">
-                <a16:creationId xmlns:a16="http://schemas.microsoft.com/office/drawing/2014/main" id="{75AC86D3-8FD1-4F47-A319-7D0542E48B2F}"/>
+                <a16:creationId xmlns:a16="http://schemas.microsoft.com/office/drawing/2014/main" id="{5D359F55-A55E-214C-21A3-EC9A98063960}"/>
               </a:ext>
             </a:extLst>
           </p:cNvPr>
@@ -4367,260 +4327,51 @@
             <p:ph type="title"/>
           </p:nvPr>
         </p:nvSpPr>
-        <p:spPr>
-          <a:xfrm>
-            <a:off x="1097280" y="286603"/>
-            <a:ext cx="10058400" cy="1450757"/>
-          </a:xfrm>
-        </p:spPr>
-        <p:txBody>
-          <a:bodyPr vert="horz" lIns="91440" tIns="45720" rIns="91440" bIns="45720" rtlCol="0">
-            <a:normAutofit/>
-          </a:bodyPr>
-          <a:lstStyle/>
-          <a:p>
-            <a:pPr marR="0" lvl="0">
-              <a:lnSpc>
-                <a:spcPct val="115000"/>
-              </a:lnSpc>
-              <a:spcBef>
-                <a:spcPts val="0"/>
-              </a:spcBef>
-              <a:spcAft>
-                <a:spcPts val="0"/>
-              </a:spcAft>
-              <a:tabLst>
-                <a:tab pos="228600" algn="l"/>
-              </a:tabLst>
-            </a:pPr>
-            <a:r>
-              <a:rPr lang="en-US" sz="4800" b="1" dirty="0">
-                <a:solidFill>
-                  <a:srgbClr val="2B2B2B"/>
-                </a:solidFill>
-                <a:effectLst/>
-                <a:latin typeface="Calibri" panose="020F0502020204030204" pitchFamily="34" charset="0"/>
-                <a:ea typeface="Times New Roman" panose="02020603050405020304" pitchFamily="18" charset="0"/>
-                <a:cs typeface="Calibri" panose="020F0502020204030204" pitchFamily="34" charset="0"/>
-              </a:rPr>
-              <a:t>Exploratory Analysis with Visualization</a:t>
-            </a:r>
-            <a:endParaRPr lang="en-US" sz="4800" dirty="0">
-              <a:effectLst/>
-              <a:latin typeface="Calibri" panose="020F0502020204030204" pitchFamily="34" charset="0"/>
-              <a:ea typeface="Calibri" panose="020F0502020204030204" pitchFamily="34" charset="0"/>
-              <a:cs typeface="Times New Roman" panose="02020603050405020304" pitchFamily="18" charset="0"/>
-            </a:endParaRPr>
-          </a:p>
-        </p:txBody>
-      </p:sp>
-      <p:sp>
-        <p:nvSpPr>
-          <p:cNvPr id="5" name="Content Placeholder 4">
-            <a:extLst>
-              <a:ext uri="{FF2B5EF4-FFF2-40B4-BE49-F238E27FC236}">
-                <a16:creationId xmlns:a16="http://schemas.microsoft.com/office/drawing/2014/main" id="{73A7EBCF-5494-2CF5-208B-5F6B01D509BF}"/>
-              </a:ext>
-            </a:extLst>
-          </p:cNvPr>
-          <p:cNvSpPr>
-            <a:spLocks noGrp="1"/>
-          </p:cNvSpPr>
-          <p:nvPr>
-            <p:ph idx="1"/>
-          </p:nvPr>
-        </p:nvSpPr>
         <p:spPr/>
         <p:txBody>
           <a:bodyPr/>
           <a:lstStyle/>
           <a:p>
-            <a:pPr marL="457200" marR="0">
-              <a:lnSpc>
-                <a:spcPct val="115000"/>
-              </a:lnSpc>
-              <a:spcBef>
-                <a:spcPts val="0"/>
-              </a:spcBef>
-              <a:spcAft>
-                <a:spcPts val="0"/>
-              </a:spcAft>
-            </a:pPr>
-            <a:r>
-              <a:rPr lang="en-US" sz="1100" dirty="0">
-                <a:solidFill>
-                  <a:srgbClr val="2B2B2B"/>
-                </a:solidFill>
-                <a:effectLst/>
-                <a:latin typeface="Calibri" panose="020F0502020204030204" pitchFamily="34" charset="0"/>
-                <a:ea typeface="Times New Roman" panose="02020603050405020304" pitchFamily="18" charset="0"/>
-                <a:cs typeface="Calibri" panose="020F0502020204030204" pitchFamily="34" charset="0"/>
-              </a:rPr>
-              <a:t>Tableau</a:t>
-            </a:r>
-            <a:endParaRPr lang="en-US" sz="1100" dirty="0">
-              <a:effectLst/>
-              <a:latin typeface="Calibri" panose="020F0502020204030204" pitchFamily="34" charset="0"/>
-              <a:ea typeface="Calibri" panose="020F0502020204030204" pitchFamily="34" charset="0"/>
-              <a:cs typeface="Times New Roman" panose="02020603050405020304" pitchFamily="18" charset="0"/>
-            </a:endParaRPr>
-          </a:p>
-          <a:p>
-            <a:pPr marL="457200" marR="0">
-              <a:lnSpc>
-                <a:spcPct val="115000"/>
-              </a:lnSpc>
-              <a:spcBef>
-                <a:spcPts val="0"/>
-              </a:spcBef>
-              <a:spcAft>
-                <a:spcPts val="1000"/>
-              </a:spcAft>
-            </a:pPr>
-            <a:r>
-              <a:rPr lang="en-US" sz="1100" dirty="0">
-                <a:solidFill>
-                  <a:srgbClr val="2B2B2B"/>
-                </a:solidFill>
-                <a:effectLst/>
-                <a:latin typeface="Calibri" panose="020F0502020204030204" pitchFamily="34" charset="0"/>
-                <a:ea typeface="Times New Roman" panose="02020603050405020304" pitchFamily="18" charset="0"/>
-                <a:cs typeface="Calibri" panose="020F0502020204030204" pitchFamily="34" charset="0"/>
-              </a:rPr>
-              <a:t> </a:t>
-            </a:r>
-            <a:endParaRPr lang="en-US" sz="1100" dirty="0">
-              <a:effectLst/>
-              <a:latin typeface="Calibri" panose="020F0502020204030204" pitchFamily="34" charset="0"/>
-              <a:ea typeface="Calibri" panose="020F0502020204030204" pitchFamily="34" charset="0"/>
-              <a:cs typeface="Times New Roman" panose="02020603050405020304" pitchFamily="18" charset="0"/>
-            </a:endParaRPr>
-          </a:p>
-          <a:p>
-            <a:pPr marL="457200" marR="0">
-              <a:lnSpc>
-                <a:spcPct val="115000"/>
-              </a:lnSpc>
-              <a:spcBef>
-                <a:spcPts val="0"/>
-              </a:spcBef>
-              <a:spcAft>
-                <a:spcPts val="0"/>
-              </a:spcAft>
-            </a:pPr>
-            <a:r>
-              <a:rPr lang="en-US" sz="1100" dirty="0">
-                <a:solidFill>
-                  <a:srgbClr val="2B2B2B"/>
-                </a:solidFill>
-                <a:effectLst/>
-                <a:latin typeface="Calibri" panose="020F0502020204030204" pitchFamily="34" charset="0"/>
-                <a:ea typeface="Times New Roman" panose="02020603050405020304" pitchFamily="18" charset="0"/>
-                <a:cs typeface="Calibri" panose="020F0502020204030204" pitchFamily="34" charset="0"/>
-              </a:rPr>
-              <a:t> </a:t>
-            </a:r>
-            <a:endParaRPr lang="en-US" sz="1100" dirty="0">
-              <a:effectLst/>
-              <a:latin typeface="Calibri" panose="020F0502020204030204" pitchFamily="34" charset="0"/>
-              <a:ea typeface="Calibri" panose="020F0502020204030204" pitchFamily="34" charset="0"/>
-              <a:cs typeface="Times New Roman" panose="02020603050405020304" pitchFamily="18" charset="0"/>
-            </a:endParaRPr>
-          </a:p>
-          <a:p>
-            <a:pPr marL="342900" marR="0" lvl="0" indent="-342900">
-              <a:lnSpc>
-                <a:spcPct val="115000"/>
-              </a:lnSpc>
-              <a:spcBef>
-                <a:spcPts val="0"/>
-              </a:spcBef>
-              <a:spcAft>
-                <a:spcPts val="0"/>
-              </a:spcAft>
-              <a:buFont typeface="+mj-lt"/>
-              <a:buAutoNum type="arabicPeriod"/>
-              <a:tabLst>
-                <a:tab pos="228600" algn="l"/>
-              </a:tabLst>
-            </a:pPr>
-            <a:r>
-              <a:rPr lang="en-US" sz="1100" b="1" dirty="0">
-                <a:solidFill>
-                  <a:srgbClr val="2B2B2B"/>
-                </a:solidFill>
-                <a:effectLst/>
-                <a:latin typeface="Calibri" panose="020F0502020204030204" pitchFamily="34" charset="0"/>
-                <a:ea typeface="Times New Roman" panose="02020603050405020304" pitchFamily="18" charset="0"/>
-                <a:cs typeface="Calibri" panose="020F0502020204030204" pitchFamily="34" charset="0"/>
-              </a:rPr>
-              <a:t>Visualize Travel Data</a:t>
-            </a:r>
-            <a:r>
-              <a:rPr lang="en-US" sz="1100" dirty="0">
-                <a:solidFill>
-                  <a:srgbClr val="2B2B2B"/>
-                </a:solidFill>
-                <a:effectLst/>
-                <a:latin typeface="Calibri" panose="020F0502020204030204" pitchFamily="34" charset="0"/>
-                <a:ea typeface="Times New Roman" panose="02020603050405020304" pitchFamily="18" charset="0"/>
-                <a:cs typeface="Calibri" panose="020F0502020204030204" pitchFamily="34" charset="0"/>
-              </a:rPr>
-              <a:t>.</a:t>
-            </a:r>
-            <a:endParaRPr lang="en-US" sz="1100" dirty="0">
-              <a:effectLst/>
-              <a:latin typeface="Calibri" panose="020F0502020204030204" pitchFamily="34" charset="0"/>
-              <a:ea typeface="Calibri" panose="020F0502020204030204" pitchFamily="34" charset="0"/>
-              <a:cs typeface="Times New Roman" panose="02020603050405020304" pitchFamily="18" charset="0"/>
-            </a:endParaRPr>
-          </a:p>
-          <a:p>
-            <a:pPr marL="742950" marR="0" lvl="1" indent="-285750">
-              <a:lnSpc>
-                <a:spcPct val="115000"/>
-              </a:lnSpc>
-              <a:spcBef>
-                <a:spcPts val="0"/>
-              </a:spcBef>
-              <a:spcAft>
-                <a:spcPts val="0"/>
-              </a:spcAft>
-              <a:buSzPts val="1000"/>
-              <a:buFont typeface="Courier New" panose="02070309020205020404" pitchFamily="49" charset="0"/>
-              <a:buChar char="o"/>
-              <a:tabLst>
-                <a:tab pos="685800" algn="l"/>
-              </a:tabLst>
-            </a:pPr>
-            <a:r>
-              <a:rPr lang="en-US" sz="1100" dirty="0">
-                <a:solidFill>
-                  <a:srgbClr val="2B2B2B"/>
-                </a:solidFill>
-                <a:effectLst/>
-                <a:latin typeface="Calibri" panose="020F0502020204030204" pitchFamily="34" charset="0"/>
-                <a:ea typeface="Times New Roman" panose="02020603050405020304" pitchFamily="18" charset="0"/>
-                <a:cs typeface="Calibri" panose="020F0502020204030204" pitchFamily="34" charset="0"/>
-              </a:rPr>
-              <a:t>Travel agents and customers can utilize the weather data to choose the best cities for vacation based on certain weather criteria,</a:t>
-            </a:r>
-            <a:endParaRPr lang="en-US" sz="1100" dirty="0">
-              <a:effectLst/>
-              <a:latin typeface="Calibri" panose="020F0502020204030204" pitchFamily="34" charset="0"/>
-              <a:ea typeface="Calibri" panose="020F0502020204030204" pitchFamily="34" charset="0"/>
-              <a:cs typeface="Times New Roman" panose="02020603050405020304" pitchFamily="18" charset="0"/>
-            </a:endParaRPr>
-          </a:p>
-          <a:p>
-            <a:endParaRPr lang="en-US" dirty="0"/>
+            <a:r>
+              <a:rPr lang="en-US" dirty="0"/>
+              <a:t>Air Quality Look Up</a:t>
+            </a:r>
           </a:p>
         </p:txBody>
       </p:sp>
+      <p:pic>
+        <p:nvPicPr>
+          <p:cNvPr id="5" name="Content Placeholder 4" descr="Table&#10;&#10;Description automatically generated">
+            <a:extLst>
+              <a:ext uri="{FF2B5EF4-FFF2-40B4-BE49-F238E27FC236}">
+                <a16:creationId xmlns:a16="http://schemas.microsoft.com/office/drawing/2014/main" id="{485F1198-B3F3-CEE3-2F8B-9BC3F46AC6CC}"/>
+              </a:ext>
+            </a:extLst>
+          </p:cNvPr>
+          <p:cNvPicPr>
+            <a:picLocks noGrp="1" noChangeAspect="1"/>
+          </p:cNvPicPr>
+          <p:nvPr>
+            <p:ph idx="1"/>
+          </p:nvPr>
+        </p:nvPicPr>
+        <p:blipFill>
+          <a:blip r:embed="rId2"/>
+          <a:stretch>
+            <a:fillRect/>
+          </a:stretch>
+        </p:blipFill>
+        <p:spPr>
+          <a:xfrm>
+            <a:off x="1170153" y="2044192"/>
+            <a:ext cx="5596052" cy="3760788"/>
+          </a:xfrm>
+        </p:spPr>
+      </p:pic>
     </p:spTree>
     <p:extLst>
       <p:ext uri="{BB962C8B-B14F-4D97-AF65-F5344CB8AC3E}">
-        <p14:creationId xmlns:p14="http://schemas.microsoft.com/office/powerpoint/2010/main" val="2140282332"/>
+        <p14:creationId xmlns:p14="http://schemas.microsoft.com/office/powerpoint/2010/main" val="2515695766"/>
       </p:ext>
     </p:extLst>
   </p:cSld>
@@ -4652,6 +4403,389 @@
           <p:cNvPr id="2" name="Title 1">
             <a:extLst>
               <a:ext uri="{FF2B5EF4-FFF2-40B4-BE49-F238E27FC236}">
+                <a16:creationId xmlns:a16="http://schemas.microsoft.com/office/drawing/2014/main" id="{86B434C7-531E-0B02-63E5-1BCEC588C3B7}"/>
+              </a:ext>
+            </a:extLst>
+          </p:cNvPr>
+          <p:cNvSpPr>
+            <a:spLocks noGrp="1"/>
+          </p:cNvSpPr>
+          <p:nvPr>
+            <p:ph type="title"/>
+          </p:nvPr>
+        </p:nvSpPr>
+        <p:spPr/>
+        <p:txBody>
+          <a:bodyPr/>
+          <a:lstStyle/>
+          <a:p>
+            <a:r>
+              <a:rPr lang="en-US" dirty="0"/>
+              <a:t>Query Example</a:t>
+            </a:r>
+          </a:p>
+        </p:txBody>
+      </p:sp>
+      <p:pic>
+        <p:nvPicPr>
+          <p:cNvPr id="5" name="Content Placeholder 4" descr="Graphical user interface, text, application&#10;&#10;Description automatically generated">
+            <a:extLst>
+              <a:ext uri="{FF2B5EF4-FFF2-40B4-BE49-F238E27FC236}">
+                <a16:creationId xmlns:a16="http://schemas.microsoft.com/office/drawing/2014/main" id="{B940F032-B545-3B27-0DD8-D2B4C6A39C8B}"/>
+              </a:ext>
+            </a:extLst>
+          </p:cNvPr>
+          <p:cNvPicPr>
+            <a:picLocks noGrp="1" noChangeAspect="1"/>
+          </p:cNvPicPr>
+          <p:nvPr>
+            <p:ph idx="1"/>
+          </p:nvPr>
+        </p:nvPicPr>
+        <p:blipFill>
+          <a:blip r:embed="rId2"/>
+          <a:stretch>
+            <a:fillRect/>
+          </a:stretch>
+        </p:blipFill>
+        <p:spPr>
+          <a:xfrm>
+            <a:off x="1096963" y="2783405"/>
+            <a:ext cx="10058400" cy="2410377"/>
+          </a:xfrm>
+        </p:spPr>
+      </p:pic>
+    </p:spTree>
+    <p:extLst>
+      <p:ext uri="{BB962C8B-B14F-4D97-AF65-F5344CB8AC3E}">
+        <p14:creationId xmlns:p14="http://schemas.microsoft.com/office/powerpoint/2010/main" val="3717013469"/>
+      </p:ext>
+    </p:extLst>
+  </p:cSld>
+  <p:clrMapOvr>
+    <a:masterClrMapping/>
+  </p:clrMapOvr>
+</p:sld>
+</file>
+
+<file path=ppt/slides/slide14.xml><?xml version="1.0" encoding="utf-8"?>
+<p:sld xmlns:a="http://schemas.openxmlformats.org/drawingml/2006/main" xmlns:r="http://schemas.openxmlformats.org/officeDocument/2006/relationships" xmlns:p="http://schemas.openxmlformats.org/presentationml/2006/main">
+  <p:cSld>
+    <p:spTree>
+      <p:nvGrpSpPr>
+        <p:cNvPr id="1" name=""/>
+        <p:cNvGrpSpPr/>
+        <p:nvPr/>
+      </p:nvGrpSpPr>
+      <p:grpSpPr>
+        <a:xfrm>
+          <a:off x="0" y="0"/>
+          <a:ext cx="0" cy="0"/>
+          <a:chOff x="0" y="0"/>
+          <a:chExt cx="0" cy="0"/>
+        </a:xfrm>
+      </p:grpSpPr>
+      <p:sp>
+        <p:nvSpPr>
+          <p:cNvPr id="2" name="Title 1">
+            <a:extLst>
+              <a:ext uri="{FF2B5EF4-FFF2-40B4-BE49-F238E27FC236}">
+                <a16:creationId xmlns:a16="http://schemas.microsoft.com/office/drawing/2014/main" id="{75AC86D3-8FD1-4F47-A319-7D0542E48B2F}"/>
+              </a:ext>
+            </a:extLst>
+          </p:cNvPr>
+          <p:cNvSpPr>
+            <a:spLocks noGrp="1"/>
+          </p:cNvSpPr>
+          <p:nvPr>
+            <p:ph type="title"/>
+          </p:nvPr>
+        </p:nvSpPr>
+        <p:spPr>
+          <a:xfrm>
+            <a:off x="1097280" y="286603"/>
+            <a:ext cx="10058400" cy="1450757"/>
+          </a:xfrm>
+        </p:spPr>
+        <p:txBody>
+          <a:bodyPr vert="horz" lIns="91440" tIns="45720" rIns="91440" bIns="45720" rtlCol="0">
+            <a:normAutofit/>
+          </a:bodyPr>
+          <a:lstStyle/>
+          <a:p>
+            <a:pPr marR="0" lvl="0">
+              <a:lnSpc>
+                <a:spcPct val="115000"/>
+              </a:lnSpc>
+              <a:spcBef>
+                <a:spcPts val="0"/>
+              </a:spcBef>
+              <a:spcAft>
+                <a:spcPts val="0"/>
+              </a:spcAft>
+              <a:tabLst>
+                <a:tab pos="228600" algn="l"/>
+              </a:tabLst>
+            </a:pPr>
+            <a:r>
+              <a:rPr lang="en-US" sz="4800" b="1" dirty="0">
+                <a:solidFill>
+                  <a:srgbClr val="2B2B2B"/>
+                </a:solidFill>
+                <a:effectLst/>
+                <a:latin typeface="Calibri" panose="020F0502020204030204" pitchFamily="34" charset="0"/>
+                <a:ea typeface="Times New Roman" panose="02020603050405020304" pitchFamily="18" charset="0"/>
+                <a:cs typeface="Calibri" panose="020F0502020204030204" pitchFamily="34" charset="0"/>
+              </a:rPr>
+              <a:t>Exploratory Analysis with Visualization</a:t>
+            </a:r>
+            <a:endParaRPr lang="en-US" sz="4800" dirty="0">
+              <a:effectLst/>
+              <a:latin typeface="Calibri" panose="020F0502020204030204" pitchFamily="34" charset="0"/>
+              <a:ea typeface="Calibri" panose="020F0502020204030204" pitchFamily="34" charset="0"/>
+              <a:cs typeface="Times New Roman" panose="02020603050405020304" pitchFamily="18" charset="0"/>
+            </a:endParaRPr>
+          </a:p>
+        </p:txBody>
+      </p:sp>
+      <p:sp>
+        <p:nvSpPr>
+          <p:cNvPr id="5" name="Content Placeholder 4">
+            <a:extLst>
+              <a:ext uri="{FF2B5EF4-FFF2-40B4-BE49-F238E27FC236}">
+                <a16:creationId xmlns:a16="http://schemas.microsoft.com/office/drawing/2014/main" id="{73A7EBCF-5494-2CF5-208B-5F6B01D509BF}"/>
+              </a:ext>
+            </a:extLst>
+          </p:cNvPr>
+          <p:cNvSpPr>
+            <a:spLocks noGrp="1"/>
+          </p:cNvSpPr>
+          <p:nvPr>
+            <p:ph idx="1"/>
+          </p:nvPr>
+        </p:nvSpPr>
+        <p:spPr/>
+        <p:txBody>
+          <a:bodyPr/>
+          <a:lstStyle/>
+          <a:p>
+            <a:pPr marL="457200" marR="0">
+              <a:lnSpc>
+                <a:spcPct val="115000"/>
+              </a:lnSpc>
+              <a:spcBef>
+                <a:spcPts val="0"/>
+              </a:spcBef>
+              <a:spcAft>
+                <a:spcPts val="0"/>
+              </a:spcAft>
+            </a:pPr>
+            <a:r>
+              <a:rPr lang="en-US" sz="1100" dirty="0">
+                <a:solidFill>
+                  <a:srgbClr val="2B2B2B"/>
+                </a:solidFill>
+                <a:effectLst/>
+                <a:latin typeface="Calibri" panose="020F0502020204030204" pitchFamily="34" charset="0"/>
+                <a:ea typeface="Times New Roman" panose="02020603050405020304" pitchFamily="18" charset="0"/>
+                <a:cs typeface="Calibri" panose="020F0502020204030204" pitchFamily="34" charset="0"/>
+              </a:rPr>
+              <a:t>Tableau</a:t>
+            </a:r>
+            <a:endParaRPr lang="en-US" sz="1100" dirty="0">
+              <a:effectLst/>
+              <a:latin typeface="Calibri" panose="020F0502020204030204" pitchFamily="34" charset="0"/>
+              <a:ea typeface="Calibri" panose="020F0502020204030204" pitchFamily="34" charset="0"/>
+              <a:cs typeface="Times New Roman" panose="02020603050405020304" pitchFamily="18" charset="0"/>
+            </a:endParaRPr>
+          </a:p>
+          <a:p>
+            <a:pPr marL="457200" marR="0">
+              <a:lnSpc>
+                <a:spcPct val="115000"/>
+              </a:lnSpc>
+              <a:spcBef>
+                <a:spcPts val="0"/>
+              </a:spcBef>
+              <a:spcAft>
+                <a:spcPts val="1000"/>
+              </a:spcAft>
+            </a:pPr>
+            <a:r>
+              <a:rPr lang="en-US" sz="1100" dirty="0">
+                <a:solidFill>
+                  <a:srgbClr val="2B2B2B"/>
+                </a:solidFill>
+                <a:effectLst/>
+                <a:latin typeface="Calibri" panose="020F0502020204030204" pitchFamily="34" charset="0"/>
+                <a:ea typeface="Times New Roman" panose="02020603050405020304" pitchFamily="18" charset="0"/>
+                <a:cs typeface="Calibri" panose="020F0502020204030204" pitchFamily="34" charset="0"/>
+              </a:rPr>
+              <a:t> </a:t>
+            </a:r>
+            <a:endParaRPr lang="en-US" sz="1100" dirty="0">
+              <a:effectLst/>
+              <a:latin typeface="Calibri" panose="020F0502020204030204" pitchFamily="34" charset="0"/>
+              <a:ea typeface="Calibri" panose="020F0502020204030204" pitchFamily="34" charset="0"/>
+              <a:cs typeface="Times New Roman" panose="02020603050405020304" pitchFamily="18" charset="0"/>
+            </a:endParaRPr>
+          </a:p>
+          <a:p>
+            <a:pPr marL="457200" marR="0">
+              <a:lnSpc>
+                <a:spcPct val="115000"/>
+              </a:lnSpc>
+              <a:spcBef>
+                <a:spcPts val="0"/>
+              </a:spcBef>
+              <a:spcAft>
+                <a:spcPts val="0"/>
+              </a:spcAft>
+            </a:pPr>
+            <a:r>
+              <a:rPr lang="en-US" sz="1100" dirty="0">
+                <a:solidFill>
+                  <a:srgbClr val="2B2B2B"/>
+                </a:solidFill>
+                <a:effectLst/>
+                <a:latin typeface="Calibri" panose="020F0502020204030204" pitchFamily="34" charset="0"/>
+                <a:ea typeface="Times New Roman" panose="02020603050405020304" pitchFamily="18" charset="0"/>
+                <a:cs typeface="Calibri" panose="020F0502020204030204" pitchFamily="34" charset="0"/>
+              </a:rPr>
+              <a:t> </a:t>
+            </a:r>
+            <a:endParaRPr lang="en-US" sz="1100" dirty="0">
+              <a:effectLst/>
+              <a:latin typeface="Calibri" panose="020F0502020204030204" pitchFamily="34" charset="0"/>
+              <a:ea typeface="Calibri" panose="020F0502020204030204" pitchFamily="34" charset="0"/>
+              <a:cs typeface="Times New Roman" panose="02020603050405020304" pitchFamily="18" charset="0"/>
+            </a:endParaRPr>
+          </a:p>
+          <a:p>
+            <a:pPr marL="342900" marR="0" lvl="0" indent="-342900">
+              <a:lnSpc>
+                <a:spcPct val="115000"/>
+              </a:lnSpc>
+              <a:spcBef>
+                <a:spcPts val="0"/>
+              </a:spcBef>
+              <a:spcAft>
+                <a:spcPts val="0"/>
+              </a:spcAft>
+              <a:buFont typeface="+mj-lt"/>
+              <a:buAutoNum type="arabicPeriod"/>
+              <a:tabLst>
+                <a:tab pos="228600" algn="l"/>
+              </a:tabLst>
+            </a:pPr>
+            <a:r>
+              <a:rPr lang="en-US" sz="1100" b="1" dirty="0">
+                <a:solidFill>
+                  <a:srgbClr val="2B2B2B"/>
+                </a:solidFill>
+                <a:effectLst/>
+                <a:latin typeface="Calibri" panose="020F0502020204030204" pitchFamily="34" charset="0"/>
+                <a:ea typeface="Times New Roman" panose="02020603050405020304" pitchFamily="18" charset="0"/>
+                <a:cs typeface="Calibri" panose="020F0502020204030204" pitchFamily="34" charset="0"/>
+              </a:rPr>
+              <a:t>Visualize Travel Data</a:t>
+            </a:r>
+            <a:r>
+              <a:rPr lang="en-US" sz="1100" dirty="0">
+                <a:solidFill>
+                  <a:srgbClr val="2B2B2B"/>
+                </a:solidFill>
+                <a:effectLst/>
+                <a:latin typeface="Calibri" panose="020F0502020204030204" pitchFamily="34" charset="0"/>
+                <a:ea typeface="Times New Roman" panose="02020603050405020304" pitchFamily="18" charset="0"/>
+                <a:cs typeface="Calibri" panose="020F0502020204030204" pitchFamily="34" charset="0"/>
+              </a:rPr>
+              <a:t>.</a:t>
+            </a:r>
+            <a:endParaRPr lang="en-US" sz="1100" dirty="0">
+              <a:effectLst/>
+              <a:latin typeface="Calibri" panose="020F0502020204030204" pitchFamily="34" charset="0"/>
+              <a:ea typeface="Calibri" panose="020F0502020204030204" pitchFamily="34" charset="0"/>
+              <a:cs typeface="Times New Roman" panose="02020603050405020304" pitchFamily="18" charset="0"/>
+            </a:endParaRPr>
+          </a:p>
+          <a:p>
+            <a:pPr marL="742950" marR="0" lvl="1" indent="-285750">
+              <a:lnSpc>
+                <a:spcPct val="115000"/>
+              </a:lnSpc>
+              <a:spcBef>
+                <a:spcPts val="0"/>
+              </a:spcBef>
+              <a:spcAft>
+                <a:spcPts val="0"/>
+              </a:spcAft>
+              <a:buSzPts val="1000"/>
+              <a:buFont typeface="Courier New" panose="02070309020205020404" pitchFamily="49" charset="0"/>
+              <a:buChar char="o"/>
+              <a:tabLst>
+                <a:tab pos="685800" algn="l"/>
+              </a:tabLst>
+            </a:pPr>
+            <a:r>
+              <a:rPr lang="en-US" sz="1100" dirty="0">
+                <a:solidFill>
+                  <a:srgbClr val="2B2B2B"/>
+                </a:solidFill>
+                <a:effectLst/>
+                <a:latin typeface="Calibri" panose="020F0502020204030204" pitchFamily="34" charset="0"/>
+                <a:ea typeface="Times New Roman" panose="02020603050405020304" pitchFamily="18" charset="0"/>
+                <a:cs typeface="Calibri" panose="020F0502020204030204" pitchFamily="34" charset="0"/>
+              </a:rPr>
+              <a:t>Travel agents and customers can utilize the weather data to choose the best cities for vacation based on certain weather criteria,</a:t>
+            </a:r>
+            <a:endParaRPr lang="en-US" sz="1100" dirty="0">
+              <a:effectLst/>
+              <a:latin typeface="Calibri" panose="020F0502020204030204" pitchFamily="34" charset="0"/>
+              <a:ea typeface="Calibri" panose="020F0502020204030204" pitchFamily="34" charset="0"/>
+              <a:cs typeface="Times New Roman" panose="02020603050405020304" pitchFamily="18" charset="0"/>
+            </a:endParaRPr>
+          </a:p>
+          <a:p>
+            <a:endParaRPr lang="en-US" dirty="0"/>
+          </a:p>
+        </p:txBody>
+      </p:sp>
+    </p:spTree>
+    <p:extLst>
+      <p:ext uri="{BB962C8B-B14F-4D97-AF65-F5344CB8AC3E}">
+        <p14:creationId xmlns:p14="http://schemas.microsoft.com/office/powerpoint/2010/main" val="2140282332"/>
+      </p:ext>
+    </p:extLst>
+  </p:cSld>
+  <p:clrMapOvr>
+    <a:masterClrMapping/>
+  </p:clrMapOvr>
+</p:sld>
+</file>
+
+<file path=ppt/slides/slide15.xml><?xml version="1.0" encoding="utf-8"?>
+<p:sld xmlns:a="http://schemas.openxmlformats.org/drawingml/2006/main" xmlns:r="http://schemas.openxmlformats.org/officeDocument/2006/relationships" xmlns:p="http://schemas.openxmlformats.org/presentationml/2006/main">
+  <p:cSld>
+    <p:spTree>
+      <p:nvGrpSpPr>
+        <p:cNvPr id="1" name=""/>
+        <p:cNvGrpSpPr/>
+        <p:nvPr/>
+      </p:nvGrpSpPr>
+      <p:grpSpPr>
+        <a:xfrm>
+          <a:off x="0" y="0"/>
+          <a:ext cx="0" cy="0"/>
+          <a:chOff x="0" y="0"/>
+          <a:chExt cx="0" cy="0"/>
+        </a:xfrm>
+      </p:grpSpPr>
+      <p:sp>
+        <p:nvSpPr>
+          <p:cNvPr id="2" name="Title 1">
+            <a:extLst>
+              <a:ext uri="{FF2B5EF4-FFF2-40B4-BE49-F238E27FC236}">
                 <a16:creationId xmlns:a16="http://schemas.microsoft.com/office/drawing/2014/main" id="{75AC86D3-8FD1-4F47-A319-7D0542E48B2F}"/>
               </a:ext>
             </a:extLst>
@@ -4766,7 +4900,7 @@
 </p:sld>
 </file>
 
-<file path=ppt/slides/slide14.xml><?xml version="1.0" encoding="utf-8"?>
+<file path=ppt/slides/slide16.xml><?xml version="1.0" encoding="utf-8"?>
 <p:sld xmlns:a="http://schemas.openxmlformats.org/drawingml/2006/main" xmlns:r="http://schemas.openxmlformats.org/officeDocument/2006/relationships" xmlns:p="http://schemas.openxmlformats.org/presentationml/2006/main">
   <p:cSld>
     <p:spTree>
@@ -4967,7 +5101,7 @@
 </p:sld>
 </file>
 
-<file path=ppt/slides/slide15.xml><?xml version="1.0" encoding="utf-8"?>
+<file path=ppt/slides/slide17.xml><?xml version="1.0" encoding="utf-8"?>
 <p:sld xmlns:a="http://schemas.openxmlformats.org/drawingml/2006/main" xmlns:r="http://schemas.openxmlformats.org/officeDocument/2006/relationships" xmlns:p="http://schemas.openxmlformats.org/presentationml/2006/main">
   <p:cSld>
     <p:spTree>
@@ -5183,7 +5317,7 @@
 </p:sld>
 </file>
 
-<file path=ppt/slides/slide16.xml><?xml version="1.0" encoding="utf-8"?>
+<file path=ppt/slides/slide18.xml><?xml version="1.0" encoding="utf-8"?>
 <p:sld xmlns:a="http://schemas.openxmlformats.org/drawingml/2006/main" xmlns:r="http://schemas.openxmlformats.org/officeDocument/2006/relationships" xmlns:p="http://schemas.openxmlformats.org/presentationml/2006/main">
   <p:cSld>
     <p:spTree>
@@ -5472,7 +5606,7 @@
 </p:sld>
 </file>
 
-<file path=ppt/slides/slide17.xml><?xml version="1.0" encoding="utf-8"?>
+<file path=ppt/slides/slide19.xml><?xml version="1.0" encoding="utf-8"?>
 <p:sld xmlns:a="http://schemas.openxmlformats.org/drawingml/2006/main" xmlns:r="http://schemas.openxmlformats.org/officeDocument/2006/relationships" xmlns:p="http://schemas.openxmlformats.org/presentationml/2006/main">
   <p:cSld>
     <p:spTree>
@@ -7849,72 +7983,225 @@
           <a:p>
             <a:r>
               <a:rPr lang="en-US" dirty="0"/>
-              <a:t>Draft – Air Quality Database</a:t>
+              <a:t>Project Database</a:t>
             </a:r>
           </a:p>
         </p:txBody>
       </p:sp>
-      <p:pic>
-        <p:nvPicPr>
-          <p:cNvPr id="3" name="Picture 2" descr="A screenshot of a computer&#10;&#10;Description automatically generated">
+      <p:sp>
+        <p:nvSpPr>
+          <p:cNvPr id="5" name="Content Placeholder 4">
             <a:extLst>
               <a:ext uri="{FF2B5EF4-FFF2-40B4-BE49-F238E27FC236}">
-                <a16:creationId xmlns:a16="http://schemas.microsoft.com/office/drawing/2014/main" id="{825C7CDC-B109-6CF1-01EA-32CA986C2B79}"/>
+                <a16:creationId xmlns:a16="http://schemas.microsoft.com/office/drawing/2014/main" id="{C4667B24-87F1-2240-50D3-7329CFCD29A3}"/>
               </a:ext>
             </a:extLst>
           </p:cNvPr>
-          <p:cNvPicPr>
-            <a:picLocks noChangeAspect="1"/>
-          </p:cNvPicPr>
-          <p:nvPr/>
-        </p:nvPicPr>
-        <p:blipFill>
-          <a:blip r:embed="rId2"/>
-          <a:stretch>
-            <a:fillRect/>
-          </a:stretch>
-        </p:blipFill>
-        <p:spPr>
-          <a:xfrm>
-            <a:off x="1302224" y="2489299"/>
-            <a:ext cx="4293359" cy="2850380"/>
-          </a:xfrm>
-          <a:prstGeom prst="rect">
-            <a:avLst/>
-          </a:prstGeom>
-        </p:spPr>
-      </p:pic>
-      <p:pic>
-        <p:nvPicPr>
-          <p:cNvPr id="6" name="Content Placeholder 5" descr="Graphical user interface, application, table&#10;&#10;Description automatically generated">
-            <a:extLst>
-              <a:ext uri="{FF2B5EF4-FFF2-40B4-BE49-F238E27FC236}">
-                <a16:creationId xmlns:a16="http://schemas.microsoft.com/office/drawing/2014/main" id="{54D95C40-D334-C323-1CD0-1551082C2981}"/>
-              </a:ext>
-            </a:extLst>
-          </p:cNvPr>
-          <p:cNvPicPr>
-            <a:picLocks noGrp="1" noChangeAspect="1"/>
-          </p:cNvPicPr>
+          <p:cNvSpPr>
+            <a:spLocks noGrp="1"/>
+          </p:cNvSpPr>
           <p:nvPr>
             <p:ph idx="1"/>
           </p:nvPr>
-        </p:nvPicPr>
-        <p:blipFill rotWithShape="1">
-          <a:blip r:embed="rId3"/>
-          <a:srcRect l="3892" t="-29011" r="20410" b="1160"/>
-          <a:stretch/>
-        </p:blipFill>
-        <p:spPr>
-          <a:xfrm>
-            <a:off x="5534167" y="2258325"/>
-            <a:ext cx="4606119" cy="3760788"/>
-          </a:xfrm>
-          <a:prstGeom prst="rect">
-            <a:avLst/>
-          </a:prstGeom>
-        </p:spPr>
-      </p:pic>
+        </p:nvSpPr>
+        <p:spPr/>
+        <p:txBody>
+          <a:bodyPr>
+            <a:normAutofit fontScale="92500" lnSpcReduction="20000"/>
+          </a:bodyPr>
+          <a:lstStyle/>
+          <a:p>
+            <a:r>
+              <a:rPr lang="en-US" dirty="0"/>
+              <a:t>Using AWS RDS to host the database</a:t>
+            </a:r>
+          </a:p>
+          <a:p>
+            <a:pPr lvl="1"/>
+            <a:r>
+              <a:rPr lang="en-US" dirty="0"/>
+              <a:t>Postgres Database</a:t>
+            </a:r>
+          </a:p>
+          <a:p>
+            <a:pPr lvl="1"/>
+            <a:r>
+              <a:rPr lang="en-US" dirty="0" err="1"/>
+              <a:t>pgAdmin</a:t>
+            </a:r>
+            <a:r>
+              <a:rPr lang="en-US" dirty="0"/>
+              <a:t> to create tables and write queries</a:t>
+            </a:r>
+          </a:p>
+          <a:p>
+            <a:r>
+              <a:rPr lang="en-US" dirty="0"/>
+              <a:t>There are three tables in the database</a:t>
+            </a:r>
+          </a:p>
+          <a:p>
+            <a:pPr lvl="1"/>
+            <a:r>
+              <a:rPr lang="en-US" dirty="0" err="1"/>
+              <a:t>Air_Quality_Lookup</a:t>
+            </a:r>
+            <a:endParaRPr lang="en-US" dirty="0"/>
+          </a:p>
+          <a:p>
+            <a:pPr lvl="2"/>
+            <a:r>
+              <a:rPr lang="en-US" dirty="0"/>
+              <a:t>Description of air quality based on the air quality index</a:t>
+            </a:r>
+          </a:p>
+          <a:p>
+            <a:pPr lvl="1"/>
+            <a:r>
+              <a:rPr lang="en-US" dirty="0" err="1"/>
+              <a:t>Air_Pollution_By_City</a:t>
+            </a:r>
+            <a:endParaRPr lang="en-US" dirty="0"/>
+          </a:p>
+          <a:p>
+            <a:pPr lvl="2"/>
+            <a:r>
+              <a:rPr lang="en-US" dirty="0"/>
+              <a:t>Data pulled using the Open Weather API</a:t>
+            </a:r>
+          </a:p>
+          <a:p>
+            <a:pPr lvl="2"/>
+            <a:r>
+              <a:rPr lang="en-US" dirty="0"/>
+              <a:t>Contains Date, Air Quality Index, </a:t>
+            </a:r>
+            <a:r>
+              <a:rPr lang="en-US" dirty="0" err="1"/>
+              <a:t>City_id</a:t>
+            </a:r>
+            <a:endParaRPr lang="en-US" dirty="0"/>
+          </a:p>
+          <a:p>
+            <a:pPr lvl="2"/>
+            <a:r>
+              <a:rPr lang="en-US" b="0" i="0" dirty="0">
+                <a:solidFill>
+                  <a:srgbClr val="48484A"/>
+                </a:solidFill>
+                <a:effectLst/>
+                <a:latin typeface="Arial" panose="020B0604020202020204" pitchFamily="34" charset="0"/>
+              </a:rPr>
+              <a:t>Carbon monoxide (co), Nitrogen dioxide (no2), Ozone (O</a:t>
+            </a:r>
+            <a:r>
+              <a:rPr lang="en-US" b="0" i="0" baseline="-25000" dirty="0">
+                <a:solidFill>
+                  <a:srgbClr val="48484A"/>
+                </a:solidFill>
+                <a:effectLst/>
+                <a:latin typeface="Arial" panose="020B0604020202020204" pitchFamily="34" charset="0"/>
+              </a:rPr>
+              <a:t>3</a:t>
+            </a:r>
+            <a:r>
+              <a:rPr lang="en-US" b="0" i="0" dirty="0">
+                <a:solidFill>
+                  <a:srgbClr val="48484A"/>
+                </a:solidFill>
+                <a:effectLst/>
+                <a:latin typeface="Arial" panose="020B0604020202020204" pitchFamily="34" charset="0"/>
+              </a:rPr>
+              <a:t>), Sulphur dioxide (so</a:t>
+            </a:r>
+            <a:r>
+              <a:rPr lang="en-US" baseline="-25000" dirty="0">
+                <a:solidFill>
+                  <a:srgbClr val="48484A"/>
+                </a:solidFill>
+                <a:latin typeface="Arial" panose="020B0604020202020204" pitchFamily="34" charset="0"/>
+              </a:rPr>
+              <a:t>2</a:t>
+            </a:r>
+            <a:r>
+              <a:rPr lang="en-US" b="0" i="0" dirty="0">
+                <a:solidFill>
+                  <a:srgbClr val="48484A"/>
+                </a:solidFill>
+                <a:effectLst/>
+                <a:latin typeface="Arial" panose="020B0604020202020204" pitchFamily="34" charset="0"/>
+              </a:rPr>
+              <a:t>), and particulates (PM</a:t>
+            </a:r>
+            <a:r>
+              <a:rPr lang="en-US" b="0" i="0" baseline="-25000" dirty="0">
+                <a:solidFill>
+                  <a:srgbClr val="48484A"/>
+                </a:solidFill>
+                <a:effectLst/>
+                <a:latin typeface="Arial" panose="020B0604020202020204" pitchFamily="34" charset="0"/>
+              </a:rPr>
+              <a:t>2.5</a:t>
+            </a:r>
+            <a:r>
+              <a:rPr lang="en-US" b="0" i="0" dirty="0">
+                <a:solidFill>
+                  <a:srgbClr val="48484A"/>
+                </a:solidFill>
+                <a:effectLst/>
+                <a:latin typeface="Arial" panose="020B0604020202020204" pitchFamily="34" charset="0"/>
+              </a:rPr>
+              <a:t> and PM</a:t>
+            </a:r>
+            <a:r>
+              <a:rPr lang="en-US" b="0" i="0" baseline="-25000" dirty="0">
+                <a:solidFill>
+                  <a:srgbClr val="48484A"/>
+                </a:solidFill>
+                <a:effectLst/>
+                <a:latin typeface="Arial" panose="020B0604020202020204" pitchFamily="34" charset="0"/>
+              </a:rPr>
+              <a:t>10</a:t>
+            </a:r>
+            <a:r>
+              <a:rPr lang="en-US" b="0" i="0" dirty="0">
+                <a:solidFill>
+                  <a:srgbClr val="48484A"/>
+                </a:solidFill>
+                <a:effectLst/>
+                <a:latin typeface="Arial" panose="020B0604020202020204" pitchFamily="34" charset="0"/>
+              </a:rPr>
+              <a:t>)</a:t>
+            </a:r>
+            <a:endParaRPr lang="en-US" dirty="0"/>
+          </a:p>
+          <a:p>
+            <a:pPr lvl="1"/>
+            <a:r>
+              <a:rPr lang="en-US" dirty="0"/>
+              <a:t>City</a:t>
+            </a:r>
+          </a:p>
+          <a:p>
+            <a:pPr lvl="2"/>
+            <a:r>
+              <a:rPr lang="en-US" dirty="0"/>
+              <a:t>100 cities from Kaggle. </a:t>
+            </a:r>
+          </a:p>
+          <a:p>
+            <a:pPr lvl="2"/>
+            <a:r>
+              <a:rPr lang="en-US" dirty="0"/>
+              <a:t>Contains City, Population, Latitude, Longitude</a:t>
+            </a:r>
+          </a:p>
+          <a:p>
+            <a:pPr lvl="2"/>
+            <a:endParaRPr lang="en-US" dirty="0"/>
+          </a:p>
+        </p:txBody>
+      </p:sp>
     </p:spTree>
     <p:extLst>
       <p:ext uri="{BB962C8B-B14F-4D97-AF65-F5344CB8AC3E}">
@@ -8298,15 +8585,6 @@
 </file>
 
 <file path=customXml/item1.xml><?xml version="1.0" encoding="utf-8"?>
-<?mso-contentType ?>
-<FormTemplates xmlns="http://schemas.microsoft.com/sharepoint/v3/contenttype/forms">
-  <Display>DocumentLibraryForm</Display>
-  <Edit>DocumentLibraryForm</Edit>
-  <New>DocumentLibraryForm</New>
-</FormTemplates>
-</file>
-
-<file path=customXml/item2.xml><?xml version="1.0" encoding="utf-8"?>
 <ct:contentTypeSchema xmlns:ct="http://schemas.microsoft.com/office/2006/metadata/contentType" xmlns:ma="http://schemas.microsoft.com/office/2006/metadata/properties/metaAttributes" ct:_="" ma:_="" ma:contentTypeName="Document" ma:contentTypeID="0x01010079F111ED35F8CC479449609E8A0923A6" ma:contentTypeVersion="12" ma:contentTypeDescription="Create a new document." ma:contentTypeScope="" ma:versionID="a410dd7f93c95333ffa1b60ed6adedd1">
   <xsd:schema xmlns:xsd="http://www.w3.org/2001/XMLSchema" xmlns:xs="http://www.w3.org/2001/XMLSchema" xmlns:p="http://schemas.microsoft.com/office/2006/metadata/properties" xmlns:ns2="71af3243-3dd4-4a8d-8c0d-dd76da1f02a5" xmlns:ns3="16c05727-aa75-4e4a-9b5f-8a80a1165891" targetNamespace="http://schemas.microsoft.com/office/2006/metadata/properties" ma:root="true" ma:fieldsID="a936d9baba76aa3866493feff160faab" ns2:_="" ns3:_="">
     <xsd:import namespace="71af3243-3dd4-4a8d-8c0d-dd76da1f02a5"/>
@@ -8527,6 +8805,15 @@
 </ct:contentTypeSchema>
 </file>
 
+<file path=customXml/item2.xml><?xml version="1.0" encoding="utf-8"?>
+<?mso-contentType ?>
+<FormTemplates xmlns="http://schemas.microsoft.com/sharepoint/v3/contenttype/forms">
+  <Display>DocumentLibraryForm</Display>
+  <Edit>DocumentLibraryForm</Edit>
+  <New>DocumentLibraryForm</New>
+</FormTemplates>
+</file>
+
 <file path=customXml/item3.xml><?xml version="1.0" encoding="utf-8"?>
 <p:properties xmlns:p="http://schemas.microsoft.com/office/2006/metadata/properties" xmlns:xsi="http://www.w3.org/2001/XMLSchema-instance" xmlns:pc="http://schemas.microsoft.com/office/infopath/2007/PartnerControls">
   <documentManagement>
@@ -8537,14 +8824,6 @@
 </file>
 
 <file path=customXml/itemProps1.xml><?xml version="1.0" encoding="utf-8"?>
-<ds:datastoreItem xmlns:ds="http://schemas.openxmlformats.org/officeDocument/2006/customXml" ds:itemID="{AA3F7EDC-E5B4-4BBC-9D2A-CBE6D46C37AD}">
-  <ds:schemaRefs>
-    <ds:schemaRef ds:uri="http://schemas.microsoft.com/sharepoint/v3/contenttype/forms"/>
-  </ds:schemaRefs>
-</ds:datastoreItem>
-</file>
-
-<file path=customXml/itemProps2.xml><?xml version="1.0" encoding="utf-8"?>
 <ds:datastoreItem xmlns:ds="http://schemas.openxmlformats.org/officeDocument/2006/customXml" ds:itemID="{93932EF5-314F-409E-8020-FEE5FA0795B9}">
   <ds:schemaRefs>
     <ds:schemaRef ds:uri="http://schemas.microsoft.com/office/2006/metadata/contentType"/>
@@ -8563,6 +8842,14 @@
 </ds:datastoreItem>
 </file>
 
+<file path=customXml/itemProps2.xml><?xml version="1.0" encoding="utf-8"?>
+<ds:datastoreItem xmlns:ds="http://schemas.openxmlformats.org/officeDocument/2006/customXml" ds:itemID="{AA3F7EDC-E5B4-4BBC-9D2A-CBE6D46C37AD}">
+  <ds:schemaRefs>
+    <ds:schemaRef ds:uri="http://schemas.microsoft.com/sharepoint/v3/contenttype/forms"/>
+  </ds:schemaRefs>
+</ds:datastoreItem>
+</file>
+
 <file path=customXml/itemProps3.xml><?xml version="1.0" encoding="utf-8"?>
 <ds:datastoreItem xmlns:ds="http://schemas.openxmlformats.org/officeDocument/2006/customXml" ds:itemID="{A03EEFF0-FB57-4CB4-8BFC-DF397689E2ED}">
   <ds:schemaRefs>
